--- a/Part_02/Section01.pptx
+++ b/Part_02/Section01.pptx
@@ -4,6 +4,9 @@
   <p:sldMasterIdLst>
     <p:sldMasterId id="2147483648" r:id="rId1"/>
   </p:sldMasterIdLst>
+  <p:sldIdLst>
+    <p:sldId id="256" r:id="rId2"/>
+  </p:sldIdLst>
   <p:sldSz cx="12192000" cy="6858000"/>
   <p:notesSz cx="6858000" cy="9144000"/>
   <p:defaultTextStyle>
@@ -101,6 +104,11 @@
       </a:defRPr>
     </a:lvl9pPr>
   </p:defaultTextStyle>
+  <p:extLst>
+    <p:ext uri="{EFAFB233-063F-42B5-8137-9DF3F51BA10A}">
+      <p15:sldGuideLst xmlns:p15="http://schemas.microsoft.com/office/powerpoint/2012/main"/>
+    </p:ext>
+  </p:extLst>
 </p:presentation>
 </file>
 
@@ -235,7 +243,7 @@
           <a:p>
             <a:fld id="{968F8B48-9EEB-4E1A-AB61-E86E4E194647}" type="datetimeFigureOut">
               <a:rPr lang="en-US" smtClean="0"/>
-              <a:t>10/19/2018</a:t>
+              <a:t>10/22/2018</a:t>
             </a:fld>
             <a:endParaRPr lang="en-US"/>
           </a:p>
@@ -405,7 +413,7 @@
           <a:p>
             <a:fld id="{968F8B48-9EEB-4E1A-AB61-E86E4E194647}" type="datetimeFigureOut">
               <a:rPr lang="en-US" smtClean="0"/>
-              <a:t>10/19/2018</a:t>
+              <a:t>10/22/2018</a:t>
             </a:fld>
             <a:endParaRPr lang="en-US"/>
           </a:p>
@@ -585,7 +593,7 @@
           <a:p>
             <a:fld id="{968F8B48-9EEB-4E1A-AB61-E86E4E194647}" type="datetimeFigureOut">
               <a:rPr lang="en-US" smtClean="0"/>
-              <a:t>10/19/2018</a:t>
+              <a:t>10/22/2018</a:t>
             </a:fld>
             <a:endParaRPr lang="en-US"/>
           </a:p>
@@ -755,7 +763,7 @@
           <a:p>
             <a:fld id="{968F8B48-9EEB-4E1A-AB61-E86E4E194647}" type="datetimeFigureOut">
               <a:rPr lang="en-US" smtClean="0"/>
-              <a:t>10/19/2018</a:t>
+              <a:t>10/22/2018</a:t>
             </a:fld>
             <a:endParaRPr lang="en-US"/>
           </a:p>
@@ -1001,7 +1009,7 @@
           <a:p>
             <a:fld id="{968F8B48-9EEB-4E1A-AB61-E86E4E194647}" type="datetimeFigureOut">
               <a:rPr lang="en-US" smtClean="0"/>
-              <a:t>10/19/2018</a:t>
+              <a:t>10/22/2018</a:t>
             </a:fld>
             <a:endParaRPr lang="en-US"/>
           </a:p>
@@ -1233,7 +1241,7 @@
           <a:p>
             <a:fld id="{968F8B48-9EEB-4E1A-AB61-E86E4E194647}" type="datetimeFigureOut">
               <a:rPr lang="en-US" smtClean="0"/>
-              <a:t>10/19/2018</a:t>
+              <a:t>10/22/2018</a:t>
             </a:fld>
             <a:endParaRPr lang="en-US"/>
           </a:p>
@@ -1600,7 +1608,7 @@
           <a:p>
             <a:fld id="{968F8B48-9EEB-4E1A-AB61-E86E4E194647}" type="datetimeFigureOut">
               <a:rPr lang="en-US" smtClean="0"/>
-              <a:t>10/19/2018</a:t>
+              <a:t>10/22/2018</a:t>
             </a:fld>
             <a:endParaRPr lang="en-US"/>
           </a:p>
@@ -1718,7 +1726,7 @@
           <a:p>
             <a:fld id="{968F8B48-9EEB-4E1A-AB61-E86E4E194647}" type="datetimeFigureOut">
               <a:rPr lang="en-US" smtClean="0"/>
-              <a:t>10/19/2018</a:t>
+              <a:t>10/22/2018</a:t>
             </a:fld>
             <a:endParaRPr lang="en-US"/>
           </a:p>
@@ -1813,7 +1821,7 @@
           <a:p>
             <a:fld id="{968F8B48-9EEB-4E1A-AB61-E86E4E194647}" type="datetimeFigureOut">
               <a:rPr lang="en-US" smtClean="0"/>
-              <a:t>10/19/2018</a:t>
+              <a:t>10/22/2018</a:t>
             </a:fld>
             <a:endParaRPr lang="en-US"/>
           </a:p>
@@ -2090,7 +2098,7 @@
           <a:p>
             <a:fld id="{968F8B48-9EEB-4E1A-AB61-E86E4E194647}" type="datetimeFigureOut">
               <a:rPr lang="en-US" smtClean="0"/>
-              <a:t>10/19/2018</a:t>
+              <a:t>10/22/2018</a:t>
             </a:fld>
             <a:endParaRPr lang="en-US"/>
           </a:p>
@@ -2343,7 +2351,7 @@
           <a:p>
             <a:fld id="{968F8B48-9EEB-4E1A-AB61-E86E4E194647}" type="datetimeFigureOut">
               <a:rPr lang="en-US" smtClean="0"/>
-              <a:t>10/19/2018</a:t>
+              <a:t>10/22/2018</a:t>
             </a:fld>
             <a:endParaRPr lang="en-US"/>
           </a:p>
@@ -2556,7 +2564,7 @@
           <a:p>
             <a:fld id="{968F8B48-9EEB-4E1A-AB61-E86E4E194647}" type="datetimeFigureOut">
               <a:rPr lang="en-US" smtClean="0"/>
-              <a:t>10/19/2018</a:t>
+              <a:t>10/22/2018</a:t>
             </a:fld>
             <a:endParaRPr lang="en-US"/>
           </a:p>
@@ -2944,6 +2952,94 @@
 </p:sldMaster>
 </file>
 
+<file path=ppt/slides/slide1.xml><?xml version="1.0" encoding="utf-8"?>
+<p:sld xmlns:a="http://schemas.openxmlformats.org/drawingml/2006/main" xmlns:r="http://schemas.openxmlformats.org/officeDocument/2006/relationships" xmlns:p="http://schemas.openxmlformats.org/presentationml/2006/main">
+  <p:cSld>
+    <p:spTree>
+      <p:nvGrpSpPr>
+        <p:cNvPr id="1" name=""/>
+        <p:cNvGrpSpPr/>
+        <p:nvPr/>
+      </p:nvGrpSpPr>
+      <p:grpSpPr>
+        <a:xfrm>
+          <a:off x="0" y="0"/>
+          <a:ext cx="0" cy="0"/>
+          <a:chOff x="0" y="0"/>
+          <a:chExt cx="0" cy="0"/>
+        </a:xfrm>
+      </p:grpSpPr>
+      <p:sp>
+        <p:nvSpPr>
+          <p:cNvPr id="2" name="Title 1"/>
+          <p:cNvSpPr>
+            <a:spLocks noGrp="1"/>
+          </p:cNvSpPr>
+          <p:nvPr>
+            <p:ph type="ctrTitle"/>
+          </p:nvPr>
+        </p:nvSpPr>
+        <p:spPr/>
+        <p:txBody>
+          <a:bodyPr/>
+          <a:lstStyle/>
+          <a:p>
+            <a:r>
+              <a:rPr lang="en-US" dirty="0" smtClean="0"/>
+              <a:t>HECC 2018</a:t>
+            </a:r>
+            <a:endParaRPr lang="en-US" dirty="0"/>
+          </a:p>
+        </p:txBody>
+      </p:sp>
+      <p:sp>
+        <p:nvSpPr>
+          <p:cNvPr id="3" name="Subtitle 2"/>
+          <p:cNvSpPr>
+            <a:spLocks noGrp="1"/>
+          </p:cNvSpPr>
+          <p:nvPr>
+            <p:ph type="subTitle" idx="1"/>
+          </p:nvPr>
+        </p:nvSpPr>
+        <p:spPr/>
+        <p:txBody>
+          <a:bodyPr/>
+          <a:lstStyle/>
+          <a:p>
+            <a:r>
+              <a:rPr lang="en-US" dirty="0" smtClean="0"/>
+              <a:t>2054 </a:t>
+            </a:r>
+            <a:r>
+              <a:rPr lang="en-US" dirty="0"/>
+              <a:t>- Deploying Windows 10 With MDT (</a:t>
+            </a:r>
+            <a:r>
+              <a:rPr lang="en-US"/>
+              <a:t>Part </a:t>
+            </a:r>
+            <a:r>
+              <a:rPr lang="en-US" smtClean="0"/>
+              <a:t>2)</a:t>
+            </a:r>
+            <a:endParaRPr lang="en-US" dirty="0"/>
+          </a:p>
+        </p:txBody>
+      </p:sp>
+    </p:spTree>
+    <p:extLst>
+      <p:ext uri="{BB962C8B-B14F-4D97-AF65-F5344CB8AC3E}">
+        <p14:creationId xmlns:p14="http://schemas.microsoft.com/office/powerpoint/2010/main" val="3019010423"/>
+      </p:ext>
+    </p:extLst>
+  </p:cSld>
+  <p:clrMapOvr>
+    <a:masterClrMapping/>
+  </p:clrMapOvr>
+</p:sld>
+</file>
+
 <file path=ppt/theme/theme1.xml><?xml version="1.0" encoding="utf-8"?>
 <a:theme xmlns:a="http://schemas.openxmlformats.org/drawingml/2006/main" name="Office Theme">
   <a:themeElements>

--- a/Part_02/Section01.pptx
+++ b/Part_02/Section01.pptx
@@ -6,6 +6,10 @@
   </p:sldMasterIdLst>
   <p:sldIdLst>
     <p:sldId id="256" r:id="rId2"/>
+    <p:sldId id="257" r:id="rId3"/>
+    <p:sldId id="258" r:id="rId4"/>
+    <p:sldId id="259" r:id="rId5"/>
+    <p:sldId id="260" r:id="rId6"/>
   </p:sldIdLst>
   <p:sldSz cx="12192000" cy="6858000"/>
   <p:notesSz cx="6858000" cy="9144000"/>
@@ -243,7 +247,7 @@
           <a:p>
             <a:fld id="{968F8B48-9EEB-4E1A-AB61-E86E4E194647}" type="datetimeFigureOut">
               <a:rPr lang="en-US" smtClean="0"/>
-              <a:t>10/22/2018</a:t>
+              <a:t>11/3/2018</a:t>
             </a:fld>
             <a:endParaRPr lang="en-US"/>
           </a:p>
@@ -413,7 +417,7 @@
           <a:p>
             <a:fld id="{968F8B48-9EEB-4E1A-AB61-E86E4E194647}" type="datetimeFigureOut">
               <a:rPr lang="en-US" smtClean="0"/>
-              <a:t>10/22/2018</a:t>
+              <a:t>11/3/2018</a:t>
             </a:fld>
             <a:endParaRPr lang="en-US"/>
           </a:p>
@@ -593,7 +597,7 @@
           <a:p>
             <a:fld id="{968F8B48-9EEB-4E1A-AB61-E86E4E194647}" type="datetimeFigureOut">
               <a:rPr lang="en-US" smtClean="0"/>
-              <a:t>10/22/2018</a:t>
+              <a:t>11/3/2018</a:t>
             </a:fld>
             <a:endParaRPr lang="en-US"/>
           </a:p>
@@ -763,7 +767,7 @@
           <a:p>
             <a:fld id="{968F8B48-9EEB-4E1A-AB61-E86E4E194647}" type="datetimeFigureOut">
               <a:rPr lang="en-US" smtClean="0"/>
-              <a:t>10/22/2018</a:t>
+              <a:t>11/3/2018</a:t>
             </a:fld>
             <a:endParaRPr lang="en-US"/>
           </a:p>
@@ -1009,7 +1013,7 @@
           <a:p>
             <a:fld id="{968F8B48-9EEB-4E1A-AB61-E86E4E194647}" type="datetimeFigureOut">
               <a:rPr lang="en-US" smtClean="0"/>
-              <a:t>10/22/2018</a:t>
+              <a:t>11/3/2018</a:t>
             </a:fld>
             <a:endParaRPr lang="en-US"/>
           </a:p>
@@ -1241,7 +1245,7 @@
           <a:p>
             <a:fld id="{968F8B48-9EEB-4E1A-AB61-E86E4E194647}" type="datetimeFigureOut">
               <a:rPr lang="en-US" smtClean="0"/>
-              <a:t>10/22/2018</a:t>
+              <a:t>11/3/2018</a:t>
             </a:fld>
             <a:endParaRPr lang="en-US"/>
           </a:p>
@@ -1608,7 +1612,7 @@
           <a:p>
             <a:fld id="{968F8B48-9EEB-4E1A-AB61-E86E4E194647}" type="datetimeFigureOut">
               <a:rPr lang="en-US" smtClean="0"/>
-              <a:t>10/22/2018</a:t>
+              <a:t>11/3/2018</a:t>
             </a:fld>
             <a:endParaRPr lang="en-US"/>
           </a:p>
@@ -1726,7 +1730,7 @@
           <a:p>
             <a:fld id="{968F8B48-9EEB-4E1A-AB61-E86E4E194647}" type="datetimeFigureOut">
               <a:rPr lang="en-US" smtClean="0"/>
-              <a:t>10/22/2018</a:t>
+              <a:t>11/3/2018</a:t>
             </a:fld>
             <a:endParaRPr lang="en-US"/>
           </a:p>
@@ -1821,7 +1825,7 @@
           <a:p>
             <a:fld id="{968F8B48-9EEB-4E1A-AB61-E86E4E194647}" type="datetimeFigureOut">
               <a:rPr lang="en-US" smtClean="0"/>
-              <a:t>10/22/2018</a:t>
+              <a:t>11/3/2018</a:t>
             </a:fld>
             <a:endParaRPr lang="en-US"/>
           </a:p>
@@ -2098,7 +2102,7 @@
           <a:p>
             <a:fld id="{968F8B48-9EEB-4E1A-AB61-E86E4E194647}" type="datetimeFigureOut">
               <a:rPr lang="en-US" smtClean="0"/>
-              <a:t>10/22/2018</a:t>
+              <a:t>11/3/2018</a:t>
             </a:fld>
             <a:endParaRPr lang="en-US"/>
           </a:p>
@@ -2351,7 +2355,7 @@
           <a:p>
             <a:fld id="{968F8B48-9EEB-4E1A-AB61-E86E4E194647}" type="datetimeFigureOut">
               <a:rPr lang="en-US" smtClean="0"/>
-              <a:t>10/22/2018</a:t>
+              <a:t>11/3/2018</a:t>
             </a:fld>
             <a:endParaRPr lang="en-US"/>
           </a:p>
@@ -2564,7 +2568,7 @@
           <a:p>
             <a:fld id="{968F8B48-9EEB-4E1A-AB61-E86E4E194647}" type="datetimeFigureOut">
               <a:rPr lang="en-US" smtClean="0"/>
-              <a:t>10/22/2018</a:t>
+              <a:t>11/3/2018</a:t>
             </a:fld>
             <a:endParaRPr lang="en-US"/>
           </a:p>
@@ -3040,6 +3044,362 @@
 </p:sld>
 </file>
 
+<file path=ppt/slides/slide2.xml><?xml version="1.0" encoding="utf-8"?>
+<p:sld xmlns:a="http://schemas.openxmlformats.org/drawingml/2006/main" xmlns:r="http://schemas.openxmlformats.org/officeDocument/2006/relationships" xmlns:p="http://schemas.openxmlformats.org/presentationml/2006/main">
+  <p:cSld>
+    <p:spTree>
+      <p:nvGrpSpPr>
+        <p:cNvPr id="1" name=""/>
+        <p:cNvGrpSpPr/>
+        <p:nvPr/>
+      </p:nvGrpSpPr>
+      <p:grpSpPr>
+        <a:xfrm>
+          <a:off x="0" y="0"/>
+          <a:ext cx="0" cy="0"/>
+          <a:chOff x="0" y="0"/>
+          <a:chExt cx="0" cy="0"/>
+        </a:xfrm>
+      </p:grpSpPr>
+      <p:sp>
+        <p:nvSpPr>
+          <p:cNvPr id="2" name="Title 1"/>
+          <p:cNvSpPr>
+            <a:spLocks noGrp="1"/>
+          </p:cNvSpPr>
+          <p:nvPr>
+            <p:ph type="title"/>
+          </p:nvPr>
+        </p:nvSpPr>
+        <p:spPr>
+          <a:xfrm>
+            <a:off x="838200" y="365125"/>
+            <a:ext cx="10515600" cy="999651"/>
+          </a:xfrm>
+        </p:spPr>
+        <p:txBody>
+          <a:bodyPr/>
+          <a:lstStyle/>
+          <a:p>
+            <a:r>
+              <a:rPr lang="en-US" dirty="0" smtClean="0"/>
+              <a:t>Agenda</a:t>
+            </a:r>
+            <a:endParaRPr lang="en-US" dirty="0"/>
+          </a:p>
+        </p:txBody>
+      </p:sp>
+      <p:sp>
+        <p:nvSpPr>
+          <p:cNvPr id="3" name="Content Placeholder 2"/>
+          <p:cNvSpPr>
+            <a:spLocks noGrp="1"/>
+          </p:cNvSpPr>
+          <p:nvPr>
+            <p:ph idx="1"/>
+          </p:nvPr>
+        </p:nvSpPr>
+        <p:spPr>
+          <a:xfrm>
+            <a:off x="838200" y="1380698"/>
+            <a:ext cx="10342830" cy="4921369"/>
+          </a:xfrm>
+        </p:spPr>
+        <p:txBody>
+          <a:bodyPr>
+            <a:normAutofit/>
+          </a:bodyPr>
+          <a:lstStyle/>
+          <a:p>
+            <a:r>
+              <a:rPr lang="en-US" dirty="0"/>
+              <a:t>Build, Capture, Automation</a:t>
+            </a:r>
+            <a:endParaRPr lang="en-US" dirty="0" smtClean="0"/>
+          </a:p>
+          <a:p>
+            <a:pPr lvl="1"/>
+            <a:r>
+              <a:rPr lang="en-US" dirty="0"/>
+              <a:t>Build and </a:t>
+            </a:r>
+            <a:r>
+              <a:rPr lang="en-US" dirty="0" smtClean="0"/>
+              <a:t>Capture</a:t>
+            </a:r>
+          </a:p>
+          <a:p>
+            <a:pPr lvl="1"/>
+            <a:r>
+              <a:rPr lang="en-US" dirty="0"/>
+              <a:t>Image Factory </a:t>
+            </a:r>
+            <a:endParaRPr lang="en-US" dirty="0" smtClean="0"/>
+          </a:p>
+          <a:p>
+            <a:pPr lvl="2"/>
+            <a:r>
+              <a:rPr lang="en-US" dirty="0" smtClean="0"/>
+              <a:t>Factory </a:t>
+            </a:r>
+            <a:r>
+              <a:rPr lang="en-US" dirty="0"/>
+              <a:t>Setup</a:t>
+            </a:r>
+          </a:p>
+          <a:p>
+            <a:pPr lvl="2"/>
+            <a:r>
+              <a:rPr lang="en-US" dirty="0" smtClean="0"/>
+              <a:t>Process</a:t>
+            </a:r>
+          </a:p>
+          <a:p>
+            <a:pPr lvl="1"/>
+            <a:r>
+              <a:rPr lang="en-US" dirty="0" smtClean="0"/>
+              <a:t>Demo</a:t>
+            </a:r>
+          </a:p>
+          <a:p>
+            <a:pPr lvl="1"/>
+            <a:r>
+              <a:rPr lang="en-US" dirty="0" smtClean="0"/>
+              <a:t>Questions</a:t>
+            </a:r>
+            <a:endParaRPr lang="en-US" dirty="0" smtClean="0"/>
+          </a:p>
+        </p:txBody>
+      </p:sp>
+    </p:spTree>
+    <p:extLst>
+      <p:ext uri="{BB962C8B-B14F-4D97-AF65-F5344CB8AC3E}">
+        <p14:creationId xmlns:p14="http://schemas.microsoft.com/office/powerpoint/2010/main" val="3241307149"/>
+      </p:ext>
+    </p:extLst>
+  </p:cSld>
+  <p:clrMapOvr>
+    <a:masterClrMapping/>
+  </p:clrMapOvr>
+  <p:timing>
+    <p:tnLst>
+      <p:par>
+        <p:cTn id="1" dur="indefinite" restart="never" nodeType="tmRoot"/>
+      </p:par>
+    </p:tnLst>
+  </p:timing>
+</p:sld>
+</file>
+
+<file path=ppt/slides/slide3.xml><?xml version="1.0" encoding="utf-8"?>
+<p:sld xmlns:a="http://schemas.openxmlformats.org/drawingml/2006/main" xmlns:r="http://schemas.openxmlformats.org/officeDocument/2006/relationships" xmlns:p="http://schemas.openxmlformats.org/presentationml/2006/main">
+  <p:cSld>
+    <p:spTree>
+      <p:nvGrpSpPr>
+        <p:cNvPr id="1" name=""/>
+        <p:cNvGrpSpPr/>
+        <p:nvPr/>
+      </p:nvGrpSpPr>
+      <p:grpSpPr>
+        <a:xfrm>
+          <a:off x="0" y="0"/>
+          <a:ext cx="0" cy="0"/>
+          <a:chOff x="0" y="0"/>
+          <a:chExt cx="0" cy="0"/>
+        </a:xfrm>
+      </p:grpSpPr>
+      <p:sp>
+        <p:nvSpPr>
+          <p:cNvPr id="2" name="Title 1"/>
+          <p:cNvSpPr>
+            <a:spLocks noGrp="1"/>
+          </p:cNvSpPr>
+          <p:nvPr>
+            <p:ph type="title"/>
+          </p:nvPr>
+        </p:nvSpPr>
+        <p:spPr>
+          <a:xfrm>
+            <a:off x="838200" y="365125"/>
+            <a:ext cx="10515600" cy="5461934"/>
+          </a:xfrm>
+        </p:spPr>
+        <p:txBody>
+          <a:bodyPr>
+            <a:normAutofit/>
+          </a:bodyPr>
+          <a:lstStyle/>
+          <a:p>
+            <a:pPr algn="ctr"/>
+            <a:r>
+              <a:rPr lang="en-US" sz="16600" dirty="0" smtClean="0"/>
+              <a:t>Demo</a:t>
+            </a:r>
+            <a:endParaRPr lang="en-US" sz="16600" dirty="0"/>
+          </a:p>
+        </p:txBody>
+      </p:sp>
+    </p:spTree>
+    <p:extLst>
+      <p:ext uri="{BB962C8B-B14F-4D97-AF65-F5344CB8AC3E}">
+        <p14:creationId xmlns:p14="http://schemas.microsoft.com/office/powerpoint/2010/main" val="2125075022"/>
+      </p:ext>
+    </p:extLst>
+  </p:cSld>
+  <p:clrMapOvr>
+    <a:masterClrMapping/>
+  </p:clrMapOvr>
+  <p:timing>
+    <p:tnLst>
+      <p:par>
+        <p:cTn id="1" dur="indefinite" restart="never" nodeType="tmRoot"/>
+      </p:par>
+    </p:tnLst>
+  </p:timing>
+</p:sld>
+</file>
+
+<file path=ppt/slides/slide4.xml><?xml version="1.0" encoding="utf-8"?>
+<p:sld xmlns:a="http://schemas.openxmlformats.org/drawingml/2006/main" xmlns:r="http://schemas.openxmlformats.org/officeDocument/2006/relationships" xmlns:p="http://schemas.openxmlformats.org/presentationml/2006/main">
+  <p:cSld>
+    <p:spTree>
+      <p:nvGrpSpPr>
+        <p:cNvPr id="1" name=""/>
+        <p:cNvGrpSpPr/>
+        <p:nvPr/>
+      </p:nvGrpSpPr>
+      <p:grpSpPr>
+        <a:xfrm>
+          <a:off x="0" y="0"/>
+          <a:ext cx="0" cy="0"/>
+          <a:chOff x="0" y="0"/>
+          <a:chExt cx="0" cy="0"/>
+        </a:xfrm>
+      </p:grpSpPr>
+      <p:sp>
+        <p:nvSpPr>
+          <p:cNvPr id="2" name="Title 1"/>
+          <p:cNvSpPr>
+            <a:spLocks noGrp="1"/>
+          </p:cNvSpPr>
+          <p:nvPr>
+            <p:ph type="title"/>
+          </p:nvPr>
+        </p:nvSpPr>
+        <p:spPr>
+          <a:xfrm>
+            <a:off x="838200" y="365125"/>
+            <a:ext cx="10515600" cy="5641228"/>
+          </a:xfrm>
+        </p:spPr>
+        <p:txBody>
+          <a:bodyPr>
+            <a:normAutofit/>
+          </a:bodyPr>
+          <a:lstStyle/>
+          <a:p>
+            <a:pPr algn="ctr"/>
+            <a:r>
+              <a:rPr lang="en-US" sz="13800" dirty="0" smtClean="0"/>
+              <a:t>Questions</a:t>
+            </a:r>
+            <a:endParaRPr lang="en-US" sz="13800" dirty="0"/>
+          </a:p>
+        </p:txBody>
+      </p:sp>
+    </p:spTree>
+    <p:extLst>
+      <p:ext uri="{BB962C8B-B14F-4D97-AF65-F5344CB8AC3E}">
+        <p14:creationId xmlns:p14="http://schemas.microsoft.com/office/powerpoint/2010/main" val="864552848"/>
+      </p:ext>
+    </p:extLst>
+  </p:cSld>
+  <p:clrMapOvr>
+    <a:masterClrMapping/>
+  </p:clrMapOvr>
+  <p:timing>
+    <p:tnLst>
+      <p:par>
+        <p:cTn id="1" dur="indefinite" restart="never" nodeType="tmRoot"/>
+      </p:par>
+    </p:tnLst>
+  </p:timing>
+</p:sld>
+</file>
+
+<file path=ppt/slides/slide5.xml><?xml version="1.0" encoding="utf-8"?>
+<p:sld xmlns:a="http://schemas.openxmlformats.org/drawingml/2006/main" xmlns:r="http://schemas.openxmlformats.org/officeDocument/2006/relationships" xmlns:p="http://schemas.openxmlformats.org/presentationml/2006/main">
+  <p:cSld>
+    <p:spTree>
+      <p:nvGrpSpPr>
+        <p:cNvPr id="1" name=""/>
+        <p:cNvGrpSpPr/>
+        <p:nvPr/>
+      </p:nvGrpSpPr>
+      <p:grpSpPr>
+        <a:xfrm>
+          <a:off x="0" y="0"/>
+          <a:ext cx="0" cy="0"/>
+          <a:chOff x="0" y="0"/>
+          <a:chExt cx="0" cy="0"/>
+        </a:xfrm>
+      </p:grpSpPr>
+      <p:sp>
+        <p:nvSpPr>
+          <p:cNvPr id="2" name="Title 1"/>
+          <p:cNvSpPr>
+            <a:spLocks noGrp="1"/>
+          </p:cNvSpPr>
+          <p:nvPr>
+            <p:ph type="title"/>
+          </p:nvPr>
+        </p:nvSpPr>
+        <p:spPr>
+          <a:xfrm>
+            <a:off x="838200" y="365125"/>
+            <a:ext cx="10515600" cy="5730875"/>
+          </a:xfrm>
+        </p:spPr>
+        <p:txBody>
+          <a:bodyPr/>
+          <a:lstStyle/>
+          <a:p>
+            <a:pPr algn="ctr"/>
+            <a:r>
+              <a:rPr lang="en-US" sz="13800" dirty="0" smtClean="0"/>
+              <a:t>Break</a:t>
+            </a:r>
+            <a:br>
+              <a:rPr lang="en-US" sz="13800" dirty="0" smtClean="0"/>
+            </a:br>
+            <a:r>
+              <a:rPr lang="en-US" sz="3200" dirty="0" smtClean="0"/>
+              <a:t>10 Minutes</a:t>
+            </a:r>
+            <a:endParaRPr lang="en-US" dirty="0"/>
+          </a:p>
+        </p:txBody>
+      </p:sp>
+    </p:spTree>
+    <p:extLst>
+      <p:ext uri="{BB962C8B-B14F-4D97-AF65-F5344CB8AC3E}">
+        <p14:creationId xmlns:p14="http://schemas.microsoft.com/office/powerpoint/2010/main" val="3621487264"/>
+      </p:ext>
+    </p:extLst>
+  </p:cSld>
+  <p:clrMapOvr>
+    <a:masterClrMapping/>
+  </p:clrMapOvr>
+  <p:timing>
+    <p:tnLst>
+      <p:par>
+        <p:cTn id="1" dur="indefinite" restart="never" nodeType="tmRoot"/>
+      </p:par>
+    </p:tnLst>
+  </p:timing>
+</p:sld>
+</file>
+
 <file path=ppt/theme/theme1.xml><?xml version="1.0" encoding="utf-8"?>
 <a:theme xmlns:a="http://schemas.openxmlformats.org/drawingml/2006/main" name="Office Theme">
   <a:themeElements>

--- a/Part_02/Section01.pptx
+++ b/Part_02/Section01.pptx
@@ -3017,17 +3017,26 @@
             </a:r>
             <a:r>
               <a:rPr lang="en-US" dirty="0"/>
-              <a:t>- Deploying Windows 10 With MDT (</a:t>
-            </a:r>
-            <a:r>
-              <a:rPr lang="en-US"/>
-              <a:t>Part </a:t>
-            </a:r>
-            <a:r>
-              <a:rPr lang="en-US" smtClean="0"/>
+              <a:t>- Deploying Windows </a:t>
+            </a:r>
+            <a:r>
+              <a:rPr lang="en-US" dirty="0" smtClean="0"/>
+              <a:t>10 </a:t>
+            </a:r>
+            <a:r>
+              <a:rPr lang="en-US" dirty="0"/>
+              <a:t>With MDT (Part </a:t>
+            </a:r>
+            <a:r>
+              <a:rPr lang="en-US" dirty="0" smtClean="0"/>
               <a:t>2)</a:t>
             </a:r>
-            <a:endParaRPr lang="en-US" dirty="0"/>
+          </a:p>
+          <a:p>
+            <a:r>
+              <a:rPr lang="en-US" dirty="0"/>
+              <a:t>Section 1</a:t>
+            </a:r>
           </a:p>
         </p:txBody>
       </p:sp>
@@ -3112,8 +3121,16 @@
           <a:lstStyle/>
           <a:p>
             <a:r>
+              <a:rPr lang="en-US" dirty="0" smtClean="0"/>
+              <a:t>Setup</a:t>
+            </a:r>
+            <a:endParaRPr lang="en-US" dirty="0" smtClean="0"/>
+          </a:p>
+          <a:p>
+            <a:pPr lvl="1"/>
+            <a:r>
               <a:rPr lang="en-US" dirty="0"/>
-              <a:t>Build, Capture, Automation</a:t>
+              <a:t>Create Deployment Share </a:t>
             </a:r>
             <a:endParaRPr lang="en-US" dirty="0" smtClean="0"/>
           </a:p>
@@ -3121,38 +3138,33 @@
             <a:pPr lvl="1"/>
             <a:r>
               <a:rPr lang="en-US" dirty="0"/>
-              <a:t>Build and </a:t>
-            </a:r>
-            <a:r>
-              <a:rPr lang="en-US" dirty="0" smtClean="0"/>
-              <a:t>Capture</a:t>
-            </a:r>
+              <a:t>Customize Deployment Share </a:t>
+            </a:r>
+            <a:endParaRPr lang="en-US" dirty="0" smtClean="0"/>
           </a:p>
           <a:p>
             <a:pPr lvl="1"/>
             <a:r>
               <a:rPr lang="en-US" dirty="0"/>
-              <a:t>Image Factory </a:t>
+              <a:t>Import Custom WIM </a:t>
             </a:r>
             <a:endParaRPr lang="en-US" dirty="0" smtClean="0"/>
           </a:p>
           <a:p>
-            <a:pPr lvl="2"/>
-            <a:r>
-              <a:rPr lang="en-US" dirty="0" smtClean="0"/>
-              <a:t>Factory </a:t>
-            </a:r>
+            <a:pPr lvl="1"/>
             <a:r>
               <a:rPr lang="en-US" dirty="0"/>
-              <a:t>Setup</a:t>
-            </a:r>
-          </a:p>
-          <a:p>
-            <a:pPr lvl="2"/>
-            <a:r>
-              <a:rPr lang="en-US" dirty="0" smtClean="0"/>
-              <a:t>Process</a:t>
-            </a:r>
+              <a:t>WDS and PXE setup </a:t>
+            </a:r>
+            <a:endParaRPr lang="en-US" dirty="0" smtClean="0"/>
+          </a:p>
+          <a:p>
+            <a:pPr lvl="1"/>
+            <a:r>
+              <a:rPr lang="en-US"/>
+              <a:t>Create Task Sequence </a:t>
+            </a:r>
+            <a:endParaRPr lang="en-US"/>
           </a:p>
           <a:p>
             <a:pPr lvl="1"/>
@@ -3160,6 +3172,7 @@
               <a:rPr lang="en-US" dirty="0" smtClean="0"/>
               <a:t>Demo</a:t>
             </a:r>
+            <a:endParaRPr lang="en-US" dirty="0" smtClean="0"/>
           </a:p>
           <a:p>
             <a:pPr lvl="1"/>
@@ -3167,7 +3180,6 @@
               <a:rPr lang="en-US" dirty="0" smtClean="0"/>
               <a:t>Questions</a:t>
             </a:r>
-            <a:endParaRPr lang="en-US" dirty="0" smtClean="0"/>
           </a:p>
         </p:txBody>
       </p:sp>

--- a/Part_02/Section01.pptx
+++ b/Part_02/Section01.pptx
@@ -4,12 +4,18 @@
   <p:sldMasterIdLst>
     <p:sldMasterId id="2147483648" r:id="rId1"/>
   </p:sldMasterIdLst>
+  <p:notesMasterIdLst>
+    <p:notesMasterId r:id="rId10"/>
+  </p:notesMasterIdLst>
   <p:sldIdLst>
     <p:sldId id="256" r:id="rId2"/>
     <p:sldId id="257" r:id="rId3"/>
-    <p:sldId id="258" r:id="rId4"/>
-    <p:sldId id="259" r:id="rId5"/>
-    <p:sldId id="260" r:id="rId6"/>
+    <p:sldId id="261" r:id="rId4"/>
+    <p:sldId id="262" r:id="rId5"/>
+    <p:sldId id="263" r:id="rId6"/>
+    <p:sldId id="258" r:id="rId7"/>
+    <p:sldId id="259" r:id="rId8"/>
+    <p:sldId id="260" r:id="rId9"/>
   </p:sldIdLst>
   <p:sldSz cx="12192000" cy="6858000"/>
   <p:notesSz cx="6858000" cy="9144000"/>
@@ -114,6 +120,528 @@
     </p:ext>
   </p:extLst>
 </p:presentation>
+</file>
+
+<file path=ppt/notesMasters/notesMaster1.xml><?xml version="1.0" encoding="utf-8"?>
+<p:notesMaster xmlns:a="http://schemas.openxmlformats.org/drawingml/2006/main" xmlns:r="http://schemas.openxmlformats.org/officeDocument/2006/relationships" xmlns:p="http://schemas.openxmlformats.org/presentationml/2006/main">
+  <p:cSld>
+    <p:bg>
+      <p:bgRef idx="1001">
+        <a:schemeClr val="bg1"/>
+      </p:bgRef>
+    </p:bg>
+    <p:spTree>
+      <p:nvGrpSpPr>
+        <p:cNvPr id="1" name=""/>
+        <p:cNvGrpSpPr/>
+        <p:nvPr/>
+      </p:nvGrpSpPr>
+      <p:grpSpPr>
+        <a:xfrm>
+          <a:off x="0" y="0"/>
+          <a:ext cx="0" cy="0"/>
+          <a:chOff x="0" y="0"/>
+          <a:chExt cx="0" cy="0"/>
+        </a:xfrm>
+      </p:grpSpPr>
+      <p:sp>
+        <p:nvSpPr>
+          <p:cNvPr id="2" name="Header Placeholder 1"/>
+          <p:cNvSpPr>
+            <a:spLocks noGrp="1"/>
+          </p:cNvSpPr>
+          <p:nvPr>
+            <p:ph type="hdr" sz="quarter"/>
+          </p:nvPr>
+        </p:nvSpPr>
+        <p:spPr>
+          <a:xfrm>
+            <a:off x="0" y="0"/>
+            <a:ext cx="2971800" cy="458788"/>
+          </a:xfrm>
+          <a:prstGeom prst="rect">
+            <a:avLst/>
+          </a:prstGeom>
+        </p:spPr>
+        <p:txBody>
+          <a:bodyPr vert="horz" lIns="91440" tIns="45720" rIns="91440" bIns="45720" rtlCol="0"/>
+          <a:lstStyle>
+            <a:lvl1pPr algn="l">
+              <a:defRPr sz="1200"/>
+            </a:lvl1pPr>
+          </a:lstStyle>
+          <a:p>
+            <a:endParaRPr lang="en-US"/>
+          </a:p>
+        </p:txBody>
+      </p:sp>
+      <p:sp>
+        <p:nvSpPr>
+          <p:cNvPr id="3" name="Date Placeholder 2"/>
+          <p:cNvSpPr>
+            <a:spLocks noGrp="1"/>
+          </p:cNvSpPr>
+          <p:nvPr>
+            <p:ph type="dt" idx="1"/>
+          </p:nvPr>
+        </p:nvSpPr>
+        <p:spPr>
+          <a:xfrm>
+            <a:off x="3884613" y="0"/>
+            <a:ext cx="2971800" cy="458788"/>
+          </a:xfrm>
+          <a:prstGeom prst="rect">
+            <a:avLst/>
+          </a:prstGeom>
+        </p:spPr>
+        <p:txBody>
+          <a:bodyPr vert="horz" lIns="91440" tIns="45720" rIns="91440" bIns="45720" rtlCol="0"/>
+          <a:lstStyle>
+            <a:lvl1pPr algn="r">
+              <a:defRPr sz="1200"/>
+            </a:lvl1pPr>
+          </a:lstStyle>
+          <a:p>
+            <a:fld id="{0D583348-D5CE-4A21-B4F6-0286051DC0AA}" type="datetimeFigureOut">
+              <a:rPr lang="en-US" smtClean="0"/>
+              <a:t>11/3/2018</a:t>
+            </a:fld>
+            <a:endParaRPr lang="en-US"/>
+          </a:p>
+        </p:txBody>
+      </p:sp>
+      <p:sp>
+        <p:nvSpPr>
+          <p:cNvPr id="4" name="Slide Image Placeholder 3"/>
+          <p:cNvSpPr>
+            <a:spLocks noGrp="1" noRot="1" noChangeAspect="1"/>
+          </p:cNvSpPr>
+          <p:nvPr>
+            <p:ph type="sldImg" idx="2"/>
+          </p:nvPr>
+        </p:nvSpPr>
+        <p:spPr>
+          <a:xfrm>
+            <a:off x="685800" y="1143000"/>
+            <a:ext cx="5486400" cy="3086100"/>
+          </a:xfrm>
+          <a:prstGeom prst="rect">
+            <a:avLst/>
+          </a:prstGeom>
+          <a:noFill/>
+          <a:ln w="12700">
+            <a:solidFill>
+              <a:prstClr val="black"/>
+            </a:solidFill>
+          </a:ln>
+        </p:spPr>
+        <p:txBody>
+          <a:bodyPr vert="horz" lIns="91440" tIns="45720" rIns="91440" bIns="45720" rtlCol="0" anchor="ctr"/>
+          <a:lstStyle/>
+          <a:p>
+            <a:endParaRPr lang="en-US"/>
+          </a:p>
+        </p:txBody>
+      </p:sp>
+      <p:sp>
+        <p:nvSpPr>
+          <p:cNvPr id="5" name="Notes Placeholder 4"/>
+          <p:cNvSpPr>
+            <a:spLocks noGrp="1"/>
+          </p:cNvSpPr>
+          <p:nvPr>
+            <p:ph type="body" sz="quarter" idx="3"/>
+          </p:nvPr>
+        </p:nvSpPr>
+        <p:spPr>
+          <a:xfrm>
+            <a:off x="685800" y="4400550"/>
+            <a:ext cx="5486400" cy="3600450"/>
+          </a:xfrm>
+          <a:prstGeom prst="rect">
+            <a:avLst/>
+          </a:prstGeom>
+        </p:spPr>
+        <p:txBody>
+          <a:bodyPr vert="horz" lIns="91440" tIns="45720" rIns="91440" bIns="45720" rtlCol="0"/>
+          <a:lstStyle/>
+          <a:p>
+            <a:pPr lvl="0"/>
+            <a:r>
+              <a:rPr lang="en-US" smtClean="0"/>
+              <a:t>Edit Master text styles</a:t>
+            </a:r>
+          </a:p>
+          <a:p>
+            <a:pPr lvl="1"/>
+            <a:r>
+              <a:rPr lang="en-US" smtClean="0"/>
+              <a:t>Second level</a:t>
+            </a:r>
+          </a:p>
+          <a:p>
+            <a:pPr lvl="2"/>
+            <a:r>
+              <a:rPr lang="en-US" smtClean="0"/>
+              <a:t>Third level</a:t>
+            </a:r>
+          </a:p>
+          <a:p>
+            <a:pPr lvl="3"/>
+            <a:r>
+              <a:rPr lang="en-US" smtClean="0"/>
+              <a:t>Fourth level</a:t>
+            </a:r>
+          </a:p>
+          <a:p>
+            <a:pPr lvl="4"/>
+            <a:r>
+              <a:rPr lang="en-US" smtClean="0"/>
+              <a:t>Fifth level</a:t>
+            </a:r>
+            <a:endParaRPr lang="en-US"/>
+          </a:p>
+        </p:txBody>
+      </p:sp>
+      <p:sp>
+        <p:nvSpPr>
+          <p:cNvPr id="6" name="Footer Placeholder 5"/>
+          <p:cNvSpPr>
+            <a:spLocks noGrp="1"/>
+          </p:cNvSpPr>
+          <p:nvPr>
+            <p:ph type="ftr" sz="quarter" idx="4"/>
+          </p:nvPr>
+        </p:nvSpPr>
+        <p:spPr>
+          <a:xfrm>
+            <a:off x="0" y="8685213"/>
+            <a:ext cx="2971800" cy="458787"/>
+          </a:xfrm>
+          <a:prstGeom prst="rect">
+            <a:avLst/>
+          </a:prstGeom>
+        </p:spPr>
+        <p:txBody>
+          <a:bodyPr vert="horz" lIns="91440" tIns="45720" rIns="91440" bIns="45720" rtlCol="0" anchor="b"/>
+          <a:lstStyle>
+            <a:lvl1pPr algn="l">
+              <a:defRPr sz="1200"/>
+            </a:lvl1pPr>
+          </a:lstStyle>
+          <a:p>
+            <a:endParaRPr lang="en-US"/>
+          </a:p>
+        </p:txBody>
+      </p:sp>
+      <p:sp>
+        <p:nvSpPr>
+          <p:cNvPr id="7" name="Slide Number Placeholder 6"/>
+          <p:cNvSpPr>
+            <a:spLocks noGrp="1"/>
+          </p:cNvSpPr>
+          <p:nvPr>
+            <p:ph type="sldNum" sz="quarter" idx="5"/>
+          </p:nvPr>
+        </p:nvSpPr>
+        <p:spPr>
+          <a:xfrm>
+            <a:off x="3884613" y="8685213"/>
+            <a:ext cx="2971800" cy="458787"/>
+          </a:xfrm>
+          <a:prstGeom prst="rect">
+            <a:avLst/>
+          </a:prstGeom>
+        </p:spPr>
+        <p:txBody>
+          <a:bodyPr vert="horz" lIns="91440" tIns="45720" rIns="91440" bIns="45720" rtlCol="0" anchor="b"/>
+          <a:lstStyle>
+            <a:lvl1pPr algn="r">
+              <a:defRPr sz="1200"/>
+            </a:lvl1pPr>
+          </a:lstStyle>
+          <a:p>
+            <a:fld id="{4C005DF8-BB4A-4CC6-B5ED-8044A03DF6B7}" type="slidenum">
+              <a:rPr lang="en-US" smtClean="0"/>
+              <a:t>‹#›</a:t>
+            </a:fld>
+            <a:endParaRPr lang="en-US"/>
+          </a:p>
+        </p:txBody>
+      </p:sp>
+    </p:spTree>
+    <p:extLst>
+      <p:ext uri="{BB962C8B-B14F-4D97-AF65-F5344CB8AC3E}">
+        <p14:creationId xmlns:p14="http://schemas.microsoft.com/office/powerpoint/2010/main" val="1731512529"/>
+      </p:ext>
+    </p:extLst>
+  </p:cSld>
+  <p:clrMap bg1="lt1" tx1="dk1" bg2="lt2" tx2="dk2" accent1="accent1" accent2="accent2" accent3="accent3" accent4="accent4" accent5="accent5" accent6="accent6" hlink="hlink" folHlink="folHlink"/>
+  <p:notesStyle>
+    <a:lvl1pPr marL="0" algn="l" defTabSz="914400" rtl="0" eaLnBrk="1" latinLnBrk="0" hangingPunct="1">
+      <a:defRPr sz="1200" kern="1200">
+        <a:solidFill>
+          <a:schemeClr val="tx1"/>
+        </a:solidFill>
+        <a:latin typeface="+mn-lt"/>
+        <a:ea typeface="+mn-ea"/>
+        <a:cs typeface="+mn-cs"/>
+      </a:defRPr>
+    </a:lvl1pPr>
+    <a:lvl2pPr marL="457200" algn="l" defTabSz="914400" rtl="0" eaLnBrk="1" latinLnBrk="0" hangingPunct="1">
+      <a:defRPr sz="1200" kern="1200">
+        <a:solidFill>
+          <a:schemeClr val="tx1"/>
+        </a:solidFill>
+        <a:latin typeface="+mn-lt"/>
+        <a:ea typeface="+mn-ea"/>
+        <a:cs typeface="+mn-cs"/>
+      </a:defRPr>
+    </a:lvl2pPr>
+    <a:lvl3pPr marL="914400" algn="l" defTabSz="914400" rtl="0" eaLnBrk="1" latinLnBrk="0" hangingPunct="1">
+      <a:defRPr sz="1200" kern="1200">
+        <a:solidFill>
+          <a:schemeClr val="tx1"/>
+        </a:solidFill>
+        <a:latin typeface="+mn-lt"/>
+        <a:ea typeface="+mn-ea"/>
+        <a:cs typeface="+mn-cs"/>
+      </a:defRPr>
+    </a:lvl3pPr>
+    <a:lvl4pPr marL="1371600" algn="l" defTabSz="914400" rtl="0" eaLnBrk="1" latinLnBrk="0" hangingPunct="1">
+      <a:defRPr sz="1200" kern="1200">
+        <a:solidFill>
+          <a:schemeClr val="tx1"/>
+        </a:solidFill>
+        <a:latin typeface="+mn-lt"/>
+        <a:ea typeface="+mn-ea"/>
+        <a:cs typeface="+mn-cs"/>
+      </a:defRPr>
+    </a:lvl4pPr>
+    <a:lvl5pPr marL="1828800" algn="l" defTabSz="914400" rtl="0" eaLnBrk="1" latinLnBrk="0" hangingPunct="1">
+      <a:defRPr sz="1200" kern="1200">
+        <a:solidFill>
+          <a:schemeClr val="tx1"/>
+        </a:solidFill>
+        <a:latin typeface="+mn-lt"/>
+        <a:ea typeface="+mn-ea"/>
+        <a:cs typeface="+mn-cs"/>
+      </a:defRPr>
+    </a:lvl5pPr>
+    <a:lvl6pPr marL="2286000" algn="l" defTabSz="914400" rtl="0" eaLnBrk="1" latinLnBrk="0" hangingPunct="1">
+      <a:defRPr sz="1200" kern="1200">
+        <a:solidFill>
+          <a:schemeClr val="tx1"/>
+        </a:solidFill>
+        <a:latin typeface="+mn-lt"/>
+        <a:ea typeface="+mn-ea"/>
+        <a:cs typeface="+mn-cs"/>
+      </a:defRPr>
+    </a:lvl6pPr>
+    <a:lvl7pPr marL="2743200" algn="l" defTabSz="914400" rtl="0" eaLnBrk="1" latinLnBrk="0" hangingPunct="1">
+      <a:defRPr sz="1200" kern="1200">
+        <a:solidFill>
+          <a:schemeClr val="tx1"/>
+        </a:solidFill>
+        <a:latin typeface="+mn-lt"/>
+        <a:ea typeface="+mn-ea"/>
+        <a:cs typeface="+mn-cs"/>
+      </a:defRPr>
+    </a:lvl7pPr>
+    <a:lvl8pPr marL="3200400" algn="l" defTabSz="914400" rtl="0" eaLnBrk="1" latinLnBrk="0" hangingPunct="1">
+      <a:defRPr sz="1200" kern="1200">
+        <a:solidFill>
+          <a:schemeClr val="tx1"/>
+        </a:solidFill>
+        <a:latin typeface="+mn-lt"/>
+        <a:ea typeface="+mn-ea"/>
+        <a:cs typeface="+mn-cs"/>
+      </a:defRPr>
+    </a:lvl8pPr>
+    <a:lvl9pPr marL="3657600" algn="l" defTabSz="914400" rtl="0" eaLnBrk="1" latinLnBrk="0" hangingPunct="1">
+      <a:defRPr sz="1200" kern="1200">
+        <a:solidFill>
+          <a:schemeClr val="tx1"/>
+        </a:solidFill>
+        <a:latin typeface="+mn-lt"/>
+        <a:ea typeface="+mn-ea"/>
+        <a:cs typeface="+mn-cs"/>
+      </a:defRPr>
+    </a:lvl9pPr>
+  </p:notesStyle>
+</p:notesMaster>
+</file>
+
+<file path=ppt/notesSlides/notesSlide1.xml><?xml version="1.0" encoding="utf-8"?>
+<p:notes xmlns:a="http://schemas.openxmlformats.org/drawingml/2006/main" xmlns:r="http://schemas.openxmlformats.org/officeDocument/2006/relationships" xmlns:p="http://schemas.openxmlformats.org/presentationml/2006/main">
+  <p:cSld>
+    <p:spTree>
+      <p:nvGrpSpPr>
+        <p:cNvPr id="1" name=""/>
+        <p:cNvGrpSpPr/>
+        <p:nvPr/>
+      </p:nvGrpSpPr>
+      <p:grpSpPr>
+        <a:xfrm>
+          <a:off x="0" y="0"/>
+          <a:ext cx="0" cy="0"/>
+          <a:chOff x="0" y="0"/>
+          <a:chExt cx="0" cy="0"/>
+        </a:xfrm>
+      </p:grpSpPr>
+      <p:sp>
+        <p:nvSpPr>
+          <p:cNvPr id="2" name="Slide Image Placeholder 1"/>
+          <p:cNvSpPr>
+            <a:spLocks noGrp="1" noRot="1" noChangeAspect="1"/>
+          </p:cNvSpPr>
+          <p:nvPr>
+            <p:ph type="sldImg"/>
+          </p:nvPr>
+        </p:nvSpPr>
+        <p:spPr/>
+      </p:sp>
+      <p:sp>
+        <p:nvSpPr>
+          <p:cNvPr id="3" name="Notes Placeholder 2"/>
+          <p:cNvSpPr>
+            <a:spLocks noGrp="1"/>
+          </p:cNvSpPr>
+          <p:nvPr>
+            <p:ph type="body" idx="1"/>
+          </p:nvPr>
+        </p:nvSpPr>
+        <p:spPr/>
+        <p:txBody>
+          <a:bodyPr/>
+          <a:lstStyle/>
+          <a:p>
+            <a:r>
+              <a:rPr lang="en-US" dirty="0" smtClean="0"/>
+              <a:t>PowerShell</a:t>
+            </a:r>
+          </a:p>
+          <a:p>
+            <a:r>
+              <a:rPr lang="en-US" dirty="0" smtClean="0"/>
+              <a:t>New-</a:t>
+            </a:r>
+            <a:r>
+              <a:rPr lang="en-US" dirty="0" err="1" smtClean="0"/>
+              <a:t>SmbShare</a:t>
+            </a:r>
+            <a:r>
+              <a:rPr lang="en-US" dirty="0" smtClean="0"/>
+              <a:t> -Name "</a:t>
+            </a:r>
+            <a:r>
+              <a:rPr lang="en-US" dirty="0" err="1" smtClean="0"/>
+              <a:t>HECCDeploy</a:t>
+            </a:r>
+            <a:r>
+              <a:rPr lang="en-US" dirty="0" smtClean="0"/>
+              <a:t>$" -Path "E:\HECCDeploy" -</a:t>
+            </a:r>
+            <a:r>
+              <a:rPr lang="en-US" dirty="0" err="1" smtClean="0"/>
+              <a:t>FullAccess</a:t>
+            </a:r>
+            <a:r>
+              <a:rPr lang="en-US" dirty="0" smtClean="0"/>
+              <a:t> Administrators</a:t>
+            </a:r>
+          </a:p>
+          <a:p>
+            <a:r>
+              <a:rPr lang="en-US" dirty="0" smtClean="0"/>
+              <a:t>Import-Module "C:\Program Files\Microsoft Deployment Toolkit\bin\MicrosoftDeploymentToolkit.psd1"</a:t>
+            </a:r>
+          </a:p>
+          <a:p>
+            <a:r>
+              <a:rPr lang="en-US" dirty="0" smtClean="0"/>
+              <a:t>new-</a:t>
+            </a:r>
+            <a:r>
+              <a:rPr lang="en-US" dirty="0" err="1" smtClean="0"/>
+              <a:t>PSDrive</a:t>
+            </a:r>
+            <a:r>
+              <a:rPr lang="en-US" dirty="0" smtClean="0"/>
+              <a:t> -Name "DS002" -</a:t>
+            </a:r>
+            <a:r>
+              <a:rPr lang="en-US" dirty="0" err="1" smtClean="0"/>
+              <a:t>PSProvider</a:t>
+            </a:r>
+            <a:r>
+              <a:rPr lang="en-US" dirty="0" smtClean="0"/>
+              <a:t> "</a:t>
+            </a:r>
+            <a:r>
+              <a:rPr lang="en-US" dirty="0" err="1" smtClean="0"/>
+              <a:t>MDTProvider</a:t>
+            </a:r>
+            <a:r>
+              <a:rPr lang="en-US" dirty="0" smtClean="0"/>
+              <a:t>" -Root "E:\HECCDeploy" -Description "HECC Deployment Share" -</a:t>
+            </a:r>
+            <a:r>
+              <a:rPr lang="en-US" dirty="0" err="1" smtClean="0"/>
+              <a:t>NetworkPath</a:t>
+            </a:r>
+            <a:r>
+              <a:rPr lang="en-US" dirty="0" smtClean="0"/>
+              <a:t> "\\MDT01\HECCDeploy$" -Verbose | add-</a:t>
+            </a:r>
+            <a:r>
+              <a:rPr lang="en-US" dirty="0" err="1" smtClean="0"/>
+              <a:t>MDTPersistentDrive</a:t>
+            </a:r>
+            <a:r>
+              <a:rPr lang="en-US" dirty="0" smtClean="0"/>
+              <a:t> -Verbose</a:t>
+            </a:r>
+          </a:p>
+          <a:p>
+            <a:endParaRPr lang="en-US" dirty="0"/>
+          </a:p>
+        </p:txBody>
+      </p:sp>
+      <p:sp>
+        <p:nvSpPr>
+          <p:cNvPr id="4" name="Slide Number Placeholder 3"/>
+          <p:cNvSpPr>
+            <a:spLocks noGrp="1"/>
+          </p:cNvSpPr>
+          <p:nvPr>
+            <p:ph type="sldNum" sz="quarter" idx="10"/>
+          </p:nvPr>
+        </p:nvSpPr>
+        <p:spPr/>
+        <p:txBody>
+          <a:bodyPr/>
+          <a:lstStyle/>
+          <a:p>
+            <a:fld id="{4C005DF8-BB4A-4CC6-B5ED-8044A03DF6B7}" type="slidenum">
+              <a:rPr lang="en-US" smtClean="0"/>
+              <a:t>3</a:t>
+            </a:fld>
+            <a:endParaRPr lang="en-US"/>
+          </a:p>
+        </p:txBody>
+      </p:sp>
+    </p:spTree>
+    <p:extLst>
+      <p:ext uri="{BB962C8B-B14F-4D97-AF65-F5344CB8AC3E}">
+        <p14:creationId xmlns:p14="http://schemas.microsoft.com/office/powerpoint/2010/main" val="2819117324"/>
+      </p:ext>
+    </p:extLst>
+  </p:cSld>
+  <p:clrMapOvr>
+    <a:masterClrMapping/>
+  </p:clrMapOvr>
+</p:notes>
 </file>
 
 <file path=ppt/slideLayouts/slideLayout1.xml><?xml version="1.0" encoding="utf-8"?>
@@ -3124,7 +3652,6 @@
               <a:rPr lang="en-US" dirty="0" smtClean="0"/>
               <a:t>Setup</a:t>
             </a:r>
-            <a:endParaRPr lang="en-US" dirty="0" smtClean="0"/>
           </a:p>
           <a:p>
             <a:pPr lvl="1"/>
@@ -3145,8 +3672,12 @@
           <a:p>
             <a:pPr lvl="1"/>
             <a:r>
+              <a:rPr lang="en-US" dirty="0" smtClean="0"/>
+              <a:t>Import </a:t>
+            </a:r>
+            <a:r>
               <a:rPr lang="en-US" dirty="0"/>
-              <a:t>Import Custom WIM </a:t>
+              <a:t>Custom WIM </a:t>
             </a:r>
             <a:endParaRPr lang="en-US" dirty="0" smtClean="0"/>
           </a:p>
@@ -3161,10 +3692,9 @@
           <a:p>
             <a:pPr lvl="1"/>
             <a:r>
-              <a:rPr lang="en-US"/>
+              <a:rPr lang="en-US" dirty="0"/>
               <a:t>Create Task Sequence </a:t>
             </a:r>
-            <a:endParaRPr lang="en-US"/>
           </a:p>
           <a:p>
             <a:pPr lvl="1"/>
@@ -3172,7 +3702,6 @@
               <a:rPr lang="en-US" dirty="0" smtClean="0"/>
               <a:t>Demo</a:t>
             </a:r>
-            <a:endParaRPr lang="en-US" dirty="0" smtClean="0"/>
           </a:p>
           <a:p>
             <a:pPr lvl="1"/>
@@ -3230,6 +3759,259 @@
             <p:ph type="title"/>
           </p:nvPr>
         </p:nvSpPr>
+        <p:spPr/>
+        <p:txBody>
+          <a:bodyPr/>
+          <a:lstStyle/>
+          <a:p>
+            <a:endParaRPr lang="en-US"/>
+          </a:p>
+        </p:txBody>
+      </p:sp>
+      <p:sp>
+        <p:nvSpPr>
+          <p:cNvPr id="3" name="Content Placeholder 2"/>
+          <p:cNvSpPr>
+            <a:spLocks noGrp="1"/>
+          </p:cNvSpPr>
+          <p:nvPr>
+            <p:ph idx="1"/>
+          </p:nvPr>
+        </p:nvSpPr>
+        <p:spPr/>
+        <p:txBody>
+          <a:bodyPr/>
+          <a:lstStyle/>
+          <a:p>
+            <a:r>
+              <a:rPr lang="en-US" dirty="0" smtClean="0"/>
+              <a:t>Create Deployment Share – HECC Deployment</a:t>
+            </a:r>
+          </a:p>
+          <a:p>
+            <a:pPr marL="0" indent="0">
+              <a:buNone/>
+            </a:pPr>
+            <a:endParaRPr lang="en-US" dirty="0"/>
+          </a:p>
+        </p:txBody>
+      </p:sp>
+    </p:spTree>
+    <p:extLst>
+      <p:ext uri="{BB962C8B-B14F-4D97-AF65-F5344CB8AC3E}">
+        <p14:creationId xmlns:p14="http://schemas.microsoft.com/office/powerpoint/2010/main" val="1529388730"/>
+      </p:ext>
+    </p:extLst>
+  </p:cSld>
+  <p:clrMapOvr>
+    <a:masterClrMapping/>
+  </p:clrMapOvr>
+</p:sld>
+</file>
+
+<file path=ppt/slides/slide4.xml><?xml version="1.0" encoding="utf-8"?>
+<p:sld xmlns:a="http://schemas.openxmlformats.org/drawingml/2006/main" xmlns:r="http://schemas.openxmlformats.org/officeDocument/2006/relationships" xmlns:p="http://schemas.openxmlformats.org/presentationml/2006/main">
+  <p:cSld>
+    <p:spTree>
+      <p:nvGrpSpPr>
+        <p:cNvPr id="1" name=""/>
+        <p:cNvGrpSpPr/>
+        <p:nvPr/>
+      </p:nvGrpSpPr>
+      <p:grpSpPr>
+        <a:xfrm>
+          <a:off x="0" y="0"/>
+          <a:ext cx="0" cy="0"/>
+          <a:chOff x="0" y="0"/>
+          <a:chExt cx="0" cy="0"/>
+        </a:xfrm>
+      </p:grpSpPr>
+      <p:sp>
+        <p:nvSpPr>
+          <p:cNvPr id="2" name="Title 1"/>
+          <p:cNvSpPr>
+            <a:spLocks noGrp="1"/>
+          </p:cNvSpPr>
+          <p:nvPr>
+            <p:ph type="title"/>
+          </p:nvPr>
+        </p:nvSpPr>
+        <p:spPr/>
+        <p:txBody>
+          <a:bodyPr/>
+          <a:lstStyle/>
+          <a:p>
+            <a:r>
+              <a:rPr lang="en-US" dirty="0" smtClean="0"/>
+              <a:t>WDS and PXE</a:t>
+            </a:r>
+            <a:endParaRPr lang="en-US" dirty="0"/>
+          </a:p>
+        </p:txBody>
+      </p:sp>
+      <p:sp>
+        <p:nvSpPr>
+          <p:cNvPr id="3" name="Content Placeholder 2"/>
+          <p:cNvSpPr>
+            <a:spLocks noGrp="1"/>
+          </p:cNvSpPr>
+          <p:nvPr>
+            <p:ph idx="1"/>
+          </p:nvPr>
+        </p:nvSpPr>
+        <p:spPr/>
+        <p:txBody>
+          <a:bodyPr/>
+          <a:lstStyle/>
+          <a:p>
+            <a:r>
+              <a:rPr lang="en-US" dirty="0" smtClean="0"/>
+              <a:t>WDS and PXE are used to Deploy the image</a:t>
+            </a:r>
+          </a:p>
+          <a:p>
+            <a:r>
+              <a:rPr lang="en-US" dirty="0" smtClean="0"/>
+              <a:t>You need the Windows Deployment Services installed on your MDT Server</a:t>
+            </a:r>
+          </a:p>
+          <a:p>
+            <a:r>
+              <a:rPr lang="en-US" dirty="0" smtClean="0"/>
+              <a:t>Only change I make to default install is on TFTP tab of WDS.</a:t>
+            </a:r>
+          </a:p>
+          <a:p>
+            <a:r>
+              <a:rPr lang="en-US" dirty="0" smtClean="0"/>
+              <a:t>I increase Maximum Block Size to 16384</a:t>
+            </a:r>
+          </a:p>
+          <a:p>
+            <a:r>
+              <a:rPr lang="en-US" dirty="0" smtClean="0"/>
+              <a:t>You will also import HECC_Deployment_x64.wim to be PXE image</a:t>
+            </a:r>
+            <a:endParaRPr lang="en-US" dirty="0"/>
+          </a:p>
+        </p:txBody>
+      </p:sp>
+    </p:spTree>
+    <p:extLst>
+      <p:ext uri="{BB962C8B-B14F-4D97-AF65-F5344CB8AC3E}">
+        <p14:creationId xmlns:p14="http://schemas.microsoft.com/office/powerpoint/2010/main" val="4125616966"/>
+      </p:ext>
+    </p:extLst>
+  </p:cSld>
+  <p:clrMapOvr>
+    <a:masterClrMapping/>
+  </p:clrMapOvr>
+</p:sld>
+</file>
+
+<file path=ppt/slides/slide5.xml><?xml version="1.0" encoding="utf-8"?>
+<p:sld xmlns:a="http://schemas.openxmlformats.org/drawingml/2006/main" xmlns:r="http://schemas.openxmlformats.org/officeDocument/2006/relationships" xmlns:p="http://schemas.openxmlformats.org/presentationml/2006/main">
+  <p:cSld>
+    <p:spTree>
+      <p:nvGrpSpPr>
+        <p:cNvPr id="1" name=""/>
+        <p:cNvGrpSpPr/>
+        <p:nvPr/>
+      </p:nvGrpSpPr>
+      <p:grpSpPr>
+        <a:xfrm>
+          <a:off x="0" y="0"/>
+          <a:ext cx="0" cy="0"/>
+          <a:chOff x="0" y="0"/>
+          <a:chExt cx="0" cy="0"/>
+        </a:xfrm>
+      </p:grpSpPr>
+      <p:sp>
+        <p:nvSpPr>
+          <p:cNvPr id="2" name="Title 1"/>
+          <p:cNvSpPr>
+            <a:spLocks noGrp="1"/>
+          </p:cNvSpPr>
+          <p:nvPr>
+            <p:ph type="title"/>
+          </p:nvPr>
+        </p:nvSpPr>
+        <p:spPr/>
+        <p:txBody>
+          <a:bodyPr/>
+          <a:lstStyle/>
+          <a:p>
+            <a:r>
+              <a:rPr lang="en-US" smtClean="0"/>
+              <a:t>Create </a:t>
+            </a:r>
+            <a:r>
+              <a:rPr lang="en-US" dirty="0" smtClean="0"/>
+              <a:t>Task Sequence</a:t>
+            </a:r>
+            <a:endParaRPr lang="en-US" dirty="0"/>
+          </a:p>
+        </p:txBody>
+      </p:sp>
+      <p:sp>
+        <p:nvSpPr>
+          <p:cNvPr id="3" name="Content Placeholder 2"/>
+          <p:cNvSpPr>
+            <a:spLocks noGrp="1"/>
+          </p:cNvSpPr>
+          <p:nvPr>
+            <p:ph idx="1"/>
+          </p:nvPr>
+        </p:nvSpPr>
+        <p:spPr/>
+        <p:txBody>
+          <a:bodyPr/>
+          <a:lstStyle/>
+          <a:p>
+            <a:endParaRPr lang="en-US"/>
+          </a:p>
+        </p:txBody>
+      </p:sp>
+    </p:spTree>
+    <p:extLst>
+      <p:ext uri="{BB962C8B-B14F-4D97-AF65-F5344CB8AC3E}">
+        <p14:creationId xmlns:p14="http://schemas.microsoft.com/office/powerpoint/2010/main" val="1392472668"/>
+      </p:ext>
+    </p:extLst>
+  </p:cSld>
+  <p:clrMapOvr>
+    <a:masterClrMapping/>
+  </p:clrMapOvr>
+</p:sld>
+</file>
+
+<file path=ppt/slides/slide6.xml><?xml version="1.0" encoding="utf-8"?>
+<p:sld xmlns:a="http://schemas.openxmlformats.org/drawingml/2006/main" xmlns:r="http://schemas.openxmlformats.org/officeDocument/2006/relationships" xmlns:p="http://schemas.openxmlformats.org/presentationml/2006/main">
+  <p:cSld>
+    <p:spTree>
+      <p:nvGrpSpPr>
+        <p:cNvPr id="1" name=""/>
+        <p:cNvGrpSpPr/>
+        <p:nvPr/>
+      </p:nvGrpSpPr>
+      <p:grpSpPr>
+        <a:xfrm>
+          <a:off x="0" y="0"/>
+          <a:ext cx="0" cy="0"/>
+          <a:chOff x="0" y="0"/>
+          <a:chExt cx="0" cy="0"/>
+        </a:xfrm>
+      </p:grpSpPr>
+      <p:sp>
+        <p:nvSpPr>
+          <p:cNvPr id="2" name="Title 1"/>
+          <p:cNvSpPr>
+            <a:spLocks noGrp="1"/>
+          </p:cNvSpPr>
+          <p:nvPr>
+            <p:ph type="title"/>
+          </p:nvPr>
+        </p:nvSpPr>
         <p:spPr>
           <a:xfrm>
             <a:off x="838200" y="365125"/>
@@ -3271,7 +4053,7 @@
 </p:sld>
 </file>
 
-<file path=ppt/slides/slide4.xml><?xml version="1.0" encoding="utf-8"?>
+<file path=ppt/slides/slide7.xml><?xml version="1.0" encoding="utf-8"?>
 <p:sld xmlns:a="http://schemas.openxmlformats.org/drawingml/2006/main" xmlns:r="http://schemas.openxmlformats.org/officeDocument/2006/relationships" xmlns:p="http://schemas.openxmlformats.org/presentationml/2006/main">
   <p:cSld>
     <p:spTree>
@@ -3339,7 +4121,7 @@
 </p:sld>
 </file>
 
-<file path=ppt/slides/slide5.xml><?xml version="1.0" encoding="utf-8"?>
+<file path=ppt/slides/slide8.xml><?xml version="1.0" encoding="utf-8"?>
 <p:sld xmlns:a="http://schemas.openxmlformats.org/drawingml/2006/main" xmlns:r="http://schemas.openxmlformats.org/officeDocument/2006/relationships" xmlns:p="http://schemas.openxmlformats.org/presentationml/2006/main">
   <p:cSld>
     <p:spTree>
@@ -3671,4 +4453,265 @@
     </a:ext>
   </a:extLst>
 </a:theme>
+</file>
+
+<file path=ppt/theme/theme2.xml><?xml version="1.0" encoding="utf-8"?>
+<a:theme xmlns:a="http://schemas.openxmlformats.org/drawingml/2006/main" name="Office Theme">
+  <a:themeElements>
+    <a:clrScheme name="Office">
+      <a:dk1>
+        <a:sysClr val="windowText" lastClr="000000"/>
+      </a:dk1>
+      <a:lt1>
+        <a:sysClr val="window" lastClr="FFFFFF"/>
+      </a:lt1>
+      <a:dk2>
+        <a:srgbClr val="44546A"/>
+      </a:dk2>
+      <a:lt2>
+        <a:srgbClr val="E7E6E6"/>
+      </a:lt2>
+      <a:accent1>
+        <a:srgbClr val="5B9BD5"/>
+      </a:accent1>
+      <a:accent2>
+        <a:srgbClr val="ED7D31"/>
+      </a:accent2>
+      <a:accent3>
+        <a:srgbClr val="A5A5A5"/>
+      </a:accent3>
+      <a:accent4>
+        <a:srgbClr val="FFC000"/>
+      </a:accent4>
+      <a:accent5>
+        <a:srgbClr val="4472C4"/>
+      </a:accent5>
+      <a:accent6>
+        <a:srgbClr val="70AD47"/>
+      </a:accent6>
+      <a:hlink>
+        <a:srgbClr val="0563C1"/>
+      </a:hlink>
+      <a:folHlink>
+        <a:srgbClr val="954F72"/>
+      </a:folHlink>
+    </a:clrScheme>
+    <a:fontScheme name="Office">
+      <a:majorFont>
+        <a:latin typeface="Calibri Light" panose="020F0302020204030204"/>
+        <a:ea typeface=""/>
+        <a:cs typeface=""/>
+        <a:font script="Jpan" typeface="游ゴシック Light"/>
+        <a:font script="Hang" typeface="맑은 고딕"/>
+        <a:font script="Hans" typeface="等线 Light"/>
+        <a:font script="Hant" typeface="新細明體"/>
+        <a:font script="Arab" typeface="Times New Roman"/>
+        <a:font script="Hebr" typeface="Times New Roman"/>
+        <a:font script="Thai" typeface="Angsana New"/>
+        <a:font script="Ethi" typeface="Nyala"/>
+        <a:font script="Beng" typeface="Vrinda"/>
+        <a:font script="Gujr" typeface="Shruti"/>
+        <a:font script="Khmr" typeface="MoolBoran"/>
+        <a:font script="Knda" typeface="Tunga"/>
+        <a:font script="Guru" typeface="Raavi"/>
+        <a:font script="Cans" typeface="Euphemia"/>
+        <a:font script="Cher" typeface="Plantagenet Cherokee"/>
+        <a:font script="Yiii" typeface="Microsoft Yi Baiti"/>
+        <a:font script="Tibt" typeface="Microsoft Himalaya"/>
+        <a:font script="Thaa" typeface="MV Boli"/>
+        <a:font script="Deva" typeface="Mangal"/>
+        <a:font script="Telu" typeface="Gautami"/>
+        <a:font script="Taml" typeface="Latha"/>
+        <a:font script="Syrc" typeface="Estrangelo Edessa"/>
+        <a:font script="Orya" typeface="Kalinga"/>
+        <a:font script="Mlym" typeface="Kartika"/>
+        <a:font script="Laoo" typeface="DokChampa"/>
+        <a:font script="Sinh" typeface="Iskoola Pota"/>
+        <a:font script="Mong" typeface="Mongolian Baiti"/>
+        <a:font script="Viet" typeface="Times New Roman"/>
+        <a:font script="Uigh" typeface="Microsoft Uighur"/>
+        <a:font script="Geor" typeface="Sylfaen"/>
+      </a:majorFont>
+      <a:minorFont>
+        <a:latin typeface="Calibri" panose="020F0502020204030204"/>
+        <a:ea typeface=""/>
+        <a:cs typeface=""/>
+        <a:font script="Jpan" typeface="游ゴシック"/>
+        <a:font script="Hang" typeface="맑은 고딕"/>
+        <a:font script="Hans" typeface="等线"/>
+        <a:font script="Hant" typeface="新細明體"/>
+        <a:font script="Arab" typeface="Arial"/>
+        <a:font script="Hebr" typeface="Arial"/>
+        <a:font script="Thai" typeface="Cordia New"/>
+        <a:font script="Ethi" typeface="Nyala"/>
+        <a:font script="Beng" typeface="Vrinda"/>
+        <a:font script="Gujr" typeface="Shruti"/>
+        <a:font script="Khmr" typeface="DaunPenh"/>
+        <a:font script="Knda" typeface="Tunga"/>
+        <a:font script="Guru" typeface="Raavi"/>
+        <a:font script="Cans" typeface="Euphemia"/>
+        <a:font script="Cher" typeface="Plantagenet Cherokee"/>
+        <a:font script="Yiii" typeface="Microsoft Yi Baiti"/>
+        <a:font script="Tibt" typeface="Microsoft Himalaya"/>
+        <a:font script="Thaa" typeface="MV Boli"/>
+        <a:font script="Deva" typeface="Mangal"/>
+        <a:font script="Telu" typeface="Gautami"/>
+        <a:font script="Taml" typeface="Latha"/>
+        <a:font script="Syrc" typeface="Estrangelo Edessa"/>
+        <a:font script="Orya" typeface="Kalinga"/>
+        <a:font script="Mlym" typeface="Kartika"/>
+        <a:font script="Laoo" typeface="DokChampa"/>
+        <a:font script="Sinh" typeface="Iskoola Pota"/>
+        <a:font script="Mong" typeface="Mongolian Baiti"/>
+        <a:font script="Viet" typeface="Arial"/>
+        <a:font script="Uigh" typeface="Microsoft Uighur"/>
+        <a:font script="Geor" typeface="Sylfaen"/>
+      </a:minorFont>
+    </a:fontScheme>
+    <a:fmtScheme name="Office">
+      <a:fillStyleLst>
+        <a:solidFill>
+          <a:schemeClr val="phClr"/>
+        </a:solidFill>
+        <a:gradFill rotWithShape="1">
+          <a:gsLst>
+            <a:gs pos="0">
+              <a:schemeClr val="phClr">
+                <a:lumMod val="110000"/>
+                <a:satMod val="105000"/>
+                <a:tint val="67000"/>
+              </a:schemeClr>
+            </a:gs>
+            <a:gs pos="50000">
+              <a:schemeClr val="phClr">
+                <a:lumMod val="105000"/>
+                <a:satMod val="103000"/>
+                <a:tint val="73000"/>
+              </a:schemeClr>
+            </a:gs>
+            <a:gs pos="100000">
+              <a:schemeClr val="phClr">
+                <a:lumMod val="105000"/>
+                <a:satMod val="109000"/>
+                <a:tint val="81000"/>
+              </a:schemeClr>
+            </a:gs>
+          </a:gsLst>
+          <a:lin ang="5400000" scaled="0"/>
+        </a:gradFill>
+        <a:gradFill rotWithShape="1">
+          <a:gsLst>
+            <a:gs pos="0">
+              <a:schemeClr val="phClr">
+                <a:satMod val="103000"/>
+                <a:lumMod val="102000"/>
+                <a:tint val="94000"/>
+              </a:schemeClr>
+            </a:gs>
+            <a:gs pos="50000">
+              <a:schemeClr val="phClr">
+                <a:satMod val="110000"/>
+                <a:lumMod val="100000"/>
+                <a:shade val="100000"/>
+              </a:schemeClr>
+            </a:gs>
+            <a:gs pos="100000">
+              <a:schemeClr val="phClr">
+                <a:lumMod val="99000"/>
+                <a:satMod val="120000"/>
+                <a:shade val="78000"/>
+              </a:schemeClr>
+            </a:gs>
+          </a:gsLst>
+          <a:lin ang="5400000" scaled="0"/>
+        </a:gradFill>
+      </a:fillStyleLst>
+      <a:lnStyleLst>
+        <a:ln w="6350" cap="flat" cmpd="sng" algn="ctr">
+          <a:solidFill>
+            <a:schemeClr val="phClr"/>
+          </a:solidFill>
+          <a:prstDash val="solid"/>
+          <a:miter lim="800000"/>
+        </a:ln>
+        <a:ln w="12700" cap="flat" cmpd="sng" algn="ctr">
+          <a:solidFill>
+            <a:schemeClr val="phClr"/>
+          </a:solidFill>
+          <a:prstDash val="solid"/>
+          <a:miter lim="800000"/>
+        </a:ln>
+        <a:ln w="19050" cap="flat" cmpd="sng" algn="ctr">
+          <a:solidFill>
+            <a:schemeClr val="phClr"/>
+          </a:solidFill>
+          <a:prstDash val="solid"/>
+          <a:miter lim="800000"/>
+        </a:ln>
+      </a:lnStyleLst>
+      <a:effectStyleLst>
+        <a:effectStyle>
+          <a:effectLst/>
+        </a:effectStyle>
+        <a:effectStyle>
+          <a:effectLst/>
+        </a:effectStyle>
+        <a:effectStyle>
+          <a:effectLst>
+            <a:outerShdw blurRad="57150" dist="19050" dir="5400000" algn="ctr" rotWithShape="0">
+              <a:srgbClr val="000000">
+                <a:alpha val="63000"/>
+              </a:srgbClr>
+            </a:outerShdw>
+          </a:effectLst>
+        </a:effectStyle>
+      </a:effectStyleLst>
+      <a:bgFillStyleLst>
+        <a:solidFill>
+          <a:schemeClr val="phClr"/>
+        </a:solidFill>
+        <a:solidFill>
+          <a:schemeClr val="phClr">
+            <a:tint val="95000"/>
+            <a:satMod val="170000"/>
+          </a:schemeClr>
+        </a:solidFill>
+        <a:gradFill rotWithShape="1">
+          <a:gsLst>
+            <a:gs pos="0">
+              <a:schemeClr val="phClr">
+                <a:tint val="93000"/>
+                <a:satMod val="150000"/>
+                <a:shade val="98000"/>
+                <a:lumMod val="102000"/>
+              </a:schemeClr>
+            </a:gs>
+            <a:gs pos="50000">
+              <a:schemeClr val="phClr">
+                <a:tint val="98000"/>
+                <a:satMod val="130000"/>
+                <a:shade val="90000"/>
+                <a:lumMod val="103000"/>
+              </a:schemeClr>
+            </a:gs>
+            <a:gs pos="100000">
+              <a:schemeClr val="phClr">
+                <a:shade val="63000"/>
+                <a:satMod val="120000"/>
+              </a:schemeClr>
+            </a:gs>
+          </a:gsLst>
+          <a:lin ang="5400000" scaled="0"/>
+        </a:gradFill>
+      </a:bgFillStyleLst>
+    </a:fmtScheme>
+  </a:themeElements>
+  <a:objectDefaults/>
+  <a:extraClrSchemeLst/>
+  <a:extLst>
+    <a:ext uri="{05A4C25C-085E-4340-85A3-A5531E510DB2}">
+      <thm15:themeFamily xmlns:thm15="http://schemas.microsoft.com/office/thememl/2012/main" name="Office Theme" id="{62F939B6-93AF-4DB8-9C6B-D6C7DFDC589F}" vid="{4A3C46E8-61CC-4603-A589-7422A47A8E4A}"/>
+    </a:ext>
+  </a:extLst>
+</a:theme>
 </file>
--- a/Part_02/Section01.pptx
+++ b/Part_02/Section01.pptx
@@ -5,17 +5,20 @@
     <p:sldMasterId id="2147483648" r:id="rId1"/>
   </p:sldMasterIdLst>
   <p:notesMasterIdLst>
-    <p:notesMasterId r:id="rId10"/>
+    <p:notesMasterId r:id="rId13"/>
   </p:notesMasterIdLst>
   <p:sldIdLst>
     <p:sldId id="256" r:id="rId2"/>
     <p:sldId id="257" r:id="rId3"/>
     <p:sldId id="261" r:id="rId4"/>
-    <p:sldId id="262" r:id="rId5"/>
-    <p:sldId id="263" r:id="rId6"/>
-    <p:sldId id="258" r:id="rId7"/>
-    <p:sldId id="259" r:id="rId8"/>
-    <p:sldId id="260" r:id="rId9"/>
+    <p:sldId id="264" r:id="rId5"/>
+    <p:sldId id="265" r:id="rId6"/>
+    <p:sldId id="266" r:id="rId7"/>
+    <p:sldId id="262" r:id="rId8"/>
+    <p:sldId id="263" r:id="rId9"/>
+    <p:sldId id="258" r:id="rId10"/>
+    <p:sldId id="259" r:id="rId11"/>
+    <p:sldId id="260" r:id="rId12"/>
   </p:sldIdLst>
   <p:sldSz cx="12192000" cy="6858000"/>
   <p:notesSz cx="6858000" cy="9144000"/>
@@ -204,7 +207,7 @@
           <a:p>
             <a:fld id="{0D583348-D5CE-4A21-B4F6-0286051DC0AA}" type="datetimeFigureOut">
               <a:rPr lang="en-US" smtClean="0"/>
-              <a:t>11/3/2018</a:t>
+              <a:t>11/4/2018</a:t>
             </a:fld>
             <a:endParaRPr lang="en-US"/>
           </a:p>
@@ -644,6 +647,380 @@
 </p:notes>
 </file>
 
+<file path=ppt/notesSlides/notesSlide2.xml><?xml version="1.0" encoding="utf-8"?>
+<p:notes xmlns:a="http://schemas.openxmlformats.org/drawingml/2006/main" xmlns:r="http://schemas.openxmlformats.org/officeDocument/2006/relationships" xmlns:p="http://schemas.openxmlformats.org/presentationml/2006/main">
+  <p:cSld>
+    <p:spTree>
+      <p:nvGrpSpPr>
+        <p:cNvPr id="1" name=""/>
+        <p:cNvGrpSpPr/>
+        <p:nvPr/>
+      </p:nvGrpSpPr>
+      <p:grpSpPr>
+        <a:xfrm>
+          <a:off x="0" y="0"/>
+          <a:ext cx="0" cy="0"/>
+          <a:chOff x="0" y="0"/>
+          <a:chExt cx="0" cy="0"/>
+        </a:xfrm>
+      </p:grpSpPr>
+      <p:sp>
+        <p:nvSpPr>
+          <p:cNvPr id="2" name="Slide Image Placeholder 1"/>
+          <p:cNvSpPr>
+            <a:spLocks noGrp="1" noRot="1" noChangeAspect="1"/>
+          </p:cNvSpPr>
+          <p:nvPr>
+            <p:ph type="sldImg"/>
+          </p:nvPr>
+        </p:nvSpPr>
+        <p:spPr/>
+      </p:sp>
+      <p:sp>
+        <p:nvSpPr>
+          <p:cNvPr id="3" name="Notes Placeholder 2"/>
+          <p:cNvSpPr>
+            <a:spLocks noGrp="1"/>
+          </p:cNvSpPr>
+          <p:nvPr>
+            <p:ph type="body" idx="1"/>
+          </p:nvPr>
+        </p:nvSpPr>
+        <p:spPr/>
+        <p:txBody>
+          <a:bodyPr/>
+          <a:lstStyle/>
+          <a:p>
+            <a:r>
+              <a:rPr lang="en-US" dirty="0" smtClean="0"/>
+              <a:t>Bootstap.ini</a:t>
+            </a:r>
+          </a:p>
+          <a:p>
+            <a:r>
+              <a:rPr lang="en-US" dirty="0" smtClean="0"/>
+              <a:t>https://itinlegal.wordpress.com/2017/10/17/mdt-tutorial-part-5/</a:t>
+            </a:r>
+          </a:p>
+          <a:p>
+            <a:endParaRPr lang="en-US" dirty="0" smtClean="0"/>
+          </a:p>
+          <a:p>
+            <a:r>
+              <a:rPr lang="en-US" dirty="0" smtClean="0"/>
+              <a:t>CustomSettings.ini</a:t>
+            </a:r>
+          </a:p>
+          <a:p>
+            <a:r>
+              <a:rPr lang="en-US" dirty="0" smtClean="0"/>
+              <a:t>https://itinlegal.wordpress.com/2017/10/15/mdt-tutorial-part-4/</a:t>
+            </a:r>
+          </a:p>
+          <a:p>
+            <a:r>
+              <a:rPr lang="en-US" dirty="0" smtClean="0"/>
+              <a:t>https://deploymentbunny.com/2012/04/21/back-to-basic-customsettings-ini-explained/</a:t>
+            </a:r>
+          </a:p>
+          <a:p>
+            <a:r>
+              <a:rPr lang="en-US" dirty="0" smtClean="0"/>
+              <a:t>https://deploymentbunny.com/2015/05/22/back-to-basic-customsettings-ini-converting-desktop-and-laptop-computer-types-into-roles/</a:t>
+            </a:r>
+          </a:p>
+          <a:p>
+            <a:endParaRPr lang="en-US" dirty="0"/>
+          </a:p>
+        </p:txBody>
+      </p:sp>
+      <p:sp>
+        <p:nvSpPr>
+          <p:cNvPr id="4" name="Slide Number Placeholder 3"/>
+          <p:cNvSpPr>
+            <a:spLocks noGrp="1"/>
+          </p:cNvSpPr>
+          <p:nvPr>
+            <p:ph type="sldNum" sz="quarter" idx="10"/>
+          </p:nvPr>
+        </p:nvSpPr>
+        <p:spPr/>
+        <p:txBody>
+          <a:bodyPr/>
+          <a:lstStyle/>
+          <a:p>
+            <a:fld id="{4C005DF8-BB4A-4CC6-B5ED-8044A03DF6B7}" type="slidenum">
+              <a:rPr lang="en-US" smtClean="0"/>
+              <a:t>4</a:t>
+            </a:fld>
+            <a:endParaRPr lang="en-US"/>
+          </a:p>
+        </p:txBody>
+      </p:sp>
+    </p:spTree>
+    <p:extLst>
+      <p:ext uri="{BB962C8B-B14F-4D97-AF65-F5344CB8AC3E}">
+        <p14:creationId xmlns:p14="http://schemas.microsoft.com/office/powerpoint/2010/main" val="1487542050"/>
+      </p:ext>
+    </p:extLst>
+  </p:cSld>
+  <p:clrMapOvr>
+    <a:masterClrMapping/>
+  </p:clrMapOvr>
+</p:notes>
+</file>
+
+<file path=ppt/notesSlides/notesSlide3.xml><?xml version="1.0" encoding="utf-8"?>
+<p:notes xmlns:a="http://schemas.openxmlformats.org/drawingml/2006/main" xmlns:r="http://schemas.openxmlformats.org/officeDocument/2006/relationships" xmlns:p="http://schemas.openxmlformats.org/presentationml/2006/main">
+  <p:cSld>
+    <p:spTree>
+      <p:nvGrpSpPr>
+        <p:cNvPr id="1" name=""/>
+        <p:cNvGrpSpPr/>
+        <p:nvPr/>
+      </p:nvGrpSpPr>
+      <p:grpSpPr>
+        <a:xfrm>
+          <a:off x="0" y="0"/>
+          <a:ext cx="0" cy="0"/>
+          <a:chOff x="0" y="0"/>
+          <a:chExt cx="0" cy="0"/>
+        </a:xfrm>
+      </p:grpSpPr>
+      <p:sp>
+        <p:nvSpPr>
+          <p:cNvPr id="2" name="Slide Image Placeholder 1"/>
+          <p:cNvSpPr>
+            <a:spLocks noGrp="1" noRot="1" noChangeAspect="1"/>
+          </p:cNvSpPr>
+          <p:nvPr>
+            <p:ph type="sldImg"/>
+          </p:nvPr>
+        </p:nvSpPr>
+        <p:spPr/>
+      </p:sp>
+      <p:sp>
+        <p:nvSpPr>
+          <p:cNvPr id="3" name="Notes Placeholder 2"/>
+          <p:cNvSpPr>
+            <a:spLocks noGrp="1"/>
+          </p:cNvSpPr>
+          <p:nvPr>
+            <p:ph type="body" idx="1"/>
+          </p:nvPr>
+        </p:nvSpPr>
+        <p:spPr/>
+        <p:txBody>
+          <a:bodyPr/>
+          <a:lstStyle/>
+          <a:p>
+            <a:r>
+              <a:rPr lang="en-US" dirty="0" smtClean="0"/>
+              <a:t>PowerShell Script</a:t>
+            </a:r>
+          </a:p>
+          <a:p>
+            <a:endParaRPr lang="en-US" dirty="0" smtClean="0"/>
+          </a:p>
+          <a:p>
+            <a:r>
+              <a:rPr lang="en-US" dirty="0" smtClean="0"/>
+              <a:t>Import-Module "C:\Program Files\Microsoft Deployment Toolkit\bin\MicrosoftDeploymentToolkit.psd1"</a:t>
+            </a:r>
+          </a:p>
+          <a:p>
+            <a:r>
+              <a:rPr lang="en-US" dirty="0" smtClean="0"/>
+              <a:t>New-</a:t>
+            </a:r>
+            <a:r>
+              <a:rPr lang="en-US" dirty="0" err="1" smtClean="0"/>
+              <a:t>PSDrive</a:t>
+            </a:r>
+            <a:r>
+              <a:rPr lang="en-US" dirty="0" smtClean="0"/>
+              <a:t> -Name "DS002" -</a:t>
+            </a:r>
+            <a:r>
+              <a:rPr lang="en-US" dirty="0" err="1" smtClean="0"/>
+              <a:t>PSProvider</a:t>
+            </a:r>
+            <a:r>
+              <a:rPr lang="en-US" dirty="0" smtClean="0"/>
+              <a:t> </a:t>
+            </a:r>
+            <a:r>
+              <a:rPr lang="en-US" dirty="0" err="1" smtClean="0"/>
+              <a:t>MDTProvider</a:t>
+            </a:r>
+            <a:r>
+              <a:rPr lang="en-US" dirty="0" smtClean="0"/>
+              <a:t> -Root "E:\HECCDeploy"</a:t>
+            </a:r>
+          </a:p>
+          <a:p>
+            <a:r>
+              <a:rPr lang="en-US" dirty="0" smtClean="0"/>
+              <a:t>import-</a:t>
+            </a:r>
+            <a:r>
+              <a:rPr lang="en-US" dirty="0" err="1" smtClean="0"/>
+              <a:t>mdtoperatingsystem</a:t>
+            </a:r>
+            <a:r>
+              <a:rPr lang="en-US" dirty="0" smtClean="0"/>
+              <a:t> -path "DS002:\Operating Systems\Windows 10" -</a:t>
+            </a:r>
+            <a:r>
+              <a:rPr lang="en-US" dirty="0" err="1" smtClean="0"/>
+              <a:t>SourceFile</a:t>
+            </a:r>
+            <a:r>
+              <a:rPr lang="en-US" dirty="0" smtClean="0"/>
+              <a:t> "E:\MDTBuildLab\Captures\REFWIN10EDU1803_10-23-2018.wim" -</a:t>
+            </a:r>
+            <a:r>
+              <a:rPr lang="en-US" dirty="0" err="1" smtClean="0"/>
+              <a:t>DestinationFolder</a:t>
+            </a:r>
+            <a:r>
+              <a:rPr lang="en-US" dirty="0" smtClean="0"/>
+              <a:t> "Win101803v001" -</a:t>
+            </a:r>
+            <a:r>
+              <a:rPr lang="en-US" dirty="0" err="1" smtClean="0"/>
+              <a:t>SetupPath</a:t>
+            </a:r>
+            <a:r>
+              <a:rPr lang="en-US" dirty="0" smtClean="0"/>
+              <a:t> "F:\" -Verbose</a:t>
+            </a:r>
+          </a:p>
+          <a:p>
+            <a:endParaRPr lang="en-US" dirty="0"/>
+          </a:p>
+        </p:txBody>
+      </p:sp>
+      <p:sp>
+        <p:nvSpPr>
+          <p:cNvPr id="4" name="Slide Number Placeholder 3"/>
+          <p:cNvSpPr>
+            <a:spLocks noGrp="1"/>
+          </p:cNvSpPr>
+          <p:nvPr>
+            <p:ph type="sldNum" sz="quarter" idx="10"/>
+          </p:nvPr>
+        </p:nvSpPr>
+        <p:spPr/>
+        <p:txBody>
+          <a:bodyPr/>
+          <a:lstStyle/>
+          <a:p>
+            <a:fld id="{4C005DF8-BB4A-4CC6-B5ED-8044A03DF6B7}" type="slidenum">
+              <a:rPr lang="en-US" smtClean="0"/>
+              <a:t>5</a:t>
+            </a:fld>
+            <a:endParaRPr lang="en-US"/>
+          </a:p>
+        </p:txBody>
+      </p:sp>
+    </p:spTree>
+    <p:extLst>
+      <p:ext uri="{BB962C8B-B14F-4D97-AF65-F5344CB8AC3E}">
+        <p14:creationId xmlns:p14="http://schemas.microsoft.com/office/powerpoint/2010/main" val="904554177"/>
+      </p:ext>
+    </p:extLst>
+  </p:cSld>
+  <p:clrMapOvr>
+    <a:masterClrMapping/>
+  </p:clrMapOvr>
+</p:notes>
+</file>
+
+<file path=ppt/notesSlides/notesSlide4.xml><?xml version="1.0" encoding="utf-8"?>
+<p:notes xmlns:a="http://schemas.openxmlformats.org/drawingml/2006/main" xmlns:r="http://schemas.openxmlformats.org/officeDocument/2006/relationships" xmlns:p="http://schemas.openxmlformats.org/presentationml/2006/main">
+  <p:cSld>
+    <p:spTree>
+      <p:nvGrpSpPr>
+        <p:cNvPr id="1" name=""/>
+        <p:cNvGrpSpPr/>
+        <p:nvPr/>
+      </p:nvGrpSpPr>
+      <p:grpSpPr>
+        <a:xfrm>
+          <a:off x="0" y="0"/>
+          <a:ext cx="0" cy="0"/>
+          <a:chOff x="0" y="0"/>
+          <a:chExt cx="0" cy="0"/>
+        </a:xfrm>
+      </p:grpSpPr>
+      <p:sp>
+        <p:nvSpPr>
+          <p:cNvPr id="2" name="Slide Image Placeholder 1"/>
+          <p:cNvSpPr>
+            <a:spLocks noGrp="1" noRot="1" noChangeAspect="1"/>
+          </p:cNvSpPr>
+          <p:nvPr>
+            <p:ph type="sldImg"/>
+          </p:nvPr>
+        </p:nvSpPr>
+        <p:spPr/>
+      </p:sp>
+      <p:sp>
+        <p:nvSpPr>
+          <p:cNvPr id="3" name="Notes Placeholder 2"/>
+          <p:cNvSpPr>
+            <a:spLocks noGrp="1"/>
+          </p:cNvSpPr>
+          <p:nvPr>
+            <p:ph type="body" idx="1"/>
+          </p:nvPr>
+        </p:nvSpPr>
+        <p:spPr/>
+        <p:txBody>
+          <a:bodyPr/>
+          <a:lstStyle/>
+          <a:p>
+            <a:endParaRPr lang="en-US" dirty="0"/>
+          </a:p>
+        </p:txBody>
+      </p:sp>
+      <p:sp>
+        <p:nvSpPr>
+          <p:cNvPr id="4" name="Slide Number Placeholder 3"/>
+          <p:cNvSpPr>
+            <a:spLocks noGrp="1"/>
+          </p:cNvSpPr>
+          <p:nvPr>
+            <p:ph type="sldNum" sz="quarter" idx="10"/>
+          </p:nvPr>
+        </p:nvSpPr>
+        <p:spPr/>
+        <p:txBody>
+          <a:bodyPr/>
+          <a:lstStyle/>
+          <a:p>
+            <a:fld id="{4C005DF8-BB4A-4CC6-B5ED-8044A03DF6B7}" type="slidenum">
+              <a:rPr lang="en-US" smtClean="0"/>
+              <a:t>8</a:t>
+            </a:fld>
+            <a:endParaRPr lang="en-US"/>
+          </a:p>
+        </p:txBody>
+      </p:sp>
+    </p:spTree>
+    <p:extLst>
+      <p:ext uri="{BB962C8B-B14F-4D97-AF65-F5344CB8AC3E}">
+        <p14:creationId xmlns:p14="http://schemas.microsoft.com/office/powerpoint/2010/main" val="2962737479"/>
+      </p:ext>
+    </p:extLst>
+  </p:cSld>
+  <p:clrMapOvr>
+    <a:masterClrMapping/>
+  </p:clrMapOvr>
+</p:notes>
+</file>
+
 <file path=ppt/slideLayouts/slideLayout1.xml><?xml version="1.0" encoding="utf-8"?>
 <p:sldLayout xmlns:a="http://schemas.openxmlformats.org/drawingml/2006/main" xmlns:r="http://schemas.openxmlformats.org/officeDocument/2006/relationships" xmlns:p="http://schemas.openxmlformats.org/presentationml/2006/main" type="title" preserve="1">
   <p:cSld name="Title Slide">
@@ -775,7 +1152,7 @@
           <a:p>
             <a:fld id="{968F8B48-9EEB-4E1A-AB61-E86E4E194647}" type="datetimeFigureOut">
               <a:rPr lang="en-US" smtClean="0"/>
-              <a:t>11/3/2018</a:t>
+              <a:t>11/4/2018</a:t>
             </a:fld>
             <a:endParaRPr lang="en-US"/>
           </a:p>
@@ -945,7 +1322,7 @@
           <a:p>
             <a:fld id="{968F8B48-9EEB-4E1A-AB61-E86E4E194647}" type="datetimeFigureOut">
               <a:rPr lang="en-US" smtClean="0"/>
-              <a:t>11/3/2018</a:t>
+              <a:t>11/4/2018</a:t>
             </a:fld>
             <a:endParaRPr lang="en-US"/>
           </a:p>
@@ -1125,7 +1502,7 @@
           <a:p>
             <a:fld id="{968F8B48-9EEB-4E1A-AB61-E86E4E194647}" type="datetimeFigureOut">
               <a:rPr lang="en-US" smtClean="0"/>
-              <a:t>11/3/2018</a:t>
+              <a:t>11/4/2018</a:t>
             </a:fld>
             <a:endParaRPr lang="en-US"/>
           </a:p>
@@ -1295,7 +1672,7 @@
           <a:p>
             <a:fld id="{968F8B48-9EEB-4E1A-AB61-E86E4E194647}" type="datetimeFigureOut">
               <a:rPr lang="en-US" smtClean="0"/>
-              <a:t>11/3/2018</a:t>
+              <a:t>11/4/2018</a:t>
             </a:fld>
             <a:endParaRPr lang="en-US"/>
           </a:p>
@@ -1541,7 +1918,7 @@
           <a:p>
             <a:fld id="{968F8B48-9EEB-4E1A-AB61-E86E4E194647}" type="datetimeFigureOut">
               <a:rPr lang="en-US" smtClean="0"/>
-              <a:t>11/3/2018</a:t>
+              <a:t>11/4/2018</a:t>
             </a:fld>
             <a:endParaRPr lang="en-US"/>
           </a:p>
@@ -1773,7 +2150,7 @@
           <a:p>
             <a:fld id="{968F8B48-9EEB-4E1A-AB61-E86E4E194647}" type="datetimeFigureOut">
               <a:rPr lang="en-US" smtClean="0"/>
-              <a:t>11/3/2018</a:t>
+              <a:t>11/4/2018</a:t>
             </a:fld>
             <a:endParaRPr lang="en-US"/>
           </a:p>
@@ -2140,7 +2517,7 @@
           <a:p>
             <a:fld id="{968F8B48-9EEB-4E1A-AB61-E86E4E194647}" type="datetimeFigureOut">
               <a:rPr lang="en-US" smtClean="0"/>
-              <a:t>11/3/2018</a:t>
+              <a:t>11/4/2018</a:t>
             </a:fld>
             <a:endParaRPr lang="en-US"/>
           </a:p>
@@ -2258,7 +2635,7 @@
           <a:p>
             <a:fld id="{968F8B48-9EEB-4E1A-AB61-E86E4E194647}" type="datetimeFigureOut">
               <a:rPr lang="en-US" smtClean="0"/>
-              <a:t>11/3/2018</a:t>
+              <a:t>11/4/2018</a:t>
             </a:fld>
             <a:endParaRPr lang="en-US"/>
           </a:p>
@@ -2353,7 +2730,7 @@
           <a:p>
             <a:fld id="{968F8B48-9EEB-4E1A-AB61-E86E4E194647}" type="datetimeFigureOut">
               <a:rPr lang="en-US" smtClean="0"/>
-              <a:t>11/3/2018</a:t>
+              <a:t>11/4/2018</a:t>
             </a:fld>
             <a:endParaRPr lang="en-US"/>
           </a:p>
@@ -2630,7 +3007,7 @@
           <a:p>
             <a:fld id="{968F8B48-9EEB-4E1A-AB61-E86E4E194647}" type="datetimeFigureOut">
               <a:rPr lang="en-US" smtClean="0"/>
-              <a:t>11/3/2018</a:t>
+              <a:t>11/4/2018</a:t>
             </a:fld>
             <a:endParaRPr lang="en-US"/>
           </a:p>
@@ -2883,7 +3260,7 @@
           <a:p>
             <a:fld id="{968F8B48-9EEB-4E1A-AB61-E86E4E194647}" type="datetimeFigureOut">
               <a:rPr lang="en-US" smtClean="0"/>
-              <a:t>11/3/2018</a:t>
+              <a:t>11/4/2018</a:t>
             </a:fld>
             <a:endParaRPr lang="en-US"/>
           </a:p>
@@ -3096,7 +3473,7 @@
           <a:p>
             <a:fld id="{968F8B48-9EEB-4E1A-AB61-E86E4E194647}" type="datetimeFigureOut">
               <a:rPr lang="en-US" smtClean="0"/>
-              <a:t>11/3/2018</a:t>
+              <a:t>11/4/2018</a:t>
             </a:fld>
             <a:endParaRPr lang="en-US"/>
           </a:p>
@@ -3578,6 +3955,154 @@
   <p:clrMapOvr>
     <a:masterClrMapping/>
   </p:clrMapOvr>
+  <p:timing>
+    <p:tnLst>
+      <p:par>
+        <p:cTn id="1" dur="indefinite" restart="never" nodeType="tmRoot"/>
+      </p:par>
+    </p:tnLst>
+  </p:timing>
+</p:sld>
+</file>
+
+<file path=ppt/slides/slide10.xml><?xml version="1.0" encoding="utf-8"?>
+<p:sld xmlns:a="http://schemas.openxmlformats.org/drawingml/2006/main" xmlns:r="http://schemas.openxmlformats.org/officeDocument/2006/relationships" xmlns:p="http://schemas.openxmlformats.org/presentationml/2006/main">
+  <p:cSld>
+    <p:spTree>
+      <p:nvGrpSpPr>
+        <p:cNvPr id="1" name=""/>
+        <p:cNvGrpSpPr/>
+        <p:nvPr/>
+      </p:nvGrpSpPr>
+      <p:grpSpPr>
+        <a:xfrm>
+          <a:off x="0" y="0"/>
+          <a:ext cx="0" cy="0"/>
+          <a:chOff x="0" y="0"/>
+          <a:chExt cx="0" cy="0"/>
+        </a:xfrm>
+      </p:grpSpPr>
+      <p:sp>
+        <p:nvSpPr>
+          <p:cNvPr id="2" name="Title 1"/>
+          <p:cNvSpPr>
+            <a:spLocks noGrp="1"/>
+          </p:cNvSpPr>
+          <p:nvPr>
+            <p:ph type="title"/>
+          </p:nvPr>
+        </p:nvSpPr>
+        <p:spPr>
+          <a:xfrm>
+            <a:off x="838200" y="365125"/>
+            <a:ext cx="10515600" cy="5641228"/>
+          </a:xfrm>
+        </p:spPr>
+        <p:txBody>
+          <a:bodyPr>
+            <a:normAutofit/>
+          </a:bodyPr>
+          <a:lstStyle/>
+          <a:p>
+            <a:pPr algn="ctr"/>
+            <a:r>
+              <a:rPr lang="en-US" sz="13800" dirty="0" smtClean="0"/>
+              <a:t>Questions</a:t>
+            </a:r>
+            <a:endParaRPr lang="en-US" sz="13800" dirty="0"/>
+          </a:p>
+        </p:txBody>
+      </p:sp>
+    </p:spTree>
+    <p:extLst>
+      <p:ext uri="{BB962C8B-B14F-4D97-AF65-F5344CB8AC3E}">
+        <p14:creationId xmlns:p14="http://schemas.microsoft.com/office/powerpoint/2010/main" val="864552848"/>
+      </p:ext>
+    </p:extLst>
+  </p:cSld>
+  <p:clrMapOvr>
+    <a:masterClrMapping/>
+  </p:clrMapOvr>
+  <p:timing>
+    <p:tnLst>
+      <p:par>
+        <p:cTn id="1" dur="indefinite" restart="never" nodeType="tmRoot"/>
+      </p:par>
+    </p:tnLst>
+  </p:timing>
+</p:sld>
+</file>
+
+<file path=ppt/slides/slide11.xml><?xml version="1.0" encoding="utf-8"?>
+<p:sld xmlns:a="http://schemas.openxmlformats.org/drawingml/2006/main" xmlns:r="http://schemas.openxmlformats.org/officeDocument/2006/relationships" xmlns:p="http://schemas.openxmlformats.org/presentationml/2006/main">
+  <p:cSld>
+    <p:spTree>
+      <p:nvGrpSpPr>
+        <p:cNvPr id="1" name=""/>
+        <p:cNvGrpSpPr/>
+        <p:nvPr/>
+      </p:nvGrpSpPr>
+      <p:grpSpPr>
+        <a:xfrm>
+          <a:off x="0" y="0"/>
+          <a:ext cx="0" cy="0"/>
+          <a:chOff x="0" y="0"/>
+          <a:chExt cx="0" cy="0"/>
+        </a:xfrm>
+      </p:grpSpPr>
+      <p:sp>
+        <p:nvSpPr>
+          <p:cNvPr id="2" name="Title 1"/>
+          <p:cNvSpPr>
+            <a:spLocks noGrp="1"/>
+          </p:cNvSpPr>
+          <p:nvPr>
+            <p:ph type="title"/>
+          </p:nvPr>
+        </p:nvSpPr>
+        <p:spPr>
+          <a:xfrm>
+            <a:off x="838200" y="365125"/>
+            <a:ext cx="10515600" cy="5730875"/>
+          </a:xfrm>
+        </p:spPr>
+        <p:txBody>
+          <a:bodyPr/>
+          <a:lstStyle/>
+          <a:p>
+            <a:pPr algn="ctr"/>
+            <a:r>
+              <a:rPr lang="en-US" sz="13800" dirty="0" smtClean="0"/>
+              <a:t>Break</a:t>
+            </a:r>
+            <a:br>
+              <a:rPr lang="en-US" sz="13800" dirty="0" smtClean="0"/>
+            </a:br>
+            <a:r>
+              <a:rPr lang="en-US" sz="3200" dirty="0" smtClean="0"/>
+              <a:t>10 Minutes</a:t>
+            </a:r>
+            <a:endParaRPr lang="en-US" dirty="0"/>
+          </a:p>
+        </p:txBody>
+      </p:sp>
+    </p:spTree>
+    <p:extLst>
+      <p:ext uri="{BB962C8B-B14F-4D97-AF65-F5344CB8AC3E}">
+        <p14:creationId xmlns:p14="http://schemas.microsoft.com/office/powerpoint/2010/main" val="3621487264"/>
+      </p:ext>
+    </p:extLst>
+  </p:cSld>
+  <p:clrMapOvr>
+    <a:masterClrMapping/>
+  </p:clrMapOvr>
+  <p:timing>
+    <p:tnLst>
+      <p:par>
+        <p:cTn id="1" dur="indefinite" restart="never" nodeType="tmRoot"/>
+      </p:par>
+    </p:tnLst>
+  </p:timing>
 </p:sld>
 </file>
 
@@ -3764,7 +4289,11 @@
           <a:bodyPr/>
           <a:lstStyle/>
           <a:p>
-            <a:endParaRPr lang="en-US"/>
+            <a:r>
+              <a:rPr lang="en-US" dirty="0"/>
+              <a:t>Deployment Share </a:t>
+            </a:r>
+            <a:endParaRPr lang="en-US" dirty="0"/>
           </a:p>
         </p:txBody>
       </p:sp>
@@ -3787,6 +4316,56 @@
               <a:rPr lang="en-US" dirty="0" smtClean="0"/>
               <a:t>Create Deployment Share – HECC Deployment</a:t>
             </a:r>
+          </a:p>
+          <a:p>
+            <a:r>
+              <a:rPr lang="en-US" dirty="0"/>
+              <a:t>Open Deployment Workbench</a:t>
+            </a:r>
+          </a:p>
+          <a:p>
+            <a:r>
+              <a:rPr lang="en-US" dirty="0"/>
+              <a:t>Right Click on Deployment Share and select New Deployment </a:t>
+            </a:r>
+            <a:r>
+              <a:rPr lang="en-US" dirty="0" smtClean="0"/>
+              <a:t>Share</a:t>
+            </a:r>
+          </a:p>
+          <a:p>
+            <a:pPr lvl="1"/>
+            <a:r>
+              <a:rPr lang="en-US" dirty="0" smtClean="0"/>
+              <a:t>Deployment Share name </a:t>
+            </a:r>
+            <a:r>
+              <a:rPr lang="en-US" dirty="0" err="1" smtClean="0"/>
+              <a:t>HECCDeploy</a:t>
+            </a:r>
+            <a:r>
+              <a:rPr lang="en-US" dirty="0" smtClean="0"/>
+              <a:t>$</a:t>
+            </a:r>
+          </a:p>
+          <a:p>
+            <a:pPr lvl="1"/>
+            <a:r>
+              <a:rPr lang="en-US" dirty="0" smtClean="0"/>
+              <a:t>Deployment Share Description HECC </a:t>
+            </a:r>
+            <a:r>
+              <a:rPr lang="en-US" dirty="0"/>
+              <a:t>Deployment </a:t>
+            </a:r>
+            <a:r>
+              <a:rPr lang="en-US" dirty="0" smtClean="0"/>
+              <a:t>Share</a:t>
+            </a:r>
+          </a:p>
+          <a:p>
+            <a:pPr lvl="1"/>
+            <a:endParaRPr lang="en-US" dirty="0"/>
           </a:p>
           <a:p>
             <a:pPr marL="0" indent="0">
@@ -3796,6 +4375,30 @@
           </a:p>
         </p:txBody>
       </p:sp>
+      <p:pic>
+        <p:nvPicPr>
+          <p:cNvPr id="4" name="Picture 3"/>
+          <p:cNvPicPr>
+            <a:picLocks noChangeAspect="1"/>
+          </p:cNvPicPr>
+          <p:nvPr/>
+        </p:nvPicPr>
+        <p:blipFill>
+          <a:blip r:embed="rId3"/>
+          <a:stretch>
+            <a:fillRect/>
+          </a:stretch>
+        </p:blipFill>
+        <p:spPr>
+          <a:xfrm>
+            <a:off x="3473342" y="4127847"/>
+            <a:ext cx="4243302" cy="2184053"/>
+          </a:xfrm>
+          <a:prstGeom prst="rect">
+            <a:avLst/>
+          </a:prstGeom>
+        </p:spPr>
+      </p:pic>
     </p:spTree>
     <p:extLst>
       <p:ext uri="{BB962C8B-B14F-4D97-AF65-F5344CB8AC3E}">
@@ -3806,6 +4409,13 @@
   <p:clrMapOvr>
     <a:masterClrMapping/>
   </p:clrMapOvr>
+  <p:timing>
+    <p:tnLst>
+      <p:par>
+        <p:cTn id="1" dur="indefinite" restart="never" nodeType="tmRoot"/>
+      </p:par>
+    </p:tnLst>
+  </p:timing>
 </p:sld>
 </file>
 
@@ -3843,7 +4453,7 @@
           <a:p>
             <a:r>
               <a:rPr lang="en-US" dirty="0" smtClean="0"/>
-              <a:t>WDS and PXE</a:t>
+              <a:t>Deployment Share settings</a:t>
             </a:r>
             <a:endParaRPr lang="en-US" dirty="0"/>
           </a:p>
@@ -3866,32 +4476,44 @@
           <a:p>
             <a:r>
               <a:rPr lang="en-US" dirty="0" smtClean="0"/>
-              <a:t>WDS and PXE are used to Deploy the image</a:t>
-            </a:r>
-          </a:p>
-          <a:p>
-            <a:r>
-              <a:rPr lang="en-US" dirty="0" smtClean="0"/>
-              <a:t>You need the Windows Deployment Services installed on your MDT Server</a:t>
-            </a:r>
-          </a:p>
-          <a:p>
-            <a:r>
-              <a:rPr lang="en-US" dirty="0" smtClean="0"/>
-              <a:t>Only change I make to default install is on TFTP tab of WDS.</a:t>
-            </a:r>
-          </a:p>
-          <a:p>
-            <a:r>
-              <a:rPr lang="en-US" dirty="0" smtClean="0"/>
-              <a:t>I increase Maximum Block Size to 16384</a:t>
-            </a:r>
-          </a:p>
-          <a:p>
-            <a:r>
-              <a:rPr lang="en-US" dirty="0" smtClean="0"/>
-              <a:t>You will also import HECC_Deployment_x64.wim to be PXE image</a:t>
-            </a:r>
+              <a:t>Again focusing on Bootstrap.ini and CustomSettings.ini</a:t>
+            </a:r>
+          </a:p>
+          <a:p>
+            <a:r>
+              <a:rPr lang="en-US" dirty="0" smtClean="0"/>
+              <a:t>Bootstrap.ini</a:t>
+            </a:r>
+          </a:p>
+          <a:p>
+            <a:pPr lvl="1"/>
+            <a:r>
+              <a:rPr lang="en-US" dirty="0" smtClean="0"/>
+              <a:t>For Demo I have share username and password in file.  You need to make the call in your environment.  Others will have access to this image</a:t>
+            </a:r>
+          </a:p>
+          <a:p>
+            <a:r>
+              <a:rPr lang="en-US" dirty="0" smtClean="0"/>
+              <a:t>Different settings for Deployment.  Some the same.</a:t>
+            </a:r>
+          </a:p>
+          <a:p>
+            <a:pPr lvl="1"/>
+            <a:r>
+              <a:rPr lang="en-US" dirty="0" smtClean="0"/>
+              <a:t>We will highlight some special cases later.</a:t>
+            </a:r>
+          </a:p>
+          <a:p>
+            <a:pPr lvl="1"/>
+            <a:r>
+              <a:rPr lang="en-US" dirty="0" smtClean="0"/>
+              <a:t>I put a copy of both files in class files.</a:t>
+            </a:r>
+            <a:endParaRPr lang="en-US" dirty="0"/>
+          </a:p>
+          <a:p>
             <a:endParaRPr lang="en-US" dirty="0"/>
           </a:p>
         </p:txBody>
@@ -3899,13 +4521,20 @@
     </p:spTree>
     <p:extLst>
       <p:ext uri="{BB962C8B-B14F-4D97-AF65-F5344CB8AC3E}">
-        <p14:creationId xmlns:p14="http://schemas.microsoft.com/office/powerpoint/2010/main" val="4125616966"/>
+        <p14:creationId xmlns:p14="http://schemas.microsoft.com/office/powerpoint/2010/main" val="1402318781"/>
       </p:ext>
     </p:extLst>
   </p:cSld>
   <p:clrMapOvr>
     <a:masterClrMapping/>
   </p:clrMapOvr>
+  <p:timing>
+    <p:tnLst>
+      <p:par>
+        <p:cTn id="1" dur="indefinite" restart="never" nodeType="tmRoot"/>
+      </p:par>
+    </p:tnLst>
+  </p:timing>
 </p:sld>
 </file>
 
@@ -3942,12 +4571,8 @@
           <a:lstStyle/>
           <a:p>
             <a:r>
-              <a:rPr lang="en-US" smtClean="0"/>
-              <a:t>Create </a:t>
-            </a:r>
-            <a:r>
-              <a:rPr lang="en-US" dirty="0" smtClean="0"/>
-              <a:t>Task Sequence</a:t>
+              <a:rPr lang="en-US" dirty="0" smtClean="0"/>
+              <a:t>Importing WIM</a:t>
             </a:r>
             <a:endParaRPr lang="en-US" dirty="0"/>
           </a:p>
@@ -3963,25 +4588,516 @@
             <p:ph idx="1"/>
           </p:nvPr>
         </p:nvSpPr>
-        <p:spPr/>
-        <p:txBody>
-          <a:bodyPr/>
-          <a:lstStyle/>
-          <a:p>
-            <a:endParaRPr lang="en-US"/>
-          </a:p>
-        </p:txBody>
-      </p:sp>
+        <p:spPr>
+          <a:xfrm>
+            <a:off x="838200" y="1825625"/>
+            <a:ext cx="5049644" cy="4351338"/>
+          </a:xfrm>
+        </p:spPr>
+        <p:txBody>
+          <a:bodyPr/>
+          <a:lstStyle/>
+          <a:p>
+            <a:r>
+              <a:rPr lang="en-US" dirty="0" smtClean="0"/>
+              <a:t>You should have Golden Image WIM file created with process from last class</a:t>
+            </a:r>
+          </a:p>
+          <a:p>
+            <a:r>
+              <a:rPr lang="en-US" dirty="0" smtClean="0"/>
+              <a:t>Also have Windows 10 1803 ISO mounted</a:t>
+            </a:r>
+          </a:p>
+          <a:p>
+            <a:r>
+              <a:rPr lang="en-US" dirty="0" smtClean="0"/>
+              <a:t>Make folders for Each OS in Operating Systems fold in Workbench</a:t>
+            </a:r>
+          </a:p>
+          <a:p>
+            <a:endParaRPr lang="en-US" dirty="0"/>
+          </a:p>
+        </p:txBody>
+      </p:sp>
+      <p:pic>
+        <p:nvPicPr>
+          <p:cNvPr id="4" name="Picture 3"/>
+          <p:cNvPicPr>
+            <a:picLocks noChangeAspect="1"/>
+          </p:cNvPicPr>
+          <p:nvPr/>
+        </p:nvPicPr>
+        <p:blipFill>
+          <a:blip r:embed="rId3"/>
+          <a:stretch>
+            <a:fillRect/>
+          </a:stretch>
+        </p:blipFill>
+        <p:spPr>
+          <a:xfrm>
+            <a:off x="5891525" y="1153194"/>
+            <a:ext cx="6137608" cy="5058002"/>
+          </a:xfrm>
+          <a:prstGeom prst="rect">
+            <a:avLst/>
+          </a:prstGeom>
+        </p:spPr>
+      </p:pic>
+      <p:pic>
+        <p:nvPicPr>
+          <p:cNvPr id="5" name="Picture 4"/>
+          <p:cNvPicPr>
+            <a:picLocks noChangeAspect="1"/>
+          </p:cNvPicPr>
+          <p:nvPr/>
+        </p:nvPicPr>
+        <p:blipFill>
+          <a:blip r:embed="rId4"/>
+          <a:stretch>
+            <a:fillRect/>
+          </a:stretch>
+        </p:blipFill>
+        <p:spPr>
+          <a:xfrm>
+            <a:off x="5932559" y="1156265"/>
+            <a:ext cx="6055541" cy="5051860"/>
+          </a:xfrm>
+          <a:prstGeom prst="rect">
+            <a:avLst/>
+          </a:prstGeom>
+        </p:spPr>
+      </p:pic>
+      <p:pic>
+        <p:nvPicPr>
+          <p:cNvPr id="6" name="Picture 5"/>
+          <p:cNvPicPr>
+            <a:picLocks noChangeAspect="1"/>
+          </p:cNvPicPr>
+          <p:nvPr/>
+        </p:nvPicPr>
+        <p:blipFill>
+          <a:blip r:embed="rId5"/>
+          <a:stretch>
+            <a:fillRect/>
+          </a:stretch>
+        </p:blipFill>
+        <p:spPr>
+          <a:xfrm>
+            <a:off x="5891525" y="1122033"/>
+            <a:ext cx="6137608" cy="5120325"/>
+          </a:xfrm>
+          <a:prstGeom prst="rect">
+            <a:avLst/>
+          </a:prstGeom>
+        </p:spPr>
+      </p:pic>
+      <p:pic>
+        <p:nvPicPr>
+          <p:cNvPr id="7" name="Picture 6"/>
+          <p:cNvPicPr>
+            <a:picLocks noChangeAspect="1"/>
+          </p:cNvPicPr>
+          <p:nvPr/>
+        </p:nvPicPr>
+        <p:blipFill>
+          <a:blip r:embed="rId6"/>
+          <a:stretch>
+            <a:fillRect/>
+          </a:stretch>
+        </p:blipFill>
+        <p:spPr>
+          <a:xfrm>
+            <a:off x="5887844" y="1118961"/>
+            <a:ext cx="6144971" cy="5126468"/>
+          </a:xfrm>
+          <a:prstGeom prst="rect">
+            <a:avLst/>
+          </a:prstGeom>
+        </p:spPr>
+      </p:pic>
+      <p:pic>
+        <p:nvPicPr>
+          <p:cNvPr id="8" name="Picture 7"/>
+          <p:cNvPicPr>
+            <a:picLocks noChangeAspect="1"/>
+          </p:cNvPicPr>
+          <p:nvPr/>
+        </p:nvPicPr>
+        <p:blipFill>
+          <a:blip r:embed="rId7"/>
+          <a:stretch>
+            <a:fillRect/>
+          </a:stretch>
+        </p:blipFill>
+        <p:spPr>
+          <a:xfrm>
+            <a:off x="5888832" y="1119786"/>
+            <a:ext cx="6142995" cy="5124819"/>
+          </a:xfrm>
+          <a:prstGeom prst="rect">
+            <a:avLst/>
+          </a:prstGeom>
+        </p:spPr>
+      </p:pic>
+      <p:pic>
+        <p:nvPicPr>
+          <p:cNvPr id="9" name="Picture 8"/>
+          <p:cNvPicPr>
+            <a:picLocks noChangeAspect="1"/>
+          </p:cNvPicPr>
+          <p:nvPr/>
+        </p:nvPicPr>
+        <p:blipFill>
+          <a:blip r:embed="rId8"/>
+          <a:stretch>
+            <a:fillRect/>
+          </a:stretch>
+        </p:blipFill>
+        <p:spPr>
+          <a:xfrm>
+            <a:off x="5887844" y="1118961"/>
+            <a:ext cx="6144971" cy="5126468"/>
+          </a:xfrm>
+          <a:prstGeom prst="rect">
+            <a:avLst/>
+          </a:prstGeom>
+        </p:spPr>
+      </p:pic>
+      <p:pic>
+        <p:nvPicPr>
+          <p:cNvPr id="10" name="Picture 9"/>
+          <p:cNvPicPr>
+            <a:picLocks noChangeAspect="1"/>
+          </p:cNvPicPr>
+          <p:nvPr/>
+        </p:nvPicPr>
+        <p:blipFill>
+          <a:blip r:embed="rId9"/>
+          <a:stretch>
+            <a:fillRect/>
+          </a:stretch>
+        </p:blipFill>
+        <p:spPr>
+          <a:xfrm>
+            <a:off x="5895764" y="1122033"/>
+            <a:ext cx="6129130" cy="5120325"/>
+          </a:xfrm>
+          <a:prstGeom prst="rect">
+            <a:avLst/>
+          </a:prstGeom>
+        </p:spPr>
+      </p:pic>
     </p:spTree>
     <p:extLst>
       <p:ext uri="{BB962C8B-B14F-4D97-AF65-F5344CB8AC3E}">
-        <p14:creationId xmlns:p14="http://schemas.microsoft.com/office/powerpoint/2010/main" val="1392472668"/>
+        <p14:creationId xmlns:p14="http://schemas.microsoft.com/office/powerpoint/2010/main" val="2965031574"/>
       </p:ext>
     </p:extLst>
   </p:cSld>
   <p:clrMapOvr>
     <a:masterClrMapping/>
   </p:clrMapOvr>
+  <p:timing>
+    <p:tnLst>
+      <p:par>
+        <p:cTn id="1" dur="indefinite" restart="never" nodeType="tmRoot">
+          <p:childTnLst>
+            <p:seq concurrent="1" nextAc="seek">
+              <p:cTn id="2" dur="indefinite" nodeType="mainSeq">
+                <p:childTnLst>
+                  <p:par>
+                    <p:cTn id="3" fill="hold">
+                      <p:stCondLst>
+                        <p:cond delay="indefinite"/>
+                      </p:stCondLst>
+                      <p:childTnLst>
+                        <p:par>
+                          <p:cTn id="4" fill="hold">
+                            <p:stCondLst>
+                              <p:cond delay="0"/>
+                            </p:stCondLst>
+                            <p:childTnLst>
+                              <p:par>
+                                <p:cTn id="5" presetID="1" presetClass="entr" presetSubtype="0" fill="hold" nodeType="clickEffect">
+                                  <p:stCondLst>
+                                    <p:cond delay="0"/>
+                                  </p:stCondLst>
+                                  <p:childTnLst>
+                                    <p:set>
+                                      <p:cBhvr>
+                                        <p:cTn id="6" dur="1" fill="hold">
+                                          <p:stCondLst>
+                                            <p:cond delay="0"/>
+                                          </p:stCondLst>
+                                        </p:cTn>
+                                        <p:tgtEl>
+                                          <p:spTgt spid="5"/>
+                                        </p:tgtEl>
+                                        <p:attrNameLst>
+                                          <p:attrName>style.visibility</p:attrName>
+                                        </p:attrNameLst>
+                                      </p:cBhvr>
+                                      <p:to>
+                                        <p:strVal val="visible"/>
+                                      </p:to>
+                                    </p:set>
+                                  </p:childTnLst>
+                                </p:cTn>
+                              </p:par>
+                            </p:childTnLst>
+                          </p:cTn>
+                        </p:par>
+                      </p:childTnLst>
+                    </p:cTn>
+                  </p:par>
+                  <p:par>
+                    <p:cTn id="7" fill="hold">
+                      <p:stCondLst>
+                        <p:cond delay="indefinite"/>
+                      </p:stCondLst>
+                      <p:childTnLst>
+                        <p:par>
+                          <p:cTn id="8" fill="hold">
+                            <p:stCondLst>
+                              <p:cond delay="0"/>
+                            </p:stCondLst>
+                            <p:childTnLst>
+                              <p:par>
+                                <p:cTn id="9" presetID="1" presetClass="entr" presetSubtype="0" fill="hold" nodeType="clickEffect">
+                                  <p:stCondLst>
+                                    <p:cond delay="0"/>
+                                  </p:stCondLst>
+                                  <p:childTnLst>
+                                    <p:set>
+                                      <p:cBhvr>
+                                        <p:cTn id="10" dur="1" fill="hold">
+                                          <p:stCondLst>
+                                            <p:cond delay="0"/>
+                                          </p:stCondLst>
+                                        </p:cTn>
+                                        <p:tgtEl>
+                                          <p:spTgt spid="6"/>
+                                        </p:tgtEl>
+                                        <p:attrNameLst>
+                                          <p:attrName>style.visibility</p:attrName>
+                                        </p:attrNameLst>
+                                      </p:cBhvr>
+                                      <p:to>
+                                        <p:strVal val="visible"/>
+                                      </p:to>
+                                    </p:set>
+                                  </p:childTnLst>
+                                </p:cTn>
+                              </p:par>
+                            </p:childTnLst>
+                          </p:cTn>
+                        </p:par>
+                      </p:childTnLst>
+                    </p:cTn>
+                  </p:par>
+                  <p:par>
+                    <p:cTn id="11" fill="hold">
+                      <p:stCondLst>
+                        <p:cond delay="indefinite"/>
+                      </p:stCondLst>
+                      <p:childTnLst>
+                        <p:par>
+                          <p:cTn id="12" fill="hold">
+                            <p:stCondLst>
+                              <p:cond delay="0"/>
+                            </p:stCondLst>
+                            <p:childTnLst>
+                              <p:par>
+                                <p:cTn id="13" presetID="1" presetClass="entr" presetSubtype="0" fill="hold" nodeType="clickEffect">
+                                  <p:stCondLst>
+                                    <p:cond delay="0"/>
+                                  </p:stCondLst>
+                                  <p:childTnLst>
+                                    <p:set>
+                                      <p:cBhvr>
+                                        <p:cTn id="14" dur="1" fill="hold">
+                                          <p:stCondLst>
+                                            <p:cond delay="0"/>
+                                          </p:stCondLst>
+                                        </p:cTn>
+                                        <p:tgtEl>
+                                          <p:spTgt spid="7"/>
+                                        </p:tgtEl>
+                                        <p:attrNameLst>
+                                          <p:attrName>style.visibility</p:attrName>
+                                        </p:attrNameLst>
+                                      </p:cBhvr>
+                                      <p:to>
+                                        <p:strVal val="visible"/>
+                                      </p:to>
+                                    </p:set>
+                                  </p:childTnLst>
+                                </p:cTn>
+                              </p:par>
+                            </p:childTnLst>
+                          </p:cTn>
+                        </p:par>
+                      </p:childTnLst>
+                    </p:cTn>
+                  </p:par>
+                  <p:par>
+                    <p:cTn id="15" fill="hold">
+                      <p:stCondLst>
+                        <p:cond delay="indefinite"/>
+                      </p:stCondLst>
+                      <p:childTnLst>
+                        <p:par>
+                          <p:cTn id="16" fill="hold">
+                            <p:stCondLst>
+                              <p:cond delay="0"/>
+                            </p:stCondLst>
+                            <p:childTnLst>
+                              <p:par>
+                                <p:cTn id="17" presetID="1" presetClass="entr" presetSubtype="0" fill="hold" nodeType="clickEffect">
+                                  <p:stCondLst>
+                                    <p:cond delay="0"/>
+                                  </p:stCondLst>
+                                  <p:childTnLst>
+                                    <p:set>
+                                      <p:cBhvr>
+                                        <p:cTn id="18" dur="1" fill="hold">
+                                          <p:stCondLst>
+                                            <p:cond delay="0"/>
+                                          </p:stCondLst>
+                                        </p:cTn>
+                                        <p:tgtEl>
+                                          <p:spTgt spid="8"/>
+                                        </p:tgtEl>
+                                        <p:attrNameLst>
+                                          <p:attrName>style.visibility</p:attrName>
+                                        </p:attrNameLst>
+                                      </p:cBhvr>
+                                      <p:to>
+                                        <p:strVal val="visible"/>
+                                      </p:to>
+                                    </p:set>
+                                  </p:childTnLst>
+                                </p:cTn>
+                              </p:par>
+                            </p:childTnLst>
+                          </p:cTn>
+                        </p:par>
+                      </p:childTnLst>
+                    </p:cTn>
+                  </p:par>
+                  <p:par>
+                    <p:cTn id="19" fill="hold">
+                      <p:stCondLst>
+                        <p:cond delay="indefinite"/>
+                      </p:stCondLst>
+                      <p:childTnLst>
+                        <p:par>
+                          <p:cTn id="20" fill="hold">
+                            <p:stCondLst>
+                              <p:cond delay="0"/>
+                            </p:stCondLst>
+                            <p:childTnLst>
+                              <p:par>
+                                <p:cTn id="21" presetID="1" presetClass="entr" presetSubtype="0" fill="hold" nodeType="clickEffect">
+                                  <p:stCondLst>
+                                    <p:cond delay="0"/>
+                                  </p:stCondLst>
+                                  <p:childTnLst>
+                                    <p:set>
+                                      <p:cBhvr>
+                                        <p:cTn id="22" dur="1" fill="hold">
+                                          <p:stCondLst>
+                                            <p:cond delay="0"/>
+                                          </p:stCondLst>
+                                        </p:cTn>
+                                        <p:tgtEl>
+                                          <p:spTgt spid="9"/>
+                                        </p:tgtEl>
+                                        <p:attrNameLst>
+                                          <p:attrName>style.visibility</p:attrName>
+                                        </p:attrNameLst>
+                                      </p:cBhvr>
+                                      <p:to>
+                                        <p:strVal val="visible"/>
+                                      </p:to>
+                                    </p:set>
+                                  </p:childTnLst>
+                                </p:cTn>
+                              </p:par>
+                            </p:childTnLst>
+                          </p:cTn>
+                        </p:par>
+                      </p:childTnLst>
+                    </p:cTn>
+                  </p:par>
+                  <p:par>
+                    <p:cTn id="23" fill="hold">
+                      <p:stCondLst>
+                        <p:cond delay="indefinite"/>
+                      </p:stCondLst>
+                      <p:childTnLst>
+                        <p:par>
+                          <p:cTn id="24" fill="hold">
+                            <p:stCondLst>
+                              <p:cond delay="0"/>
+                            </p:stCondLst>
+                            <p:childTnLst>
+                              <p:par>
+                                <p:cTn id="25" presetID="1" presetClass="entr" presetSubtype="0" fill="hold" nodeType="clickEffect">
+                                  <p:stCondLst>
+                                    <p:cond delay="0"/>
+                                  </p:stCondLst>
+                                  <p:childTnLst>
+                                    <p:set>
+                                      <p:cBhvr>
+                                        <p:cTn id="26" dur="1" fill="hold">
+                                          <p:stCondLst>
+                                            <p:cond delay="0"/>
+                                          </p:stCondLst>
+                                        </p:cTn>
+                                        <p:tgtEl>
+                                          <p:spTgt spid="10"/>
+                                        </p:tgtEl>
+                                        <p:attrNameLst>
+                                          <p:attrName>style.visibility</p:attrName>
+                                        </p:attrNameLst>
+                                      </p:cBhvr>
+                                      <p:to>
+                                        <p:strVal val="visible"/>
+                                      </p:to>
+                                    </p:set>
+                                  </p:childTnLst>
+                                </p:cTn>
+                              </p:par>
+                            </p:childTnLst>
+                          </p:cTn>
+                        </p:par>
+                      </p:childTnLst>
+                    </p:cTn>
+                  </p:par>
+                </p:childTnLst>
+              </p:cTn>
+              <p:prevCondLst>
+                <p:cond evt="onPrev" delay="0">
+                  <p:tgtEl>
+                    <p:sldTgt/>
+                  </p:tgtEl>
+                </p:cond>
+              </p:prevCondLst>
+              <p:nextCondLst>
+                <p:cond evt="onNext" delay="0">
+                  <p:tgtEl>
+                    <p:sldTgt/>
+                  </p:tgtEl>
+                </p:cond>
+              </p:nextCondLst>
+            </p:seq>
+          </p:childTnLst>
+        </p:cTn>
+      </p:par>
+    </p:tnLst>
+  </p:timing>
 </p:sld>
 </file>
 
@@ -4012,31 +5128,48 @@
             <p:ph type="title"/>
           </p:nvPr>
         </p:nvSpPr>
+        <p:spPr/>
+        <p:txBody>
+          <a:bodyPr/>
+          <a:lstStyle/>
+          <a:p>
+            <a:r>
+              <a:rPr lang="en-US" dirty="0"/>
+              <a:t>Importing WIM</a:t>
+            </a:r>
+          </a:p>
+        </p:txBody>
+      </p:sp>
+      <p:pic>
+        <p:nvPicPr>
+          <p:cNvPr id="4" name="Content Placeholder 3"/>
+          <p:cNvPicPr>
+            <a:picLocks noGrp="1" noChangeAspect="1"/>
+          </p:cNvPicPr>
+          <p:nvPr>
+            <p:ph idx="1"/>
+          </p:nvPr>
+        </p:nvPicPr>
+        <p:blipFill>
+          <a:blip r:embed="rId2"/>
+          <a:stretch>
+            <a:fillRect/>
+          </a:stretch>
+        </p:blipFill>
         <p:spPr>
           <a:xfrm>
-            <a:off x="838200" y="365125"/>
-            <a:ext cx="10515600" cy="5461934"/>
+            <a:off x="722565" y="1859098"/>
+            <a:ext cx="10746869" cy="4764725"/>
           </a:xfrm>
+          <a:prstGeom prst="rect">
+            <a:avLst/>
+          </a:prstGeom>
         </p:spPr>
-        <p:txBody>
-          <a:bodyPr>
-            <a:normAutofit/>
-          </a:bodyPr>
-          <a:lstStyle/>
-          <a:p>
-            <a:pPr algn="ctr"/>
-            <a:r>
-              <a:rPr lang="en-US" sz="16600" dirty="0" smtClean="0"/>
-              <a:t>Demo</a:t>
-            </a:r>
-            <a:endParaRPr lang="en-US" sz="16600" dirty="0"/>
-          </a:p>
-        </p:txBody>
-      </p:sp>
+      </p:pic>
     </p:spTree>
     <p:extLst>
       <p:ext uri="{BB962C8B-B14F-4D97-AF65-F5344CB8AC3E}">
-        <p14:creationId xmlns:p14="http://schemas.microsoft.com/office/powerpoint/2010/main" val="2125075022"/>
+        <p14:creationId xmlns:p14="http://schemas.microsoft.com/office/powerpoint/2010/main" val="3852933993"/>
       </p:ext>
     </p:extLst>
   </p:cSld>
@@ -4080,31 +5213,70 @@
             <p:ph type="title"/>
           </p:nvPr>
         </p:nvSpPr>
-        <p:spPr>
-          <a:xfrm>
-            <a:off x="838200" y="365125"/>
-            <a:ext cx="10515600" cy="5641228"/>
-          </a:xfrm>
-        </p:spPr>
-        <p:txBody>
-          <a:bodyPr>
-            <a:normAutofit/>
-          </a:bodyPr>
-          <a:lstStyle/>
-          <a:p>
-            <a:pPr algn="ctr"/>
-            <a:r>
-              <a:rPr lang="en-US" sz="13800" dirty="0" smtClean="0"/>
-              <a:t>Questions</a:t>
-            </a:r>
-            <a:endParaRPr lang="en-US" sz="13800" dirty="0"/>
+        <p:spPr/>
+        <p:txBody>
+          <a:bodyPr/>
+          <a:lstStyle/>
+          <a:p>
+            <a:r>
+              <a:rPr lang="en-US" dirty="0" smtClean="0"/>
+              <a:t>WDS and PXE</a:t>
+            </a:r>
+            <a:endParaRPr lang="en-US" dirty="0"/>
+          </a:p>
+        </p:txBody>
+      </p:sp>
+      <p:sp>
+        <p:nvSpPr>
+          <p:cNvPr id="3" name="Content Placeholder 2"/>
+          <p:cNvSpPr>
+            <a:spLocks noGrp="1"/>
+          </p:cNvSpPr>
+          <p:nvPr>
+            <p:ph idx="1"/>
+          </p:nvPr>
+        </p:nvSpPr>
+        <p:spPr/>
+        <p:txBody>
+          <a:bodyPr/>
+          <a:lstStyle/>
+          <a:p>
+            <a:r>
+              <a:rPr lang="en-US" dirty="0" smtClean="0"/>
+              <a:t>WDS and PXE are used to Deploy the image</a:t>
+            </a:r>
+          </a:p>
+          <a:p>
+            <a:r>
+              <a:rPr lang="en-US" dirty="0" smtClean="0"/>
+              <a:t>You need the Windows Deployment Services installed on your MDT Server</a:t>
+            </a:r>
+          </a:p>
+          <a:p>
+            <a:r>
+              <a:rPr lang="en-US" dirty="0" smtClean="0"/>
+              <a:t>Only change I make to default install is on TFTP tab of WDS.</a:t>
+            </a:r>
+          </a:p>
+          <a:p>
+            <a:r>
+              <a:rPr lang="en-US" dirty="0" smtClean="0"/>
+              <a:t>I increase Maximum Block Size to 16384</a:t>
+            </a:r>
+          </a:p>
+          <a:p>
+            <a:r>
+              <a:rPr lang="en-US" dirty="0" smtClean="0"/>
+              <a:t>You will also import HECC_Deployment_x64.wim to be PXE image</a:t>
+            </a:r>
+            <a:endParaRPr lang="en-US" dirty="0"/>
           </a:p>
         </p:txBody>
       </p:sp>
     </p:spTree>
     <p:extLst>
       <p:ext uri="{BB962C8B-B14F-4D97-AF65-F5344CB8AC3E}">
-        <p14:creationId xmlns:p14="http://schemas.microsoft.com/office/powerpoint/2010/main" val="864552848"/>
+        <p14:creationId xmlns:p14="http://schemas.microsoft.com/office/powerpoint/2010/main" val="4125616966"/>
       </p:ext>
     </p:extLst>
   </p:cSld>
@@ -4150,34 +5322,630 @@
         </p:nvSpPr>
         <p:spPr>
           <a:xfrm>
-            <a:off x="838200" y="365125"/>
-            <a:ext cx="10515600" cy="5730875"/>
+            <a:off x="838200" y="327418"/>
+            <a:ext cx="10515600" cy="1325563"/>
           </a:xfrm>
         </p:spPr>
         <p:txBody>
           <a:bodyPr/>
           <a:lstStyle/>
           <a:p>
-            <a:pPr algn="ctr"/>
-            <a:r>
-              <a:rPr lang="en-US" sz="13800" dirty="0" smtClean="0"/>
-              <a:t>Break</a:t>
-            </a:r>
-            <a:br>
-              <a:rPr lang="en-US" sz="13800" dirty="0" smtClean="0"/>
-            </a:br>
-            <a:r>
-              <a:rPr lang="en-US" sz="3200" dirty="0" smtClean="0"/>
-              <a:t>10 Minutes</a:t>
+            <a:r>
+              <a:rPr lang="en-US" dirty="0" smtClean="0"/>
+              <a:t>Create Task Sequence</a:t>
             </a:r>
             <a:endParaRPr lang="en-US" dirty="0"/>
           </a:p>
         </p:txBody>
       </p:sp>
+      <p:sp>
+        <p:nvSpPr>
+          <p:cNvPr id="3" name="Content Placeholder 2"/>
+          <p:cNvSpPr>
+            <a:spLocks noGrp="1"/>
+          </p:cNvSpPr>
+          <p:nvPr>
+            <p:ph idx="1"/>
+          </p:nvPr>
+        </p:nvSpPr>
+        <p:spPr>
+          <a:xfrm>
+            <a:off x="838200" y="1825625"/>
+            <a:ext cx="4761322" cy="4351338"/>
+          </a:xfrm>
+        </p:spPr>
+        <p:txBody>
+          <a:bodyPr/>
+          <a:lstStyle/>
+          <a:p>
+            <a:r>
+              <a:rPr lang="en-US" dirty="0" smtClean="0"/>
+              <a:t>Create folder for major OS’s</a:t>
+            </a:r>
+          </a:p>
+          <a:p>
+            <a:pPr lvl="1"/>
+            <a:r>
+              <a:rPr lang="en-US" dirty="0" smtClean="0"/>
+              <a:t>Win 10</a:t>
+            </a:r>
+          </a:p>
+          <a:p>
+            <a:pPr lvl="1"/>
+            <a:r>
+              <a:rPr lang="en-US" dirty="0" smtClean="0"/>
+              <a:t>Win 7</a:t>
+            </a:r>
+          </a:p>
+          <a:p>
+            <a:pPr lvl="1"/>
+            <a:r>
+              <a:rPr lang="en-US" dirty="0" smtClean="0"/>
+              <a:t>Win 2016</a:t>
+            </a:r>
+          </a:p>
+          <a:p>
+            <a:endParaRPr lang="en-US" dirty="0"/>
+          </a:p>
+        </p:txBody>
+      </p:sp>
+      <p:pic>
+        <p:nvPicPr>
+          <p:cNvPr id="5" name="Picture 4"/>
+          <p:cNvPicPr>
+            <a:picLocks noChangeAspect="1"/>
+          </p:cNvPicPr>
+          <p:nvPr/>
+        </p:nvPicPr>
+        <p:blipFill>
+          <a:blip r:embed="rId3"/>
+          <a:stretch>
+            <a:fillRect/>
+          </a:stretch>
+        </p:blipFill>
+        <p:spPr>
+          <a:xfrm>
+            <a:off x="5782352" y="1555520"/>
+            <a:ext cx="6185390" cy="5160187"/>
+          </a:xfrm>
+          <a:prstGeom prst="rect">
+            <a:avLst/>
+          </a:prstGeom>
+        </p:spPr>
+      </p:pic>
+      <p:pic>
+        <p:nvPicPr>
+          <p:cNvPr id="6" name="Picture 5"/>
+          <p:cNvPicPr>
+            <a:picLocks noChangeAspect="1"/>
+          </p:cNvPicPr>
+          <p:nvPr/>
+        </p:nvPicPr>
+        <p:blipFill>
+          <a:blip r:embed="rId4"/>
+          <a:stretch>
+            <a:fillRect/>
+          </a:stretch>
+        </p:blipFill>
+        <p:spPr>
+          <a:xfrm>
+            <a:off x="5782352" y="1555520"/>
+            <a:ext cx="6185390" cy="5160187"/>
+          </a:xfrm>
+          <a:prstGeom prst="rect">
+            <a:avLst/>
+          </a:prstGeom>
+        </p:spPr>
+      </p:pic>
+      <p:pic>
+        <p:nvPicPr>
+          <p:cNvPr id="7" name="Picture 6"/>
+          <p:cNvPicPr>
+            <a:picLocks noChangeAspect="1"/>
+          </p:cNvPicPr>
+          <p:nvPr/>
+        </p:nvPicPr>
+        <p:blipFill>
+          <a:blip r:embed="rId5"/>
+          <a:stretch>
+            <a:fillRect/>
+          </a:stretch>
+        </p:blipFill>
+        <p:spPr>
+          <a:xfrm>
+            <a:off x="5782352" y="1555519"/>
+            <a:ext cx="6185391" cy="5160189"/>
+          </a:xfrm>
+          <a:prstGeom prst="rect">
+            <a:avLst/>
+          </a:prstGeom>
+        </p:spPr>
+      </p:pic>
+      <p:pic>
+        <p:nvPicPr>
+          <p:cNvPr id="8" name="Picture 7"/>
+          <p:cNvPicPr>
+            <a:picLocks noChangeAspect="1"/>
+          </p:cNvPicPr>
+          <p:nvPr/>
+        </p:nvPicPr>
+        <p:blipFill>
+          <a:blip r:embed="rId6"/>
+          <a:stretch>
+            <a:fillRect/>
+          </a:stretch>
+        </p:blipFill>
+        <p:spPr>
+          <a:xfrm>
+            <a:off x="5782351" y="1555518"/>
+            <a:ext cx="6185393" cy="5160190"/>
+          </a:xfrm>
+          <a:prstGeom prst="rect">
+            <a:avLst/>
+          </a:prstGeom>
+        </p:spPr>
+      </p:pic>
+      <p:pic>
+        <p:nvPicPr>
+          <p:cNvPr id="9" name="Picture 8"/>
+          <p:cNvPicPr>
+            <a:picLocks noChangeAspect="1"/>
+          </p:cNvPicPr>
+          <p:nvPr/>
+        </p:nvPicPr>
+        <p:blipFill>
+          <a:blip r:embed="rId7"/>
+          <a:stretch>
+            <a:fillRect/>
+          </a:stretch>
+        </p:blipFill>
+        <p:spPr>
+          <a:xfrm>
+            <a:off x="5782349" y="1559789"/>
+            <a:ext cx="6185396" cy="5151648"/>
+          </a:xfrm>
+          <a:prstGeom prst="rect">
+            <a:avLst/>
+          </a:prstGeom>
+        </p:spPr>
+      </p:pic>
+      <p:pic>
+        <p:nvPicPr>
+          <p:cNvPr id="10" name="Picture 9"/>
+          <p:cNvPicPr>
+            <a:picLocks noChangeAspect="1"/>
+          </p:cNvPicPr>
+          <p:nvPr/>
+        </p:nvPicPr>
+        <p:blipFill>
+          <a:blip r:embed="rId8"/>
+          <a:stretch>
+            <a:fillRect/>
+          </a:stretch>
+        </p:blipFill>
+        <p:spPr>
+          <a:xfrm>
+            <a:off x="5782348" y="1555516"/>
+            <a:ext cx="6185399" cy="5160195"/>
+          </a:xfrm>
+          <a:prstGeom prst="rect">
+            <a:avLst/>
+          </a:prstGeom>
+        </p:spPr>
+      </p:pic>
+      <p:pic>
+        <p:nvPicPr>
+          <p:cNvPr id="11" name="Picture 10"/>
+          <p:cNvPicPr>
+            <a:picLocks noChangeAspect="1"/>
+          </p:cNvPicPr>
+          <p:nvPr/>
+        </p:nvPicPr>
+        <p:blipFill>
+          <a:blip r:embed="rId9"/>
+          <a:stretch>
+            <a:fillRect/>
+          </a:stretch>
+        </p:blipFill>
+        <p:spPr>
+          <a:xfrm>
+            <a:off x="5755373" y="1542357"/>
+            <a:ext cx="6239349" cy="5186512"/>
+          </a:xfrm>
+          <a:prstGeom prst="rect">
+            <a:avLst/>
+          </a:prstGeom>
+        </p:spPr>
+      </p:pic>
+      <p:pic>
+        <p:nvPicPr>
+          <p:cNvPr id="12" name="Picture 11"/>
+          <p:cNvPicPr>
+            <a:picLocks noChangeAspect="1"/>
+          </p:cNvPicPr>
+          <p:nvPr/>
+        </p:nvPicPr>
+        <p:blipFill>
+          <a:blip r:embed="rId10"/>
+          <a:stretch>
+            <a:fillRect/>
+          </a:stretch>
+        </p:blipFill>
+        <p:spPr>
+          <a:xfrm>
+            <a:off x="5723865" y="1510353"/>
+            <a:ext cx="6302364" cy="5250521"/>
+          </a:xfrm>
+          <a:prstGeom prst="rect">
+            <a:avLst/>
+          </a:prstGeom>
+        </p:spPr>
+      </p:pic>
     </p:spTree>
     <p:extLst>
       <p:ext uri="{BB962C8B-B14F-4D97-AF65-F5344CB8AC3E}">
-        <p14:creationId xmlns:p14="http://schemas.microsoft.com/office/powerpoint/2010/main" val="3621487264"/>
+        <p14:creationId xmlns:p14="http://schemas.microsoft.com/office/powerpoint/2010/main" val="1392472668"/>
+      </p:ext>
+    </p:extLst>
+  </p:cSld>
+  <p:clrMapOvr>
+    <a:masterClrMapping/>
+  </p:clrMapOvr>
+  <p:timing>
+    <p:tnLst>
+      <p:par>
+        <p:cTn id="1" dur="indefinite" restart="never" nodeType="tmRoot">
+          <p:childTnLst>
+            <p:seq concurrent="1" nextAc="seek">
+              <p:cTn id="2" dur="indefinite" nodeType="mainSeq">
+                <p:childTnLst>
+                  <p:par>
+                    <p:cTn id="3" fill="hold">
+                      <p:stCondLst>
+                        <p:cond delay="indefinite"/>
+                      </p:stCondLst>
+                      <p:childTnLst>
+                        <p:par>
+                          <p:cTn id="4" fill="hold">
+                            <p:stCondLst>
+                              <p:cond delay="0"/>
+                            </p:stCondLst>
+                            <p:childTnLst>
+                              <p:par>
+                                <p:cTn id="5" presetID="1" presetClass="entr" presetSubtype="0" fill="hold" nodeType="clickEffect">
+                                  <p:stCondLst>
+                                    <p:cond delay="0"/>
+                                  </p:stCondLst>
+                                  <p:childTnLst>
+                                    <p:set>
+                                      <p:cBhvr>
+                                        <p:cTn id="6" dur="1" fill="hold">
+                                          <p:stCondLst>
+                                            <p:cond delay="0"/>
+                                          </p:stCondLst>
+                                        </p:cTn>
+                                        <p:tgtEl>
+                                          <p:spTgt spid="6"/>
+                                        </p:tgtEl>
+                                        <p:attrNameLst>
+                                          <p:attrName>style.visibility</p:attrName>
+                                        </p:attrNameLst>
+                                      </p:cBhvr>
+                                      <p:to>
+                                        <p:strVal val="visible"/>
+                                      </p:to>
+                                    </p:set>
+                                  </p:childTnLst>
+                                </p:cTn>
+                              </p:par>
+                            </p:childTnLst>
+                          </p:cTn>
+                        </p:par>
+                      </p:childTnLst>
+                    </p:cTn>
+                  </p:par>
+                  <p:par>
+                    <p:cTn id="7" fill="hold">
+                      <p:stCondLst>
+                        <p:cond delay="indefinite"/>
+                      </p:stCondLst>
+                      <p:childTnLst>
+                        <p:par>
+                          <p:cTn id="8" fill="hold">
+                            <p:stCondLst>
+                              <p:cond delay="0"/>
+                            </p:stCondLst>
+                            <p:childTnLst>
+                              <p:par>
+                                <p:cTn id="9" presetID="1" presetClass="entr" presetSubtype="0" fill="hold" nodeType="clickEffect">
+                                  <p:stCondLst>
+                                    <p:cond delay="0"/>
+                                  </p:stCondLst>
+                                  <p:childTnLst>
+                                    <p:set>
+                                      <p:cBhvr>
+                                        <p:cTn id="10" dur="1" fill="hold">
+                                          <p:stCondLst>
+                                            <p:cond delay="0"/>
+                                          </p:stCondLst>
+                                        </p:cTn>
+                                        <p:tgtEl>
+                                          <p:spTgt spid="7"/>
+                                        </p:tgtEl>
+                                        <p:attrNameLst>
+                                          <p:attrName>style.visibility</p:attrName>
+                                        </p:attrNameLst>
+                                      </p:cBhvr>
+                                      <p:to>
+                                        <p:strVal val="visible"/>
+                                      </p:to>
+                                    </p:set>
+                                  </p:childTnLst>
+                                </p:cTn>
+                              </p:par>
+                            </p:childTnLst>
+                          </p:cTn>
+                        </p:par>
+                      </p:childTnLst>
+                    </p:cTn>
+                  </p:par>
+                  <p:par>
+                    <p:cTn id="11" fill="hold">
+                      <p:stCondLst>
+                        <p:cond delay="indefinite"/>
+                      </p:stCondLst>
+                      <p:childTnLst>
+                        <p:par>
+                          <p:cTn id="12" fill="hold">
+                            <p:stCondLst>
+                              <p:cond delay="0"/>
+                            </p:stCondLst>
+                            <p:childTnLst>
+                              <p:par>
+                                <p:cTn id="13" presetID="1" presetClass="entr" presetSubtype="0" fill="hold" nodeType="clickEffect">
+                                  <p:stCondLst>
+                                    <p:cond delay="0"/>
+                                  </p:stCondLst>
+                                  <p:childTnLst>
+                                    <p:set>
+                                      <p:cBhvr>
+                                        <p:cTn id="14" dur="1" fill="hold">
+                                          <p:stCondLst>
+                                            <p:cond delay="0"/>
+                                          </p:stCondLst>
+                                        </p:cTn>
+                                        <p:tgtEl>
+                                          <p:spTgt spid="8"/>
+                                        </p:tgtEl>
+                                        <p:attrNameLst>
+                                          <p:attrName>style.visibility</p:attrName>
+                                        </p:attrNameLst>
+                                      </p:cBhvr>
+                                      <p:to>
+                                        <p:strVal val="visible"/>
+                                      </p:to>
+                                    </p:set>
+                                  </p:childTnLst>
+                                </p:cTn>
+                              </p:par>
+                            </p:childTnLst>
+                          </p:cTn>
+                        </p:par>
+                      </p:childTnLst>
+                    </p:cTn>
+                  </p:par>
+                  <p:par>
+                    <p:cTn id="15" fill="hold">
+                      <p:stCondLst>
+                        <p:cond delay="indefinite"/>
+                      </p:stCondLst>
+                      <p:childTnLst>
+                        <p:par>
+                          <p:cTn id="16" fill="hold">
+                            <p:stCondLst>
+                              <p:cond delay="0"/>
+                            </p:stCondLst>
+                            <p:childTnLst>
+                              <p:par>
+                                <p:cTn id="17" presetID="1" presetClass="entr" presetSubtype="0" fill="hold" nodeType="clickEffect">
+                                  <p:stCondLst>
+                                    <p:cond delay="0"/>
+                                  </p:stCondLst>
+                                  <p:childTnLst>
+                                    <p:set>
+                                      <p:cBhvr>
+                                        <p:cTn id="18" dur="1" fill="hold">
+                                          <p:stCondLst>
+                                            <p:cond delay="0"/>
+                                          </p:stCondLst>
+                                        </p:cTn>
+                                        <p:tgtEl>
+                                          <p:spTgt spid="9"/>
+                                        </p:tgtEl>
+                                        <p:attrNameLst>
+                                          <p:attrName>style.visibility</p:attrName>
+                                        </p:attrNameLst>
+                                      </p:cBhvr>
+                                      <p:to>
+                                        <p:strVal val="visible"/>
+                                      </p:to>
+                                    </p:set>
+                                  </p:childTnLst>
+                                </p:cTn>
+                              </p:par>
+                            </p:childTnLst>
+                          </p:cTn>
+                        </p:par>
+                      </p:childTnLst>
+                    </p:cTn>
+                  </p:par>
+                  <p:par>
+                    <p:cTn id="19" fill="hold">
+                      <p:stCondLst>
+                        <p:cond delay="indefinite"/>
+                      </p:stCondLst>
+                      <p:childTnLst>
+                        <p:par>
+                          <p:cTn id="20" fill="hold">
+                            <p:stCondLst>
+                              <p:cond delay="0"/>
+                            </p:stCondLst>
+                            <p:childTnLst>
+                              <p:par>
+                                <p:cTn id="21" presetID="1" presetClass="entr" presetSubtype="0" fill="hold" nodeType="clickEffect">
+                                  <p:stCondLst>
+                                    <p:cond delay="0"/>
+                                  </p:stCondLst>
+                                  <p:childTnLst>
+                                    <p:set>
+                                      <p:cBhvr>
+                                        <p:cTn id="22" dur="1" fill="hold">
+                                          <p:stCondLst>
+                                            <p:cond delay="0"/>
+                                          </p:stCondLst>
+                                        </p:cTn>
+                                        <p:tgtEl>
+                                          <p:spTgt spid="11"/>
+                                        </p:tgtEl>
+                                        <p:attrNameLst>
+                                          <p:attrName>style.visibility</p:attrName>
+                                        </p:attrNameLst>
+                                      </p:cBhvr>
+                                      <p:to>
+                                        <p:strVal val="visible"/>
+                                      </p:to>
+                                    </p:set>
+                                  </p:childTnLst>
+                                </p:cTn>
+                              </p:par>
+                            </p:childTnLst>
+                          </p:cTn>
+                        </p:par>
+                      </p:childTnLst>
+                    </p:cTn>
+                  </p:par>
+                  <p:par>
+                    <p:cTn id="23" fill="hold">
+                      <p:stCondLst>
+                        <p:cond delay="indefinite"/>
+                      </p:stCondLst>
+                      <p:childTnLst>
+                        <p:par>
+                          <p:cTn id="24" fill="hold">
+                            <p:stCondLst>
+                              <p:cond delay="0"/>
+                            </p:stCondLst>
+                            <p:childTnLst>
+                              <p:par>
+                                <p:cTn id="25" presetID="1" presetClass="entr" presetSubtype="0" fill="hold" nodeType="clickEffect">
+                                  <p:stCondLst>
+                                    <p:cond delay="0"/>
+                                  </p:stCondLst>
+                                  <p:childTnLst>
+                                    <p:set>
+                                      <p:cBhvr>
+                                        <p:cTn id="26" dur="1" fill="hold">
+                                          <p:stCondLst>
+                                            <p:cond delay="0"/>
+                                          </p:stCondLst>
+                                        </p:cTn>
+                                        <p:tgtEl>
+                                          <p:spTgt spid="12"/>
+                                        </p:tgtEl>
+                                        <p:attrNameLst>
+                                          <p:attrName>style.visibility</p:attrName>
+                                        </p:attrNameLst>
+                                      </p:cBhvr>
+                                      <p:to>
+                                        <p:strVal val="visible"/>
+                                      </p:to>
+                                    </p:set>
+                                  </p:childTnLst>
+                                </p:cTn>
+                              </p:par>
+                            </p:childTnLst>
+                          </p:cTn>
+                        </p:par>
+                      </p:childTnLst>
+                    </p:cTn>
+                  </p:par>
+                </p:childTnLst>
+              </p:cTn>
+              <p:prevCondLst>
+                <p:cond evt="onPrev" delay="0">
+                  <p:tgtEl>
+                    <p:sldTgt/>
+                  </p:tgtEl>
+                </p:cond>
+              </p:prevCondLst>
+              <p:nextCondLst>
+                <p:cond evt="onNext" delay="0">
+                  <p:tgtEl>
+                    <p:sldTgt/>
+                  </p:tgtEl>
+                </p:cond>
+              </p:nextCondLst>
+            </p:seq>
+          </p:childTnLst>
+        </p:cTn>
+      </p:par>
+    </p:tnLst>
+  </p:timing>
+</p:sld>
+</file>
+
+<file path=ppt/slides/slide9.xml><?xml version="1.0" encoding="utf-8"?>
+<p:sld xmlns:a="http://schemas.openxmlformats.org/drawingml/2006/main" xmlns:r="http://schemas.openxmlformats.org/officeDocument/2006/relationships" xmlns:p="http://schemas.openxmlformats.org/presentationml/2006/main">
+  <p:cSld>
+    <p:spTree>
+      <p:nvGrpSpPr>
+        <p:cNvPr id="1" name=""/>
+        <p:cNvGrpSpPr/>
+        <p:nvPr/>
+      </p:nvGrpSpPr>
+      <p:grpSpPr>
+        <a:xfrm>
+          <a:off x="0" y="0"/>
+          <a:ext cx="0" cy="0"/>
+          <a:chOff x="0" y="0"/>
+          <a:chExt cx="0" cy="0"/>
+        </a:xfrm>
+      </p:grpSpPr>
+      <p:sp>
+        <p:nvSpPr>
+          <p:cNvPr id="2" name="Title 1"/>
+          <p:cNvSpPr>
+            <a:spLocks noGrp="1"/>
+          </p:cNvSpPr>
+          <p:nvPr>
+            <p:ph type="title"/>
+          </p:nvPr>
+        </p:nvSpPr>
+        <p:spPr>
+          <a:xfrm>
+            <a:off x="838200" y="365125"/>
+            <a:ext cx="10515600" cy="5461934"/>
+          </a:xfrm>
+        </p:spPr>
+        <p:txBody>
+          <a:bodyPr>
+            <a:normAutofit/>
+          </a:bodyPr>
+          <a:lstStyle/>
+          <a:p>
+            <a:pPr algn="ctr"/>
+            <a:r>
+              <a:rPr lang="en-US" sz="16600" dirty="0" smtClean="0"/>
+              <a:t>Demo</a:t>
+            </a:r>
+            <a:endParaRPr lang="en-US" sz="16600" dirty="0"/>
+          </a:p>
+        </p:txBody>
+      </p:sp>
+    </p:spTree>
+    <p:extLst>
+      <p:ext uri="{BB962C8B-B14F-4D97-AF65-F5344CB8AC3E}">
+        <p14:creationId xmlns:p14="http://schemas.microsoft.com/office/powerpoint/2010/main" val="2125075022"/>
       </p:ext>
     </p:extLst>
   </p:cSld>

--- a/Part_02/Section01.pptx
+++ b/Part_02/Section01.pptx
@@ -2,7 +2,7 @@
 <file path=ppt/presentation.xml><?xml version="1.0" encoding="utf-8"?>
 <p:presentation xmlns:a="http://schemas.openxmlformats.org/drawingml/2006/main" xmlns:r="http://schemas.openxmlformats.org/officeDocument/2006/relationships" xmlns:p="http://schemas.openxmlformats.org/presentationml/2006/main" saveSubsetFonts="1">
   <p:sldMasterIdLst>
-    <p:sldMasterId id="2147483648" r:id="rId1"/>
+    <p:sldMasterId id="2147483660" r:id="rId1"/>
   </p:sldMasterIdLst>
   <p:notesMasterIdLst>
     <p:notesMasterId r:id="rId13"/>
@@ -26,7 +26,7 @@
     <a:defPPr>
       <a:defRPr lang="en-US"/>
     </a:defPPr>
-    <a:lvl1pPr marL="0" algn="l" defTabSz="914400" rtl="0" eaLnBrk="1" latinLnBrk="0" hangingPunct="1">
+    <a:lvl1pPr marL="0" algn="l" defTabSz="457200" rtl="0" eaLnBrk="1" latinLnBrk="0" hangingPunct="1">
       <a:defRPr sz="1800" kern="1200">
         <a:solidFill>
           <a:schemeClr val="tx1"/>
@@ -36,7 +36,7 @@
         <a:cs typeface="+mn-cs"/>
       </a:defRPr>
     </a:lvl1pPr>
-    <a:lvl2pPr marL="457200" algn="l" defTabSz="914400" rtl="0" eaLnBrk="1" latinLnBrk="0" hangingPunct="1">
+    <a:lvl2pPr marL="457200" algn="l" defTabSz="457200" rtl="0" eaLnBrk="1" latinLnBrk="0" hangingPunct="1">
       <a:defRPr sz="1800" kern="1200">
         <a:solidFill>
           <a:schemeClr val="tx1"/>
@@ -46,7 +46,7 @@
         <a:cs typeface="+mn-cs"/>
       </a:defRPr>
     </a:lvl2pPr>
-    <a:lvl3pPr marL="914400" algn="l" defTabSz="914400" rtl="0" eaLnBrk="1" latinLnBrk="0" hangingPunct="1">
+    <a:lvl3pPr marL="914400" algn="l" defTabSz="457200" rtl="0" eaLnBrk="1" latinLnBrk="0" hangingPunct="1">
       <a:defRPr sz="1800" kern="1200">
         <a:solidFill>
           <a:schemeClr val="tx1"/>
@@ -56,7 +56,7 @@
         <a:cs typeface="+mn-cs"/>
       </a:defRPr>
     </a:lvl3pPr>
-    <a:lvl4pPr marL="1371600" algn="l" defTabSz="914400" rtl="0" eaLnBrk="1" latinLnBrk="0" hangingPunct="1">
+    <a:lvl4pPr marL="1371600" algn="l" defTabSz="457200" rtl="0" eaLnBrk="1" latinLnBrk="0" hangingPunct="1">
       <a:defRPr sz="1800" kern="1200">
         <a:solidFill>
           <a:schemeClr val="tx1"/>
@@ -66,7 +66,7 @@
         <a:cs typeface="+mn-cs"/>
       </a:defRPr>
     </a:lvl4pPr>
-    <a:lvl5pPr marL="1828800" algn="l" defTabSz="914400" rtl="0" eaLnBrk="1" latinLnBrk="0" hangingPunct="1">
+    <a:lvl5pPr marL="1828800" algn="l" defTabSz="457200" rtl="0" eaLnBrk="1" latinLnBrk="0" hangingPunct="1">
       <a:defRPr sz="1800" kern="1200">
         <a:solidFill>
           <a:schemeClr val="tx1"/>
@@ -76,7 +76,7 @@
         <a:cs typeface="+mn-cs"/>
       </a:defRPr>
     </a:lvl5pPr>
-    <a:lvl6pPr marL="2286000" algn="l" defTabSz="914400" rtl="0" eaLnBrk="1" latinLnBrk="0" hangingPunct="1">
+    <a:lvl6pPr marL="2286000" algn="l" defTabSz="457200" rtl="0" eaLnBrk="1" latinLnBrk="0" hangingPunct="1">
       <a:defRPr sz="1800" kern="1200">
         <a:solidFill>
           <a:schemeClr val="tx1"/>
@@ -86,7 +86,7 @@
         <a:cs typeface="+mn-cs"/>
       </a:defRPr>
     </a:lvl6pPr>
-    <a:lvl7pPr marL="2743200" algn="l" defTabSz="914400" rtl="0" eaLnBrk="1" latinLnBrk="0" hangingPunct="1">
+    <a:lvl7pPr marL="2743200" algn="l" defTabSz="457200" rtl="0" eaLnBrk="1" latinLnBrk="0" hangingPunct="1">
       <a:defRPr sz="1800" kern="1200">
         <a:solidFill>
           <a:schemeClr val="tx1"/>
@@ -96,7 +96,7 @@
         <a:cs typeface="+mn-cs"/>
       </a:defRPr>
     </a:lvl7pPr>
-    <a:lvl8pPr marL="3200400" algn="l" defTabSz="914400" rtl="0" eaLnBrk="1" latinLnBrk="0" hangingPunct="1">
+    <a:lvl8pPr marL="3200400" algn="l" defTabSz="457200" rtl="0" eaLnBrk="1" latinLnBrk="0" hangingPunct="1">
       <a:defRPr sz="1800" kern="1200">
         <a:solidFill>
           <a:schemeClr val="tx1"/>
@@ -106,7 +106,7 @@
         <a:cs typeface="+mn-cs"/>
       </a:defRPr>
     </a:lvl8pPr>
-    <a:lvl9pPr marL="3657600" algn="l" defTabSz="914400" rtl="0" eaLnBrk="1" latinLnBrk="0" hangingPunct="1">
+    <a:lvl9pPr marL="3657600" algn="l" defTabSz="457200" rtl="0" eaLnBrk="1" latinLnBrk="0" hangingPunct="1">
       <a:defRPr sz="1800" kern="1200">
         <a:solidFill>
           <a:schemeClr val="tx1"/>
@@ -207,7 +207,7 @@
           <a:p>
             <a:fld id="{0D583348-D5CE-4A21-B4F6-0286051DC0AA}" type="datetimeFigureOut">
               <a:rPr lang="en-US" smtClean="0"/>
-              <a:t>11/4/2018</a:t>
+              <a:t>11/7/2018</a:t>
             </a:fld>
             <a:endParaRPr lang="en-US"/>
           </a:p>
@@ -271,38 +271,37 @@
           <a:p>
             <a:pPr lvl="0"/>
             <a:r>
-              <a:rPr lang="en-US" smtClean="0"/>
+              <a:rPr lang="en-US"/>
               <a:t>Edit Master text styles</a:t>
             </a:r>
           </a:p>
           <a:p>
             <a:pPr lvl="1"/>
             <a:r>
-              <a:rPr lang="en-US" smtClean="0"/>
+              <a:rPr lang="en-US"/>
               <a:t>Second level</a:t>
             </a:r>
           </a:p>
           <a:p>
             <a:pPr lvl="2"/>
             <a:r>
-              <a:rPr lang="en-US" smtClean="0"/>
+              <a:rPr lang="en-US"/>
               <a:t>Third level</a:t>
             </a:r>
           </a:p>
           <a:p>
             <a:pPr lvl="3"/>
             <a:r>
-              <a:rPr lang="en-US" smtClean="0"/>
+              <a:rPr lang="en-US"/>
               <a:t>Fourth level</a:t>
             </a:r>
           </a:p>
           <a:p>
             <a:pPr lvl="4"/>
             <a:r>
-              <a:rPr lang="en-US" smtClean="0"/>
+              <a:rPr lang="en-US"/>
               <a:t>Fifth level</a:t>
             </a:r>
-            <a:endParaRPr lang="en-US"/>
           </a:p>
         </p:txBody>
       </p:sp>
@@ -520,89 +519,89 @@
           <a:lstStyle/>
           <a:p>
             <a:r>
-              <a:rPr lang="en-US" dirty="0" smtClean="0"/>
+              <a:rPr lang="en-US" dirty="0"/>
               <a:t>PowerShell</a:t>
             </a:r>
           </a:p>
           <a:p>
             <a:r>
-              <a:rPr lang="en-US" dirty="0" smtClean="0"/>
+              <a:rPr lang="en-US" dirty="0"/>
               <a:t>New-</a:t>
             </a:r>
             <a:r>
-              <a:rPr lang="en-US" dirty="0" err="1" smtClean="0"/>
+              <a:rPr lang="en-US" dirty="0" err="1"/>
               <a:t>SmbShare</a:t>
             </a:r>
             <a:r>
-              <a:rPr lang="en-US" dirty="0" smtClean="0"/>
+              <a:rPr lang="en-US" dirty="0"/>
               <a:t> -Name "</a:t>
             </a:r>
             <a:r>
-              <a:rPr lang="en-US" dirty="0" err="1" smtClean="0"/>
+              <a:rPr lang="en-US" dirty="0" err="1"/>
               <a:t>HECCDeploy</a:t>
             </a:r>
             <a:r>
-              <a:rPr lang="en-US" dirty="0" smtClean="0"/>
+              <a:rPr lang="en-US" dirty="0"/>
               <a:t>$" -Path "E:\HECCDeploy" -</a:t>
             </a:r>
             <a:r>
-              <a:rPr lang="en-US" dirty="0" err="1" smtClean="0"/>
+              <a:rPr lang="en-US" dirty="0" err="1"/>
               <a:t>FullAccess</a:t>
             </a:r>
             <a:r>
-              <a:rPr lang="en-US" dirty="0" smtClean="0"/>
+              <a:rPr lang="en-US" dirty="0"/>
               <a:t> Administrators</a:t>
             </a:r>
           </a:p>
           <a:p>
             <a:r>
-              <a:rPr lang="en-US" dirty="0" smtClean="0"/>
+              <a:rPr lang="en-US" dirty="0"/>
               <a:t>Import-Module "C:\Program Files\Microsoft Deployment Toolkit\bin\MicrosoftDeploymentToolkit.psd1"</a:t>
             </a:r>
           </a:p>
           <a:p>
             <a:r>
-              <a:rPr lang="en-US" dirty="0" smtClean="0"/>
+              <a:rPr lang="en-US" dirty="0"/>
               <a:t>new-</a:t>
             </a:r>
             <a:r>
-              <a:rPr lang="en-US" dirty="0" err="1" smtClean="0"/>
+              <a:rPr lang="en-US" dirty="0" err="1"/>
               <a:t>PSDrive</a:t>
             </a:r>
             <a:r>
-              <a:rPr lang="en-US" dirty="0" smtClean="0"/>
+              <a:rPr lang="en-US" dirty="0"/>
               <a:t> -Name "DS002" -</a:t>
             </a:r>
             <a:r>
-              <a:rPr lang="en-US" dirty="0" err="1" smtClean="0"/>
+              <a:rPr lang="en-US" dirty="0" err="1"/>
               <a:t>PSProvider</a:t>
             </a:r>
             <a:r>
-              <a:rPr lang="en-US" dirty="0" smtClean="0"/>
+              <a:rPr lang="en-US" dirty="0"/>
               <a:t> "</a:t>
             </a:r>
             <a:r>
-              <a:rPr lang="en-US" dirty="0" err="1" smtClean="0"/>
+              <a:rPr lang="en-US" dirty="0" err="1"/>
               <a:t>MDTProvider</a:t>
             </a:r>
             <a:r>
-              <a:rPr lang="en-US" dirty="0" smtClean="0"/>
+              <a:rPr lang="en-US" dirty="0"/>
               <a:t>" -Root "E:\HECCDeploy" -Description "HECC Deployment Share" -</a:t>
             </a:r>
             <a:r>
-              <a:rPr lang="en-US" dirty="0" err="1" smtClean="0"/>
+              <a:rPr lang="en-US" dirty="0" err="1"/>
               <a:t>NetworkPath</a:t>
             </a:r>
             <a:r>
-              <a:rPr lang="en-US" dirty="0" smtClean="0"/>
+              <a:rPr lang="en-US" dirty="0"/>
               <a:t> "\\MDT01\HECCDeploy$" -Verbose | add-</a:t>
             </a:r>
             <a:r>
-              <a:rPr lang="en-US" dirty="0" err="1" smtClean="0"/>
+              <a:rPr lang="en-US" dirty="0" err="1"/>
               <a:t>MDTPersistentDrive</a:t>
             </a:r>
             <a:r>
-              <a:rPr lang="en-US" dirty="0" smtClean="0"/>
+              <a:rPr lang="en-US" dirty="0"/>
               <a:t> -Verbose</a:t>
             </a:r>
           </a:p>
@@ -692,40 +691,40 @@
           <a:lstStyle/>
           <a:p>
             <a:r>
-              <a:rPr lang="en-US" dirty="0" smtClean="0"/>
+              <a:rPr lang="en-US" dirty="0"/>
               <a:t>Bootstap.ini</a:t>
             </a:r>
           </a:p>
           <a:p>
             <a:r>
-              <a:rPr lang="en-US" dirty="0" smtClean="0"/>
+              <a:rPr lang="en-US" dirty="0"/>
               <a:t>https://itinlegal.wordpress.com/2017/10/17/mdt-tutorial-part-5/</a:t>
             </a:r>
           </a:p>
           <a:p>
-            <a:endParaRPr lang="en-US" dirty="0" smtClean="0"/>
-          </a:p>
-          <a:p>
-            <a:r>
-              <a:rPr lang="en-US" dirty="0" smtClean="0"/>
+            <a:endParaRPr lang="en-US" dirty="0"/>
+          </a:p>
+          <a:p>
+            <a:r>
+              <a:rPr lang="en-US" dirty="0"/>
               <a:t>CustomSettings.ini</a:t>
             </a:r>
           </a:p>
           <a:p>
             <a:r>
-              <a:rPr lang="en-US" dirty="0" smtClean="0"/>
+              <a:rPr lang="en-US" dirty="0"/>
               <a:t>https://itinlegal.wordpress.com/2017/10/15/mdt-tutorial-part-4/</a:t>
             </a:r>
           </a:p>
           <a:p>
             <a:r>
-              <a:rPr lang="en-US" dirty="0" smtClean="0"/>
+              <a:rPr lang="en-US" dirty="0"/>
               <a:t>https://deploymentbunny.com/2012/04/21/back-to-basic-customsettings-ini-explained/</a:t>
             </a:r>
           </a:p>
           <a:p>
             <a:r>
-              <a:rPr lang="en-US" dirty="0" smtClean="0"/>
+              <a:rPr lang="en-US" dirty="0"/>
               <a:t>https://deploymentbunny.com/2015/05/22/back-to-basic-customsettings-ini-converting-desktop-and-laptop-computer-types-into-roles/</a:t>
             </a:r>
           </a:p>
@@ -815,84 +814,84 @@
           <a:lstStyle/>
           <a:p>
             <a:r>
-              <a:rPr lang="en-US" dirty="0" smtClean="0"/>
+              <a:rPr lang="en-US" dirty="0"/>
               <a:t>PowerShell Script</a:t>
             </a:r>
           </a:p>
           <a:p>
-            <a:endParaRPr lang="en-US" dirty="0" smtClean="0"/>
-          </a:p>
-          <a:p>
-            <a:r>
-              <a:rPr lang="en-US" dirty="0" smtClean="0"/>
+            <a:endParaRPr lang="en-US" dirty="0"/>
+          </a:p>
+          <a:p>
+            <a:r>
+              <a:rPr lang="en-US" dirty="0"/>
               <a:t>Import-Module "C:\Program Files\Microsoft Deployment Toolkit\bin\MicrosoftDeploymentToolkit.psd1"</a:t>
             </a:r>
           </a:p>
           <a:p>
             <a:r>
-              <a:rPr lang="en-US" dirty="0" smtClean="0"/>
+              <a:rPr lang="en-US" dirty="0"/>
               <a:t>New-</a:t>
             </a:r>
             <a:r>
-              <a:rPr lang="en-US" dirty="0" err="1" smtClean="0"/>
+              <a:rPr lang="en-US" dirty="0" err="1"/>
               <a:t>PSDrive</a:t>
             </a:r>
             <a:r>
-              <a:rPr lang="en-US" dirty="0" smtClean="0"/>
+              <a:rPr lang="en-US" dirty="0"/>
               <a:t> -Name "DS002" -</a:t>
             </a:r>
             <a:r>
-              <a:rPr lang="en-US" dirty="0" err="1" smtClean="0"/>
+              <a:rPr lang="en-US" dirty="0" err="1"/>
               <a:t>PSProvider</a:t>
             </a:r>
             <a:r>
-              <a:rPr lang="en-US" dirty="0" smtClean="0"/>
+              <a:rPr lang="en-US" dirty="0"/>
               <a:t> </a:t>
             </a:r>
             <a:r>
-              <a:rPr lang="en-US" dirty="0" err="1" smtClean="0"/>
+              <a:rPr lang="en-US" dirty="0" err="1"/>
               <a:t>MDTProvider</a:t>
             </a:r>
             <a:r>
-              <a:rPr lang="en-US" dirty="0" smtClean="0"/>
+              <a:rPr lang="en-US" dirty="0"/>
               <a:t> -Root "E:\HECCDeploy"</a:t>
             </a:r>
           </a:p>
           <a:p>
             <a:r>
-              <a:rPr lang="en-US" dirty="0" smtClean="0"/>
+              <a:rPr lang="en-US" dirty="0"/>
               <a:t>import-</a:t>
             </a:r>
             <a:r>
-              <a:rPr lang="en-US" dirty="0" err="1" smtClean="0"/>
+              <a:rPr lang="en-US" dirty="0" err="1"/>
               <a:t>mdtoperatingsystem</a:t>
             </a:r>
             <a:r>
-              <a:rPr lang="en-US" dirty="0" smtClean="0"/>
+              <a:rPr lang="en-US" dirty="0"/>
               <a:t> -path "DS002:\Operating Systems\Windows 10" -</a:t>
             </a:r>
             <a:r>
-              <a:rPr lang="en-US" dirty="0" err="1" smtClean="0"/>
+              <a:rPr lang="en-US" dirty="0" err="1"/>
               <a:t>SourceFile</a:t>
             </a:r>
             <a:r>
-              <a:rPr lang="en-US" dirty="0" smtClean="0"/>
+              <a:rPr lang="en-US" dirty="0"/>
               <a:t> "E:\MDTBuildLab\Captures\REFWIN10EDU1803_10-23-2018.wim" -</a:t>
             </a:r>
             <a:r>
-              <a:rPr lang="en-US" dirty="0" err="1" smtClean="0"/>
+              <a:rPr lang="en-US" dirty="0" err="1"/>
               <a:t>DestinationFolder</a:t>
             </a:r>
             <a:r>
-              <a:rPr lang="en-US" dirty="0" smtClean="0"/>
+              <a:rPr lang="en-US" dirty="0"/>
               <a:t> "Win101803v001" -</a:t>
             </a:r>
             <a:r>
-              <a:rPr lang="en-US" dirty="0" err="1" smtClean="0"/>
+              <a:rPr lang="en-US" dirty="0" err="1"/>
               <a:t>SetupPath</a:t>
             </a:r>
             <a:r>
-              <a:rPr lang="en-US" dirty="0" smtClean="0"/>
+              <a:rPr lang="en-US" dirty="0"/>
               <a:t> "F:\" -Verbose</a:t>
             </a:r>
           </a:p>
@@ -1050,23 +1049,25 @@
         </p:nvSpPr>
         <p:spPr>
           <a:xfrm>
-            <a:off x="1524000" y="1122363"/>
-            <a:ext cx="9144000" cy="2387600"/>
+            <a:off x="1370693" y="1769540"/>
+            <a:ext cx="9440034" cy="1828801"/>
           </a:xfrm>
         </p:spPr>
         <p:txBody>
-          <a:bodyPr anchor="b"/>
+          <a:bodyPr anchor="b">
+            <a:normAutofit/>
+          </a:bodyPr>
           <a:lstStyle>
             <a:lvl1pPr algn="ctr">
-              <a:defRPr sz="6000"/>
+              <a:defRPr sz="5400"/>
             </a:lvl1pPr>
           </a:lstStyle>
           <a:p>
             <a:r>
-              <a:rPr lang="en-US" smtClean="0"/>
+              <a:rPr lang="en-US"/>
               <a:t>Click to edit Master title style</a:t>
             </a:r>
-            <a:endParaRPr lang="en-US"/>
+            <a:endParaRPr lang="en-US" dirty="0"/>
           </a:p>
         </p:txBody>
       </p:sp>
@@ -1082,56 +1083,108 @@
         </p:nvSpPr>
         <p:spPr>
           <a:xfrm>
-            <a:off x="1524000" y="3602038"/>
-            <a:ext cx="9144000" cy="1655762"/>
+            <a:off x="1370693" y="3598339"/>
+            <a:ext cx="9440034" cy="1049867"/>
           </a:xfrm>
         </p:spPr>
         <p:txBody>
-          <a:bodyPr/>
+          <a:bodyPr anchor="t"/>
           <a:lstStyle>
             <a:lvl1pPr marL="0" indent="0" algn="ctr">
               <a:buNone/>
-              <a:defRPr sz="2400"/>
+              <a:defRPr>
+                <a:solidFill>
+                  <a:schemeClr val="tx1"/>
+                </a:solidFill>
+              </a:defRPr>
             </a:lvl1pPr>
             <a:lvl2pPr marL="457200" indent="0" algn="ctr">
               <a:buNone/>
-              <a:defRPr sz="2000"/>
+              <a:defRPr>
+                <a:solidFill>
+                  <a:schemeClr val="tx1">
+                    <a:tint val="75000"/>
+                  </a:schemeClr>
+                </a:solidFill>
+              </a:defRPr>
             </a:lvl2pPr>
             <a:lvl3pPr marL="914400" indent="0" algn="ctr">
               <a:buNone/>
-              <a:defRPr sz="1800"/>
+              <a:defRPr>
+                <a:solidFill>
+                  <a:schemeClr val="tx1">
+                    <a:tint val="75000"/>
+                  </a:schemeClr>
+                </a:solidFill>
+              </a:defRPr>
             </a:lvl3pPr>
             <a:lvl4pPr marL="1371600" indent="0" algn="ctr">
               <a:buNone/>
-              <a:defRPr sz="1600"/>
+              <a:defRPr>
+                <a:solidFill>
+                  <a:schemeClr val="tx1">
+                    <a:tint val="75000"/>
+                  </a:schemeClr>
+                </a:solidFill>
+              </a:defRPr>
             </a:lvl4pPr>
             <a:lvl5pPr marL="1828800" indent="0" algn="ctr">
               <a:buNone/>
-              <a:defRPr sz="1600"/>
+              <a:defRPr>
+                <a:solidFill>
+                  <a:schemeClr val="tx1">
+                    <a:tint val="75000"/>
+                  </a:schemeClr>
+                </a:solidFill>
+              </a:defRPr>
             </a:lvl5pPr>
             <a:lvl6pPr marL="2286000" indent="0" algn="ctr">
               <a:buNone/>
-              <a:defRPr sz="1600"/>
+              <a:defRPr>
+                <a:solidFill>
+                  <a:schemeClr val="tx1">
+                    <a:tint val="75000"/>
+                  </a:schemeClr>
+                </a:solidFill>
+              </a:defRPr>
             </a:lvl6pPr>
             <a:lvl7pPr marL="2743200" indent="0" algn="ctr">
               <a:buNone/>
-              <a:defRPr sz="1600"/>
+              <a:defRPr>
+                <a:solidFill>
+                  <a:schemeClr val="tx1">
+                    <a:tint val="75000"/>
+                  </a:schemeClr>
+                </a:solidFill>
+              </a:defRPr>
             </a:lvl7pPr>
             <a:lvl8pPr marL="3200400" indent="0" algn="ctr">
               <a:buNone/>
-              <a:defRPr sz="1600"/>
+              <a:defRPr>
+                <a:solidFill>
+                  <a:schemeClr val="tx1">
+                    <a:tint val="75000"/>
+                  </a:schemeClr>
+                </a:solidFill>
+              </a:defRPr>
             </a:lvl8pPr>
             <a:lvl9pPr marL="3657600" indent="0" algn="ctr">
               <a:buNone/>
-              <a:defRPr sz="1600"/>
+              <a:defRPr>
+                <a:solidFill>
+                  <a:schemeClr val="tx1">
+                    <a:tint val="75000"/>
+                  </a:schemeClr>
+                </a:solidFill>
+              </a:defRPr>
             </a:lvl9pPr>
           </a:lstStyle>
           <a:p>
             <a:r>
-              <a:rPr lang="en-US" smtClean="0"/>
+              <a:rPr lang="en-US"/>
               <a:t>Click to edit Master subtitle style</a:t>
             </a:r>
-            <a:endParaRPr lang="en-US"/>
+            <a:endParaRPr lang="en-US" dirty="0"/>
           </a:p>
         </p:txBody>
       </p:sp>
@@ -1152,7 +1205,7 @@
           <a:p>
             <a:fld id="{968F8B48-9EEB-4E1A-AB61-E86E4E194647}" type="datetimeFigureOut">
               <a:rPr lang="en-US" smtClean="0"/>
-              <a:t>11/4/2018</a:t>
+              <a:t>11/7/2018</a:t>
             </a:fld>
             <a:endParaRPr lang="en-US"/>
           </a:p>
@@ -1203,7 +1256,7 @@
     </p:spTree>
     <p:extLst>
       <p:ext uri="{BB962C8B-B14F-4D97-AF65-F5344CB8AC3E}">
-        <p14:creationId xmlns:p14="http://schemas.microsoft.com/office/powerpoint/2010/main" val="2265853855"/>
+        <p14:creationId xmlns:p14="http://schemas.microsoft.com/office/powerpoint/2010/main" val="156789378"/>
       </p:ext>
     </p:extLst>
   </p:cSld>
@@ -1214,6 +1267,2582 @@
 </file>
 
 <file path=ppt/slideLayouts/slideLayout10.xml><?xml version="1.0" encoding="utf-8"?>
+<p:sldLayout xmlns:a="http://schemas.openxmlformats.org/drawingml/2006/main" xmlns:r="http://schemas.openxmlformats.org/officeDocument/2006/relationships" xmlns:p="http://schemas.openxmlformats.org/presentationml/2006/main" preserve="1">
+  <p:cSld name="Panoramic Picture with Caption">
+    <p:spTree>
+      <p:nvGrpSpPr>
+        <p:cNvPr id="1" name=""/>
+        <p:cNvGrpSpPr/>
+        <p:nvPr/>
+      </p:nvGrpSpPr>
+      <p:grpSpPr>
+        <a:xfrm>
+          <a:off x="0" y="0"/>
+          <a:ext cx="0" cy="0"/>
+          <a:chOff x="0" y="0"/>
+          <a:chExt cx="0" cy="0"/>
+        </a:xfrm>
+      </p:grpSpPr>
+      <p:pic>
+        <p:nvPicPr>
+          <p:cNvPr id="16" name="Picture 15" descr="Slate-V2-HD-panoPhotoInset.png"/>
+          <p:cNvPicPr>
+            <a:picLocks noChangeAspect="1"/>
+          </p:cNvPicPr>
+          <p:nvPr/>
+        </p:nvPicPr>
+        <p:blipFill>
+          <a:blip r:embed="rId2">
+            <a:extLst>
+              <a:ext uri="{28A0092B-C50C-407E-A947-70E740481C1C}">
+                <a14:useLocalDpi xmlns:a14="http://schemas.microsoft.com/office/drawing/2010/main" val="0"/>
+              </a:ext>
+            </a:extLst>
+          </a:blip>
+          <a:stretch>
+            <a:fillRect/>
+          </a:stretch>
+        </p:blipFill>
+        <p:spPr>
+          <a:xfrm>
+            <a:off x="1013883" y="547807"/>
+            <a:ext cx="10141799" cy="3816806"/>
+          </a:xfrm>
+          <a:prstGeom prst="rect">
+            <a:avLst/>
+          </a:prstGeom>
+        </p:spPr>
+      </p:pic>
+      <p:sp>
+        <p:nvSpPr>
+          <p:cNvPr id="2" name="Title 1"/>
+          <p:cNvSpPr>
+            <a:spLocks noGrp="1"/>
+          </p:cNvSpPr>
+          <p:nvPr>
+            <p:ph type="title"/>
+          </p:nvPr>
+        </p:nvSpPr>
+        <p:spPr>
+          <a:xfrm>
+            <a:off x="913806" y="4565255"/>
+            <a:ext cx="10355326" cy="543472"/>
+          </a:xfrm>
+        </p:spPr>
+        <p:txBody>
+          <a:bodyPr anchor="b">
+            <a:normAutofit/>
+          </a:bodyPr>
+          <a:lstStyle>
+            <a:lvl1pPr algn="ctr">
+              <a:defRPr sz="2800"/>
+            </a:lvl1pPr>
+          </a:lstStyle>
+          <a:p>
+            <a:r>
+              <a:rPr lang="en-US"/>
+              <a:t>Click to edit Master title style</a:t>
+            </a:r>
+            <a:endParaRPr lang="en-US" dirty="0"/>
+          </a:p>
+        </p:txBody>
+      </p:sp>
+      <p:sp>
+        <p:nvSpPr>
+          <p:cNvPr id="3" name="Picture Placeholder 2"/>
+          <p:cNvSpPr>
+            <a:spLocks noGrp="1" noChangeAspect="1"/>
+          </p:cNvSpPr>
+          <p:nvPr>
+            <p:ph type="pic" idx="1"/>
+          </p:nvPr>
+        </p:nvSpPr>
+        <p:spPr>
+          <a:xfrm>
+            <a:off x="1169349" y="695009"/>
+            <a:ext cx="9845346" cy="3525671"/>
+          </a:xfrm>
+          <a:effectLst>
+            <a:outerShdw blurRad="38100" dist="25400" dir="4440000">
+              <a:srgbClr val="000000">
+                <a:alpha val="36000"/>
+              </a:srgbClr>
+            </a:outerShdw>
+          </a:effectLst>
+        </p:spPr>
+        <p:txBody>
+          <a:bodyPr anchor="t">
+            <a:normAutofit/>
+          </a:bodyPr>
+          <a:lstStyle>
+            <a:lvl1pPr marL="0" indent="0" algn="ctr">
+              <a:buNone/>
+              <a:defRPr sz="2000"/>
+            </a:lvl1pPr>
+            <a:lvl2pPr marL="457200" indent="0">
+              <a:buNone/>
+              <a:defRPr sz="2000"/>
+            </a:lvl2pPr>
+            <a:lvl3pPr marL="914400" indent="0">
+              <a:buNone/>
+              <a:defRPr sz="2000"/>
+            </a:lvl3pPr>
+            <a:lvl4pPr marL="1371600" indent="0">
+              <a:buNone/>
+              <a:defRPr sz="2000"/>
+            </a:lvl4pPr>
+            <a:lvl5pPr marL="1828800" indent="0">
+              <a:buNone/>
+              <a:defRPr sz="2000"/>
+            </a:lvl5pPr>
+            <a:lvl6pPr marL="2286000" indent="0">
+              <a:buNone/>
+              <a:defRPr sz="2000"/>
+            </a:lvl6pPr>
+            <a:lvl7pPr marL="2743200" indent="0">
+              <a:buNone/>
+              <a:defRPr sz="2000"/>
+            </a:lvl7pPr>
+            <a:lvl8pPr marL="3200400" indent="0">
+              <a:buNone/>
+              <a:defRPr sz="2000"/>
+            </a:lvl8pPr>
+            <a:lvl9pPr marL="3657600" indent="0">
+              <a:buNone/>
+              <a:defRPr sz="2000"/>
+            </a:lvl9pPr>
+          </a:lstStyle>
+          <a:p>
+            <a:r>
+              <a:rPr lang="en-US"/>
+              <a:t>Click icon to add picture</a:t>
+            </a:r>
+            <a:endParaRPr lang="en-US" dirty="0"/>
+          </a:p>
+        </p:txBody>
+      </p:sp>
+      <p:sp>
+        <p:nvSpPr>
+          <p:cNvPr id="4" name="Text Placeholder 3"/>
+          <p:cNvSpPr>
+            <a:spLocks noGrp="1"/>
+          </p:cNvSpPr>
+          <p:nvPr>
+            <p:ph type="body" sz="half" idx="2"/>
+          </p:nvPr>
+        </p:nvSpPr>
+        <p:spPr>
+          <a:xfrm>
+            <a:off x="913795" y="5108728"/>
+            <a:ext cx="10353762" cy="682472"/>
+          </a:xfrm>
+        </p:spPr>
+        <p:txBody>
+          <a:bodyPr anchor="t"/>
+          <a:lstStyle>
+            <a:lvl1pPr marL="0" indent="0" algn="ctr">
+              <a:buNone/>
+              <a:defRPr sz="1600"/>
+            </a:lvl1pPr>
+            <a:lvl2pPr marL="457200" indent="0">
+              <a:buNone/>
+              <a:defRPr sz="1400"/>
+            </a:lvl2pPr>
+            <a:lvl3pPr marL="914400" indent="0">
+              <a:buNone/>
+              <a:defRPr sz="1200"/>
+            </a:lvl3pPr>
+            <a:lvl4pPr marL="1371600" indent="0">
+              <a:buNone/>
+              <a:defRPr sz="1000"/>
+            </a:lvl4pPr>
+            <a:lvl5pPr marL="1828800" indent="0">
+              <a:buNone/>
+              <a:defRPr sz="1000"/>
+            </a:lvl5pPr>
+            <a:lvl6pPr marL="2286000" indent="0">
+              <a:buNone/>
+              <a:defRPr sz="1000"/>
+            </a:lvl6pPr>
+            <a:lvl7pPr marL="2743200" indent="0">
+              <a:buNone/>
+              <a:defRPr sz="1000"/>
+            </a:lvl7pPr>
+            <a:lvl8pPr marL="3200400" indent="0">
+              <a:buNone/>
+              <a:defRPr sz="1000"/>
+            </a:lvl8pPr>
+            <a:lvl9pPr marL="3657600" indent="0">
+              <a:buNone/>
+              <a:defRPr sz="1000"/>
+            </a:lvl9pPr>
+          </a:lstStyle>
+          <a:p>
+            <a:pPr lvl="0"/>
+            <a:r>
+              <a:rPr lang="en-US"/>
+              <a:t>Edit Master text styles</a:t>
+            </a:r>
+          </a:p>
+        </p:txBody>
+      </p:sp>
+      <p:sp>
+        <p:nvSpPr>
+          <p:cNvPr id="5" name="Date Placeholder 4"/>
+          <p:cNvSpPr>
+            <a:spLocks noGrp="1"/>
+          </p:cNvSpPr>
+          <p:nvPr>
+            <p:ph type="dt" sz="half" idx="10"/>
+          </p:nvPr>
+        </p:nvSpPr>
+        <p:spPr/>
+        <p:txBody>
+          <a:bodyPr/>
+          <a:lstStyle/>
+          <a:p>
+            <a:fld id="{968F8B48-9EEB-4E1A-AB61-E86E4E194647}" type="datetimeFigureOut">
+              <a:rPr lang="en-US" smtClean="0"/>
+              <a:t>11/7/2018</a:t>
+            </a:fld>
+            <a:endParaRPr lang="en-US"/>
+          </a:p>
+        </p:txBody>
+      </p:sp>
+      <p:sp>
+        <p:nvSpPr>
+          <p:cNvPr id="6" name="Footer Placeholder 5"/>
+          <p:cNvSpPr>
+            <a:spLocks noGrp="1"/>
+          </p:cNvSpPr>
+          <p:nvPr>
+            <p:ph type="ftr" sz="quarter" idx="11"/>
+          </p:nvPr>
+        </p:nvSpPr>
+        <p:spPr/>
+        <p:txBody>
+          <a:bodyPr/>
+          <a:lstStyle/>
+          <a:p>
+            <a:endParaRPr lang="en-US"/>
+          </a:p>
+        </p:txBody>
+      </p:sp>
+      <p:sp>
+        <p:nvSpPr>
+          <p:cNvPr id="7" name="Slide Number Placeholder 6"/>
+          <p:cNvSpPr>
+            <a:spLocks noGrp="1"/>
+          </p:cNvSpPr>
+          <p:nvPr>
+            <p:ph type="sldNum" sz="quarter" idx="12"/>
+          </p:nvPr>
+        </p:nvSpPr>
+        <p:spPr/>
+        <p:txBody>
+          <a:bodyPr/>
+          <a:lstStyle/>
+          <a:p>
+            <a:fld id="{0D9F955C-96BA-498A-86A3-9D6D5D1B37D7}" type="slidenum">
+              <a:rPr lang="en-US" smtClean="0"/>
+              <a:t>‹#›</a:t>
+            </a:fld>
+            <a:endParaRPr lang="en-US"/>
+          </a:p>
+        </p:txBody>
+      </p:sp>
+    </p:spTree>
+    <p:extLst>
+      <p:ext uri="{BB962C8B-B14F-4D97-AF65-F5344CB8AC3E}">
+        <p14:creationId xmlns:p14="http://schemas.microsoft.com/office/powerpoint/2010/main" val="3572331120"/>
+      </p:ext>
+    </p:extLst>
+  </p:cSld>
+  <p:clrMapOvr>
+    <a:masterClrMapping/>
+  </p:clrMapOvr>
+</p:sldLayout>
+</file>
+
+<file path=ppt/slideLayouts/slideLayout11.xml><?xml version="1.0" encoding="utf-8"?>
+<p:sldLayout xmlns:a="http://schemas.openxmlformats.org/drawingml/2006/main" xmlns:r="http://schemas.openxmlformats.org/officeDocument/2006/relationships" xmlns:p="http://schemas.openxmlformats.org/presentationml/2006/main" preserve="1">
+  <p:cSld name="Title and Caption">
+    <p:spTree>
+      <p:nvGrpSpPr>
+        <p:cNvPr id="1" name=""/>
+        <p:cNvGrpSpPr/>
+        <p:nvPr/>
+      </p:nvGrpSpPr>
+      <p:grpSpPr>
+        <a:xfrm>
+          <a:off x="0" y="0"/>
+          <a:ext cx="0" cy="0"/>
+          <a:chOff x="0" y="0"/>
+          <a:chExt cx="0" cy="0"/>
+        </a:xfrm>
+      </p:grpSpPr>
+      <p:sp>
+        <p:nvSpPr>
+          <p:cNvPr id="2" name="Title 1"/>
+          <p:cNvSpPr>
+            <a:spLocks noGrp="1"/>
+          </p:cNvSpPr>
+          <p:nvPr>
+            <p:ph type="title"/>
+          </p:nvPr>
+        </p:nvSpPr>
+        <p:spPr>
+          <a:xfrm>
+            <a:off x="913795" y="608437"/>
+            <a:ext cx="10353762" cy="3534344"/>
+          </a:xfrm>
+        </p:spPr>
+        <p:txBody>
+          <a:bodyPr anchor="ctr"/>
+          <a:lstStyle>
+            <a:lvl1pPr>
+              <a:defRPr sz="3200"/>
+            </a:lvl1pPr>
+          </a:lstStyle>
+          <a:p>
+            <a:r>
+              <a:rPr lang="en-US"/>
+              <a:t>Click to edit Master title style</a:t>
+            </a:r>
+            <a:endParaRPr lang="en-US" dirty="0"/>
+          </a:p>
+        </p:txBody>
+      </p:sp>
+      <p:sp>
+        <p:nvSpPr>
+          <p:cNvPr id="4" name="Text Placeholder 3"/>
+          <p:cNvSpPr>
+            <a:spLocks noGrp="1"/>
+          </p:cNvSpPr>
+          <p:nvPr>
+            <p:ph type="body" sz="half" idx="2"/>
+          </p:nvPr>
+        </p:nvSpPr>
+        <p:spPr>
+          <a:xfrm>
+            <a:off x="913794" y="4295180"/>
+            <a:ext cx="10353763" cy="1501826"/>
+          </a:xfrm>
+        </p:spPr>
+        <p:txBody>
+          <a:bodyPr anchor="ctr"/>
+          <a:lstStyle>
+            <a:lvl1pPr marL="0" indent="0" algn="ctr">
+              <a:buNone/>
+              <a:defRPr sz="1600"/>
+            </a:lvl1pPr>
+            <a:lvl2pPr marL="457200" indent="0">
+              <a:buNone/>
+              <a:defRPr sz="1400"/>
+            </a:lvl2pPr>
+            <a:lvl3pPr marL="914400" indent="0">
+              <a:buNone/>
+              <a:defRPr sz="1200"/>
+            </a:lvl3pPr>
+            <a:lvl4pPr marL="1371600" indent="0">
+              <a:buNone/>
+              <a:defRPr sz="1000"/>
+            </a:lvl4pPr>
+            <a:lvl5pPr marL="1828800" indent="0">
+              <a:buNone/>
+              <a:defRPr sz="1000"/>
+            </a:lvl5pPr>
+            <a:lvl6pPr marL="2286000" indent="0">
+              <a:buNone/>
+              <a:defRPr sz="1000"/>
+            </a:lvl6pPr>
+            <a:lvl7pPr marL="2743200" indent="0">
+              <a:buNone/>
+              <a:defRPr sz="1000"/>
+            </a:lvl7pPr>
+            <a:lvl8pPr marL="3200400" indent="0">
+              <a:buNone/>
+              <a:defRPr sz="1000"/>
+            </a:lvl8pPr>
+            <a:lvl9pPr marL="3657600" indent="0">
+              <a:buNone/>
+              <a:defRPr sz="1000"/>
+            </a:lvl9pPr>
+          </a:lstStyle>
+          <a:p>
+            <a:pPr lvl="0"/>
+            <a:r>
+              <a:rPr lang="en-US"/>
+              <a:t>Edit Master text styles</a:t>
+            </a:r>
+          </a:p>
+        </p:txBody>
+      </p:sp>
+      <p:sp>
+        <p:nvSpPr>
+          <p:cNvPr id="5" name="Date Placeholder 4"/>
+          <p:cNvSpPr>
+            <a:spLocks noGrp="1"/>
+          </p:cNvSpPr>
+          <p:nvPr>
+            <p:ph type="dt" sz="half" idx="10"/>
+          </p:nvPr>
+        </p:nvSpPr>
+        <p:spPr/>
+        <p:txBody>
+          <a:bodyPr/>
+          <a:lstStyle/>
+          <a:p>
+            <a:fld id="{968F8B48-9EEB-4E1A-AB61-E86E4E194647}" type="datetimeFigureOut">
+              <a:rPr lang="en-US" smtClean="0"/>
+              <a:t>11/7/2018</a:t>
+            </a:fld>
+            <a:endParaRPr lang="en-US"/>
+          </a:p>
+        </p:txBody>
+      </p:sp>
+      <p:sp>
+        <p:nvSpPr>
+          <p:cNvPr id="6" name="Footer Placeholder 5"/>
+          <p:cNvSpPr>
+            <a:spLocks noGrp="1"/>
+          </p:cNvSpPr>
+          <p:nvPr>
+            <p:ph type="ftr" sz="quarter" idx="11"/>
+          </p:nvPr>
+        </p:nvSpPr>
+        <p:spPr/>
+        <p:txBody>
+          <a:bodyPr/>
+          <a:lstStyle/>
+          <a:p>
+            <a:endParaRPr lang="en-US"/>
+          </a:p>
+        </p:txBody>
+      </p:sp>
+      <p:sp>
+        <p:nvSpPr>
+          <p:cNvPr id="7" name="Slide Number Placeholder 6"/>
+          <p:cNvSpPr>
+            <a:spLocks noGrp="1"/>
+          </p:cNvSpPr>
+          <p:nvPr>
+            <p:ph type="sldNum" sz="quarter" idx="12"/>
+          </p:nvPr>
+        </p:nvSpPr>
+        <p:spPr/>
+        <p:txBody>
+          <a:bodyPr/>
+          <a:lstStyle/>
+          <a:p>
+            <a:fld id="{0D9F955C-96BA-498A-86A3-9D6D5D1B37D7}" type="slidenum">
+              <a:rPr lang="en-US" smtClean="0"/>
+              <a:t>‹#›</a:t>
+            </a:fld>
+            <a:endParaRPr lang="en-US"/>
+          </a:p>
+        </p:txBody>
+      </p:sp>
+    </p:spTree>
+    <p:extLst>
+      <p:ext uri="{BB962C8B-B14F-4D97-AF65-F5344CB8AC3E}">
+        <p14:creationId xmlns:p14="http://schemas.microsoft.com/office/powerpoint/2010/main" val="607802823"/>
+      </p:ext>
+    </p:extLst>
+  </p:cSld>
+  <p:clrMapOvr>
+    <a:masterClrMapping/>
+  </p:clrMapOvr>
+</p:sldLayout>
+</file>
+
+<file path=ppt/slideLayouts/slideLayout12.xml><?xml version="1.0" encoding="utf-8"?>
+<p:sldLayout xmlns:a="http://schemas.openxmlformats.org/drawingml/2006/main" xmlns:r="http://schemas.openxmlformats.org/officeDocument/2006/relationships" xmlns:p="http://schemas.openxmlformats.org/presentationml/2006/main" preserve="1">
+  <p:cSld name="Quote with Caption">
+    <p:spTree>
+      <p:nvGrpSpPr>
+        <p:cNvPr id="1" name=""/>
+        <p:cNvGrpSpPr/>
+        <p:nvPr/>
+      </p:nvGrpSpPr>
+      <p:grpSpPr>
+        <a:xfrm>
+          <a:off x="0" y="0"/>
+          <a:ext cx="0" cy="0"/>
+          <a:chOff x="0" y="0"/>
+          <a:chExt cx="0" cy="0"/>
+        </a:xfrm>
+      </p:grpSpPr>
+      <p:sp>
+        <p:nvSpPr>
+          <p:cNvPr id="2" name="Title 1"/>
+          <p:cNvSpPr>
+            <a:spLocks noGrp="1"/>
+          </p:cNvSpPr>
+          <p:nvPr>
+            <p:ph type="title"/>
+          </p:nvPr>
+        </p:nvSpPr>
+        <p:spPr>
+          <a:xfrm>
+            <a:off x="1446212" y="609600"/>
+            <a:ext cx="9302752" cy="2992904"/>
+          </a:xfrm>
+        </p:spPr>
+        <p:txBody>
+          <a:bodyPr anchor="ctr"/>
+          <a:lstStyle>
+            <a:lvl1pPr>
+              <a:defRPr sz="3200"/>
+            </a:lvl1pPr>
+          </a:lstStyle>
+          <a:p>
+            <a:r>
+              <a:rPr lang="en-US"/>
+              <a:t>Click to edit Master title style</a:t>
+            </a:r>
+            <a:endParaRPr lang="en-US" dirty="0"/>
+          </a:p>
+        </p:txBody>
+      </p:sp>
+      <p:sp>
+        <p:nvSpPr>
+          <p:cNvPr id="12" name="Text Placeholder 3"/>
+          <p:cNvSpPr>
+            <a:spLocks noGrp="1"/>
+          </p:cNvSpPr>
+          <p:nvPr>
+            <p:ph type="body" sz="half" idx="13"/>
+          </p:nvPr>
+        </p:nvSpPr>
+        <p:spPr>
+          <a:xfrm>
+            <a:off x="1720644" y="3610032"/>
+            <a:ext cx="8752299" cy="532749"/>
+          </a:xfrm>
+        </p:spPr>
+        <p:txBody>
+          <a:bodyPr anchor="t">
+            <a:normAutofit/>
+          </a:bodyPr>
+          <a:lstStyle>
+            <a:lvl1pPr marL="0" indent="0" algn="r">
+              <a:buNone/>
+              <a:defRPr sz="1400"/>
+            </a:lvl1pPr>
+            <a:lvl2pPr marL="457200" indent="0">
+              <a:buNone/>
+              <a:defRPr sz="1400"/>
+            </a:lvl2pPr>
+            <a:lvl3pPr marL="914400" indent="0">
+              <a:buNone/>
+              <a:defRPr sz="1200"/>
+            </a:lvl3pPr>
+            <a:lvl4pPr marL="1371600" indent="0">
+              <a:buNone/>
+              <a:defRPr sz="1000"/>
+            </a:lvl4pPr>
+            <a:lvl5pPr marL="1828800" indent="0">
+              <a:buNone/>
+              <a:defRPr sz="1000"/>
+            </a:lvl5pPr>
+            <a:lvl6pPr marL="2286000" indent="0">
+              <a:buNone/>
+              <a:defRPr sz="1000"/>
+            </a:lvl6pPr>
+            <a:lvl7pPr marL="2743200" indent="0">
+              <a:buNone/>
+              <a:defRPr sz="1000"/>
+            </a:lvl7pPr>
+            <a:lvl8pPr marL="3200400" indent="0">
+              <a:buNone/>
+              <a:defRPr sz="1000"/>
+            </a:lvl8pPr>
+            <a:lvl9pPr marL="3657600" indent="0">
+              <a:buNone/>
+              <a:defRPr sz="1000"/>
+            </a:lvl9pPr>
+          </a:lstStyle>
+          <a:p>
+            <a:pPr lvl="0"/>
+            <a:r>
+              <a:rPr lang="en-US"/>
+              <a:t>Edit Master text styles</a:t>
+            </a:r>
+          </a:p>
+        </p:txBody>
+      </p:sp>
+      <p:sp>
+        <p:nvSpPr>
+          <p:cNvPr id="4" name="Text Placeholder 3"/>
+          <p:cNvSpPr>
+            <a:spLocks noGrp="1"/>
+          </p:cNvSpPr>
+          <p:nvPr>
+            <p:ph type="body" sz="half" idx="2"/>
+          </p:nvPr>
+        </p:nvSpPr>
+        <p:spPr>
+          <a:xfrm>
+            <a:off x="913794" y="4304353"/>
+            <a:ext cx="10353763" cy="1489496"/>
+          </a:xfrm>
+        </p:spPr>
+        <p:txBody>
+          <a:bodyPr anchor="ctr">
+            <a:normAutofit/>
+          </a:bodyPr>
+          <a:lstStyle>
+            <a:lvl1pPr marL="0" indent="0" algn="ctr">
+              <a:buNone/>
+              <a:defRPr sz="1600"/>
+            </a:lvl1pPr>
+            <a:lvl2pPr marL="457200" indent="0">
+              <a:buNone/>
+              <a:defRPr sz="1400"/>
+            </a:lvl2pPr>
+            <a:lvl3pPr marL="914400" indent="0">
+              <a:buNone/>
+              <a:defRPr sz="1200"/>
+            </a:lvl3pPr>
+            <a:lvl4pPr marL="1371600" indent="0">
+              <a:buNone/>
+              <a:defRPr sz="1000"/>
+            </a:lvl4pPr>
+            <a:lvl5pPr marL="1828800" indent="0">
+              <a:buNone/>
+              <a:defRPr sz="1000"/>
+            </a:lvl5pPr>
+            <a:lvl6pPr marL="2286000" indent="0">
+              <a:buNone/>
+              <a:defRPr sz="1000"/>
+            </a:lvl6pPr>
+            <a:lvl7pPr marL="2743200" indent="0">
+              <a:buNone/>
+              <a:defRPr sz="1000"/>
+            </a:lvl7pPr>
+            <a:lvl8pPr marL="3200400" indent="0">
+              <a:buNone/>
+              <a:defRPr sz="1000"/>
+            </a:lvl8pPr>
+            <a:lvl9pPr marL="3657600" indent="0">
+              <a:buNone/>
+              <a:defRPr sz="1000"/>
+            </a:lvl9pPr>
+          </a:lstStyle>
+          <a:p>
+            <a:pPr lvl="0"/>
+            <a:r>
+              <a:rPr lang="en-US"/>
+              <a:t>Edit Master text styles</a:t>
+            </a:r>
+          </a:p>
+        </p:txBody>
+      </p:sp>
+      <p:sp>
+        <p:nvSpPr>
+          <p:cNvPr id="5" name="Date Placeholder 4"/>
+          <p:cNvSpPr>
+            <a:spLocks noGrp="1"/>
+          </p:cNvSpPr>
+          <p:nvPr>
+            <p:ph type="dt" sz="half" idx="10"/>
+          </p:nvPr>
+        </p:nvSpPr>
+        <p:spPr/>
+        <p:txBody>
+          <a:bodyPr/>
+          <a:lstStyle/>
+          <a:p>
+            <a:fld id="{968F8B48-9EEB-4E1A-AB61-E86E4E194647}" type="datetimeFigureOut">
+              <a:rPr lang="en-US" smtClean="0"/>
+              <a:t>11/7/2018</a:t>
+            </a:fld>
+            <a:endParaRPr lang="en-US"/>
+          </a:p>
+        </p:txBody>
+      </p:sp>
+      <p:sp>
+        <p:nvSpPr>
+          <p:cNvPr id="6" name="Footer Placeholder 5"/>
+          <p:cNvSpPr>
+            <a:spLocks noGrp="1"/>
+          </p:cNvSpPr>
+          <p:nvPr>
+            <p:ph type="ftr" sz="quarter" idx="11"/>
+          </p:nvPr>
+        </p:nvSpPr>
+        <p:spPr/>
+        <p:txBody>
+          <a:bodyPr/>
+          <a:lstStyle/>
+          <a:p>
+            <a:endParaRPr lang="en-US"/>
+          </a:p>
+        </p:txBody>
+      </p:sp>
+      <p:sp>
+        <p:nvSpPr>
+          <p:cNvPr id="7" name="Slide Number Placeholder 6"/>
+          <p:cNvSpPr>
+            <a:spLocks noGrp="1"/>
+          </p:cNvSpPr>
+          <p:nvPr>
+            <p:ph type="sldNum" sz="quarter" idx="12"/>
+          </p:nvPr>
+        </p:nvSpPr>
+        <p:spPr/>
+        <p:txBody>
+          <a:bodyPr/>
+          <a:lstStyle/>
+          <a:p>
+            <a:fld id="{0D9F955C-96BA-498A-86A3-9D6D5D1B37D7}" type="slidenum">
+              <a:rPr lang="en-US" smtClean="0"/>
+              <a:t>‹#›</a:t>
+            </a:fld>
+            <a:endParaRPr lang="en-US"/>
+          </a:p>
+        </p:txBody>
+      </p:sp>
+      <p:sp>
+        <p:nvSpPr>
+          <p:cNvPr id="11" name="TextBox 10"/>
+          <p:cNvSpPr txBox="1"/>
+          <p:nvPr/>
+        </p:nvSpPr>
+        <p:spPr>
+          <a:xfrm>
+            <a:off x="990600" y="884796"/>
+            <a:ext cx="609600" cy="584776"/>
+          </a:xfrm>
+          <a:prstGeom prst="rect">
+            <a:avLst/>
+          </a:prstGeom>
+        </p:spPr>
+        <p:txBody>
+          <a:bodyPr vert="horz" lIns="91440" tIns="45720" rIns="91440" bIns="45720" rtlCol="0" anchor="ctr">
+            <a:noAutofit/>
+          </a:bodyPr>
+          <a:lstStyle>
+            <a:lvl1pPr>
+              <a:spcBef>
+                <a:spcPct val="0"/>
+              </a:spcBef>
+              <a:buNone/>
+              <a:defRPr sz="3200" b="0" cap="all">
+                <a:ln w="3175" cmpd="sng">
+                  <a:noFill/>
+                </a:ln>
+                <a:effectLst>
+                  <a:glow rad="38100">
+                    <a:schemeClr val="bg1">
+                      <a:lumMod val="65000"/>
+                      <a:lumOff val="35000"/>
+                      <a:alpha val="40000"/>
+                    </a:schemeClr>
+                  </a:glow>
+                  <a:outerShdw blurRad="28575" dist="38100" dir="14040000" algn="tl" rotWithShape="0">
+                    <a:srgbClr val="000000">
+                      <a:alpha val="25000"/>
+                    </a:srgbClr>
+                  </a:outerShdw>
+                </a:effectLst>
+              </a:defRPr>
+            </a:lvl1pPr>
+            <a:lvl2pPr>
+              <a:defRPr>
+                <a:solidFill>
+                  <a:schemeClr val="tx2"/>
+                </a:solidFill>
+              </a:defRPr>
+            </a:lvl2pPr>
+            <a:lvl3pPr>
+              <a:defRPr>
+                <a:solidFill>
+                  <a:schemeClr val="tx2"/>
+                </a:solidFill>
+              </a:defRPr>
+            </a:lvl3pPr>
+            <a:lvl4pPr>
+              <a:defRPr>
+                <a:solidFill>
+                  <a:schemeClr val="tx2"/>
+                </a:solidFill>
+              </a:defRPr>
+            </a:lvl4pPr>
+            <a:lvl5pPr>
+              <a:defRPr>
+                <a:solidFill>
+                  <a:schemeClr val="tx2"/>
+                </a:solidFill>
+              </a:defRPr>
+            </a:lvl5pPr>
+            <a:lvl6pPr>
+              <a:defRPr>
+                <a:solidFill>
+                  <a:schemeClr val="tx2"/>
+                </a:solidFill>
+              </a:defRPr>
+            </a:lvl6pPr>
+            <a:lvl7pPr>
+              <a:defRPr>
+                <a:solidFill>
+                  <a:schemeClr val="tx2"/>
+                </a:solidFill>
+              </a:defRPr>
+            </a:lvl7pPr>
+            <a:lvl8pPr>
+              <a:defRPr>
+                <a:solidFill>
+                  <a:schemeClr val="tx2"/>
+                </a:solidFill>
+              </a:defRPr>
+            </a:lvl8pPr>
+            <a:lvl9pPr>
+              <a:defRPr>
+                <a:solidFill>
+                  <a:schemeClr val="tx2"/>
+                </a:solidFill>
+              </a:defRPr>
+            </a:lvl9pPr>
+          </a:lstStyle>
+          <a:p>
+            <a:pPr lvl="0"/>
+            <a:r>
+              <a:rPr lang="en-US" sz="8000" dirty="0">
+                <a:solidFill>
+                  <a:schemeClr val="tx1"/>
+                </a:solidFill>
+                <a:effectLst/>
+              </a:rPr>
+              <a:t>“</a:t>
+            </a:r>
+          </a:p>
+        </p:txBody>
+      </p:sp>
+      <p:sp>
+        <p:nvSpPr>
+          <p:cNvPr id="13" name="TextBox 12"/>
+          <p:cNvSpPr txBox="1"/>
+          <p:nvPr/>
+        </p:nvSpPr>
+        <p:spPr>
+          <a:xfrm>
+            <a:off x="10504716" y="2928258"/>
+            <a:ext cx="609600" cy="584776"/>
+          </a:xfrm>
+          <a:prstGeom prst="rect">
+            <a:avLst/>
+          </a:prstGeom>
+        </p:spPr>
+        <p:txBody>
+          <a:bodyPr vert="horz" lIns="91440" tIns="45720" rIns="91440" bIns="45720" rtlCol="0" anchor="ctr">
+            <a:noAutofit/>
+          </a:bodyPr>
+          <a:lstStyle>
+            <a:lvl1pPr>
+              <a:spcBef>
+                <a:spcPct val="0"/>
+              </a:spcBef>
+              <a:buNone/>
+              <a:defRPr sz="3200" b="0" cap="all">
+                <a:ln w="3175" cmpd="sng">
+                  <a:noFill/>
+                </a:ln>
+                <a:effectLst>
+                  <a:glow rad="38100">
+                    <a:schemeClr val="bg1">
+                      <a:lumMod val="65000"/>
+                      <a:lumOff val="35000"/>
+                      <a:alpha val="40000"/>
+                    </a:schemeClr>
+                  </a:glow>
+                  <a:outerShdw blurRad="28575" dist="38100" dir="14040000" algn="tl" rotWithShape="0">
+                    <a:srgbClr val="000000">
+                      <a:alpha val="25000"/>
+                    </a:srgbClr>
+                  </a:outerShdw>
+                </a:effectLst>
+              </a:defRPr>
+            </a:lvl1pPr>
+            <a:lvl2pPr>
+              <a:defRPr>
+                <a:solidFill>
+                  <a:schemeClr val="tx2"/>
+                </a:solidFill>
+              </a:defRPr>
+            </a:lvl2pPr>
+            <a:lvl3pPr>
+              <a:defRPr>
+                <a:solidFill>
+                  <a:schemeClr val="tx2"/>
+                </a:solidFill>
+              </a:defRPr>
+            </a:lvl3pPr>
+            <a:lvl4pPr>
+              <a:defRPr>
+                <a:solidFill>
+                  <a:schemeClr val="tx2"/>
+                </a:solidFill>
+              </a:defRPr>
+            </a:lvl4pPr>
+            <a:lvl5pPr>
+              <a:defRPr>
+                <a:solidFill>
+                  <a:schemeClr val="tx2"/>
+                </a:solidFill>
+              </a:defRPr>
+            </a:lvl5pPr>
+            <a:lvl6pPr>
+              <a:defRPr>
+                <a:solidFill>
+                  <a:schemeClr val="tx2"/>
+                </a:solidFill>
+              </a:defRPr>
+            </a:lvl6pPr>
+            <a:lvl7pPr>
+              <a:defRPr>
+                <a:solidFill>
+                  <a:schemeClr val="tx2"/>
+                </a:solidFill>
+              </a:defRPr>
+            </a:lvl7pPr>
+            <a:lvl8pPr>
+              <a:defRPr>
+                <a:solidFill>
+                  <a:schemeClr val="tx2"/>
+                </a:solidFill>
+              </a:defRPr>
+            </a:lvl8pPr>
+            <a:lvl9pPr>
+              <a:defRPr>
+                <a:solidFill>
+                  <a:schemeClr val="tx2"/>
+                </a:solidFill>
+              </a:defRPr>
+            </a:lvl9pPr>
+          </a:lstStyle>
+          <a:p>
+            <a:pPr lvl="0" algn="r"/>
+            <a:r>
+              <a:rPr lang="en-US" sz="8000" dirty="0">
+                <a:solidFill>
+                  <a:schemeClr val="tx1"/>
+                </a:solidFill>
+                <a:effectLst/>
+              </a:rPr>
+              <a:t>”</a:t>
+            </a:r>
+          </a:p>
+        </p:txBody>
+      </p:sp>
+    </p:spTree>
+    <p:extLst>
+      <p:ext uri="{BB962C8B-B14F-4D97-AF65-F5344CB8AC3E}">
+        <p14:creationId xmlns:p14="http://schemas.microsoft.com/office/powerpoint/2010/main" val="286924613"/>
+      </p:ext>
+    </p:extLst>
+  </p:cSld>
+  <p:clrMapOvr>
+    <a:masterClrMapping/>
+  </p:clrMapOvr>
+</p:sldLayout>
+</file>
+
+<file path=ppt/slideLayouts/slideLayout13.xml><?xml version="1.0" encoding="utf-8"?>
+<p:sldLayout xmlns:a="http://schemas.openxmlformats.org/drawingml/2006/main" xmlns:r="http://schemas.openxmlformats.org/officeDocument/2006/relationships" xmlns:p="http://schemas.openxmlformats.org/presentationml/2006/main" preserve="1">
+  <p:cSld name="Name Card">
+    <p:spTree>
+      <p:nvGrpSpPr>
+        <p:cNvPr id="1" name=""/>
+        <p:cNvGrpSpPr/>
+        <p:nvPr/>
+      </p:nvGrpSpPr>
+      <p:grpSpPr>
+        <a:xfrm>
+          <a:off x="0" y="0"/>
+          <a:ext cx="0" cy="0"/>
+          <a:chOff x="0" y="0"/>
+          <a:chExt cx="0" cy="0"/>
+        </a:xfrm>
+      </p:grpSpPr>
+      <p:sp>
+        <p:nvSpPr>
+          <p:cNvPr id="2" name="Title 1"/>
+          <p:cNvSpPr>
+            <a:spLocks noGrp="1"/>
+          </p:cNvSpPr>
+          <p:nvPr>
+            <p:ph type="title"/>
+          </p:nvPr>
+        </p:nvSpPr>
+        <p:spPr>
+          <a:xfrm>
+            <a:off x="913794" y="2126942"/>
+            <a:ext cx="10353763" cy="2511835"/>
+          </a:xfrm>
+        </p:spPr>
+        <p:txBody>
+          <a:bodyPr anchor="b"/>
+          <a:lstStyle>
+            <a:lvl1pPr>
+              <a:defRPr sz="3200"/>
+            </a:lvl1pPr>
+          </a:lstStyle>
+          <a:p>
+            <a:r>
+              <a:rPr lang="en-US"/>
+              <a:t>Click to edit Master title style</a:t>
+            </a:r>
+            <a:endParaRPr lang="en-US" dirty="0"/>
+          </a:p>
+        </p:txBody>
+      </p:sp>
+      <p:sp>
+        <p:nvSpPr>
+          <p:cNvPr id="4" name="Text Placeholder 3"/>
+          <p:cNvSpPr>
+            <a:spLocks noGrp="1"/>
+          </p:cNvSpPr>
+          <p:nvPr>
+            <p:ph type="body" sz="half" idx="2"/>
+          </p:nvPr>
+        </p:nvSpPr>
+        <p:spPr>
+          <a:xfrm>
+            <a:off x="913784" y="4650556"/>
+            <a:ext cx="10352199" cy="1140644"/>
+          </a:xfrm>
+        </p:spPr>
+        <p:txBody>
+          <a:bodyPr anchor="t"/>
+          <a:lstStyle>
+            <a:lvl1pPr marL="0" indent="0" algn="ctr">
+              <a:buNone/>
+              <a:defRPr sz="1600"/>
+            </a:lvl1pPr>
+            <a:lvl2pPr marL="457200" indent="0">
+              <a:buNone/>
+              <a:defRPr sz="1400"/>
+            </a:lvl2pPr>
+            <a:lvl3pPr marL="914400" indent="0">
+              <a:buNone/>
+              <a:defRPr sz="1200"/>
+            </a:lvl3pPr>
+            <a:lvl4pPr marL="1371600" indent="0">
+              <a:buNone/>
+              <a:defRPr sz="1000"/>
+            </a:lvl4pPr>
+            <a:lvl5pPr marL="1828800" indent="0">
+              <a:buNone/>
+              <a:defRPr sz="1000"/>
+            </a:lvl5pPr>
+            <a:lvl6pPr marL="2286000" indent="0">
+              <a:buNone/>
+              <a:defRPr sz="1000"/>
+            </a:lvl6pPr>
+            <a:lvl7pPr marL="2743200" indent="0">
+              <a:buNone/>
+              <a:defRPr sz="1000"/>
+            </a:lvl7pPr>
+            <a:lvl8pPr marL="3200400" indent="0">
+              <a:buNone/>
+              <a:defRPr sz="1000"/>
+            </a:lvl8pPr>
+            <a:lvl9pPr marL="3657600" indent="0">
+              <a:buNone/>
+              <a:defRPr sz="1000"/>
+            </a:lvl9pPr>
+          </a:lstStyle>
+          <a:p>
+            <a:pPr lvl="0"/>
+            <a:r>
+              <a:rPr lang="en-US"/>
+              <a:t>Edit Master text styles</a:t>
+            </a:r>
+          </a:p>
+        </p:txBody>
+      </p:sp>
+      <p:sp>
+        <p:nvSpPr>
+          <p:cNvPr id="5" name="Date Placeholder 4"/>
+          <p:cNvSpPr>
+            <a:spLocks noGrp="1"/>
+          </p:cNvSpPr>
+          <p:nvPr>
+            <p:ph type="dt" sz="half" idx="10"/>
+          </p:nvPr>
+        </p:nvSpPr>
+        <p:spPr/>
+        <p:txBody>
+          <a:bodyPr/>
+          <a:lstStyle/>
+          <a:p>
+            <a:fld id="{968F8B48-9EEB-4E1A-AB61-E86E4E194647}" type="datetimeFigureOut">
+              <a:rPr lang="en-US" smtClean="0"/>
+              <a:t>11/7/2018</a:t>
+            </a:fld>
+            <a:endParaRPr lang="en-US"/>
+          </a:p>
+        </p:txBody>
+      </p:sp>
+      <p:sp>
+        <p:nvSpPr>
+          <p:cNvPr id="6" name="Footer Placeholder 5"/>
+          <p:cNvSpPr>
+            <a:spLocks noGrp="1"/>
+          </p:cNvSpPr>
+          <p:nvPr>
+            <p:ph type="ftr" sz="quarter" idx="11"/>
+          </p:nvPr>
+        </p:nvSpPr>
+        <p:spPr/>
+        <p:txBody>
+          <a:bodyPr/>
+          <a:lstStyle/>
+          <a:p>
+            <a:endParaRPr lang="en-US"/>
+          </a:p>
+        </p:txBody>
+      </p:sp>
+      <p:sp>
+        <p:nvSpPr>
+          <p:cNvPr id="7" name="Slide Number Placeholder 6"/>
+          <p:cNvSpPr>
+            <a:spLocks noGrp="1"/>
+          </p:cNvSpPr>
+          <p:nvPr>
+            <p:ph type="sldNum" sz="quarter" idx="12"/>
+          </p:nvPr>
+        </p:nvSpPr>
+        <p:spPr/>
+        <p:txBody>
+          <a:bodyPr/>
+          <a:lstStyle/>
+          <a:p>
+            <a:fld id="{0D9F955C-96BA-498A-86A3-9D6D5D1B37D7}" type="slidenum">
+              <a:rPr lang="en-US" smtClean="0"/>
+              <a:t>‹#›</a:t>
+            </a:fld>
+            <a:endParaRPr lang="en-US"/>
+          </a:p>
+        </p:txBody>
+      </p:sp>
+    </p:spTree>
+    <p:extLst>
+      <p:ext uri="{BB962C8B-B14F-4D97-AF65-F5344CB8AC3E}">
+        <p14:creationId xmlns:p14="http://schemas.microsoft.com/office/powerpoint/2010/main" val="1002611537"/>
+      </p:ext>
+    </p:extLst>
+  </p:cSld>
+  <p:clrMapOvr>
+    <a:masterClrMapping/>
+  </p:clrMapOvr>
+</p:sldLayout>
+</file>
+
+<file path=ppt/slideLayouts/slideLayout14.xml><?xml version="1.0" encoding="utf-8"?>
+<p:sldLayout xmlns:a="http://schemas.openxmlformats.org/drawingml/2006/main" xmlns:r="http://schemas.openxmlformats.org/officeDocument/2006/relationships" xmlns:p="http://schemas.openxmlformats.org/presentationml/2006/main" preserve="1">
+  <p:cSld name="3 Column">
+    <p:spTree>
+      <p:nvGrpSpPr>
+        <p:cNvPr id="1" name=""/>
+        <p:cNvGrpSpPr/>
+        <p:nvPr/>
+      </p:nvGrpSpPr>
+      <p:grpSpPr>
+        <a:xfrm>
+          <a:off x="0" y="0"/>
+          <a:ext cx="0" cy="0"/>
+          <a:chOff x="0" y="0"/>
+          <a:chExt cx="0" cy="0"/>
+        </a:xfrm>
+      </p:grpSpPr>
+      <p:sp>
+        <p:nvSpPr>
+          <p:cNvPr id="15" name="Title 1"/>
+          <p:cNvSpPr>
+            <a:spLocks noGrp="1"/>
+          </p:cNvSpPr>
+          <p:nvPr>
+            <p:ph type="title"/>
+          </p:nvPr>
+        </p:nvSpPr>
+        <p:spPr>
+          <a:xfrm>
+            <a:off x="913795" y="609600"/>
+            <a:ext cx="10353762" cy="970450"/>
+          </a:xfrm>
+        </p:spPr>
+        <p:txBody>
+          <a:bodyPr/>
+          <a:lstStyle/>
+          <a:p>
+            <a:r>
+              <a:rPr lang="en-US"/>
+              <a:t>Click to edit Master title style</a:t>
+            </a:r>
+            <a:endParaRPr lang="en-US" dirty="0"/>
+          </a:p>
+        </p:txBody>
+      </p:sp>
+      <p:sp>
+        <p:nvSpPr>
+          <p:cNvPr id="7" name="Text Placeholder 2"/>
+          <p:cNvSpPr>
+            <a:spLocks noGrp="1"/>
+          </p:cNvSpPr>
+          <p:nvPr>
+            <p:ph type="body" idx="1"/>
+          </p:nvPr>
+        </p:nvSpPr>
+        <p:spPr>
+          <a:xfrm>
+            <a:off x="913795" y="1885950"/>
+            <a:ext cx="3300984" cy="576262"/>
+          </a:xfrm>
+        </p:spPr>
+        <p:txBody>
+          <a:bodyPr anchor="b">
+            <a:noAutofit/>
+          </a:bodyPr>
+          <a:lstStyle>
+            <a:lvl1pPr marL="0" indent="0" algn="ctr">
+              <a:buNone/>
+              <a:defRPr sz="2400" b="0">
+                <a:solidFill>
+                  <a:schemeClr val="tx1"/>
+                </a:solidFill>
+              </a:defRPr>
+            </a:lvl1pPr>
+            <a:lvl2pPr marL="457200" indent="0">
+              <a:buNone/>
+              <a:defRPr sz="2000" b="1"/>
+            </a:lvl2pPr>
+            <a:lvl3pPr marL="914400" indent="0">
+              <a:buNone/>
+              <a:defRPr sz="1800" b="1"/>
+            </a:lvl3pPr>
+            <a:lvl4pPr marL="1371600" indent="0">
+              <a:buNone/>
+              <a:defRPr sz="1600" b="1"/>
+            </a:lvl4pPr>
+            <a:lvl5pPr marL="1828800" indent="0">
+              <a:buNone/>
+              <a:defRPr sz="1600" b="1"/>
+            </a:lvl5pPr>
+            <a:lvl6pPr marL="2286000" indent="0">
+              <a:buNone/>
+              <a:defRPr sz="1600" b="1"/>
+            </a:lvl6pPr>
+            <a:lvl7pPr marL="2743200" indent="0">
+              <a:buNone/>
+              <a:defRPr sz="1600" b="1"/>
+            </a:lvl7pPr>
+            <a:lvl8pPr marL="3200400" indent="0">
+              <a:buNone/>
+              <a:defRPr sz="1600" b="1"/>
+            </a:lvl8pPr>
+            <a:lvl9pPr marL="3657600" indent="0">
+              <a:buNone/>
+              <a:defRPr sz="1600" b="1"/>
+            </a:lvl9pPr>
+          </a:lstStyle>
+          <a:p>
+            <a:pPr lvl="0"/>
+            <a:r>
+              <a:rPr lang="en-US"/>
+              <a:t>Edit Master text styles</a:t>
+            </a:r>
+          </a:p>
+        </p:txBody>
+      </p:sp>
+      <p:sp>
+        <p:nvSpPr>
+          <p:cNvPr id="8" name="Text Placeholder 3"/>
+          <p:cNvSpPr>
+            <a:spLocks noGrp="1"/>
+          </p:cNvSpPr>
+          <p:nvPr>
+            <p:ph type="body" sz="half" idx="15"/>
+          </p:nvPr>
+        </p:nvSpPr>
+        <p:spPr>
+          <a:xfrm>
+            <a:off x="913795" y="2571750"/>
+            <a:ext cx="3300984" cy="3219450"/>
+          </a:xfrm>
+        </p:spPr>
+        <p:txBody>
+          <a:bodyPr anchor="t">
+            <a:normAutofit/>
+          </a:bodyPr>
+          <a:lstStyle>
+            <a:lvl1pPr marL="0" indent="0" algn="ctr">
+              <a:buNone/>
+              <a:defRPr sz="1400"/>
+            </a:lvl1pPr>
+            <a:lvl2pPr marL="457200" indent="0">
+              <a:buNone/>
+              <a:defRPr sz="1200"/>
+            </a:lvl2pPr>
+            <a:lvl3pPr marL="914400" indent="0">
+              <a:buNone/>
+              <a:defRPr sz="1000"/>
+            </a:lvl3pPr>
+            <a:lvl4pPr marL="1371600" indent="0">
+              <a:buNone/>
+              <a:defRPr sz="900"/>
+            </a:lvl4pPr>
+            <a:lvl5pPr marL="1828800" indent="0">
+              <a:buNone/>
+              <a:defRPr sz="900"/>
+            </a:lvl5pPr>
+            <a:lvl6pPr marL="2286000" indent="0">
+              <a:buNone/>
+              <a:defRPr sz="900"/>
+            </a:lvl6pPr>
+            <a:lvl7pPr marL="2743200" indent="0">
+              <a:buNone/>
+              <a:defRPr sz="900"/>
+            </a:lvl7pPr>
+            <a:lvl8pPr marL="3200400" indent="0">
+              <a:buNone/>
+              <a:defRPr sz="900"/>
+            </a:lvl8pPr>
+            <a:lvl9pPr marL="3657600" indent="0">
+              <a:buNone/>
+              <a:defRPr sz="900"/>
+            </a:lvl9pPr>
+          </a:lstStyle>
+          <a:p>
+            <a:pPr lvl="0"/>
+            <a:r>
+              <a:rPr lang="en-US"/>
+              <a:t>Edit Master text styles</a:t>
+            </a:r>
+          </a:p>
+        </p:txBody>
+      </p:sp>
+      <p:sp>
+        <p:nvSpPr>
+          <p:cNvPr id="9" name="Text Placeholder 4"/>
+          <p:cNvSpPr>
+            <a:spLocks noGrp="1"/>
+          </p:cNvSpPr>
+          <p:nvPr>
+            <p:ph type="body" sz="quarter" idx="3"/>
+          </p:nvPr>
+        </p:nvSpPr>
+        <p:spPr>
+          <a:xfrm>
+            <a:off x="4446711" y="1885950"/>
+            <a:ext cx="3300984" cy="576262"/>
+          </a:xfrm>
+        </p:spPr>
+        <p:txBody>
+          <a:bodyPr anchor="b">
+            <a:noAutofit/>
+          </a:bodyPr>
+          <a:lstStyle>
+            <a:lvl1pPr marL="0" indent="0" algn="ctr">
+              <a:buNone/>
+              <a:defRPr sz="2400" b="0">
+                <a:solidFill>
+                  <a:schemeClr val="tx1"/>
+                </a:solidFill>
+              </a:defRPr>
+            </a:lvl1pPr>
+            <a:lvl2pPr marL="457200" indent="0">
+              <a:buNone/>
+              <a:defRPr sz="2000" b="1"/>
+            </a:lvl2pPr>
+            <a:lvl3pPr marL="914400" indent="0">
+              <a:buNone/>
+              <a:defRPr sz="1800" b="1"/>
+            </a:lvl3pPr>
+            <a:lvl4pPr marL="1371600" indent="0">
+              <a:buNone/>
+              <a:defRPr sz="1600" b="1"/>
+            </a:lvl4pPr>
+            <a:lvl5pPr marL="1828800" indent="0">
+              <a:buNone/>
+              <a:defRPr sz="1600" b="1"/>
+            </a:lvl5pPr>
+            <a:lvl6pPr marL="2286000" indent="0">
+              <a:buNone/>
+              <a:defRPr sz="1600" b="1"/>
+            </a:lvl6pPr>
+            <a:lvl7pPr marL="2743200" indent="0">
+              <a:buNone/>
+              <a:defRPr sz="1600" b="1"/>
+            </a:lvl7pPr>
+            <a:lvl8pPr marL="3200400" indent="0">
+              <a:buNone/>
+              <a:defRPr sz="1600" b="1"/>
+            </a:lvl8pPr>
+            <a:lvl9pPr marL="3657600" indent="0">
+              <a:buNone/>
+              <a:defRPr sz="1600" b="1"/>
+            </a:lvl9pPr>
+          </a:lstStyle>
+          <a:p>
+            <a:pPr lvl="0"/>
+            <a:r>
+              <a:rPr lang="en-US"/>
+              <a:t>Edit Master text styles</a:t>
+            </a:r>
+          </a:p>
+        </p:txBody>
+      </p:sp>
+      <p:sp>
+        <p:nvSpPr>
+          <p:cNvPr id="10" name="Text Placeholder 3"/>
+          <p:cNvSpPr>
+            <a:spLocks noGrp="1"/>
+          </p:cNvSpPr>
+          <p:nvPr>
+            <p:ph type="body" sz="half" idx="16"/>
+          </p:nvPr>
+        </p:nvSpPr>
+        <p:spPr>
+          <a:xfrm>
+            <a:off x="4441435" y="2571750"/>
+            <a:ext cx="3300984" cy="3219450"/>
+          </a:xfrm>
+        </p:spPr>
+        <p:txBody>
+          <a:bodyPr anchor="t">
+            <a:normAutofit/>
+          </a:bodyPr>
+          <a:lstStyle>
+            <a:lvl1pPr marL="0" indent="0" algn="ctr">
+              <a:buNone/>
+              <a:defRPr sz="1400"/>
+            </a:lvl1pPr>
+            <a:lvl2pPr marL="457200" indent="0">
+              <a:buNone/>
+              <a:defRPr sz="1200"/>
+            </a:lvl2pPr>
+            <a:lvl3pPr marL="914400" indent="0">
+              <a:buNone/>
+              <a:defRPr sz="1000"/>
+            </a:lvl3pPr>
+            <a:lvl4pPr marL="1371600" indent="0">
+              <a:buNone/>
+              <a:defRPr sz="900"/>
+            </a:lvl4pPr>
+            <a:lvl5pPr marL="1828800" indent="0">
+              <a:buNone/>
+              <a:defRPr sz="900"/>
+            </a:lvl5pPr>
+            <a:lvl6pPr marL="2286000" indent="0">
+              <a:buNone/>
+              <a:defRPr sz="900"/>
+            </a:lvl6pPr>
+            <a:lvl7pPr marL="2743200" indent="0">
+              <a:buNone/>
+              <a:defRPr sz="900"/>
+            </a:lvl7pPr>
+            <a:lvl8pPr marL="3200400" indent="0">
+              <a:buNone/>
+              <a:defRPr sz="900"/>
+            </a:lvl8pPr>
+            <a:lvl9pPr marL="3657600" indent="0">
+              <a:buNone/>
+              <a:defRPr sz="900"/>
+            </a:lvl9pPr>
+          </a:lstStyle>
+          <a:p>
+            <a:pPr lvl="0"/>
+            <a:r>
+              <a:rPr lang="en-US"/>
+              <a:t>Edit Master text styles</a:t>
+            </a:r>
+          </a:p>
+        </p:txBody>
+      </p:sp>
+      <p:sp>
+        <p:nvSpPr>
+          <p:cNvPr id="11" name="Text Placeholder 4"/>
+          <p:cNvSpPr>
+            <a:spLocks noGrp="1"/>
+          </p:cNvSpPr>
+          <p:nvPr>
+            <p:ph type="body" sz="quarter" idx="13"/>
+          </p:nvPr>
+        </p:nvSpPr>
+        <p:spPr>
+          <a:xfrm>
+            <a:off x="7966572" y="1885950"/>
+            <a:ext cx="3300984" cy="576262"/>
+          </a:xfrm>
+        </p:spPr>
+        <p:txBody>
+          <a:bodyPr anchor="b">
+            <a:noAutofit/>
+          </a:bodyPr>
+          <a:lstStyle>
+            <a:lvl1pPr marL="0" indent="0" algn="ctr">
+              <a:buNone/>
+              <a:defRPr sz="2400" b="0">
+                <a:solidFill>
+                  <a:schemeClr val="tx1"/>
+                </a:solidFill>
+              </a:defRPr>
+            </a:lvl1pPr>
+            <a:lvl2pPr marL="457200" indent="0">
+              <a:buNone/>
+              <a:defRPr sz="2000" b="1"/>
+            </a:lvl2pPr>
+            <a:lvl3pPr marL="914400" indent="0">
+              <a:buNone/>
+              <a:defRPr sz="1800" b="1"/>
+            </a:lvl3pPr>
+            <a:lvl4pPr marL="1371600" indent="0">
+              <a:buNone/>
+              <a:defRPr sz="1600" b="1"/>
+            </a:lvl4pPr>
+            <a:lvl5pPr marL="1828800" indent="0">
+              <a:buNone/>
+              <a:defRPr sz="1600" b="1"/>
+            </a:lvl5pPr>
+            <a:lvl6pPr marL="2286000" indent="0">
+              <a:buNone/>
+              <a:defRPr sz="1600" b="1"/>
+            </a:lvl6pPr>
+            <a:lvl7pPr marL="2743200" indent="0">
+              <a:buNone/>
+              <a:defRPr sz="1600" b="1"/>
+            </a:lvl7pPr>
+            <a:lvl8pPr marL="3200400" indent="0">
+              <a:buNone/>
+              <a:defRPr sz="1600" b="1"/>
+            </a:lvl8pPr>
+            <a:lvl9pPr marL="3657600" indent="0">
+              <a:buNone/>
+              <a:defRPr sz="1600" b="1"/>
+            </a:lvl9pPr>
+          </a:lstStyle>
+          <a:p>
+            <a:pPr lvl="0"/>
+            <a:r>
+              <a:rPr lang="en-US"/>
+              <a:t>Edit Master text styles</a:t>
+            </a:r>
+          </a:p>
+        </p:txBody>
+      </p:sp>
+      <p:sp>
+        <p:nvSpPr>
+          <p:cNvPr id="12" name="Text Placeholder 3"/>
+          <p:cNvSpPr>
+            <a:spLocks noGrp="1"/>
+          </p:cNvSpPr>
+          <p:nvPr>
+            <p:ph type="body" sz="half" idx="17"/>
+          </p:nvPr>
+        </p:nvSpPr>
+        <p:spPr>
+          <a:xfrm>
+            <a:off x="7966572" y="2571750"/>
+            <a:ext cx="3300984" cy="3219450"/>
+          </a:xfrm>
+        </p:spPr>
+        <p:txBody>
+          <a:bodyPr anchor="t">
+            <a:normAutofit/>
+          </a:bodyPr>
+          <a:lstStyle>
+            <a:lvl1pPr marL="0" indent="0" algn="ctr">
+              <a:buNone/>
+              <a:defRPr sz="1400"/>
+            </a:lvl1pPr>
+            <a:lvl2pPr marL="457200" indent="0">
+              <a:buNone/>
+              <a:defRPr sz="1200"/>
+            </a:lvl2pPr>
+            <a:lvl3pPr marL="914400" indent="0">
+              <a:buNone/>
+              <a:defRPr sz="1000"/>
+            </a:lvl3pPr>
+            <a:lvl4pPr marL="1371600" indent="0">
+              <a:buNone/>
+              <a:defRPr sz="900"/>
+            </a:lvl4pPr>
+            <a:lvl5pPr marL="1828800" indent="0">
+              <a:buNone/>
+              <a:defRPr sz="900"/>
+            </a:lvl5pPr>
+            <a:lvl6pPr marL="2286000" indent="0">
+              <a:buNone/>
+              <a:defRPr sz="900"/>
+            </a:lvl6pPr>
+            <a:lvl7pPr marL="2743200" indent="0">
+              <a:buNone/>
+              <a:defRPr sz="900"/>
+            </a:lvl7pPr>
+            <a:lvl8pPr marL="3200400" indent="0">
+              <a:buNone/>
+              <a:defRPr sz="900"/>
+            </a:lvl8pPr>
+            <a:lvl9pPr marL="3657600" indent="0">
+              <a:buNone/>
+              <a:defRPr sz="900"/>
+            </a:lvl9pPr>
+          </a:lstStyle>
+          <a:p>
+            <a:pPr lvl="0"/>
+            <a:r>
+              <a:rPr lang="en-US"/>
+              <a:t>Edit Master text styles</a:t>
+            </a:r>
+          </a:p>
+        </p:txBody>
+      </p:sp>
+      <p:sp>
+        <p:nvSpPr>
+          <p:cNvPr id="3" name="Date Placeholder 2"/>
+          <p:cNvSpPr>
+            <a:spLocks noGrp="1"/>
+          </p:cNvSpPr>
+          <p:nvPr>
+            <p:ph type="dt" sz="half" idx="10"/>
+          </p:nvPr>
+        </p:nvSpPr>
+        <p:spPr/>
+        <p:txBody>
+          <a:bodyPr/>
+          <a:lstStyle/>
+          <a:p>
+            <a:fld id="{968F8B48-9EEB-4E1A-AB61-E86E4E194647}" type="datetimeFigureOut">
+              <a:rPr lang="en-US" smtClean="0"/>
+              <a:t>11/7/2018</a:t>
+            </a:fld>
+            <a:endParaRPr lang="en-US"/>
+          </a:p>
+        </p:txBody>
+      </p:sp>
+      <p:sp>
+        <p:nvSpPr>
+          <p:cNvPr id="4" name="Footer Placeholder 3"/>
+          <p:cNvSpPr>
+            <a:spLocks noGrp="1"/>
+          </p:cNvSpPr>
+          <p:nvPr>
+            <p:ph type="ftr" sz="quarter" idx="11"/>
+          </p:nvPr>
+        </p:nvSpPr>
+        <p:spPr/>
+        <p:txBody>
+          <a:bodyPr/>
+          <a:lstStyle/>
+          <a:p>
+            <a:endParaRPr lang="en-US"/>
+          </a:p>
+        </p:txBody>
+      </p:sp>
+      <p:sp>
+        <p:nvSpPr>
+          <p:cNvPr id="5" name="Slide Number Placeholder 4"/>
+          <p:cNvSpPr>
+            <a:spLocks noGrp="1"/>
+          </p:cNvSpPr>
+          <p:nvPr>
+            <p:ph type="sldNum" sz="quarter" idx="12"/>
+          </p:nvPr>
+        </p:nvSpPr>
+        <p:spPr/>
+        <p:txBody>
+          <a:bodyPr/>
+          <a:lstStyle/>
+          <a:p>
+            <a:fld id="{0D9F955C-96BA-498A-86A3-9D6D5D1B37D7}" type="slidenum">
+              <a:rPr lang="en-US" smtClean="0"/>
+              <a:t>‹#›</a:t>
+            </a:fld>
+            <a:endParaRPr lang="en-US"/>
+          </a:p>
+        </p:txBody>
+      </p:sp>
+    </p:spTree>
+    <p:extLst>
+      <p:ext uri="{BB962C8B-B14F-4D97-AF65-F5344CB8AC3E}">
+        <p14:creationId xmlns:p14="http://schemas.microsoft.com/office/powerpoint/2010/main" val="3928717698"/>
+      </p:ext>
+    </p:extLst>
+  </p:cSld>
+  <p:clrMapOvr>
+    <a:masterClrMapping/>
+  </p:clrMapOvr>
+</p:sldLayout>
+</file>
+
+<file path=ppt/slideLayouts/slideLayout15.xml><?xml version="1.0" encoding="utf-8"?>
+<p:sldLayout xmlns:a="http://schemas.openxmlformats.org/drawingml/2006/main" xmlns:r="http://schemas.openxmlformats.org/officeDocument/2006/relationships" xmlns:p="http://schemas.openxmlformats.org/presentationml/2006/main" preserve="1">
+  <p:cSld name="3 Picture Column">
+    <p:spTree>
+      <p:nvGrpSpPr>
+        <p:cNvPr id="1" name=""/>
+        <p:cNvGrpSpPr/>
+        <p:nvPr/>
+      </p:nvGrpSpPr>
+      <p:grpSpPr>
+        <a:xfrm>
+          <a:off x="0" y="0"/>
+          <a:ext cx="0" cy="0"/>
+          <a:chOff x="0" y="0"/>
+          <a:chExt cx="0" cy="0"/>
+        </a:xfrm>
+      </p:grpSpPr>
+      <p:pic>
+        <p:nvPicPr>
+          <p:cNvPr id="2" name="Picture 1" descr="Slate-V2-HD-3colPhotoInset.png"/>
+          <p:cNvPicPr>
+            <a:picLocks noChangeAspect="1"/>
+          </p:cNvPicPr>
+          <p:nvPr/>
+        </p:nvPicPr>
+        <p:blipFill>
+          <a:blip r:embed="rId2">
+            <a:extLst>
+              <a:ext uri="{28A0092B-C50C-407E-A947-70E740481C1C}">
+                <a14:useLocalDpi xmlns:a14="http://schemas.microsoft.com/office/drawing/2010/main" val="0"/>
+              </a:ext>
+            </a:extLst>
+          </a:blip>
+          <a:stretch>
+            <a:fillRect/>
+          </a:stretch>
+        </p:blipFill>
+        <p:spPr>
+          <a:xfrm>
+            <a:off x="897962" y="1818214"/>
+            <a:ext cx="3339972" cy="1847851"/>
+          </a:xfrm>
+          <a:prstGeom prst="rect">
+            <a:avLst/>
+          </a:prstGeom>
+        </p:spPr>
+      </p:pic>
+      <p:pic>
+        <p:nvPicPr>
+          <p:cNvPr id="36" name="Picture 35" descr="Slate-V2-HD-3colPhotoInset.png"/>
+          <p:cNvPicPr>
+            <a:picLocks noChangeAspect="1"/>
+          </p:cNvPicPr>
+          <p:nvPr/>
+        </p:nvPicPr>
+        <p:blipFill>
+          <a:blip r:embed="rId2">
+            <a:extLst>
+              <a:ext uri="{28A0092B-C50C-407E-A947-70E740481C1C}">
+                <a14:useLocalDpi xmlns:a14="http://schemas.microsoft.com/office/drawing/2010/main" val="0"/>
+              </a:ext>
+            </a:extLst>
+          </a:blip>
+          <a:stretch>
+            <a:fillRect/>
+          </a:stretch>
+        </p:blipFill>
+        <p:spPr>
+          <a:xfrm>
+            <a:off x="4403800" y="1818214"/>
+            <a:ext cx="3339972" cy="1847851"/>
+          </a:xfrm>
+          <a:prstGeom prst="rect">
+            <a:avLst/>
+          </a:prstGeom>
+        </p:spPr>
+      </p:pic>
+      <p:pic>
+        <p:nvPicPr>
+          <p:cNvPr id="37" name="Picture 36" descr="Slate-V2-HD-3colPhotoInset.png"/>
+          <p:cNvPicPr>
+            <a:picLocks noChangeAspect="1"/>
+          </p:cNvPicPr>
+          <p:nvPr/>
+        </p:nvPicPr>
+        <p:blipFill>
+          <a:blip r:embed="rId2">
+            <a:extLst>
+              <a:ext uri="{28A0092B-C50C-407E-A947-70E740481C1C}">
+                <a14:useLocalDpi xmlns:a14="http://schemas.microsoft.com/office/drawing/2010/main" val="0"/>
+              </a:ext>
+            </a:extLst>
+          </a:blip>
+          <a:stretch>
+            <a:fillRect/>
+          </a:stretch>
+        </p:blipFill>
+        <p:spPr>
+          <a:xfrm>
+            <a:off x="7936051" y="1818214"/>
+            <a:ext cx="3339972" cy="1847851"/>
+          </a:xfrm>
+          <a:prstGeom prst="rect">
+            <a:avLst/>
+          </a:prstGeom>
+        </p:spPr>
+      </p:pic>
+      <p:sp>
+        <p:nvSpPr>
+          <p:cNvPr id="30" name="Title 1"/>
+          <p:cNvSpPr>
+            <a:spLocks noGrp="1"/>
+          </p:cNvSpPr>
+          <p:nvPr>
+            <p:ph type="title"/>
+          </p:nvPr>
+        </p:nvSpPr>
+        <p:spPr>
+          <a:xfrm>
+            <a:off x="913794" y="609600"/>
+            <a:ext cx="10353763" cy="970450"/>
+          </a:xfrm>
+        </p:spPr>
+        <p:txBody>
+          <a:bodyPr/>
+          <a:lstStyle/>
+          <a:p>
+            <a:r>
+              <a:rPr lang="en-US"/>
+              <a:t>Click to edit Master title style</a:t>
+            </a:r>
+            <a:endParaRPr lang="en-US" dirty="0"/>
+          </a:p>
+        </p:txBody>
+      </p:sp>
+      <p:sp>
+        <p:nvSpPr>
+          <p:cNvPr id="19" name="Text Placeholder 2"/>
+          <p:cNvSpPr>
+            <a:spLocks noGrp="1"/>
+          </p:cNvSpPr>
+          <p:nvPr>
+            <p:ph type="body" idx="1"/>
+          </p:nvPr>
+        </p:nvSpPr>
+        <p:spPr>
+          <a:xfrm>
+            <a:off x="913795" y="3904106"/>
+            <a:ext cx="3300984" cy="576262"/>
+          </a:xfrm>
+        </p:spPr>
+        <p:txBody>
+          <a:bodyPr anchor="b">
+            <a:noAutofit/>
+          </a:bodyPr>
+          <a:lstStyle>
+            <a:lvl1pPr marL="0" indent="0" algn="ctr">
+              <a:buNone/>
+              <a:defRPr sz="2000" b="0">
+                <a:solidFill>
+                  <a:schemeClr val="tx1"/>
+                </a:solidFill>
+              </a:defRPr>
+            </a:lvl1pPr>
+            <a:lvl2pPr marL="457200" indent="0">
+              <a:buNone/>
+              <a:defRPr sz="2000" b="1"/>
+            </a:lvl2pPr>
+            <a:lvl3pPr marL="914400" indent="0">
+              <a:buNone/>
+              <a:defRPr sz="1800" b="1"/>
+            </a:lvl3pPr>
+            <a:lvl4pPr marL="1371600" indent="0">
+              <a:buNone/>
+              <a:defRPr sz="1600" b="1"/>
+            </a:lvl4pPr>
+            <a:lvl5pPr marL="1828800" indent="0">
+              <a:buNone/>
+              <a:defRPr sz="1600" b="1"/>
+            </a:lvl5pPr>
+            <a:lvl6pPr marL="2286000" indent="0">
+              <a:buNone/>
+              <a:defRPr sz="1600" b="1"/>
+            </a:lvl6pPr>
+            <a:lvl7pPr marL="2743200" indent="0">
+              <a:buNone/>
+              <a:defRPr sz="1600" b="1"/>
+            </a:lvl7pPr>
+            <a:lvl8pPr marL="3200400" indent="0">
+              <a:buNone/>
+              <a:defRPr sz="1600" b="1"/>
+            </a:lvl8pPr>
+            <a:lvl9pPr marL="3657600" indent="0">
+              <a:buNone/>
+              <a:defRPr sz="1600" b="1"/>
+            </a:lvl9pPr>
+          </a:lstStyle>
+          <a:p>
+            <a:pPr lvl="0"/>
+            <a:r>
+              <a:rPr lang="en-US"/>
+              <a:t>Edit Master text styles</a:t>
+            </a:r>
+          </a:p>
+        </p:txBody>
+      </p:sp>
+      <p:sp>
+        <p:nvSpPr>
+          <p:cNvPr id="20" name="Picture Placeholder 2"/>
+          <p:cNvSpPr>
+            <a:spLocks noGrp="1" noChangeAspect="1"/>
+          </p:cNvSpPr>
+          <p:nvPr>
+            <p:ph type="pic" idx="15"/>
+          </p:nvPr>
+        </p:nvSpPr>
+        <p:spPr>
+          <a:xfrm>
+            <a:off x="1018102" y="1938918"/>
+            <a:ext cx="3092368" cy="1602954"/>
+          </a:xfrm>
+          <a:prstGeom prst="roundRect">
+            <a:avLst>
+              <a:gd name="adj" fmla="val 1858"/>
+            </a:avLst>
+          </a:prstGeom>
+          <a:effectLst>
+            <a:outerShdw blurRad="38100" dist="25400" dir="4440000">
+              <a:srgbClr val="000000">
+                <a:alpha val="36000"/>
+              </a:srgbClr>
+            </a:outerShdw>
+          </a:effectLst>
+        </p:spPr>
+        <p:txBody>
+          <a:bodyPr anchor="t">
+            <a:normAutofit/>
+          </a:bodyPr>
+          <a:lstStyle>
+            <a:lvl1pPr marL="0" indent="0" algn="ctr">
+              <a:buNone/>
+              <a:defRPr sz="1600"/>
+            </a:lvl1pPr>
+            <a:lvl2pPr marL="457200" indent="0">
+              <a:buNone/>
+              <a:defRPr sz="1600"/>
+            </a:lvl2pPr>
+            <a:lvl3pPr marL="914400" indent="0">
+              <a:buNone/>
+              <a:defRPr sz="1600"/>
+            </a:lvl3pPr>
+            <a:lvl4pPr marL="1371600" indent="0">
+              <a:buNone/>
+              <a:defRPr sz="1600"/>
+            </a:lvl4pPr>
+            <a:lvl5pPr marL="1828800" indent="0">
+              <a:buNone/>
+              <a:defRPr sz="1600"/>
+            </a:lvl5pPr>
+            <a:lvl6pPr marL="2286000" indent="0">
+              <a:buNone/>
+              <a:defRPr sz="1600"/>
+            </a:lvl6pPr>
+            <a:lvl7pPr marL="2743200" indent="0">
+              <a:buNone/>
+              <a:defRPr sz="1600"/>
+            </a:lvl7pPr>
+            <a:lvl8pPr marL="3200400" indent="0">
+              <a:buNone/>
+              <a:defRPr sz="1600"/>
+            </a:lvl8pPr>
+            <a:lvl9pPr marL="3657600" indent="0">
+              <a:buNone/>
+              <a:defRPr sz="1600"/>
+            </a:lvl9pPr>
+          </a:lstStyle>
+          <a:p>
+            <a:r>
+              <a:rPr lang="en-US"/>
+              <a:t>Click icon to add picture</a:t>
+            </a:r>
+            <a:endParaRPr lang="en-US" dirty="0"/>
+          </a:p>
+        </p:txBody>
+      </p:sp>
+      <p:sp>
+        <p:nvSpPr>
+          <p:cNvPr id="21" name="Text Placeholder 3"/>
+          <p:cNvSpPr>
+            <a:spLocks noGrp="1"/>
+          </p:cNvSpPr>
+          <p:nvPr>
+            <p:ph type="body" sz="half" idx="18"/>
+          </p:nvPr>
+        </p:nvSpPr>
+        <p:spPr>
+          <a:xfrm>
+            <a:off x="913795" y="4480368"/>
+            <a:ext cx="3300984" cy="1310833"/>
+          </a:xfrm>
+        </p:spPr>
+        <p:txBody>
+          <a:bodyPr anchor="t">
+            <a:normAutofit/>
+          </a:bodyPr>
+          <a:lstStyle>
+            <a:lvl1pPr marL="0" indent="0" algn="ctr">
+              <a:buNone/>
+              <a:defRPr sz="1400"/>
+            </a:lvl1pPr>
+            <a:lvl2pPr marL="457200" indent="0">
+              <a:buNone/>
+              <a:defRPr sz="1200"/>
+            </a:lvl2pPr>
+            <a:lvl3pPr marL="914400" indent="0">
+              <a:buNone/>
+              <a:defRPr sz="1000"/>
+            </a:lvl3pPr>
+            <a:lvl4pPr marL="1371600" indent="0">
+              <a:buNone/>
+              <a:defRPr sz="900"/>
+            </a:lvl4pPr>
+            <a:lvl5pPr marL="1828800" indent="0">
+              <a:buNone/>
+              <a:defRPr sz="900"/>
+            </a:lvl5pPr>
+            <a:lvl6pPr marL="2286000" indent="0">
+              <a:buNone/>
+              <a:defRPr sz="900"/>
+            </a:lvl6pPr>
+            <a:lvl7pPr marL="2743200" indent="0">
+              <a:buNone/>
+              <a:defRPr sz="900"/>
+            </a:lvl7pPr>
+            <a:lvl8pPr marL="3200400" indent="0">
+              <a:buNone/>
+              <a:defRPr sz="900"/>
+            </a:lvl8pPr>
+            <a:lvl9pPr marL="3657600" indent="0">
+              <a:buNone/>
+              <a:defRPr sz="900"/>
+            </a:lvl9pPr>
+          </a:lstStyle>
+          <a:p>
+            <a:pPr lvl="0"/>
+            <a:r>
+              <a:rPr lang="en-US"/>
+              <a:t>Edit Master text styles</a:t>
+            </a:r>
+          </a:p>
+        </p:txBody>
+      </p:sp>
+      <p:sp>
+        <p:nvSpPr>
+          <p:cNvPr id="22" name="Text Placeholder 4"/>
+          <p:cNvSpPr>
+            <a:spLocks noGrp="1"/>
+          </p:cNvSpPr>
+          <p:nvPr>
+            <p:ph type="body" sz="quarter" idx="3"/>
+          </p:nvPr>
+        </p:nvSpPr>
+        <p:spPr>
+          <a:xfrm>
+            <a:off x="4442788" y="3904106"/>
+            <a:ext cx="3300984" cy="576262"/>
+          </a:xfrm>
+        </p:spPr>
+        <p:txBody>
+          <a:bodyPr anchor="b">
+            <a:noAutofit/>
+          </a:bodyPr>
+          <a:lstStyle>
+            <a:lvl1pPr marL="0" indent="0" algn="ctr">
+              <a:buNone/>
+              <a:defRPr sz="2000" b="0">
+                <a:solidFill>
+                  <a:schemeClr val="tx1"/>
+                </a:solidFill>
+              </a:defRPr>
+            </a:lvl1pPr>
+            <a:lvl2pPr marL="457200" indent="0">
+              <a:buNone/>
+              <a:defRPr sz="2000" b="1"/>
+            </a:lvl2pPr>
+            <a:lvl3pPr marL="914400" indent="0">
+              <a:buNone/>
+              <a:defRPr sz="1800" b="1"/>
+            </a:lvl3pPr>
+            <a:lvl4pPr marL="1371600" indent="0">
+              <a:buNone/>
+              <a:defRPr sz="1600" b="1"/>
+            </a:lvl4pPr>
+            <a:lvl5pPr marL="1828800" indent="0">
+              <a:buNone/>
+              <a:defRPr sz="1600" b="1"/>
+            </a:lvl5pPr>
+            <a:lvl6pPr marL="2286000" indent="0">
+              <a:buNone/>
+              <a:defRPr sz="1600" b="1"/>
+            </a:lvl6pPr>
+            <a:lvl7pPr marL="2743200" indent="0">
+              <a:buNone/>
+              <a:defRPr sz="1600" b="1"/>
+            </a:lvl7pPr>
+            <a:lvl8pPr marL="3200400" indent="0">
+              <a:buNone/>
+              <a:defRPr sz="1600" b="1"/>
+            </a:lvl8pPr>
+            <a:lvl9pPr marL="3657600" indent="0">
+              <a:buNone/>
+              <a:defRPr sz="1600" b="1"/>
+            </a:lvl9pPr>
+          </a:lstStyle>
+          <a:p>
+            <a:pPr lvl="0"/>
+            <a:r>
+              <a:rPr lang="en-US"/>
+              <a:t>Edit Master text styles</a:t>
+            </a:r>
+          </a:p>
+        </p:txBody>
+      </p:sp>
+      <p:sp>
+        <p:nvSpPr>
+          <p:cNvPr id="23" name="Picture Placeholder 2"/>
+          <p:cNvSpPr>
+            <a:spLocks noGrp="1" noChangeAspect="1"/>
+          </p:cNvSpPr>
+          <p:nvPr>
+            <p:ph type="pic" idx="21"/>
+          </p:nvPr>
+        </p:nvSpPr>
+        <p:spPr>
+          <a:xfrm>
+            <a:off x="4545743" y="1939094"/>
+            <a:ext cx="3092368" cy="1608164"/>
+          </a:xfrm>
+          <a:prstGeom prst="roundRect">
+            <a:avLst>
+              <a:gd name="adj" fmla="val 1858"/>
+            </a:avLst>
+          </a:prstGeom>
+          <a:effectLst>
+            <a:outerShdw blurRad="38100" dist="25400" dir="4440000">
+              <a:srgbClr val="000000">
+                <a:alpha val="36000"/>
+              </a:srgbClr>
+            </a:outerShdw>
+          </a:effectLst>
+        </p:spPr>
+        <p:txBody>
+          <a:bodyPr anchor="t">
+            <a:normAutofit/>
+          </a:bodyPr>
+          <a:lstStyle>
+            <a:lvl1pPr marL="0" indent="0" algn="ctr">
+              <a:buNone/>
+              <a:defRPr sz="1600"/>
+            </a:lvl1pPr>
+            <a:lvl2pPr marL="457200" indent="0">
+              <a:buNone/>
+              <a:defRPr sz="1600"/>
+            </a:lvl2pPr>
+            <a:lvl3pPr marL="914400" indent="0">
+              <a:buNone/>
+              <a:defRPr sz="1600"/>
+            </a:lvl3pPr>
+            <a:lvl4pPr marL="1371600" indent="0">
+              <a:buNone/>
+              <a:defRPr sz="1600"/>
+            </a:lvl4pPr>
+            <a:lvl5pPr marL="1828800" indent="0">
+              <a:buNone/>
+              <a:defRPr sz="1600"/>
+            </a:lvl5pPr>
+            <a:lvl6pPr marL="2286000" indent="0">
+              <a:buNone/>
+              <a:defRPr sz="1600"/>
+            </a:lvl6pPr>
+            <a:lvl7pPr marL="2743200" indent="0">
+              <a:buNone/>
+              <a:defRPr sz="1600"/>
+            </a:lvl7pPr>
+            <a:lvl8pPr marL="3200400" indent="0">
+              <a:buNone/>
+              <a:defRPr sz="1600"/>
+            </a:lvl8pPr>
+            <a:lvl9pPr marL="3657600" indent="0">
+              <a:buNone/>
+              <a:defRPr sz="1600"/>
+            </a:lvl9pPr>
+          </a:lstStyle>
+          <a:p>
+            <a:r>
+              <a:rPr lang="en-US"/>
+              <a:t>Click icon to add picture</a:t>
+            </a:r>
+            <a:endParaRPr lang="en-US" dirty="0"/>
+          </a:p>
+        </p:txBody>
+      </p:sp>
+      <p:sp>
+        <p:nvSpPr>
+          <p:cNvPr id="24" name="Text Placeholder 3"/>
+          <p:cNvSpPr>
+            <a:spLocks noGrp="1"/>
+          </p:cNvSpPr>
+          <p:nvPr>
+            <p:ph type="body" sz="half" idx="19"/>
+          </p:nvPr>
+        </p:nvSpPr>
+        <p:spPr>
+          <a:xfrm>
+            <a:off x="4441435" y="4480367"/>
+            <a:ext cx="3300984" cy="1310833"/>
+          </a:xfrm>
+        </p:spPr>
+        <p:txBody>
+          <a:bodyPr anchor="t">
+            <a:normAutofit/>
+          </a:bodyPr>
+          <a:lstStyle>
+            <a:lvl1pPr marL="0" indent="0" algn="ctr">
+              <a:buNone/>
+              <a:defRPr sz="1400"/>
+            </a:lvl1pPr>
+            <a:lvl2pPr marL="457200" indent="0">
+              <a:buNone/>
+              <a:defRPr sz="1200"/>
+            </a:lvl2pPr>
+            <a:lvl3pPr marL="914400" indent="0">
+              <a:buNone/>
+              <a:defRPr sz="1000"/>
+            </a:lvl3pPr>
+            <a:lvl4pPr marL="1371600" indent="0">
+              <a:buNone/>
+              <a:defRPr sz="900"/>
+            </a:lvl4pPr>
+            <a:lvl5pPr marL="1828800" indent="0">
+              <a:buNone/>
+              <a:defRPr sz="900"/>
+            </a:lvl5pPr>
+            <a:lvl6pPr marL="2286000" indent="0">
+              <a:buNone/>
+              <a:defRPr sz="900"/>
+            </a:lvl6pPr>
+            <a:lvl7pPr marL="2743200" indent="0">
+              <a:buNone/>
+              <a:defRPr sz="900"/>
+            </a:lvl7pPr>
+            <a:lvl8pPr marL="3200400" indent="0">
+              <a:buNone/>
+              <a:defRPr sz="900"/>
+            </a:lvl8pPr>
+            <a:lvl9pPr marL="3657600" indent="0">
+              <a:buNone/>
+              <a:defRPr sz="900"/>
+            </a:lvl9pPr>
+          </a:lstStyle>
+          <a:p>
+            <a:pPr lvl="0"/>
+            <a:r>
+              <a:rPr lang="en-US"/>
+              <a:t>Edit Master text styles</a:t>
+            </a:r>
+          </a:p>
+        </p:txBody>
+      </p:sp>
+      <p:sp>
+        <p:nvSpPr>
+          <p:cNvPr id="25" name="Text Placeholder 4"/>
+          <p:cNvSpPr>
+            <a:spLocks noGrp="1"/>
+          </p:cNvSpPr>
+          <p:nvPr>
+            <p:ph type="body" sz="quarter" idx="13"/>
+          </p:nvPr>
+        </p:nvSpPr>
+        <p:spPr>
+          <a:xfrm>
+            <a:off x="7966697" y="3904106"/>
+            <a:ext cx="3300984" cy="576262"/>
+          </a:xfrm>
+        </p:spPr>
+        <p:txBody>
+          <a:bodyPr anchor="b">
+            <a:noAutofit/>
+          </a:bodyPr>
+          <a:lstStyle>
+            <a:lvl1pPr marL="0" indent="0" algn="ctr">
+              <a:buNone/>
+              <a:defRPr sz="2000" b="0">
+                <a:solidFill>
+                  <a:schemeClr val="tx1"/>
+                </a:solidFill>
+              </a:defRPr>
+            </a:lvl1pPr>
+            <a:lvl2pPr marL="457200" indent="0">
+              <a:buNone/>
+              <a:defRPr sz="2000" b="1"/>
+            </a:lvl2pPr>
+            <a:lvl3pPr marL="914400" indent="0">
+              <a:buNone/>
+              <a:defRPr sz="1800" b="1"/>
+            </a:lvl3pPr>
+            <a:lvl4pPr marL="1371600" indent="0">
+              <a:buNone/>
+              <a:defRPr sz="1600" b="1"/>
+            </a:lvl4pPr>
+            <a:lvl5pPr marL="1828800" indent="0">
+              <a:buNone/>
+              <a:defRPr sz="1600" b="1"/>
+            </a:lvl5pPr>
+            <a:lvl6pPr marL="2286000" indent="0">
+              <a:buNone/>
+              <a:defRPr sz="1600" b="1"/>
+            </a:lvl6pPr>
+            <a:lvl7pPr marL="2743200" indent="0">
+              <a:buNone/>
+              <a:defRPr sz="1600" b="1"/>
+            </a:lvl7pPr>
+            <a:lvl8pPr marL="3200400" indent="0">
+              <a:buNone/>
+              <a:defRPr sz="1600" b="1"/>
+            </a:lvl8pPr>
+            <a:lvl9pPr marL="3657600" indent="0">
+              <a:buNone/>
+              <a:defRPr sz="1600" b="1"/>
+            </a:lvl9pPr>
+          </a:lstStyle>
+          <a:p>
+            <a:pPr lvl="0"/>
+            <a:r>
+              <a:rPr lang="en-US"/>
+              <a:t>Edit Master text styles</a:t>
+            </a:r>
+          </a:p>
+        </p:txBody>
+      </p:sp>
+      <p:sp>
+        <p:nvSpPr>
+          <p:cNvPr id="26" name="Picture Placeholder 2"/>
+          <p:cNvSpPr>
+            <a:spLocks noGrp="1" noChangeAspect="1"/>
+          </p:cNvSpPr>
+          <p:nvPr>
+            <p:ph type="pic" idx="22"/>
+          </p:nvPr>
+        </p:nvSpPr>
+        <p:spPr>
+          <a:xfrm>
+            <a:off x="8075698" y="1934432"/>
+            <a:ext cx="3092368" cy="1607294"/>
+          </a:xfrm>
+          <a:prstGeom prst="roundRect">
+            <a:avLst>
+              <a:gd name="adj" fmla="val 1858"/>
+            </a:avLst>
+          </a:prstGeom>
+          <a:effectLst>
+            <a:outerShdw blurRad="38100" dist="25400" dir="4440000">
+              <a:srgbClr val="000000">
+                <a:alpha val="36000"/>
+              </a:srgbClr>
+            </a:outerShdw>
+          </a:effectLst>
+        </p:spPr>
+        <p:txBody>
+          <a:bodyPr anchor="t">
+            <a:normAutofit/>
+          </a:bodyPr>
+          <a:lstStyle>
+            <a:lvl1pPr marL="0" indent="0" algn="ctr">
+              <a:buNone/>
+              <a:defRPr sz="1600"/>
+            </a:lvl1pPr>
+            <a:lvl2pPr marL="457200" indent="0">
+              <a:buNone/>
+              <a:defRPr sz="1600"/>
+            </a:lvl2pPr>
+            <a:lvl3pPr marL="914400" indent="0">
+              <a:buNone/>
+              <a:defRPr sz="1600"/>
+            </a:lvl3pPr>
+            <a:lvl4pPr marL="1371600" indent="0">
+              <a:buNone/>
+              <a:defRPr sz="1600"/>
+            </a:lvl4pPr>
+            <a:lvl5pPr marL="1828800" indent="0">
+              <a:buNone/>
+              <a:defRPr sz="1600"/>
+            </a:lvl5pPr>
+            <a:lvl6pPr marL="2286000" indent="0">
+              <a:buNone/>
+              <a:defRPr sz="1600"/>
+            </a:lvl6pPr>
+            <a:lvl7pPr marL="2743200" indent="0">
+              <a:buNone/>
+              <a:defRPr sz="1600"/>
+            </a:lvl7pPr>
+            <a:lvl8pPr marL="3200400" indent="0">
+              <a:buNone/>
+              <a:defRPr sz="1600"/>
+            </a:lvl8pPr>
+            <a:lvl9pPr marL="3657600" indent="0">
+              <a:buNone/>
+              <a:defRPr sz="1600"/>
+            </a:lvl9pPr>
+          </a:lstStyle>
+          <a:p>
+            <a:r>
+              <a:rPr lang="en-US"/>
+              <a:t>Click icon to add picture</a:t>
+            </a:r>
+            <a:endParaRPr lang="en-US" dirty="0"/>
+          </a:p>
+        </p:txBody>
+      </p:sp>
+      <p:sp>
+        <p:nvSpPr>
+          <p:cNvPr id="27" name="Text Placeholder 3"/>
+          <p:cNvSpPr>
+            <a:spLocks noGrp="1"/>
+          </p:cNvSpPr>
+          <p:nvPr>
+            <p:ph type="body" sz="half" idx="20"/>
+          </p:nvPr>
+        </p:nvSpPr>
+        <p:spPr>
+          <a:xfrm>
+            <a:off x="7966572" y="4480365"/>
+            <a:ext cx="3300984" cy="1310835"/>
+          </a:xfrm>
+        </p:spPr>
+        <p:txBody>
+          <a:bodyPr anchor="t">
+            <a:normAutofit/>
+          </a:bodyPr>
+          <a:lstStyle>
+            <a:lvl1pPr marL="0" indent="0" algn="ctr">
+              <a:buNone/>
+              <a:defRPr sz="1400"/>
+            </a:lvl1pPr>
+            <a:lvl2pPr marL="457200" indent="0">
+              <a:buNone/>
+              <a:defRPr sz="1200"/>
+            </a:lvl2pPr>
+            <a:lvl3pPr marL="914400" indent="0">
+              <a:buNone/>
+              <a:defRPr sz="1000"/>
+            </a:lvl3pPr>
+            <a:lvl4pPr marL="1371600" indent="0">
+              <a:buNone/>
+              <a:defRPr sz="900"/>
+            </a:lvl4pPr>
+            <a:lvl5pPr marL="1828800" indent="0">
+              <a:buNone/>
+              <a:defRPr sz="900"/>
+            </a:lvl5pPr>
+            <a:lvl6pPr marL="2286000" indent="0">
+              <a:buNone/>
+              <a:defRPr sz="900"/>
+            </a:lvl6pPr>
+            <a:lvl7pPr marL="2743200" indent="0">
+              <a:buNone/>
+              <a:defRPr sz="900"/>
+            </a:lvl7pPr>
+            <a:lvl8pPr marL="3200400" indent="0">
+              <a:buNone/>
+              <a:defRPr sz="900"/>
+            </a:lvl8pPr>
+            <a:lvl9pPr marL="3657600" indent="0">
+              <a:buNone/>
+              <a:defRPr sz="900"/>
+            </a:lvl9pPr>
+          </a:lstStyle>
+          <a:p>
+            <a:pPr lvl="0"/>
+            <a:r>
+              <a:rPr lang="en-US"/>
+              <a:t>Edit Master text styles</a:t>
+            </a:r>
+          </a:p>
+        </p:txBody>
+      </p:sp>
+      <p:sp>
+        <p:nvSpPr>
+          <p:cNvPr id="3" name="Date Placeholder 2"/>
+          <p:cNvSpPr>
+            <a:spLocks noGrp="1"/>
+          </p:cNvSpPr>
+          <p:nvPr>
+            <p:ph type="dt" sz="half" idx="10"/>
+          </p:nvPr>
+        </p:nvSpPr>
+        <p:spPr/>
+        <p:txBody>
+          <a:bodyPr/>
+          <a:lstStyle/>
+          <a:p>
+            <a:fld id="{968F8B48-9EEB-4E1A-AB61-E86E4E194647}" type="datetimeFigureOut">
+              <a:rPr lang="en-US" smtClean="0"/>
+              <a:t>11/7/2018</a:t>
+            </a:fld>
+            <a:endParaRPr lang="en-US"/>
+          </a:p>
+        </p:txBody>
+      </p:sp>
+      <p:sp>
+        <p:nvSpPr>
+          <p:cNvPr id="4" name="Footer Placeholder 3"/>
+          <p:cNvSpPr>
+            <a:spLocks noGrp="1"/>
+          </p:cNvSpPr>
+          <p:nvPr>
+            <p:ph type="ftr" sz="quarter" idx="11"/>
+          </p:nvPr>
+        </p:nvSpPr>
+        <p:spPr/>
+        <p:txBody>
+          <a:bodyPr/>
+          <a:lstStyle/>
+          <a:p>
+            <a:endParaRPr lang="en-US"/>
+          </a:p>
+        </p:txBody>
+      </p:sp>
+      <p:sp>
+        <p:nvSpPr>
+          <p:cNvPr id="5" name="Slide Number Placeholder 4"/>
+          <p:cNvSpPr>
+            <a:spLocks noGrp="1"/>
+          </p:cNvSpPr>
+          <p:nvPr>
+            <p:ph type="sldNum" sz="quarter" idx="12"/>
+          </p:nvPr>
+        </p:nvSpPr>
+        <p:spPr/>
+        <p:txBody>
+          <a:bodyPr/>
+          <a:lstStyle/>
+          <a:p>
+            <a:fld id="{0D9F955C-96BA-498A-86A3-9D6D5D1B37D7}" type="slidenum">
+              <a:rPr lang="en-US" smtClean="0"/>
+              <a:t>‹#›</a:t>
+            </a:fld>
+            <a:endParaRPr lang="en-US"/>
+          </a:p>
+        </p:txBody>
+      </p:sp>
+    </p:spTree>
+    <p:extLst>
+      <p:ext uri="{BB962C8B-B14F-4D97-AF65-F5344CB8AC3E}">
+        <p14:creationId xmlns:p14="http://schemas.microsoft.com/office/powerpoint/2010/main" val="3867266825"/>
+      </p:ext>
+    </p:extLst>
+  </p:cSld>
+  <p:clrMapOvr>
+    <a:masterClrMapping/>
+  </p:clrMapOvr>
+</p:sldLayout>
+</file>
+
+<file path=ppt/slideLayouts/slideLayout16.xml><?xml version="1.0" encoding="utf-8"?>
 <p:sldLayout xmlns:a="http://schemas.openxmlformats.org/drawingml/2006/main" xmlns:r="http://schemas.openxmlformats.org/officeDocument/2006/relationships" xmlns:p="http://schemas.openxmlformats.org/presentationml/2006/main" type="vertTx" preserve="1">
   <p:cSld name="Title and Vertical Text">
     <p:spTree>
@@ -1246,10 +3875,10 @@
           <a:lstStyle/>
           <a:p>
             <a:r>
-              <a:rPr lang="en-US" smtClean="0"/>
+              <a:rPr lang="en-US"/>
               <a:t>Click to edit Master title style</a:t>
             </a:r>
-            <a:endParaRPr lang="en-US"/>
+            <a:endParaRPr lang="en-US" dirty="0"/>
           </a:p>
         </p:txBody>
       </p:sp>
@@ -1265,43 +3894,43 @@
         </p:nvSpPr>
         <p:spPr/>
         <p:txBody>
-          <a:bodyPr vert="eaVert"/>
+          <a:bodyPr vert="eaVert" anchor="t"/>
           <a:lstStyle/>
           <a:p>
             <a:pPr lvl="0"/>
             <a:r>
-              <a:rPr lang="en-US" smtClean="0"/>
+              <a:rPr lang="en-US"/>
               <a:t>Edit Master text styles</a:t>
             </a:r>
           </a:p>
           <a:p>
             <a:pPr lvl="1"/>
             <a:r>
-              <a:rPr lang="en-US" smtClean="0"/>
+              <a:rPr lang="en-US"/>
               <a:t>Second level</a:t>
             </a:r>
           </a:p>
           <a:p>
             <a:pPr lvl="2"/>
             <a:r>
-              <a:rPr lang="en-US" smtClean="0"/>
+              <a:rPr lang="en-US"/>
               <a:t>Third level</a:t>
             </a:r>
           </a:p>
           <a:p>
             <a:pPr lvl="3"/>
             <a:r>
-              <a:rPr lang="en-US" smtClean="0"/>
+              <a:rPr lang="en-US"/>
               <a:t>Fourth level</a:t>
             </a:r>
           </a:p>
           <a:p>
             <a:pPr lvl="4"/>
             <a:r>
-              <a:rPr lang="en-US" smtClean="0"/>
+              <a:rPr lang="en-US"/>
               <a:t>Fifth level</a:t>
             </a:r>
-            <a:endParaRPr lang="en-US"/>
+            <a:endParaRPr lang="en-US" dirty="0"/>
           </a:p>
         </p:txBody>
       </p:sp>
@@ -1322,7 +3951,7 @@
           <a:p>
             <a:fld id="{968F8B48-9EEB-4E1A-AB61-E86E4E194647}" type="datetimeFigureOut">
               <a:rPr lang="en-US" smtClean="0"/>
-              <a:t>11/4/2018</a:t>
+              <a:t>11/7/2018</a:t>
             </a:fld>
             <a:endParaRPr lang="en-US"/>
           </a:p>
@@ -1373,7 +4002,7 @@
     </p:spTree>
     <p:extLst>
       <p:ext uri="{BB962C8B-B14F-4D97-AF65-F5344CB8AC3E}">
-        <p14:creationId xmlns:p14="http://schemas.microsoft.com/office/powerpoint/2010/main" val="226278818"/>
+        <p14:creationId xmlns:p14="http://schemas.microsoft.com/office/powerpoint/2010/main" val="859395242"/>
       </p:ext>
     </p:extLst>
   </p:cSld>
@@ -1383,7 +4012,7 @@
 </p:sldLayout>
 </file>
 
-<file path=ppt/slideLayouts/slideLayout11.xml><?xml version="1.0" encoding="utf-8"?>
+<file path=ppt/slideLayouts/slideLayout17.xml><?xml version="1.0" encoding="utf-8"?>
 <p:sldLayout xmlns:a="http://schemas.openxmlformats.org/drawingml/2006/main" xmlns:r="http://schemas.openxmlformats.org/officeDocument/2006/relationships" xmlns:p="http://schemas.openxmlformats.org/presentationml/2006/main" type="vertTitleAndTx" preserve="1">
   <p:cSld name="Vertical Title and Text">
     <p:spTree>
@@ -1412,19 +4041,23 @@
         </p:nvSpPr>
         <p:spPr>
           <a:xfrm>
-            <a:off x="8724900" y="365125"/>
-            <a:ext cx="2628900" cy="5811838"/>
+            <a:off x="8983068" y="609599"/>
+            <a:ext cx="2284487" cy="5181601"/>
           </a:xfrm>
         </p:spPr>
         <p:txBody>
           <a:bodyPr vert="eaVert"/>
-          <a:lstStyle/>
-          <a:p>
-            <a:r>
-              <a:rPr lang="en-US" smtClean="0"/>
+          <a:lstStyle>
+            <a:lvl1pPr algn="l">
+              <a:defRPr/>
+            </a:lvl1pPr>
+          </a:lstStyle>
+          <a:p>
+            <a:r>
+              <a:rPr lang="en-US"/>
               <a:t>Click to edit Master title style</a:t>
             </a:r>
-            <a:endParaRPr lang="en-US"/>
+            <a:endParaRPr lang="en-US" dirty="0"/>
           </a:p>
         </p:txBody>
       </p:sp>
@@ -1440,48 +4073,48 @@
         </p:nvSpPr>
         <p:spPr>
           <a:xfrm>
-            <a:off x="838200" y="365125"/>
-            <a:ext cx="7734300" cy="5811838"/>
+            <a:off x="913796" y="609599"/>
+            <a:ext cx="7916872" cy="5181601"/>
           </a:xfrm>
         </p:spPr>
         <p:txBody>
-          <a:bodyPr vert="eaVert"/>
+          <a:bodyPr vert="eaVert" anchor="t"/>
           <a:lstStyle/>
           <a:p>
             <a:pPr lvl="0"/>
             <a:r>
-              <a:rPr lang="en-US" smtClean="0"/>
+              <a:rPr lang="en-US"/>
               <a:t>Edit Master text styles</a:t>
             </a:r>
           </a:p>
           <a:p>
             <a:pPr lvl="1"/>
             <a:r>
-              <a:rPr lang="en-US" smtClean="0"/>
+              <a:rPr lang="en-US"/>
               <a:t>Second level</a:t>
             </a:r>
           </a:p>
           <a:p>
             <a:pPr lvl="2"/>
             <a:r>
-              <a:rPr lang="en-US" smtClean="0"/>
+              <a:rPr lang="en-US"/>
               <a:t>Third level</a:t>
             </a:r>
           </a:p>
           <a:p>
             <a:pPr lvl="3"/>
             <a:r>
-              <a:rPr lang="en-US" smtClean="0"/>
+              <a:rPr lang="en-US"/>
               <a:t>Fourth level</a:t>
             </a:r>
           </a:p>
           <a:p>
             <a:pPr lvl="4"/>
             <a:r>
-              <a:rPr lang="en-US" smtClean="0"/>
+              <a:rPr lang="en-US"/>
               <a:t>Fifth level</a:t>
             </a:r>
-            <a:endParaRPr lang="en-US"/>
+            <a:endParaRPr lang="en-US" dirty="0"/>
           </a:p>
         </p:txBody>
       </p:sp>
@@ -1502,7 +4135,7 @@
           <a:p>
             <a:fld id="{968F8B48-9EEB-4E1A-AB61-E86E4E194647}" type="datetimeFigureOut">
               <a:rPr lang="en-US" smtClean="0"/>
-              <a:t>11/4/2018</a:t>
+              <a:t>11/7/2018</a:t>
             </a:fld>
             <a:endParaRPr lang="en-US"/>
           </a:p>
@@ -1553,7 +4186,7 @@
     </p:spTree>
     <p:extLst>
       <p:ext uri="{BB962C8B-B14F-4D97-AF65-F5344CB8AC3E}">
-        <p14:creationId xmlns:p14="http://schemas.microsoft.com/office/powerpoint/2010/main" val="974664974"/>
+        <p14:creationId xmlns:p14="http://schemas.microsoft.com/office/powerpoint/2010/main" val="3625040025"/>
       </p:ext>
     </p:extLst>
   </p:cSld>
@@ -1596,10 +4229,10 @@
           <a:lstStyle/>
           <a:p>
             <a:r>
-              <a:rPr lang="en-US" smtClean="0"/>
+              <a:rPr lang="en-US"/>
               <a:t>Click to edit Master title style</a:t>
             </a:r>
-            <a:endParaRPr lang="en-US"/>
+            <a:endParaRPr lang="en-US" dirty="0"/>
           </a:p>
         </p:txBody>
       </p:sp>
@@ -1620,38 +4253,38 @@
           <a:p>
             <a:pPr lvl="0"/>
             <a:r>
-              <a:rPr lang="en-US" smtClean="0"/>
+              <a:rPr lang="en-US"/>
               <a:t>Edit Master text styles</a:t>
             </a:r>
           </a:p>
           <a:p>
             <a:pPr lvl="1"/>
             <a:r>
-              <a:rPr lang="en-US" smtClean="0"/>
+              <a:rPr lang="en-US"/>
               <a:t>Second level</a:t>
             </a:r>
           </a:p>
           <a:p>
             <a:pPr lvl="2"/>
             <a:r>
-              <a:rPr lang="en-US" smtClean="0"/>
+              <a:rPr lang="en-US"/>
               <a:t>Third level</a:t>
             </a:r>
           </a:p>
           <a:p>
             <a:pPr lvl="3"/>
             <a:r>
-              <a:rPr lang="en-US" smtClean="0"/>
+              <a:rPr lang="en-US"/>
               <a:t>Fourth level</a:t>
             </a:r>
           </a:p>
           <a:p>
             <a:pPr lvl="4"/>
             <a:r>
-              <a:rPr lang="en-US" smtClean="0"/>
+              <a:rPr lang="en-US"/>
               <a:t>Fifth level</a:t>
             </a:r>
-            <a:endParaRPr lang="en-US"/>
+            <a:endParaRPr lang="en-US" dirty="0"/>
           </a:p>
         </p:txBody>
       </p:sp>
@@ -1672,7 +4305,7 @@
           <a:p>
             <a:fld id="{968F8B48-9EEB-4E1A-AB61-E86E4E194647}" type="datetimeFigureOut">
               <a:rPr lang="en-US" smtClean="0"/>
-              <a:t>11/4/2018</a:t>
+              <a:t>11/7/2018</a:t>
             </a:fld>
             <a:endParaRPr lang="en-US"/>
           </a:p>
@@ -1723,7 +4356,7 @@
     </p:spTree>
     <p:extLst>
       <p:ext uri="{BB962C8B-B14F-4D97-AF65-F5344CB8AC3E}">
-        <p14:creationId xmlns:p14="http://schemas.microsoft.com/office/powerpoint/2010/main" val="1525905390"/>
+        <p14:creationId xmlns:p14="http://schemas.microsoft.com/office/powerpoint/2010/main" val="2390884191"/>
       </p:ext>
     </p:extLst>
   </p:cSld>
@@ -1762,23 +4395,23 @@
         </p:nvSpPr>
         <p:spPr>
           <a:xfrm>
-            <a:off x="831850" y="1709738"/>
-            <a:ext cx="10515600" cy="2852737"/>
+            <a:off x="1295401" y="1761067"/>
+            <a:ext cx="9590550" cy="1828813"/>
           </a:xfrm>
         </p:spPr>
         <p:txBody>
           <a:bodyPr anchor="b"/>
           <a:lstStyle>
-            <a:lvl1pPr>
-              <a:defRPr sz="6000"/>
+            <a:lvl1pPr algn="ctr">
+              <a:defRPr sz="4000" b="0" cap="none"/>
             </a:lvl1pPr>
           </a:lstStyle>
           <a:p>
             <a:r>
-              <a:rPr lang="en-US" smtClean="0"/>
+              <a:rPr lang="en-US"/>
               <a:t>Click to edit Master title style</a:t>
             </a:r>
-            <a:endParaRPr lang="en-US"/>
+            <a:endParaRPr lang="en-US" dirty="0"/>
           </a:p>
         </p:txBody>
       </p:sp>
@@ -1794,26 +4427,24 @@
         </p:nvSpPr>
         <p:spPr>
           <a:xfrm>
-            <a:off x="831850" y="4589463"/>
-            <a:ext cx="10515600" cy="1500187"/>
+            <a:off x="1295401" y="3589879"/>
+            <a:ext cx="9590550" cy="1507054"/>
           </a:xfrm>
         </p:spPr>
         <p:txBody>
-          <a:bodyPr/>
+          <a:bodyPr anchor="t"/>
           <a:lstStyle>
-            <a:lvl1pPr marL="0" indent="0">
-              <a:buNone/>
-              <a:defRPr sz="2400">
+            <a:lvl1pPr marL="0" indent="0" algn="ctr">
+              <a:buNone/>
+              <a:defRPr sz="2000">
                 <a:solidFill>
-                  <a:schemeClr val="tx1">
-                    <a:tint val="75000"/>
-                  </a:schemeClr>
+                  <a:schemeClr val="tx1"/>
                 </a:solidFill>
               </a:defRPr>
             </a:lvl1pPr>
             <a:lvl2pPr marL="457200" indent="0">
               <a:buNone/>
-              <a:defRPr sz="2000">
+              <a:defRPr sz="1800">
                 <a:solidFill>
                   <a:schemeClr val="tx1">
                     <a:tint val="75000"/>
@@ -1823,7 +4454,7 @@
             </a:lvl2pPr>
             <a:lvl3pPr marL="914400" indent="0">
               <a:buNone/>
-              <a:defRPr sz="1800">
+              <a:defRPr sz="1600">
                 <a:solidFill>
                   <a:schemeClr val="tx1">
                     <a:tint val="75000"/>
@@ -1833,7 +4464,7 @@
             </a:lvl3pPr>
             <a:lvl4pPr marL="1371600" indent="0">
               <a:buNone/>
-              <a:defRPr sz="1600">
+              <a:defRPr sz="1400">
                 <a:solidFill>
                   <a:schemeClr val="tx1">
                     <a:tint val="75000"/>
@@ -1843,7 +4474,7 @@
             </a:lvl4pPr>
             <a:lvl5pPr marL="1828800" indent="0">
               <a:buNone/>
-              <a:defRPr sz="1600">
+              <a:defRPr sz="1400">
                 <a:solidFill>
                   <a:schemeClr val="tx1">
                     <a:tint val="75000"/>
@@ -1853,7 +4484,7 @@
             </a:lvl5pPr>
             <a:lvl6pPr marL="2286000" indent="0">
               <a:buNone/>
-              <a:defRPr sz="1600">
+              <a:defRPr sz="1400">
                 <a:solidFill>
                   <a:schemeClr val="tx1">
                     <a:tint val="75000"/>
@@ -1863,7 +4494,7 @@
             </a:lvl6pPr>
             <a:lvl7pPr marL="2743200" indent="0">
               <a:buNone/>
-              <a:defRPr sz="1600">
+              <a:defRPr sz="1400">
                 <a:solidFill>
                   <a:schemeClr val="tx1">
                     <a:tint val="75000"/>
@@ -1873,7 +4504,7 @@
             </a:lvl7pPr>
             <a:lvl8pPr marL="3200400" indent="0">
               <a:buNone/>
-              <a:defRPr sz="1600">
+              <a:defRPr sz="1400">
                 <a:solidFill>
                   <a:schemeClr val="tx1">
                     <a:tint val="75000"/>
@@ -1883,7 +4514,7 @@
             </a:lvl8pPr>
             <a:lvl9pPr marL="3657600" indent="0">
               <a:buNone/>
-              <a:defRPr sz="1600">
+              <a:defRPr sz="1400">
                 <a:solidFill>
                   <a:schemeClr val="tx1">
                     <a:tint val="75000"/>
@@ -1895,7 +4526,7 @@
           <a:p>
             <a:pPr lvl="0"/>
             <a:r>
-              <a:rPr lang="en-US" smtClean="0"/>
+              <a:rPr lang="en-US"/>
               <a:t>Edit Master text styles</a:t>
             </a:r>
           </a:p>
@@ -1918,7 +4549,7 @@
           <a:p>
             <a:fld id="{968F8B48-9EEB-4E1A-AB61-E86E4E194647}" type="datetimeFigureOut">
               <a:rPr lang="en-US" smtClean="0"/>
-              <a:t>11/4/2018</a:t>
+              <a:t>11/7/2018</a:t>
             </a:fld>
             <a:endParaRPr lang="en-US"/>
           </a:p>
@@ -1969,7 +4600,7 @@
     </p:spTree>
     <p:extLst>
       <p:ext uri="{BB962C8B-B14F-4D97-AF65-F5344CB8AC3E}">
-        <p14:creationId xmlns:p14="http://schemas.microsoft.com/office/powerpoint/2010/main" val="2370134319"/>
+        <p14:creationId xmlns:p14="http://schemas.microsoft.com/office/powerpoint/2010/main" val="2124563025"/>
       </p:ext>
     </p:extLst>
   </p:cSld>
@@ -2012,10 +4643,10 @@
           <a:lstStyle/>
           <a:p>
             <a:r>
-              <a:rPr lang="en-US" smtClean="0"/>
+              <a:rPr lang="en-US"/>
               <a:t>Click to edit Master title style</a:t>
             </a:r>
-            <a:endParaRPr lang="en-US"/>
+            <a:endParaRPr lang="en-US" dirty="0"/>
           </a:p>
         </p:txBody>
       </p:sp>
@@ -2031,126 +4662,130 @@
         </p:nvSpPr>
         <p:spPr>
           <a:xfrm>
-            <a:off x="838200" y="1825625"/>
-            <a:ext cx="5181600" cy="4351338"/>
+            <a:off x="913795" y="1732449"/>
+            <a:ext cx="5060497" cy="4058750"/>
           </a:xfrm>
         </p:spPr>
         <p:txBody>
+          <a:bodyPr anchor="t">
+            <a:normAutofit/>
+          </a:bodyPr>
+          <a:lstStyle/>
+          <a:p>
+            <a:pPr lvl="0"/>
+            <a:r>
+              <a:rPr lang="en-US"/>
+              <a:t>Edit Master text styles</a:t>
+            </a:r>
+          </a:p>
+          <a:p>
+            <a:pPr lvl="1"/>
+            <a:r>
+              <a:rPr lang="en-US"/>
+              <a:t>Second level</a:t>
+            </a:r>
+          </a:p>
+          <a:p>
+            <a:pPr lvl="2"/>
+            <a:r>
+              <a:rPr lang="en-US"/>
+              <a:t>Third level</a:t>
+            </a:r>
+          </a:p>
+          <a:p>
+            <a:pPr lvl="3"/>
+            <a:r>
+              <a:rPr lang="en-US"/>
+              <a:t>Fourth level</a:t>
+            </a:r>
+          </a:p>
+          <a:p>
+            <a:pPr lvl="4"/>
+            <a:r>
+              <a:rPr lang="en-US"/>
+              <a:t>Fifth level</a:t>
+            </a:r>
+            <a:endParaRPr lang="en-US" dirty="0"/>
+          </a:p>
+        </p:txBody>
+      </p:sp>
+      <p:sp>
+        <p:nvSpPr>
+          <p:cNvPr id="4" name="Content Placeholder 3"/>
+          <p:cNvSpPr>
+            <a:spLocks noGrp="1"/>
+          </p:cNvSpPr>
+          <p:nvPr>
+            <p:ph sz="half" idx="2"/>
+          </p:nvPr>
+        </p:nvSpPr>
+        <p:spPr>
+          <a:xfrm>
+            <a:off x="6202892" y="1732449"/>
+            <a:ext cx="5064665" cy="4058751"/>
+          </a:xfrm>
+        </p:spPr>
+        <p:txBody>
+          <a:bodyPr anchor="t">
+            <a:normAutofit/>
+          </a:bodyPr>
+          <a:lstStyle/>
+          <a:p>
+            <a:pPr lvl="0"/>
+            <a:r>
+              <a:rPr lang="en-US"/>
+              <a:t>Edit Master text styles</a:t>
+            </a:r>
+          </a:p>
+          <a:p>
+            <a:pPr lvl="1"/>
+            <a:r>
+              <a:rPr lang="en-US"/>
+              <a:t>Second level</a:t>
+            </a:r>
+          </a:p>
+          <a:p>
+            <a:pPr lvl="2"/>
+            <a:r>
+              <a:rPr lang="en-US"/>
+              <a:t>Third level</a:t>
+            </a:r>
+          </a:p>
+          <a:p>
+            <a:pPr lvl="3"/>
+            <a:r>
+              <a:rPr lang="en-US"/>
+              <a:t>Fourth level</a:t>
+            </a:r>
+          </a:p>
+          <a:p>
+            <a:pPr lvl="4"/>
+            <a:r>
+              <a:rPr lang="en-US"/>
+              <a:t>Fifth level</a:t>
+            </a:r>
+            <a:endParaRPr lang="en-US" dirty="0"/>
+          </a:p>
+        </p:txBody>
+      </p:sp>
+      <p:sp>
+        <p:nvSpPr>
+          <p:cNvPr id="5" name="Date Placeholder 4"/>
+          <p:cNvSpPr>
+            <a:spLocks noGrp="1"/>
+          </p:cNvSpPr>
+          <p:nvPr>
+            <p:ph type="dt" sz="half" idx="10"/>
+          </p:nvPr>
+        </p:nvSpPr>
+        <p:spPr/>
+        <p:txBody>
           <a:bodyPr/>
           <a:lstStyle/>
           <a:p>
-            <a:pPr lvl="0"/>
-            <a:r>
-              <a:rPr lang="en-US" smtClean="0"/>
-              <a:t>Edit Master text styles</a:t>
-            </a:r>
-          </a:p>
-          <a:p>
-            <a:pPr lvl="1"/>
-            <a:r>
-              <a:rPr lang="en-US" smtClean="0"/>
-              <a:t>Second level</a:t>
-            </a:r>
-          </a:p>
-          <a:p>
-            <a:pPr lvl="2"/>
-            <a:r>
-              <a:rPr lang="en-US" smtClean="0"/>
-              <a:t>Third level</a:t>
-            </a:r>
-          </a:p>
-          <a:p>
-            <a:pPr lvl="3"/>
-            <a:r>
-              <a:rPr lang="en-US" smtClean="0"/>
-              <a:t>Fourth level</a:t>
-            </a:r>
-          </a:p>
-          <a:p>
-            <a:pPr lvl="4"/>
-            <a:r>
-              <a:rPr lang="en-US" smtClean="0"/>
-              <a:t>Fifth level</a:t>
-            </a:r>
-            <a:endParaRPr lang="en-US"/>
-          </a:p>
-        </p:txBody>
-      </p:sp>
-      <p:sp>
-        <p:nvSpPr>
-          <p:cNvPr id="4" name="Content Placeholder 3"/>
-          <p:cNvSpPr>
-            <a:spLocks noGrp="1"/>
-          </p:cNvSpPr>
-          <p:nvPr>
-            <p:ph sz="half" idx="2"/>
-          </p:nvPr>
-        </p:nvSpPr>
-        <p:spPr>
-          <a:xfrm>
-            <a:off x="6172200" y="1825625"/>
-            <a:ext cx="5181600" cy="4351338"/>
-          </a:xfrm>
-        </p:spPr>
-        <p:txBody>
-          <a:bodyPr/>
-          <a:lstStyle/>
-          <a:p>
-            <a:pPr lvl="0"/>
-            <a:r>
-              <a:rPr lang="en-US" smtClean="0"/>
-              <a:t>Edit Master text styles</a:t>
-            </a:r>
-          </a:p>
-          <a:p>
-            <a:pPr lvl="1"/>
-            <a:r>
-              <a:rPr lang="en-US" smtClean="0"/>
-              <a:t>Second level</a:t>
-            </a:r>
-          </a:p>
-          <a:p>
-            <a:pPr lvl="2"/>
-            <a:r>
-              <a:rPr lang="en-US" smtClean="0"/>
-              <a:t>Third level</a:t>
-            </a:r>
-          </a:p>
-          <a:p>
-            <a:pPr lvl="3"/>
-            <a:r>
-              <a:rPr lang="en-US" smtClean="0"/>
-              <a:t>Fourth level</a:t>
-            </a:r>
-          </a:p>
-          <a:p>
-            <a:pPr lvl="4"/>
-            <a:r>
-              <a:rPr lang="en-US" smtClean="0"/>
-              <a:t>Fifth level</a:t>
-            </a:r>
-            <a:endParaRPr lang="en-US"/>
-          </a:p>
-        </p:txBody>
-      </p:sp>
-      <p:sp>
-        <p:nvSpPr>
-          <p:cNvPr id="5" name="Date Placeholder 4"/>
-          <p:cNvSpPr>
-            <a:spLocks noGrp="1"/>
-          </p:cNvSpPr>
-          <p:nvPr>
-            <p:ph type="dt" sz="half" idx="10"/>
-          </p:nvPr>
-        </p:nvSpPr>
-        <p:spPr/>
-        <p:txBody>
-          <a:bodyPr/>
-          <a:lstStyle/>
-          <a:p>
             <a:fld id="{968F8B48-9EEB-4E1A-AB61-E86E4E194647}" type="datetimeFigureOut">
               <a:rPr lang="en-US" smtClean="0"/>
-              <a:t>11/4/2018</a:t>
+              <a:t>11/7/2018</a:t>
             </a:fld>
             <a:endParaRPr lang="en-US"/>
           </a:p>
@@ -2201,7 +4836,7 @@
     </p:spTree>
     <p:extLst>
       <p:ext uri="{BB962C8B-B14F-4D97-AF65-F5344CB8AC3E}">
-        <p14:creationId xmlns:p14="http://schemas.microsoft.com/office/powerpoint/2010/main" val="2897908613"/>
+        <p14:creationId xmlns:p14="http://schemas.microsoft.com/office/powerpoint/2010/main" val="2985381312"/>
       </p:ext>
     </p:extLst>
   </p:cSld>
@@ -2228,56 +4863,117 @@
           <a:chExt cx="0" cy="0"/>
         </a:xfrm>
       </p:grpSpPr>
-      <p:sp>
-        <p:nvSpPr>
-          <p:cNvPr id="2" name="Title 1"/>
-          <p:cNvSpPr>
-            <a:spLocks noGrp="1"/>
-          </p:cNvSpPr>
-          <p:nvPr>
-            <p:ph type="title"/>
-          </p:nvPr>
-        </p:nvSpPr>
+      <p:pic>
+        <p:nvPicPr>
+          <p:cNvPr id="20" name="Picture 19" descr="Slate-V2-HD-compPhotoInset.png"/>
+          <p:cNvPicPr>
+            <a:picLocks noChangeAspect="1"/>
+          </p:cNvPicPr>
+          <p:nvPr/>
+        </p:nvPicPr>
+        <p:blipFill>
+          <a:blip r:embed="rId2">
+            <a:extLst>
+              <a:ext uri="{28A0092B-C50C-407E-A947-70E740481C1C}">
+                <a14:useLocalDpi xmlns:a14="http://schemas.microsoft.com/office/drawing/2010/main" val="0"/>
+              </a:ext>
+            </a:extLst>
+          </a:blip>
+          <a:stretch>
+            <a:fillRect/>
+          </a:stretch>
+        </p:blipFill>
         <p:spPr>
           <a:xfrm>
-            <a:off x="839788" y="365125"/>
-            <a:ext cx="10515600" cy="1325563"/>
+            <a:off x="913795" y="1734506"/>
+            <a:ext cx="5089072" cy="4148769"/>
+          </a:xfrm>
+          <a:prstGeom prst="rect">
+            <a:avLst/>
+          </a:prstGeom>
+        </p:spPr>
+      </p:pic>
+      <p:pic>
+        <p:nvPicPr>
+          <p:cNvPr id="21" name="Picture 20" descr="Slate-V2-HD-compPhotoInset.png"/>
+          <p:cNvPicPr>
+            <a:picLocks noChangeAspect="1"/>
+          </p:cNvPicPr>
+          <p:nvPr/>
+        </p:nvPicPr>
+        <p:blipFill>
+          <a:blip r:embed="rId2">
+            <a:extLst>
+              <a:ext uri="{28A0092B-C50C-407E-A947-70E740481C1C}">
+                <a14:useLocalDpi xmlns:a14="http://schemas.microsoft.com/office/drawing/2010/main" val="0"/>
+              </a:ext>
+            </a:extLst>
+          </a:blip>
+          <a:stretch>
+            <a:fillRect/>
+          </a:stretch>
+        </p:blipFill>
+        <p:spPr>
+          <a:xfrm>
+            <a:off x="6178485" y="1734506"/>
+            <a:ext cx="5089072" cy="4148769"/>
+          </a:xfrm>
+          <a:prstGeom prst="rect">
+            <a:avLst/>
+          </a:prstGeom>
+        </p:spPr>
+      </p:pic>
+      <p:sp>
+        <p:nvSpPr>
+          <p:cNvPr id="2" name="Title 1"/>
+          <p:cNvSpPr>
+            <a:spLocks noGrp="1"/>
+          </p:cNvSpPr>
+          <p:nvPr>
+            <p:ph type="title"/>
+          </p:nvPr>
+        </p:nvSpPr>
+        <p:spPr/>
+        <p:txBody>
+          <a:bodyPr/>
+          <a:lstStyle>
+            <a:lvl1pPr>
+              <a:defRPr/>
+            </a:lvl1pPr>
+          </a:lstStyle>
+          <a:p>
+            <a:r>
+              <a:rPr lang="en-US"/>
+              <a:t>Click to edit Master title style</a:t>
+            </a:r>
+            <a:endParaRPr lang="en-US" dirty="0"/>
+          </a:p>
+        </p:txBody>
+      </p:sp>
+      <p:sp>
+        <p:nvSpPr>
+          <p:cNvPr id="3" name="Text Placeholder 2"/>
+          <p:cNvSpPr>
+            <a:spLocks noGrp="1"/>
+          </p:cNvSpPr>
+          <p:nvPr>
+            <p:ph type="body" idx="1"/>
+          </p:nvPr>
+        </p:nvSpPr>
+        <p:spPr>
+          <a:xfrm>
+            <a:off x="1005872" y="1835254"/>
+            <a:ext cx="4876344" cy="544884"/>
           </a:xfrm>
         </p:spPr>
         <p:txBody>
-          <a:bodyPr/>
-          <a:lstStyle/>
-          <a:p>
-            <a:r>
-              <a:rPr lang="en-US" smtClean="0"/>
-              <a:t>Click to edit Master title style</a:t>
-            </a:r>
-            <a:endParaRPr lang="en-US"/>
-          </a:p>
-        </p:txBody>
-      </p:sp>
-      <p:sp>
-        <p:nvSpPr>
-          <p:cNvPr id="3" name="Text Placeholder 2"/>
-          <p:cNvSpPr>
-            <a:spLocks noGrp="1"/>
-          </p:cNvSpPr>
-          <p:nvPr>
-            <p:ph type="body" idx="1"/>
-          </p:nvPr>
-        </p:nvSpPr>
-        <p:spPr>
-          <a:xfrm>
-            <a:off x="839788" y="1681163"/>
-            <a:ext cx="5157787" cy="823912"/>
-          </a:xfrm>
-        </p:spPr>
-        <p:txBody>
-          <a:bodyPr anchor="b"/>
+          <a:bodyPr anchor="b">
+            <a:noAutofit/>
+          </a:bodyPr>
           <a:lstStyle>
-            <a:lvl1pPr marL="0" indent="0">
-              <a:buNone/>
-              <a:defRPr sz="2400" b="1"/>
+            <a:lvl1pPr marL="0" indent="0" algn="ctr">
+              <a:buNone/>
+              <a:defRPr sz="2400" b="0"/>
             </a:lvl1pPr>
             <a:lvl2pPr marL="457200" indent="0">
               <a:buNone/>
@@ -2315,7 +5011,7 @@
           <a:p>
             <a:pPr lvl="0"/>
             <a:r>
-              <a:rPr lang="en-US" smtClean="0"/>
+              <a:rPr lang="en-US"/>
               <a:t>Edit Master text styles</a:t>
             </a:r>
           </a:p>
@@ -2333,48 +5029,66 @@
         </p:nvSpPr>
         <p:spPr>
           <a:xfrm>
-            <a:off x="839788" y="2505075"/>
-            <a:ext cx="5157787" cy="3684588"/>
+            <a:off x="1005872" y="2380137"/>
+            <a:ext cx="4876344" cy="3411063"/>
           </a:xfrm>
         </p:spPr>
         <p:txBody>
-          <a:bodyPr/>
-          <a:lstStyle/>
+          <a:bodyPr anchor="t">
+            <a:normAutofit/>
+          </a:bodyPr>
+          <a:lstStyle>
+            <a:lvl1pPr>
+              <a:defRPr sz="1800"/>
+            </a:lvl1pPr>
+            <a:lvl2pPr>
+              <a:defRPr sz="1600"/>
+            </a:lvl2pPr>
+            <a:lvl3pPr>
+              <a:defRPr sz="1400"/>
+            </a:lvl3pPr>
+            <a:lvl4pPr>
+              <a:defRPr sz="1200"/>
+            </a:lvl4pPr>
+            <a:lvl5pPr>
+              <a:defRPr sz="1200"/>
+            </a:lvl5pPr>
+          </a:lstStyle>
           <a:p>
             <a:pPr lvl="0"/>
             <a:r>
-              <a:rPr lang="en-US" smtClean="0"/>
+              <a:rPr lang="en-US"/>
               <a:t>Edit Master text styles</a:t>
             </a:r>
           </a:p>
           <a:p>
             <a:pPr lvl="1"/>
             <a:r>
-              <a:rPr lang="en-US" smtClean="0"/>
+              <a:rPr lang="en-US"/>
               <a:t>Second level</a:t>
             </a:r>
           </a:p>
           <a:p>
             <a:pPr lvl="2"/>
             <a:r>
-              <a:rPr lang="en-US" smtClean="0"/>
+              <a:rPr lang="en-US"/>
               <a:t>Third level</a:t>
             </a:r>
           </a:p>
           <a:p>
             <a:pPr lvl="3"/>
             <a:r>
-              <a:rPr lang="en-US" smtClean="0"/>
+              <a:rPr lang="en-US"/>
               <a:t>Fourth level</a:t>
             </a:r>
           </a:p>
           <a:p>
             <a:pPr lvl="4"/>
             <a:r>
-              <a:rPr lang="en-US" smtClean="0"/>
+              <a:rPr lang="en-US"/>
               <a:t>Fifth level</a:t>
             </a:r>
-            <a:endParaRPr lang="en-US"/>
+            <a:endParaRPr lang="en-US" dirty="0"/>
           </a:p>
         </p:txBody>
       </p:sp>
@@ -2390,16 +5104,18 @@
         </p:nvSpPr>
         <p:spPr>
           <a:xfrm>
-            <a:off x="6172200" y="1681163"/>
-            <a:ext cx="5183188" cy="823912"/>
+            <a:off x="6294967" y="1835254"/>
+            <a:ext cx="4895330" cy="544883"/>
           </a:xfrm>
         </p:spPr>
         <p:txBody>
-          <a:bodyPr anchor="b"/>
+          <a:bodyPr anchor="b">
+            <a:noAutofit/>
+          </a:bodyPr>
           <a:lstStyle>
-            <a:lvl1pPr marL="0" indent="0">
-              <a:buNone/>
-              <a:defRPr sz="2400" b="1"/>
+            <a:lvl1pPr marL="0" indent="0" algn="ctr">
+              <a:buNone/>
+              <a:defRPr sz="2400" b="0"/>
             </a:lvl1pPr>
             <a:lvl2pPr marL="457200" indent="0">
               <a:buNone/>
@@ -2437,7 +5153,7 @@
           <a:p>
             <a:pPr lvl="0"/>
             <a:r>
-              <a:rPr lang="en-US" smtClean="0"/>
+              <a:rPr lang="en-US"/>
               <a:t>Edit Master text styles</a:t>
             </a:r>
           </a:p>
@@ -2455,69 +5171,87 @@
         </p:nvSpPr>
         <p:spPr>
           <a:xfrm>
-            <a:off x="6172200" y="2505075"/>
-            <a:ext cx="5183188" cy="3684588"/>
+            <a:off x="6294967" y="2380137"/>
+            <a:ext cx="4895330" cy="3411063"/>
           </a:xfrm>
         </p:spPr>
         <p:txBody>
+          <a:bodyPr anchor="t">
+            <a:normAutofit/>
+          </a:bodyPr>
+          <a:lstStyle>
+            <a:lvl1pPr>
+              <a:defRPr sz="1800"/>
+            </a:lvl1pPr>
+            <a:lvl2pPr>
+              <a:defRPr sz="1600"/>
+            </a:lvl2pPr>
+            <a:lvl3pPr>
+              <a:defRPr sz="1400"/>
+            </a:lvl3pPr>
+            <a:lvl4pPr>
+              <a:defRPr sz="1200"/>
+            </a:lvl4pPr>
+            <a:lvl5pPr>
+              <a:defRPr sz="1200"/>
+            </a:lvl5pPr>
+          </a:lstStyle>
+          <a:p>
+            <a:pPr lvl="0"/>
+            <a:r>
+              <a:rPr lang="en-US"/>
+              <a:t>Edit Master text styles</a:t>
+            </a:r>
+          </a:p>
+          <a:p>
+            <a:pPr lvl="1"/>
+            <a:r>
+              <a:rPr lang="en-US"/>
+              <a:t>Second level</a:t>
+            </a:r>
+          </a:p>
+          <a:p>
+            <a:pPr lvl="2"/>
+            <a:r>
+              <a:rPr lang="en-US"/>
+              <a:t>Third level</a:t>
+            </a:r>
+          </a:p>
+          <a:p>
+            <a:pPr lvl="3"/>
+            <a:r>
+              <a:rPr lang="en-US"/>
+              <a:t>Fourth level</a:t>
+            </a:r>
+          </a:p>
+          <a:p>
+            <a:pPr lvl="4"/>
+            <a:r>
+              <a:rPr lang="en-US"/>
+              <a:t>Fifth level</a:t>
+            </a:r>
+            <a:endParaRPr lang="en-US" dirty="0"/>
+          </a:p>
+        </p:txBody>
+      </p:sp>
+      <p:sp>
+        <p:nvSpPr>
+          <p:cNvPr id="7" name="Date Placeholder 6"/>
+          <p:cNvSpPr>
+            <a:spLocks noGrp="1"/>
+          </p:cNvSpPr>
+          <p:nvPr>
+            <p:ph type="dt" sz="half" idx="10"/>
+          </p:nvPr>
+        </p:nvSpPr>
+        <p:spPr/>
+        <p:txBody>
           <a:bodyPr/>
           <a:lstStyle/>
           <a:p>
-            <a:pPr lvl="0"/>
-            <a:r>
-              <a:rPr lang="en-US" smtClean="0"/>
-              <a:t>Edit Master text styles</a:t>
-            </a:r>
-          </a:p>
-          <a:p>
-            <a:pPr lvl="1"/>
-            <a:r>
-              <a:rPr lang="en-US" smtClean="0"/>
-              <a:t>Second level</a:t>
-            </a:r>
-          </a:p>
-          <a:p>
-            <a:pPr lvl="2"/>
-            <a:r>
-              <a:rPr lang="en-US" smtClean="0"/>
-              <a:t>Third level</a:t>
-            </a:r>
-          </a:p>
-          <a:p>
-            <a:pPr lvl="3"/>
-            <a:r>
-              <a:rPr lang="en-US" smtClean="0"/>
-              <a:t>Fourth level</a:t>
-            </a:r>
-          </a:p>
-          <a:p>
-            <a:pPr lvl="4"/>
-            <a:r>
-              <a:rPr lang="en-US" smtClean="0"/>
-              <a:t>Fifth level</a:t>
-            </a:r>
-            <a:endParaRPr lang="en-US"/>
-          </a:p>
-        </p:txBody>
-      </p:sp>
-      <p:sp>
-        <p:nvSpPr>
-          <p:cNvPr id="7" name="Date Placeholder 6"/>
-          <p:cNvSpPr>
-            <a:spLocks noGrp="1"/>
-          </p:cNvSpPr>
-          <p:nvPr>
-            <p:ph type="dt" sz="half" idx="10"/>
-          </p:nvPr>
-        </p:nvSpPr>
-        <p:spPr/>
-        <p:txBody>
-          <a:bodyPr/>
-          <a:lstStyle/>
-          <a:p>
             <a:fld id="{968F8B48-9EEB-4E1A-AB61-E86E4E194647}" type="datetimeFigureOut">
               <a:rPr lang="en-US" smtClean="0"/>
-              <a:t>11/4/2018</a:t>
+              <a:t>11/7/2018</a:t>
             </a:fld>
             <a:endParaRPr lang="en-US"/>
           </a:p>
@@ -2568,7 +5302,7 @@
     </p:spTree>
     <p:extLst>
       <p:ext uri="{BB962C8B-B14F-4D97-AF65-F5344CB8AC3E}">
-        <p14:creationId xmlns:p14="http://schemas.microsoft.com/office/powerpoint/2010/main" val="2472736328"/>
+        <p14:creationId xmlns:p14="http://schemas.microsoft.com/office/powerpoint/2010/main" val="4145900382"/>
       </p:ext>
     </p:extLst>
   </p:cSld>
@@ -2611,10 +5345,10 @@
           <a:lstStyle/>
           <a:p>
             <a:r>
-              <a:rPr lang="en-US" smtClean="0"/>
+              <a:rPr lang="en-US"/>
               <a:t>Click to edit Master title style</a:t>
             </a:r>
-            <a:endParaRPr lang="en-US"/>
+            <a:endParaRPr lang="en-US" dirty="0"/>
           </a:p>
         </p:txBody>
       </p:sp>
@@ -2635,7 +5369,7 @@
           <a:p>
             <a:fld id="{968F8B48-9EEB-4E1A-AB61-E86E4E194647}" type="datetimeFigureOut">
               <a:rPr lang="en-US" smtClean="0"/>
-              <a:t>11/4/2018</a:t>
+              <a:t>11/7/2018</a:t>
             </a:fld>
             <a:endParaRPr lang="en-US"/>
           </a:p>
@@ -2686,7 +5420,7 @@
     </p:spTree>
     <p:extLst>
       <p:ext uri="{BB962C8B-B14F-4D97-AF65-F5344CB8AC3E}">
-        <p14:creationId xmlns:p14="http://schemas.microsoft.com/office/powerpoint/2010/main" val="848691851"/>
+        <p14:creationId xmlns:p14="http://schemas.microsoft.com/office/powerpoint/2010/main" val="614919292"/>
       </p:ext>
     </p:extLst>
   </p:cSld>
@@ -2730,7 +5464,7 @@
           <a:p>
             <a:fld id="{968F8B48-9EEB-4E1A-AB61-E86E4E194647}" type="datetimeFigureOut">
               <a:rPr lang="en-US" smtClean="0"/>
-              <a:t>11/4/2018</a:t>
+              <a:t>11/7/2018</a:t>
             </a:fld>
             <a:endParaRPr lang="en-US"/>
           </a:p>
@@ -2781,7 +5515,7 @@
     </p:spTree>
     <p:extLst>
       <p:ext uri="{BB962C8B-B14F-4D97-AF65-F5344CB8AC3E}">
-        <p14:creationId xmlns:p14="http://schemas.microsoft.com/office/powerpoint/2010/main" val="3598429160"/>
+        <p14:creationId xmlns:p14="http://schemas.microsoft.com/office/powerpoint/2010/main" val="4160379714"/>
       </p:ext>
     </p:extLst>
   </p:cSld>
@@ -2820,23 +5554,25 @@
         </p:nvSpPr>
         <p:spPr>
           <a:xfrm>
-            <a:off x="839788" y="457200"/>
-            <a:ext cx="3932237" cy="1600200"/>
+            <a:off x="913795" y="609600"/>
+            <a:ext cx="3706889" cy="1821918"/>
           </a:xfrm>
         </p:spPr>
         <p:txBody>
-          <a:bodyPr anchor="b"/>
+          <a:bodyPr anchor="b">
+            <a:normAutofit/>
+          </a:bodyPr>
           <a:lstStyle>
-            <a:lvl1pPr>
-              <a:defRPr sz="3200"/>
+            <a:lvl1pPr algn="ctr">
+              <a:defRPr sz="2400" b="0"/>
             </a:lvl1pPr>
           </a:lstStyle>
           <a:p>
             <a:r>
-              <a:rPr lang="en-US" smtClean="0"/>
+              <a:rPr lang="en-US"/>
               <a:t>Click to edit Master title style</a:t>
             </a:r>
-            <a:endParaRPr lang="en-US"/>
+            <a:endParaRPr lang="en-US" dirty="0"/>
           </a:p>
         </p:txBody>
       </p:sp>
@@ -2852,76 +5588,50 @@
         </p:nvSpPr>
         <p:spPr>
           <a:xfrm>
-            <a:off x="5183188" y="987425"/>
-            <a:ext cx="6172200" cy="4873625"/>
+            <a:off x="4855633" y="609600"/>
+            <a:ext cx="6411924" cy="5181600"/>
           </a:xfrm>
         </p:spPr>
         <p:txBody>
-          <a:bodyPr/>
-          <a:lstStyle>
-            <a:lvl1pPr>
-              <a:defRPr sz="3200"/>
-            </a:lvl1pPr>
-            <a:lvl2pPr>
-              <a:defRPr sz="2800"/>
-            </a:lvl2pPr>
-            <a:lvl3pPr>
-              <a:defRPr sz="2400"/>
-            </a:lvl3pPr>
-            <a:lvl4pPr>
-              <a:defRPr sz="2000"/>
-            </a:lvl4pPr>
-            <a:lvl5pPr>
-              <a:defRPr sz="2000"/>
-            </a:lvl5pPr>
-            <a:lvl6pPr>
-              <a:defRPr sz="2000"/>
-            </a:lvl6pPr>
-            <a:lvl7pPr>
-              <a:defRPr sz="2000"/>
-            </a:lvl7pPr>
-            <a:lvl8pPr>
-              <a:defRPr sz="2000"/>
-            </a:lvl8pPr>
-            <a:lvl9pPr>
-              <a:defRPr sz="2000"/>
-            </a:lvl9pPr>
-          </a:lstStyle>
+          <a:bodyPr>
+            <a:normAutofit/>
+          </a:bodyPr>
+          <a:lstStyle/>
           <a:p>
             <a:pPr lvl="0"/>
             <a:r>
-              <a:rPr lang="en-US" smtClean="0"/>
+              <a:rPr lang="en-US"/>
               <a:t>Edit Master text styles</a:t>
             </a:r>
           </a:p>
           <a:p>
             <a:pPr lvl="1"/>
             <a:r>
-              <a:rPr lang="en-US" smtClean="0"/>
+              <a:rPr lang="en-US"/>
               <a:t>Second level</a:t>
             </a:r>
           </a:p>
           <a:p>
             <a:pPr lvl="2"/>
             <a:r>
-              <a:rPr lang="en-US" smtClean="0"/>
+              <a:rPr lang="en-US"/>
               <a:t>Third level</a:t>
             </a:r>
           </a:p>
           <a:p>
             <a:pPr lvl="3"/>
             <a:r>
-              <a:rPr lang="en-US" smtClean="0"/>
+              <a:rPr lang="en-US"/>
               <a:t>Fourth level</a:t>
             </a:r>
           </a:p>
           <a:p>
             <a:pPr lvl="4"/>
             <a:r>
-              <a:rPr lang="en-US" smtClean="0"/>
+              <a:rPr lang="en-US"/>
               <a:t>Fifth level</a:t>
             </a:r>
-            <a:endParaRPr lang="en-US"/>
+            <a:endParaRPr lang="en-US" dirty="0"/>
           </a:p>
         </p:txBody>
       </p:sp>
@@ -2937,54 +5647,56 @@
         </p:nvSpPr>
         <p:spPr>
           <a:xfrm>
-            <a:off x="839788" y="2057400"/>
-            <a:ext cx="3932237" cy="3811588"/>
+            <a:off x="913795" y="2431518"/>
+            <a:ext cx="3706889" cy="3359681"/>
           </a:xfrm>
         </p:spPr>
         <p:txBody>
-          <a:bodyPr/>
+          <a:bodyPr anchor="t">
+            <a:normAutofit/>
+          </a:bodyPr>
           <a:lstStyle>
-            <a:lvl1pPr marL="0" indent="0">
+            <a:lvl1pPr marL="0" indent="0" algn="ctr">
               <a:buNone/>
               <a:defRPr sz="1600"/>
             </a:lvl1pPr>
             <a:lvl2pPr marL="457200" indent="0">
               <a:buNone/>
-              <a:defRPr sz="1400"/>
+              <a:defRPr sz="1200"/>
             </a:lvl2pPr>
             <a:lvl3pPr marL="914400" indent="0">
               <a:buNone/>
-              <a:defRPr sz="1200"/>
+              <a:defRPr sz="1000"/>
             </a:lvl3pPr>
             <a:lvl4pPr marL="1371600" indent="0">
               <a:buNone/>
-              <a:defRPr sz="1000"/>
+              <a:defRPr sz="900"/>
             </a:lvl4pPr>
             <a:lvl5pPr marL="1828800" indent="0">
               <a:buNone/>
-              <a:defRPr sz="1000"/>
+              <a:defRPr sz="900"/>
             </a:lvl5pPr>
             <a:lvl6pPr marL="2286000" indent="0">
               <a:buNone/>
-              <a:defRPr sz="1000"/>
+              <a:defRPr sz="900"/>
             </a:lvl6pPr>
             <a:lvl7pPr marL="2743200" indent="0">
               <a:buNone/>
-              <a:defRPr sz="1000"/>
+              <a:defRPr sz="900"/>
             </a:lvl7pPr>
             <a:lvl8pPr marL="3200400" indent="0">
               <a:buNone/>
-              <a:defRPr sz="1000"/>
+              <a:defRPr sz="900"/>
             </a:lvl8pPr>
             <a:lvl9pPr marL="3657600" indent="0">
               <a:buNone/>
-              <a:defRPr sz="1000"/>
+              <a:defRPr sz="900"/>
             </a:lvl9pPr>
           </a:lstStyle>
           <a:p>
             <a:pPr lvl="0"/>
             <a:r>
-              <a:rPr lang="en-US" smtClean="0"/>
+              <a:rPr lang="en-US"/>
               <a:t>Edit Master text styles</a:t>
             </a:r>
           </a:p>
@@ -3007,7 +5719,7 @@
           <a:p>
             <a:fld id="{968F8B48-9EEB-4E1A-AB61-E86E4E194647}" type="datetimeFigureOut">
               <a:rPr lang="en-US" smtClean="0"/>
-              <a:t>11/4/2018</a:t>
+              <a:t>11/7/2018</a:t>
             </a:fld>
             <a:endParaRPr lang="en-US"/>
           </a:p>
@@ -3058,7 +5770,7 @@
     </p:spTree>
     <p:extLst>
       <p:ext uri="{BB962C8B-B14F-4D97-AF65-F5344CB8AC3E}">
-        <p14:creationId xmlns:p14="http://schemas.microsoft.com/office/powerpoint/2010/main" val="53803591"/>
+        <p14:creationId xmlns:p14="http://schemas.microsoft.com/office/powerpoint/2010/main" val="2839391930"/>
       </p:ext>
     </p:extLst>
   </p:cSld>
@@ -3085,35 +5797,67 @@
           <a:chExt cx="0" cy="0"/>
         </a:xfrm>
       </p:grpSpPr>
-      <p:sp>
-        <p:nvSpPr>
-          <p:cNvPr id="2" name="Title 1"/>
-          <p:cNvSpPr>
-            <a:spLocks noGrp="1"/>
-          </p:cNvSpPr>
-          <p:nvPr>
-            <p:ph type="title"/>
-          </p:nvPr>
-        </p:nvSpPr>
+      <p:pic>
+        <p:nvPicPr>
+          <p:cNvPr id="22" name="Picture 21" descr="Slate-V2-HD-vertPhotoInset.png"/>
+          <p:cNvPicPr>
+            <a:picLocks noChangeAspect="1"/>
+          </p:cNvPicPr>
+          <p:nvPr/>
+        </p:nvPicPr>
+        <p:blipFill>
+          <a:blip r:embed="rId2">
+            <a:extLst>
+              <a:ext uri="{28A0092B-C50C-407E-A947-70E740481C1C}">
+                <a14:useLocalDpi xmlns:a14="http://schemas.microsoft.com/office/drawing/2010/main" val="0"/>
+              </a:ext>
+            </a:extLst>
+          </a:blip>
+          <a:stretch>
+            <a:fillRect/>
+          </a:stretch>
+        </p:blipFill>
         <p:spPr>
           <a:xfrm>
-            <a:off x="839788" y="457200"/>
-            <a:ext cx="3932237" cy="1600200"/>
+            <a:off x="7293665" y="609600"/>
+            <a:ext cx="3584166" cy="5204832"/>
+          </a:xfrm>
+          <a:prstGeom prst="rect">
+            <a:avLst/>
+          </a:prstGeom>
+        </p:spPr>
+      </p:pic>
+      <p:sp>
+        <p:nvSpPr>
+          <p:cNvPr id="2" name="Title 1"/>
+          <p:cNvSpPr>
+            <a:spLocks noGrp="1"/>
+          </p:cNvSpPr>
+          <p:nvPr>
+            <p:ph type="title"/>
+          </p:nvPr>
+        </p:nvSpPr>
+        <p:spPr>
+          <a:xfrm>
+            <a:off x="913795" y="609923"/>
+            <a:ext cx="5934949" cy="1829338"/>
           </a:xfrm>
         </p:spPr>
         <p:txBody>
-          <a:bodyPr anchor="b"/>
+          <a:bodyPr anchor="b">
+            <a:noAutofit/>
+          </a:bodyPr>
           <a:lstStyle>
-            <a:lvl1pPr>
-              <a:defRPr sz="3200"/>
+            <a:lvl1pPr algn="ctr">
+              <a:defRPr sz="3200" b="0"/>
             </a:lvl1pPr>
           </a:lstStyle>
           <a:p>
             <a:r>
-              <a:rPr lang="en-US" smtClean="0"/>
+              <a:rPr lang="en-US"/>
               <a:t>Click to edit Master title style</a:t>
             </a:r>
-            <a:endParaRPr lang="en-US"/>
+            <a:endParaRPr lang="en-US" dirty="0"/>
           </a:p>
         </p:txBody>
       </p:sp>
@@ -3121,7 +5865,7 @@
         <p:nvSpPr>
           <p:cNvPr id="3" name="Picture Placeholder 2"/>
           <p:cNvSpPr>
-            <a:spLocks noGrp="1"/>
+            <a:spLocks noGrp="1" noChangeAspect="1"/>
           </p:cNvSpPr>
           <p:nvPr>
             <p:ph type="pic" idx="1"/>
@@ -3129,115 +5873,130 @@
         </p:nvSpPr>
         <p:spPr>
           <a:xfrm>
-            <a:off x="5183188" y="987425"/>
-            <a:ext cx="6172200" cy="4873625"/>
+            <a:off x="7442551" y="763702"/>
+            <a:ext cx="3275751" cy="4912822"/>
           </a:xfrm>
+          <a:effectLst>
+            <a:outerShdw blurRad="38100" dist="25400" dir="4440000">
+              <a:srgbClr val="000000">
+                <a:alpha val="36000"/>
+              </a:srgbClr>
+            </a:outerShdw>
+          </a:effectLst>
         </p:spPr>
         <p:txBody>
-          <a:bodyPr/>
+          <a:bodyPr anchor="t">
+            <a:normAutofit/>
+          </a:bodyPr>
           <a:lstStyle>
-            <a:lvl1pPr marL="0" indent="0">
-              <a:buNone/>
-              <a:defRPr sz="3200"/>
-            </a:lvl1pPr>
-            <a:lvl2pPr marL="457200" indent="0">
-              <a:buNone/>
-              <a:defRPr sz="2800"/>
-            </a:lvl2pPr>
-            <a:lvl3pPr marL="914400" indent="0">
-              <a:buNone/>
-              <a:defRPr sz="2400"/>
-            </a:lvl3pPr>
-            <a:lvl4pPr marL="1371600" indent="0">
-              <a:buNone/>
-              <a:defRPr sz="2000"/>
-            </a:lvl4pPr>
-            <a:lvl5pPr marL="1828800" indent="0">
-              <a:buNone/>
-              <a:defRPr sz="2000"/>
-            </a:lvl5pPr>
-            <a:lvl6pPr marL="2286000" indent="0">
-              <a:buNone/>
-              <a:defRPr sz="2000"/>
-            </a:lvl6pPr>
-            <a:lvl7pPr marL="2743200" indent="0">
-              <a:buNone/>
-              <a:defRPr sz="2000"/>
-            </a:lvl7pPr>
-            <a:lvl8pPr marL="3200400" indent="0">
-              <a:buNone/>
-              <a:defRPr sz="2000"/>
-            </a:lvl8pPr>
-            <a:lvl9pPr marL="3657600" indent="0">
-              <a:buNone/>
-              <a:defRPr sz="2000"/>
-            </a:lvl9pPr>
-          </a:lstStyle>
-          <a:p>
-            <a:endParaRPr lang="en-US"/>
-          </a:p>
-        </p:txBody>
-      </p:sp>
-      <p:sp>
-        <p:nvSpPr>
-          <p:cNvPr id="4" name="Text Placeholder 3"/>
-          <p:cNvSpPr>
-            <a:spLocks noGrp="1"/>
-          </p:cNvSpPr>
-          <p:nvPr>
-            <p:ph type="body" sz="half" idx="2"/>
-          </p:nvPr>
-        </p:nvSpPr>
-        <p:spPr>
-          <a:xfrm>
-            <a:off x="839788" y="2057400"/>
-            <a:ext cx="3932237" cy="3811588"/>
-          </a:xfrm>
-        </p:spPr>
-        <p:txBody>
-          <a:bodyPr/>
-          <a:lstStyle>
-            <a:lvl1pPr marL="0" indent="0">
+            <a:lvl1pPr marL="0" indent="0" algn="ctr">
               <a:buNone/>
               <a:defRPr sz="1600"/>
             </a:lvl1pPr>
             <a:lvl2pPr marL="457200" indent="0">
               <a:buNone/>
-              <a:defRPr sz="1400"/>
+              <a:defRPr sz="1600"/>
             </a:lvl2pPr>
             <a:lvl3pPr marL="914400" indent="0">
               <a:buNone/>
-              <a:defRPr sz="1200"/>
+              <a:defRPr sz="1600"/>
             </a:lvl3pPr>
             <a:lvl4pPr marL="1371600" indent="0">
               <a:buNone/>
-              <a:defRPr sz="1000"/>
+              <a:defRPr sz="1600"/>
             </a:lvl4pPr>
             <a:lvl5pPr marL="1828800" indent="0">
               <a:buNone/>
-              <a:defRPr sz="1000"/>
+              <a:defRPr sz="1600"/>
             </a:lvl5pPr>
             <a:lvl6pPr marL="2286000" indent="0">
               <a:buNone/>
-              <a:defRPr sz="1000"/>
+              <a:defRPr sz="1600"/>
             </a:lvl6pPr>
             <a:lvl7pPr marL="2743200" indent="0">
               <a:buNone/>
-              <a:defRPr sz="1000"/>
+              <a:defRPr sz="1600"/>
             </a:lvl7pPr>
             <a:lvl8pPr marL="3200400" indent="0">
               <a:buNone/>
-              <a:defRPr sz="1000"/>
+              <a:defRPr sz="1600"/>
             </a:lvl8pPr>
             <a:lvl9pPr marL="3657600" indent="0">
               <a:buNone/>
-              <a:defRPr sz="1000"/>
+              <a:defRPr sz="1600"/>
             </a:lvl9pPr>
           </a:lstStyle>
           <a:p>
+            <a:r>
+              <a:rPr lang="en-US"/>
+              <a:t>Click icon to add picture</a:t>
+            </a:r>
+            <a:endParaRPr lang="en-US" dirty="0"/>
+          </a:p>
+        </p:txBody>
+      </p:sp>
+      <p:sp>
+        <p:nvSpPr>
+          <p:cNvPr id="4" name="Text Placeholder 3"/>
+          <p:cNvSpPr>
+            <a:spLocks noGrp="1"/>
+          </p:cNvSpPr>
+          <p:nvPr>
+            <p:ph type="body" sz="half" idx="2"/>
+          </p:nvPr>
+        </p:nvSpPr>
+        <p:spPr>
+          <a:xfrm>
+            <a:off x="913795" y="2439261"/>
+            <a:ext cx="5934949" cy="3376134"/>
+          </a:xfrm>
+        </p:spPr>
+        <p:txBody>
+          <a:bodyPr anchor="t">
+            <a:normAutofit/>
+          </a:bodyPr>
+          <a:lstStyle>
+            <a:lvl1pPr marL="0" indent="0" algn="ctr">
+              <a:buNone/>
+              <a:defRPr sz="1600"/>
+            </a:lvl1pPr>
+            <a:lvl2pPr marL="457200" indent="0">
+              <a:buNone/>
+              <a:defRPr sz="1200"/>
+            </a:lvl2pPr>
+            <a:lvl3pPr marL="914400" indent="0">
+              <a:buNone/>
+              <a:defRPr sz="1000"/>
+            </a:lvl3pPr>
+            <a:lvl4pPr marL="1371600" indent="0">
+              <a:buNone/>
+              <a:defRPr sz="900"/>
+            </a:lvl4pPr>
+            <a:lvl5pPr marL="1828800" indent="0">
+              <a:buNone/>
+              <a:defRPr sz="900"/>
+            </a:lvl5pPr>
+            <a:lvl6pPr marL="2286000" indent="0">
+              <a:buNone/>
+              <a:defRPr sz="900"/>
+            </a:lvl6pPr>
+            <a:lvl7pPr marL="2743200" indent="0">
+              <a:buNone/>
+              <a:defRPr sz="900"/>
+            </a:lvl7pPr>
+            <a:lvl8pPr marL="3200400" indent="0">
+              <a:buNone/>
+              <a:defRPr sz="900"/>
+            </a:lvl8pPr>
+            <a:lvl9pPr marL="3657600" indent="0">
+              <a:buNone/>
+              <a:defRPr sz="900"/>
+            </a:lvl9pPr>
+          </a:lstStyle>
+          <a:p>
             <a:pPr lvl="0"/>
             <a:r>
-              <a:rPr lang="en-US" smtClean="0"/>
+              <a:rPr lang="en-US"/>
               <a:t>Edit Master text styles</a:t>
             </a:r>
           </a:p>
@@ -3260,7 +6019,7 @@
           <a:p>
             <a:fld id="{968F8B48-9EEB-4E1A-AB61-E86E4E194647}" type="datetimeFigureOut">
               <a:rPr lang="en-US" smtClean="0"/>
-              <a:t>11/4/2018</a:t>
+              <a:t>11/7/2018</a:t>
             </a:fld>
             <a:endParaRPr lang="en-US"/>
           </a:p>
@@ -3311,7 +6070,7 @@
     </p:spTree>
     <p:extLst>
       <p:ext uri="{BB962C8B-B14F-4D97-AF65-F5344CB8AC3E}">
-        <p14:creationId xmlns:p14="http://schemas.microsoft.com/office/powerpoint/2010/main" val="4133085659"/>
+        <p14:creationId xmlns:p14="http://schemas.microsoft.com/office/powerpoint/2010/main" val="4056571262"/>
       </p:ext>
     </p:extLst>
   </p:cSld>
@@ -3325,8 +6084,8 @@
 <p:sldMaster xmlns:a="http://schemas.openxmlformats.org/drawingml/2006/main" xmlns:r="http://schemas.openxmlformats.org/officeDocument/2006/relationships" xmlns:p="http://schemas.openxmlformats.org/presentationml/2006/main">
   <p:cSld>
     <p:bg>
-      <p:bgRef idx="1001">
-        <a:schemeClr val="bg1"/>
+      <p:bgRef idx="1003">
+        <a:schemeClr val="bg2"/>
       </p:bgRef>
     </p:bg>
     <p:spTree>
@@ -3355,12 +6114,19 @@
         </p:nvSpPr>
         <p:spPr>
           <a:xfrm>
-            <a:off x="838200" y="365125"/>
-            <a:ext cx="10515600" cy="1325563"/>
+            <a:off x="913795" y="609600"/>
+            <a:ext cx="10353762" cy="970450"/>
           </a:xfrm>
           <a:prstGeom prst="rect">
             <a:avLst/>
           </a:prstGeom>
+          <a:effectLst>
+            <a:outerShdw blurRad="25400" dir="17880000">
+              <a:srgbClr val="000000">
+                <a:alpha val="46000"/>
+              </a:srgbClr>
+            </a:outerShdw>
+          </a:effectLst>
         </p:spPr>
         <p:txBody>
           <a:bodyPr vert="horz" lIns="91440" tIns="45720" rIns="91440" bIns="45720" rtlCol="0" anchor="ctr">
@@ -3369,10 +6135,10 @@
           <a:lstStyle/>
           <a:p>
             <a:r>
-              <a:rPr lang="en-US" smtClean="0"/>
+              <a:rPr lang="en-US"/>
               <a:t>Click to edit Master title style</a:t>
             </a:r>
-            <a:endParaRPr lang="en-US"/>
+            <a:endParaRPr lang="en-US" dirty="0"/>
           </a:p>
         </p:txBody>
       </p:sp>
@@ -3388,53 +6154,60 @@
         </p:nvSpPr>
         <p:spPr>
           <a:xfrm>
-            <a:off x="838200" y="1825625"/>
-            <a:ext cx="10515600" cy="4351338"/>
+            <a:off x="913795" y="1732449"/>
+            <a:ext cx="10353762" cy="4058751"/>
           </a:xfrm>
           <a:prstGeom prst="rect">
             <a:avLst/>
           </a:prstGeom>
+          <a:effectLst>
+            <a:outerShdw blurRad="25400" dir="17880000">
+              <a:srgbClr val="000000">
+                <a:alpha val="46000"/>
+              </a:srgbClr>
+            </a:outerShdw>
+          </a:effectLst>
         </p:spPr>
         <p:txBody>
-          <a:bodyPr vert="horz" lIns="91440" tIns="45720" rIns="91440" bIns="45720" rtlCol="0">
+          <a:bodyPr vert="horz" lIns="91440" tIns="45720" rIns="91440" bIns="45720" rtlCol="0" anchor="t">
             <a:normAutofit/>
           </a:bodyPr>
           <a:lstStyle/>
           <a:p>
             <a:pPr lvl="0"/>
             <a:r>
-              <a:rPr lang="en-US" smtClean="0"/>
+              <a:rPr lang="en-US"/>
               <a:t>Edit Master text styles</a:t>
             </a:r>
           </a:p>
           <a:p>
             <a:pPr lvl="1"/>
             <a:r>
-              <a:rPr lang="en-US" smtClean="0"/>
+              <a:rPr lang="en-US"/>
               <a:t>Second level</a:t>
             </a:r>
           </a:p>
           <a:p>
             <a:pPr lvl="2"/>
             <a:r>
-              <a:rPr lang="en-US" smtClean="0"/>
+              <a:rPr lang="en-US"/>
               <a:t>Third level</a:t>
             </a:r>
           </a:p>
           <a:p>
             <a:pPr lvl="3"/>
             <a:r>
-              <a:rPr lang="en-US" smtClean="0"/>
+              <a:rPr lang="en-US"/>
               <a:t>Fourth level</a:t>
             </a:r>
           </a:p>
           <a:p>
             <a:pPr lvl="4"/>
             <a:r>
-              <a:rPr lang="en-US" smtClean="0"/>
+              <a:rPr lang="en-US"/>
               <a:t>Fifth level</a:t>
             </a:r>
-            <a:endParaRPr lang="en-US"/>
+            <a:endParaRPr lang="en-US" dirty="0"/>
           </a:p>
         </p:txBody>
       </p:sp>
@@ -3450,7 +6223,7 @@
         </p:nvSpPr>
         <p:spPr>
           <a:xfrm>
-            <a:off x="838200" y="6356350"/>
+            <a:off x="7678736" y="5883275"/>
             <a:ext cx="2743200" cy="365125"/>
           </a:xfrm>
           <a:prstGeom prst="rect">
@@ -3460,20 +6233,27 @@
         <p:txBody>
           <a:bodyPr vert="horz" lIns="91440" tIns="45720" rIns="91440" bIns="45720" rtlCol="0" anchor="ctr"/>
           <a:lstStyle>
-            <a:lvl1pPr algn="l">
-              <a:defRPr sz="1200">
+            <a:lvl1pPr algn="r">
+              <a:defRPr sz="1000">
                 <a:solidFill>
                   <a:schemeClr val="tx1">
-                    <a:tint val="75000"/>
+                    <a:lumMod val="95000"/>
                   </a:schemeClr>
                 </a:solidFill>
+                <a:effectLst>
+                  <a:outerShdw blurRad="50800" dist="38100" dir="2700000" algn="tl" rotWithShape="0">
+                    <a:schemeClr val="bg1">
+                      <a:alpha val="43000"/>
+                    </a:schemeClr>
+                  </a:outerShdw>
+                </a:effectLst>
               </a:defRPr>
             </a:lvl1pPr>
           </a:lstStyle>
           <a:p>
             <a:fld id="{968F8B48-9EEB-4E1A-AB61-E86E4E194647}" type="datetimeFigureOut">
               <a:rPr lang="en-US" smtClean="0"/>
-              <a:t>11/4/2018</a:t>
+              <a:t>11/7/2018</a:t>
             </a:fld>
             <a:endParaRPr lang="en-US"/>
           </a:p>
@@ -3491,8 +6271,8 @@
         </p:nvSpPr>
         <p:spPr>
           <a:xfrm>
-            <a:off x="4038600" y="6356350"/>
-            <a:ext cx="4114800" cy="365125"/>
+            <a:off x="913795" y="5883275"/>
+            <a:ext cx="6672865" cy="365125"/>
           </a:xfrm>
           <a:prstGeom prst="rect">
             <a:avLst/>
@@ -3501,13 +6281,20 @@
         <p:txBody>
           <a:bodyPr vert="horz" lIns="91440" tIns="45720" rIns="91440" bIns="45720" rtlCol="0" anchor="ctr"/>
           <a:lstStyle>
-            <a:lvl1pPr algn="ctr">
-              <a:defRPr sz="1200">
+            <a:lvl1pPr algn="l">
+              <a:defRPr sz="1000">
                 <a:solidFill>
                   <a:schemeClr val="tx1">
-                    <a:tint val="75000"/>
+                    <a:lumMod val="95000"/>
                   </a:schemeClr>
                 </a:solidFill>
+                <a:effectLst>
+                  <a:outerShdw blurRad="50800" dist="38100" dir="2700000" algn="tl" rotWithShape="0">
+                    <a:schemeClr val="bg1">
+                      <a:alpha val="43000"/>
+                    </a:schemeClr>
+                  </a:outerShdw>
+                </a:effectLst>
               </a:defRPr>
             </a:lvl1pPr>
           </a:lstStyle>
@@ -3528,8 +6315,8 @@
         </p:nvSpPr>
         <p:spPr>
           <a:xfrm>
-            <a:off x="8610600" y="6356350"/>
-            <a:ext cx="2743200" cy="365125"/>
+            <a:off x="10514011" y="5883275"/>
+            <a:ext cx="753545" cy="365125"/>
           </a:xfrm>
           <a:prstGeom prst="rect">
             <a:avLst/>
@@ -3539,12 +6326,19 @@
           <a:bodyPr vert="horz" lIns="91440" tIns="45720" rIns="91440" bIns="45720" rtlCol="0" anchor="ctr"/>
           <a:lstStyle>
             <a:lvl1pPr algn="r">
-              <a:defRPr sz="1200">
+              <a:defRPr sz="1000">
                 <a:solidFill>
                   <a:schemeClr val="tx1">
-                    <a:tint val="75000"/>
+                    <a:lumMod val="95000"/>
                   </a:schemeClr>
                 </a:solidFill>
+                <a:effectLst>
+                  <a:outerShdw blurRad="50800" dist="38100" dir="2700000" algn="tl" rotWithShape="0">
+                    <a:schemeClr val="bg1">
+                      <a:alpha val="43000"/>
+                    </a:schemeClr>
+                  </a:outerShdw>
+                </a:effectLst>
               </a:defRPr>
             </a:lvl1pPr>
           </a:lstStyle>
@@ -3560,202 +6354,457 @@
     </p:spTree>
     <p:extLst>
       <p:ext uri="{BB962C8B-B14F-4D97-AF65-F5344CB8AC3E}">
-        <p14:creationId xmlns:p14="http://schemas.microsoft.com/office/powerpoint/2010/main" val="3905165975"/>
+        <p14:creationId xmlns:p14="http://schemas.microsoft.com/office/powerpoint/2010/main" val="1382595096"/>
       </p:ext>
     </p:extLst>
   </p:cSld>
-  <p:clrMap bg1="lt1" tx1="dk1" bg2="lt2" tx2="dk2" accent1="accent1" accent2="accent2" accent3="accent3" accent4="accent4" accent5="accent5" accent6="accent6" hlink="hlink" folHlink="folHlink"/>
+  <p:clrMap bg1="dk1" tx1="lt1" bg2="dk2" tx2="lt2" accent1="accent1" accent2="accent2" accent3="accent3" accent4="accent4" accent5="accent5" accent6="accent6" hlink="hlink" folHlink="folHlink"/>
   <p:sldLayoutIdLst>
-    <p:sldLayoutId id="2147483649" r:id="rId1"/>
-    <p:sldLayoutId id="2147483650" r:id="rId2"/>
-    <p:sldLayoutId id="2147483651" r:id="rId3"/>
-    <p:sldLayoutId id="2147483652" r:id="rId4"/>
-    <p:sldLayoutId id="2147483653" r:id="rId5"/>
-    <p:sldLayoutId id="2147483654" r:id="rId6"/>
-    <p:sldLayoutId id="2147483655" r:id="rId7"/>
-    <p:sldLayoutId id="2147483656" r:id="rId8"/>
-    <p:sldLayoutId id="2147483657" r:id="rId9"/>
-    <p:sldLayoutId id="2147483658" r:id="rId10"/>
-    <p:sldLayoutId id="2147483659" r:id="rId11"/>
+    <p:sldLayoutId id="2147483661" r:id="rId1"/>
+    <p:sldLayoutId id="2147483662" r:id="rId2"/>
+    <p:sldLayoutId id="2147483663" r:id="rId3"/>
+    <p:sldLayoutId id="2147483664" r:id="rId4"/>
+    <p:sldLayoutId id="2147483665" r:id="rId5"/>
+    <p:sldLayoutId id="2147483666" r:id="rId6"/>
+    <p:sldLayoutId id="2147483667" r:id="rId7"/>
+    <p:sldLayoutId id="2147483668" r:id="rId8"/>
+    <p:sldLayoutId id="2147483669" r:id="rId9"/>
+    <p:sldLayoutId id="2147483670" r:id="rId10"/>
+    <p:sldLayoutId id="2147483671" r:id="rId11"/>
+    <p:sldLayoutId id="2147483672" r:id="rId12"/>
+    <p:sldLayoutId id="2147483673" r:id="rId13"/>
+    <p:sldLayoutId id="2147483674" r:id="rId14"/>
+    <p:sldLayoutId id="2147483675" r:id="rId15"/>
+    <p:sldLayoutId id="2147483676" r:id="rId16"/>
+    <p:sldLayoutId id="2147483677" r:id="rId17"/>
   </p:sldLayoutIdLst>
   <p:txStyles>
     <p:titleStyle>
-      <a:lvl1pPr algn="l" defTabSz="914400" rtl="0" eaLnBrk="1" latinLnBrk="0" hangingPunct="1">
-        <a:lnSpc>
-          <a:spcPct val="90000"/>
-        </a:lnSpc>
+      <a:lvl1pPr algn="ctr" defTabSz="457200" rtl="0" eaLnBrk="1" latinLnBrk="0" hangingPunct="1">
         <a:spcBef>
           <a:spcPct val="0"/>
         </a:spcBef>
         <a:buNone/>
-        <a:defRPr sz="4400" kern="1200">
+        <a:defRPr sz="4000" kern="1200">
+          <a:ln>
+            <a:solidFill>
+              <a:schemeClr val="bg1">
+                <a:lumMod val="75000"/>
+                <a:lumOff val="25000"/>
+                <a:alpha val="10000"/>
+              </a:schemeClr>
+            </a:solidFill>
+          </a:ln>
           <a:solidFill>
-            <a:schemeClr val="tx1"/>
+            <a:schemeClr val="tx2"/>
           </a:solidFill>
+          <a:effectLst>
+            <a:outerShdw blurRad="9525" dist="25400" dir="14640000" algn="tl" rotWithShape="0">
+              <a:schemeClr val="bg1">
+                <a:alpha val="30000"/>
+              </a:schemeClr>
+            </a:outerShdw>
+          </a:effectLst>
           <a:latin typeface="+mj-lt"/>
           <a:ea typeface="+mj-ea"/>
-          <a:cs typeface="+mj-cs"/>
+          <a:cs typeface="Trebuchet MS"/>
         </a:defRPr>
       </a:lvl1pPr>
+      <a:lvl2pPr eaLnBrk="1" hangingPunct="1">
+        <a:defRPr>
+          <a:solidFill>
+            <a:schemeClr val="tx2"/>
+          </a:solidFill>
+        </a:defRPr>
+      </a:lvl2pPr>
+      <a:lvl3pPr eaLnBrk="1" hangingPunct="1">
+        <a:defRPr>
+          <a:solidFill>
+            <a:schemeClr val="tx2"/>
+          </a:solidFill>
+        </a:defRPr>
+      </a:lvl3pPr>
+      <a:lvl4pPr eaLnBrk="1" hangingPunct="1">
+        <a:defRPr>
+          <a:solidFill>
+            <a:schemeClr val="tx2"/>
+          </a:solidFill>
+        </a:defRPr>
+      </a:lvl4pPr>
+      <a:lvl5pPr eaLnBrk="1" hangingPunct="1">
+        <a:defRPr>
+          <a:solidFill>
+            <a:schemeClr val="tx2"/>
+          </a:solidFill>
+        </a:defRPr>
+      </a:lvl5pPr>
+      <a:lvl6pPr eaLnBrk="1" hangingPunct="1">
+        <a:defRPr>
+          <a:solidFill>
+            <a:schemeClr val="tx2"/>
+          </a:solidFill>
+        </a:defRPr>
+      </a:lvl6pPr>
+      <a:lvl7pPr eaLnBrk="1" hangingPunct="1">
+        <a:defRPr>
+          <a:solidFill>
+            <a:schemeClr val="tx2"/>
+          </a:solidFill>
+        </a:defRPr>
+      </a:lvl7pPr>
+      <a:lvl8pPr eaLnBrk="1" hangingPunct="1">
+        <a:defRPr>
+          <a:solidFill>
+            <a:schemeClr val="tx2"/>
+          </a:solidFill>
+        </a:defRPr>
+      </a:lvl8pPr>
+      <a:lvl9pPr eaLnBrk="1" hangingPunct="1">
+        <a:defRPr>
+          <a:solidFill>
+            <a:schemeClr val="tx2"/>
+          </a:solidFill>
+        </a:defRPr>
+      </a:lvl9pPr>
     </p:titleStyle>
     <p:bodyStyle>
-      <a:lvl1pPr marL="228600" indent="-228600" algn="l" defTabSz="914400" rtl="0" eaLnBrk="1" latinLnBrk="0" hangingPunct="1">
-        <a:lnSpc>
-          <a:spcPct val="90000"/>
-        </a:lnSpc>
+      <a:lvl1pPr marL="342900" indent="-306000" algn="l" defTabSz="457200" rtl="0" eaLnBrk="1" latinLnBrk="0" hangingPunct="1">
         <a:spcBef>
-          <a:spcPts val="1000"/>
+          <a:spcPct val="20000"/>
         </a:spcBef>
-        <a:buFont typeface="Arial" panose="020B0604020202020204" pitchFamily="34" charset="0"/>
-        <a:buChar char="•"/>
-        <a:defRPr sz="2800" kern="1200">
+        <a:spcAft>
+          <a:spcPts val="600"/>
+        </a:spcAft>
+        <a:buClr>
+          <a:schemeClr val="tx2"/>
+        </a:buClr>
+        <a:buSzPct val="70000"/>
+        <a:buFont typeface="Wingdings 2" charset="2"/>
+        <a:buChar char=""/>
+        <a:defRPr sz="2000" kern="1200">
+          <a:ln>
+            <a:solidFill>
+              <a:schemeClr val="bg1">
+                <a:lumMod val="75000"/>
+                <a:lumOff val="25000"/>
+                <a:alpha val="10000"/>
+              </a:schemeClr>
+            </a:solidFill>
+          </a:ln>
           <a:solidFill>
-            <a:schemeClr val="tx1"/>
+            <a:schemeClr val="tx2"/>
           </a:solidFill>
+          <a:effectLst>
+            <a:outerShdw blurRad="9525" dist="25400" dir="14640000" algn="tl" rotWithShape="0">
+              <a:schemeClr val="bg1">
+                <a:alpha val="30000"/>
+              </a:schemeClr>
+            </a:outerShdw>
+          </a:effectLst>
           <a:latin typeface="+mn-lt"/>
           <a:ea typeface="+mn-ea"/>
           <a:cs typeface="+mn-cs"/>
         </a:defRPr>
       </a:lvl1pPr>
-      <a:lvl2pPr marL="685800" indent="-228600" algn="l" defTabSz="914400" rtl="0" eaLnBrk="1" latinLnBrk="0" hangingPunct="1">
-        <a:lnSpc>
-          <a:spcPct val="90000"/>
-        </a:lnSpc>
+      <a:lvl2pPr marL="720000" indent="-270000" algn="l" defTabSz="457200" rtl="0" eaLnBrk="1" latinLnBrk="0" hangingPunct="1">
         <a:spcBef>
-          <a:spcPts val="500"/>
+          <a:spcPct val="20000"/>
         </a:spcBef>
-        <a:buFont typeface="Arial" panose="020B0604020202020204" pitchFamily="34" charset="0"/>
-        <a:buChar char="•"/>
-        <a:defRPr sz="2400" kern="1200">
+        <a:spcAft>
+          <a:spcPts val="600"/>
+        </a:spcAft>
+        <a:buClr>
+          <a:schemeClr val="tx2"/>
+        </a:buClr>
+        <a:buSzPct val="70000"/>
+        <a:buFont typeface="Wingdings 2" charset="2"/>
+        <a:buChar char=""/>
+        <a:defRPr sz="1800" kern="1200">
+          <a:ln>
+            <a:solidFill>
+              <a:schemeClr val="bg1">
+                <a:lumMod val="75000"/>
+                <a:lumOff val="25000"/>
+                <a:alpha val="10000"/>
+              </a:schemeClr>
+            </a:solidFill>
+          </a:ln>
           <a:solidFill>
-            <a:schemeClr val="tx1"/>
+            <a:schemeClr val="tx2"/>
           </a:solidFill>
+          <a:effectLst>
+            <a:outerShdw blurRad="9525" dist="25400" dir="14640000" algn="tl" rotWithShape="0">
+              <a:schemeClr val="bg1">
+                <a:alpha val="30000"/>
+              </a:schemeClr>
+            </a:outerShdw>
+          </a:effectLst>
           <a:latin typeface="+mn-lt"/>
           <a:ea typeface="+mn-ea"/>
           <a:cs typeface="+mn-cs"/>
         </a:defRPr>
       </a:lvl2pPr>
-      <a:lvl3pPr marL="1143000" indent="-228600" algn="l" defTabSz="914400" rtl="0" eaLnBrk="1" latinLnBrk="0" hangingPunct="1">
-        <a:lnSpc>
-          <a:spcPct val="90000"/>
-        </a:lnSpc>
+      <a:lvl3pPr marL="1026000" indent="-216000" algn="l" defTabSz="457200" rtl="0" eaLnBrk="1" latinLnBrk="0" hangingPunct="1">
         <a:spcBef>
-          <a:spcPts val="500"/>
+          <a:spcPct val="20000"/>
         </a:spcBef>
-        <a:buFont typeface="Arial" panose="020B0604020202020204" pitchFamily="34" charset="0"/>
-        <a:buChar char="•"/>
-        <a:defRPr sz="2000" kern="1200">
+        <a:spcAft>
+          <a:spcPts val="600"/>
+        </a:spcAft>
+        <a:buClr>
+          <a:schemeClr val="tx2"/>
+        </a:buClr>
+        <a:buSzPct val="70000"/>
+        <a:buFont typeface="Wingdings 2" charset="2"/>
+        <a:buChar char=""/>
+        <a:defRPr sz="1600" kern="1200">
+          <a:ln>
+            <a:solidFill>
+              <a:schemeClr val="bg1">
+                <a:lumMod val="75000"/>
+                <a:lumOff val="25000"/>
+                <a:alpha val="10000"/>
+              </a:schemeClr>
+            </a:solidFill>
+          </a:ln>
           <a:solidFill>
-            <a:schemeClr val="tx1"/>
+            <a:schemeClr val="tx2"/>
           </a:solidFill>
+          <a:effectLst>
+            <a:outerShdw blurRad="9525" dist="25400" dir="14640000" algn="tl" rotWithShape="0">
+              <a:schemeClr val="bg1">
+                <a:alpha val="30000"/>
+              </a:schemeClr>
+            </a:outerShdw>
+          </a:effectLst>
           <a:latin typeface="+mn-lt"/>
           <a:ea typeface="+mn-ea"/>
           <a:cs typeface="+mn-cs"/>
         </a:defRPr>
       </a:lvl3pPr>
-      <a:lvl4pPr marL="1600200" indent="-228600" algn="l" defTabSz="914400" rtl="0" eaLnBrk="1" latinLnBrk="0" hangingPunct="1">
-        <a:lnSpc>
-          <a:spcPct val="90000"/>
-        </a:lnSpc>
+      <a:lvl4pPr marL="1386000" indent="-216000" algn="l" defTabSz="457200" rtl="0" eaLnBrk="1" latinLnBrk="0" hangingPunct="1">
         <a:spcBef>
-          <a:spcPts val="500"/>
+          <a:spcPct val="20000"/>
         </a:spcBef>
-        <a:buFont typeface="Arial" panose="020B0604020202020204" pitchFamily="34" charset="0"/>
-        <a:buChar char="•"/>
-        <a:defRPr sz="1800" kern="1200">
+        <a:spcAft>
+          <a:spcPts val="600"/>
+        </a:spcAft>
+        <a:buClr>
+          <a:schemeClr val="tx2"/>
+        </a:buClr>
+        <a:buSzPct val="70000"/>
+        <a:buFont typeface="Wingdings 2" charset="2"/>
+        <a:buChar char=""/>
+        <a:defRPr sz="1400" kern="1200">
+          <a:ln>
+            <a:solidFill>
+              <a:schemeClr val="bg1">
+                <a:lumMod val="75000"/>
+                <a:lumOff val="25000"/>
+                <a:alpha val="10000"/>
+              </a:schemeClr>
+            </a:solidFill>
+          </a:ln>
           <a:solidFill>
-            <a:schemeClr val="tx1"/>
+            <a:schemeClr val="tx2"/>
           </a:solidFill>
+          <a:effectLst>
+            <a:outerShdw blurRad="9525" dist="25400" dir="14640000" algn="tl" rotWithShape="0">
+              <a:schemeClr val="bg1">
+                <a:alpha val="30000"/>
+              </a:schemeClr>
+            </a:outerShdw>
+          </a:effectLst>
           <a:latin typeface="+mn-lt"/>
           <a:ea typeface="+mn-ea"/>
           <a:cs typeface="+mn-cs"/>
         </a:defRPr>
       </a:lvl4pPr>
-      <a:lvl5pPr marL="2057400" indent="-228600" algn="l" defTabSz="914400" rtl="0" eaLnBrk="1" latinLnBrk="0" hangingPunct="1">
-        <a:lnSpc>
-          <a:spcPct val="90000"/>
-        </a:lnSpc>
+      <a:lvl5pPr marL="1674000" indent="-216000" algn="l" defTabSz="457200" rtl="0" eaLnBrk="1" latinLnBrk="0" hangingPunct="1">
         <a:spcBef>
-          <a:spcPts val="500"/>
+          <a:spcPct val="20000"/>
         </a:spcBef>
-        <a:buFont typeface="Arial" panose="020B0604020202020204" pitchFamily="34" charset="0"/>
-        <a:buChar char="•"/>
-        <a:defRPr sz="1800" kern="1200">
+        <a:spcAft>
+          <a:spcPts val="600"/>
+        </a:spcAft>
+        <a:buClr>
+          <a:schemeClr val="tx2"/>
+        </a:buClr>
+        <a:buSzPct val="70000"/>
+        <a:buFont typeface="Wingdings 2" charset="2"/>
+        <a:buChar char=""/>
+        <a:defRPr sz="1400" kern="1200">
+          <a:ln>
+            <a:solidFill>
+              <a:schemeClr val="bg1">
+                <a:lumMod val="75000"/>
+                <a:lumOff val="25000"/>
+                <a:alpha val="10000"/>
+              </a:schemeClr>
+            </a:solidFill>
+          </a:ln>
           <a:solidFill>
-            <a:schemeClr val="tx1"/>
+            <a:schemeClr val="tx2"/>
           </a:solidFill>
+          <a:effectLst>
+            <a:outerShdw blurRad="9525" dist="25400" dir="14640000" algn="tl" rotWithShape="0">
+              <a:schemeClr val="bg1">
+                <a:alpha val="30000"/>
+              </a:schemeClr>
+            </a:outerShdw>
+          </a:effectLst>
           <a:latin typeface="+mn-lt"/>
           <a:ea typeface="+mn-ea"/>
           <a:cs typeface="+mn-cs"/>
         </a:defRPr>
       </a:lvl5pPr>
-      <a:lvl6pPr marL="2514600" indent="-228600" algn="l" defTabSz="914400" rtl="0" eaLnBrk="1" latinLnBrk="0" hangingPunct="1">
-        <a:lnSpc>
-          <a:spcPct val="90000"/>
-        </a:lnSpc>
+      <a:lvl6pPr marL="2014600" indent="-228600" algn="l" defTabSz="457200" rtl="0" eaLnBrk="1" latinLnBrk="0" hangingPunct="1">
         <a:spcBef>
-          <a:spcPts val="500"/>
+          <a:spcPct val="20000"/>
         </a:spcBef>
-        <a:buFont typeface="Arial" panose="020B0604020202020204" pitchFamily="34" charset="0"/>
-        <a:buChar char="•"/>
-        <a:defRPr sz="1800" kern="1200">
+        <a:spcAft>
+          <a:spcPts val="600"/>
+        </a:spcAft>
+        <a:buClr>
+          <a:schemeClr val="tx2"/>
+        </a:buClr>
+        <a:buSzPct val="70000"/>
+        <a:buFont typeface="Wingdings 2" charset="2"/>
+        <a:buChar char=""/>
+        <a:defRPr sz="1400" kern="1200">
+          <a:ln>
+            <a:solidFill>
+              <a:schemeClr val="bg1">
+                <a:lumMod val="75000"/>
+                <a:lumOff val="25000"/>
+                <a:alpha val="10000"/>
+              </a:schemeClr>
+            </a:solidFill>
+          </a:ln>
           <a:solidFill>
-            <a:schemeClr val="tx1"/>
+            <a:schemeClr val="tx2"/>
           </a:solidFill>
+          <a:effectLst>
+            <a:outerShdw blurRad="9525" dist="25400" dir="14640000" algn="tl" rotWithShape="0">
+              <a:schemeClr val="bg1">
+                <a:alpha val="30000"/>
+              </a:schemeClr>
+            </a:outerShdw>
+          </a:effectLst>
           <a:latin typeface="+mn-lt"/>
           <a:ea typeface="+mn-ea"/>
           <a:cs typeface="+mn-cs"/>
         </a:defRPr>
       </a:lvl6pPr>
-      <a:lvl7pPr marL="2971800" indent="-228600" algn="l" defTabSz="914400" rtl="0" eaLnBrk="1" latinLnBrk="0" hangingPunct="1">
-        <a:lnSpc>
-          <a:spcPct val="90000"/>
-        </a:lnSpc>
+      <a:lvl7pPr marL="2401800" indent="-228600" algn="l" defTabSz="457200" rtl="0" eaLnBrk="1" latinLnBrk="0" hangingPunct="1">
         <a:spcBef>
-          <a:spcPts val="500"/>
+          <a:spcPct val="20000"/>
         </a:spcBef>
-        <a:buFont typeface="Arial" panose="020B0604020202020204" pitchFamily="34" charset="0"/>
-        <a:buChar char="•"/>
-        <a:defRPr sz="1800" kern="1200">
+        <a:spcAft>
+          <a:spcPts val="600"/>
+        </a:spcAft>
+        <a:buClr>
+          <a:schemeClr val="tx2"/>
+        </a:buClr>
+        <a:buSzPct val="70000"/>
+        <a:buFont typeface="Wingdings 2" charset="2"/>
+        <a:buChar char=""/>
+        <a:defRPr sz="1400" kern="1200">
+          <a:ln>
+            <a:solidFill>
+              <a:schemeClr val="bg1">
+                <a:lumMod val="75000"/>
+                <a:lumOff val="25000"/>
+                <a:alpha val="10000"/>
+              </a:schemeClr>
+            </a:solidFill>
+          </a:ln>
           <a:solidFill>
-            <a:schemeClr val="tx1"/>
+            <a:schemeClr val="tx2"/>
           </a:solidFill>
+          <a:effectLst>
+            <a:outerShdw blurRad="9525" dist="25400" dir="14640000" algn="tl" rotWithShape="0">
+              <a:schemeClr val="bg1">
+                <a:alpha val="30000"/>
+              </a:schemeClr>
+            </a:outerShdw>
+          </a:effectLst>
           <a:latin typeface="+mn-lt"/>
           <a:ea typeface="+mn-ea"/>
           <a:cs typeface="+mn-cs"/>
         </a:defRPr>
       </a:lvl7pPr>
-      <a:lvl8pPr marL="3429000" indent="-228600" algn="l" defTabSz="914400" rtl="0" eaLnBrk="1" latinLnBrk="0" hangingPunct="1">
-        <a:lnSpc>
-          <a:spcPct val="90000"/>
-        </a:lnSpc>
+      <a:lvl8pPr marL="2789000" indent="-228600" algn="l" defTabSz="457200" rtl="0" eaLnBrk="1" latinLnBrk="0" hangingPunct="1">
         <a:spcBef>
-          <a:spcPts val="500"/>
+          <a:spcPct val="20000"/>
         </a:spcBef>
-        <a:buFont typeface="Arial" panose="020B0604020202020204" pitchFamily="34" charset="0"/>
-        <a:buChar char="•"/>
-        <a:defRPr sz="1800" kern="1200">
+        <a:spcAft>
+          <a:spcPts val="600"/>
+        </a:spcAft>
+        <a:buClr>
+          <a:schemeClr val="tx2"/>
+        </a:buClr>
+        <a:buSzPct val="70000"/>
+        <a:buFont typeface="Wingdings 2" charset="2"/>
+        <a:buChar char=""/>
+        <a:defRPr sz="1400" kern="1200">
+          <a:ln>
+            <a:solidFill>
+              <a:schemeClr val="bg1">
+                <a:lumMod val="75000"/>
+                <a:lumOff val="25000"/>
+                <a:alpha val="10000"/>
+              </a:schemeClr>
+            </a:solidFill>
+          </a:ln>
           <a:solidFill>
-            <a:schemeClr val="tx1"/>
+            <a:schemeClr val="tx2"/>
           </a:solidFill>
+          <a:effectLst>
+            <a:outerShdw blurRad="9525" dist="25400" dir="14640000" algn="tl" rotWithShape="0">
+              <a:schemeClr val="bg1">
+                <a:alpha val="30000"/>
+              </a:schemeClr>
+            </a:outerShdw>
+          </a:effectLst>
           <a:latin typeface="+mn-lt"/>
           <a:ea typeface="+mn-ea"/>
           <a:cs typeface="+mn-cs"/>
         </a:defRPr>
       </a:lvl8pPr>
-      <a:lvl9pPr marL="3886200" indent="-228600" algn="l" defTabSz="914400" rtl="0" eaLnBrk="1" latinLnBrk="0" hangingPunct="1">
-        <a:lnSpc>
-          <a:spcPct val="90000"/>
-        </a:lnSpc>
+      <a:lvl9pPr marL="3106200" indent="-228600" algn="l" defTabSz="457200" rtl="0" eaLnBrk="1" latinLnBrk="0" hangingPunct="1">
         <a:spcBef>
-          <a:spcPts val="500"/>
+          <a:spcPct val="20000"/>
         </a:spcBef>
-        <a:buFont typeface="Arial" panose="020B0604020202020204" pitchFamily="34" charset="0"/>
-        <a:buChar char="•"/>
-        <a:defRPr sz="1800" kern="1200">
+        <a:spcAft>
+          <a:spcPts val="600"/>
+        </a:spcAft>
+        <a:buClr>
+          <a:schemeClr val="tx2"/>
+        </a:buClr>
+        <a:buSzPct val="70000"/>
+        <a:buFont typeface="Wingdings 2" charset="2"/>
+        <a:buChar char=""/>
+        <a:defRPr sz="1400" kern="1200">
+          <a:ln>
+            <a:solidFill>
+              <a:schemeClr val="bg1">
+                <a:lumMod val="75000"/>
+                <a:lumOff val="25000"/>
+                <a:alpha val="10000"/>
+              </a:schemeClr>
+            </a:solidFill>
+          </a:ln>
           <a:solidFill>
-            <a:schemeClr val="tx1"/>
+            <a:schemeClr val="tx2"/>
           </a:solidFill>
+          <a:effectLst>
+            <a:outerShdw blurRad="9525" dist="25400" dir="14640000" algn="tl" rotWithShape="0">
+              <a:schemeClr val="bg1">
+                <a:alpha val="30000"/>
+              </a:schemeClr>
+            </a:outerShdw>
+          </a:effectLst>
           <a:latin typeface="+mn-lt"/>
           <a:ea typeface="+mn-ea"/>
           <a:cs typeface="+mn-cs"/>
@@ -3766,7 +6815,7 @@
       <a:defPPr>
         <a:defRPr lang="en-US"/>
       </a:defPPr>
-      <a:lvl1pPr marL="0" algn="l" defTabSz="914400" rtl="0" eaLnBrk="1" latinLnBrk="0" hangingPunct="1">
+      <a:lvl1pPr marL="0" algn="l" defTabSz="457200" rtl="0" eaLnBrk="1" latinLnBrk="0" hangingPunct="1">
         <a:defRPr sz="1800" kern="1200">
           <a:solidFill>
             <a:schemeClr val="tx1"/>
@@ -3776,7 +6825,7 @@
           <a:cs typeface="+mn-cs"/>
         </a:defRPr>
       </a:lvl1pPr>
-      <a:lvl2pPr marL="457200" algn="l" defTabSz="914400" rtl="0" eaLnBrk="1" latinLnBrk="0" hangingPunct="1">
+      <a:lvl2pPr marL="457200" algn="l" defTabSz="457200" rtl="0" eaLnBrk="1" latinLnBrk="0" hangingPunct="1">
         <a:defRPr sz="1800" kern="1200">
           <a:solidFill>
             <a:schemeClr val="tx1"/>
@@ -3786,7 +6835,7 @@
           <a:cs typeface="+mn-cs"/>
         </a:defRPr>
       </a:lvl2pPr>
-      <a:lvl3pPr marL="914400" algn="l" defTabSz="914400" rtl="0" eaLnBrk="1" latinLnBrk="0" hangingPunct="1">
+      <a:lvl3pPr marL="914400" algn="l" defTabSz="457200" rtl="0" eaLnBrk="1" latinLnBrk="0" hangingPunct="1">
         <a:defRPr sz="1800" kern="1200">
           <a:solidFill>
             <a:schemeClr val="tx1"/>
@@ -3796,7 +6845,7 @@
           <a:cs typeface="+mn-cs"/>
         </a:defRPr>
       </a:lvl3pPr>
-      <a:lvl4pPr marL="1371600" algn="l" defTabSz="914400" rtl="0" eaLnBrk="1" latinLnBrk="0" hangingPunct="1">
+      <a:lvl4pPr marL="1371600" algn="l" defTabSz="457200" rtl="0" eaLnBrk="1" latinLnBrk="0" hangingPunct="1">
         <a:defRPr sz="1800" kern="1200">
           <a:solidFill>
             <a:schemeClr val="tx1"/>
@@ -3806,7 +6855,7 @@
           <a:cs typeface="+mn-cs"/>
         </a:defRPr>
       </a:lvl4pPr>
-      <a:lvl5pPr marL="1828800" algn="l" defTabSz="914400" rtl="0" eaLnBrk="1" latinLnBrk="0" hangingPunct="1">
+      <a:lvl5pPr marL="1828800" algn="l" defTabSz="457200" rtl="0" eaLnBrk="1" latinLnBrk="0" hangingPunct="1">
         <a:defRPr sz="1800" kern="1200">
           <a:solidFill>
             <a:schemeClr val="tx1"/>
@@ -3816,7 +6865,7 @@
           <a:cs typeface="+mn-cs"/>
         </a:defRPr>
       </a:lvl5pPr>
-      <a:lvl6pPr marL="2286000" algn="l" defTabSz="914400" rtl="0" eaLnBrk="1" latinLnBrk="0" hangingPunct="1">
+      <a:lvl6pPr marL="2286000" algn="l" defTabSz="457200" rtl="0" eaLnBrk="1" latinLnBrk="0" hangingPunct="1">
         <a:defRPr sz="1800" kern="1200">
           <a:solidFill>
             <a:schemeClr val="tx1"/>
@@ -3826,7 +6875,7 @@
           <a:cs typeface="+mn-cs"/>
         </a:defRPr>
       </a:lvl6pPr>
-      <a:lvl7pPr marL="2743200" algn="l" defTabSz="914400" rtl="0" eaLnBrk="1" latinLnBrk="0" hangingPunct="1">
+      <a:lvl7pPr marL="2743200" algn="l" defTabSz="457200" rtl="0" eaLnBrk="1" latinLnBrk="0" hangingPunct="1">
         <a:defRPr sz="1800" kern="1200">
           <a:solidFill>
             <a:schemeClr val="tx1"/>
@@ -3836,7 +6885,7 @@
           <a:cs typeface="+mn-cs"/>
         </a:defRPr>
       </a:lvl7pPr>
-      <a:lvl8pPr marL="3200400" algn="l" defTabSz="914400" rtl="0" eaLnBrk="1" latinLnBrk="0" hangingPunct="1">
+      <a:lvl8pPr marL="3200400" algn="l" defTabSz="457200" rtl="0" eaLnBrk="1" latinLnBrk="0" hangingPunct="1">
         <a:defRPr sz="1800" kern="1200">
           <a:solidFill>
             <a:schemeClr val="tx1"/>
@@ -3846,7 +6895,7 @@
           <a:cs typeface="+mn-cs"/>
         </a:defRPr>
       </a:lvl8pPr>
-      <a:lvl9pPr marL="3657600" algn="l" defTabSz="914400" rtl="0" eaLnBrk="1" latinLnBrk="0" hangingPunct="1">
+      <a:lvl9pPr marL="3657600" algn="l" defTabSz="457200" rtl="0" eaLnBrk="1" latinLnBrk="0" hangingPunct="1">
         <a:defRPr sz="1800" kern="1200">
           <a:solidFill>
             <a:schemeClr val="tx1"/>
@@ -3864,6 +6913,26 @@
 <file path=ppt/slides/slide1.xml><?xml version="1.0" encoding="utf-8"?>
 <p:sld xmlns:a="http://schemas.openxmlformats.org/drawingml/2006/main" xmlns:r="http://schemas.openxmlformats.org/officeDocument/2006/relationships" xmlns:p="http://schemas.openxmlformats.org/presentationml/2006/main">
   <p:cSld>
+    <p:bg>
+      <p:bgPr>
+        <a:blipFill rotWithShape="1">
+          <a:blip r:embed="rId2">
+            <a:duotone>
+              <a:schemeClr val="bg2">
+                <a:shade val="80000"/>
+                <a:lumMod val="80000"/>
+              </a:schemeClr>
+              <a:schemeClr val="bg2">
+                <a:tint val="98000"/>
+              </a:schemeClr>
+            </a:duotone>
+            <a:extLst/>
+          </a:blip>
+          <a:stretch/>
+        </a:blipFill>
+        <a:effectLst/>
+      </p:bgPr>
+    </p:bg>
     <p:spTree>
       <p:nvGrpSpPr>
         <p:cNvPr id="1" name=""/>
@@ -3878,6 +6947,66 @@
           <a:chExt cx="0" cy="0"/>
         </a:xfrm>
       </p:grpSpPr>
+      <p:sp useBgFill="1">
+        <p:nvSpPr>
+          <p:cNvPr id="8" name="Rectangle 7">
+            <a:extLst>
+              <a:ext uri="{FF2B5EF4-FFF2-40B4-BE49-F238E27FC236}">
+                <a16:creationId xmlns:a16="http://schemas.microsoft.com/office/drawing/2014/main" id="{2124007E-BA57-41B2-8C6B-5E99927F2247}"/>
+              </a:ext>
+              <a:ext uri="{C183D7F6-B498-43B3-948B-1728B52AA6E4}">
+                <adec:decorative xmlns:adec="http://schemas.microsoft.com/office/drawing/2017/decorative" val="1"/>
+              </a:ext>
+            </a:extLst>
+          </p:cNvPr>
+          <p:cNvSpPr>
+            <a:spLocks noGrp="1" noRot="1" noChangeAspect="1" noMove="1" noResize="1" noEditPoints="1" noAdjustHandles="1" noChangeArrowheads="1" noChangeShapeType="1" noTextEdit="1"/>
+          </p:cNvSpPr>
+          <p:nvPr>
+            <p:extLst>
+              <p:ext uri="{386F3935-93C4-4BCD-93E2-E3B085C9AB24}">
+                <p16:designElem xmlns:p16="http://schemas.microsoft.com/office/powerpoint/2015/main" val="1"/>
+              </p:ext>
+            </p:extLst>
+          </p:nvPr>
+        </p:nvSpPr>
+        <p:spPr>
+          <a:xfrm>
+            <a:off x="0" y="0"/>
+            <a:ext cx="12192000" cy="6858000"/>
+          </a:xfrm>
+          <a:prstGeom prst="rect">
+            <a:avLst/>
+          </a:prstGeom>
+          <a:ln>
+            <a:noFill/>
+          </a:ln>
+        </p:spPr>
+        <p:style>
+          <a:lnRef idx="2">
+            <a:schemeClr val="accent1">
+              <a:shade val="50000"/>
+            </a:schemeClr>
+          </a:lnRef>
+          <a:fillRef idx="1">
+            <a:schemeClr val="accent1"/>
+          </a:fillRef>
+          <a:effectRef idx="0">
+            <a:schemeClr val="accent1"/>
+          </a:effectRef>
+          <a:fontRef idx="minor">
+            <a:schemeClr val="lt1"/>
+          </a:fontRef>
+        </p:style>
+        <p:txBody>
+          <a:bodyPr rtlCol="0" anchor="ctr"/>
+          <a:lstStyle/>
+          <a:p>
+            <a:pPr algn="ctr"/>
+            <a:endParaRPr lang="en-US"/>
+          </a:p>
+        </p:txBody>
+      </p:sp>
       <p:sp>
         <p:nvSpPr>
           <p:cNvPr id="2" name="Title 1"/>
@@ -3888,15 +7017,100 @@
             <p:ph type="ctrTitle"/>
           </p:nvPr>
         </p:nvSpPr>
-        <p:spPr/>
-        <p:txBody>
-          <a:bodyPr/>
+        <p:spPr>
+          <a:xfrm>
+            <a:off x="769207" y="1099456"/>
+            <a:ext cx="6243636" cy="4625558"/>
+          </a:xfrm>
+          <a:effectLst/>
+        </p:spPr>
+        <p:txBody>
+          <a:bodyPr anchor="ctr">
+            <a:normAutofit/>
+          </a:bodyPr>
           <a:lstStyle/>
           <a:p>
-            <a:r>
-              <a:rPr lang="en-US" dirty="0" smtClean="0"/>
+            <a:pPr algn="l"/>
+            <a:r>
+              <a:rPr lang="en-US">
+                <a:solidFill>
+                  <a:schemeClr val="tx1"/>
+                </a:solidFill>
+              </a:rPr>
               <a:t>HECC 2018</a:t>
             </a:r>
+          </a:p>
+        </p:txBody>
+      </p:sp>
+      <p:sp>
+        <p:nvSpPr>
+          <p:cNvPr id="10" name="Rectangle 9">
+            <a:extLst>
+              <a:ext uri="{FF2B5EF4-FFF2-40B4-BE49-F238E27FC236}">
+                <a16:creationId xmlns:a16="http://schemas.microsoft.com/office/drawing/2014/main" id="{8DEB9D55-38C8-45B4-BB2D-4FDBBDB08C37}"/>
+              </a:ext>
+              <a:ext uri="{C183D7F6-B498-43B3-948B-1728B52AA6E4}">
+                <adec:decorative xmlns:adec="http://schemas.microsoft.com/office/drawing/2017/decorative" val="1"/>
+              </a:ext>
+            </a:extLst>
+          </p:cNvPr>
+          <p:cNvSpPr>
+            <a:spLocks noGrp="1" noRot="1" noChangeAspect="1" noMove="1" noResize="1" noEditPoints="1" noAdjustHandles="1" noChangeArrowheads="1" noChangeShapeType="1" noTextEdit="1"/>
+          </p:cNvSpPr>
+          <p:nvPr>
+            <p:extLst>
+              <p:ext uri="{386F3935-93C4-4BCD-93E2-E3B085C9AB24}">
+                <p16:designElem xmlns:p16="http://schemas.microsoft.com/office/powerpoint/2015/main" val="1"/>
+              </p:ext>
+            </p:extLst>
+          </p:nvPr>
+        </p:nvSpPr>
+        <p:spPr>
+          <a:xfrm>
+            <a:off x="7537704" y="0"/>
+            <a:ext cx="4654296" cy="6858000"/>
+          </a:xfrm>
+          <a:prstGeom prst="rect">
+            <a:avLst/>
+          </a:prstGeom>
+          <a:solidFill>
+            <a:schemeClr val="tx1">
+              <a:lumMod val="95000"/>
+              <a:alpha val="90000"/>
+            </a:schemeClr>
+          </a:solidFill>
+          <a:ln>
+            <a:noFill/>
+          </a:ln>
+          <a:effectLst>
+            <a:outerShdw blurRad="50800" dist="38100" dir="10800000" algn="l" rotWithShape="0">
+              <a:prstClr val="black">
+                <a:alpha val="40000"/>
+              </a:prstClr>
+            </a:outerShdw>
+          </a:effectLst>
+        </p:spPr>
+        <p:style>
+          <a:lnRef idx="2">
+            <a:schemeClr val="accent1">
+              <a:shade val="50000"/>
+            </a:schemeClr>
+          </a:lnRef>
+          <a:fillRef idx="1">
+            <a:schemeClr val="accent1"/>
+          </a:fillRef>
+          <a:effectRef idx="0">
+            <a:schemeClr val="accent1"/>
+          </a:effectRef>
+          <a:fontRef idx="minor">
+            <a:schemeClr val="lt1"/>
+          </a:fontRef>
+        </p:style>
+        <p:txBody>
+          <a:bodyPr rtlCol="0" anchor="ctr"/>
+          <a:lstStyle/>
+          <a:p>
+            <a:pPr algn="ctr"/>
             <a:endParaRPr lang="en-US" dirty="0"/>
           </a:p>
         </p:txBody>
@@ -3911,35 +7125,37 @@
             <p:ph type="subTitle" idx="1"/>
           </p:nvPr>
         </p:nvSpPr>
-        <p:spPr/>
-        <p:txBody>
-          <a:bodyPr/>
+        <p:spPr>
+          <a:xfrm>
+            <a:off x="7782049" y="1112685"/>
+            <a:ext cx="2935320" cy="4632630"/>
+          </a:xfrm>
+          <a:effectLst/>
+        </p:spPr>
+        <p:txBody>
+          <a:bodyPr anchor="ctr">
+            <a:normAutofit/>
+          </a:bodyPr>
           <a:lstStyle/>
           <a:p>
-            <a:r>
-              <a:rPr lang="en-US" dirty="0" smtClean="0"/>
-              <a:t>2054 </a:t>
-            </a:r>
-            <a:r>
-              <a:rPr lang="en-US" dirty="0"/>
-              <a:t>- Deploying Windows </a:t>
-            </a:r>
-            <a:r>
-              <a:rPr lang="en-US" dirty="0" smtClean="0"/>
-              <a:t>10 </a:t>
-            </a:r>
-            <a:r>
-              <a:rPr lang="en-US" dirty="0"/>
-              <a:t>With MDT (Part </a:t>
-            </a:r>
-            <a:r>
-              <a:rPr lang="en-US" dirty="0" smtClean="0"/>
-              <a:t>2)</a:t>
-            </a:r>
-          </a:p>
-          <a:p>
-            <a:r>
-              <a:rPr lang="en-US" dirty="0"/>
+            <a:pPr algn="l"/>
+            <a:r>
+              <a:rPr lang="en-US" sz="2400">
+                <a:solidFill>
+                  <a:schemeClr val="bg2"/>
+                </a:solidFill>
+              </a:rPr>
+              <a:t>2054 - Deploying Windows 10 With MDT (Part 2)</a:t>
+            </a:r>
+          </a:p>
+          <a:p>
+            <a:pPr algn="l"/>
+            <a:r>
+              <a:rPr lang="en-US" sz="2400">
+                <a:solidFill>
+                  <a:schemeClr val="bg2"/>
+                </a:solidFill>
+              </a:rPr>
               <a:t>Section 1</a:t>
             </a:r>
           </a:p>
@@ -3955,13 +7171,6 @@
   <p:clrMapOvr>
     <a:masterClrMapping/>
   </p:clrMapOvr>
-  <p:timing>
-    <p:tnLst>
-      <p:par>
-        <p:cTn id="1" dur="indefinite" restart="never" nodeType="tmRoot"/>
-      </p:par>
-    </p:tnLst>
-  </p:timing>
 </p:sld>
 </file>
 
@@ -4006,10 +7215,9 @@
           <a:p>
             <a:pPr algn="ctr"/>
             <a:r>
-              <a:rPr lang="en-US" sz="13800" dirty="0" smtClean="0"/>
+              <a:rPr lang="en-US" sz="13800" dirty="0"/>
               <a:t>Questions</a:t>
             </a:r>
-            <a:endParaRPr lang="en-US" sz="13800" dirty="0"/>
           </a:p>
         </p:txBody>
       </p:sp>
@@ -4023,13 +7231,6 @@
   <p:clrMapOvr>
     <a:masterClrMapping/>
   </p:clrMapOvr>
-  <p:timing>
-    <p:tnLst>
-      <p:par>
-        <p:cTn id="1" dur="indefinite" restart="never" nodeType="tmRoot"/>
-      </p:par>
-    </p:tnLst>
-  </p:timing>
 </p:sld>
 </file>
 
@@ -4072,14 +7273,14 @@
           <a:p>
             <a:pPr algn="ctr"/>
             <a:r>
-              <a:rPr lang="en-US" sz="13800" dirty="0" smtClean="0"/>
+              <a:rPr lang="en-US" sz="13800" dirty="0"/>
               <a:t>Break</a:t>
             </a:r>
             <a:br>
-              <a:rPr lang="en-US" sz="13800" dirty="0" smtClean="0"/>
+              <a:rPr lang="en-US" sz="13800" dirty="0"/>
             </a:br>
             <a:r>
-              <a:rPr lang="en-US" sz="3200" dirty="0" smtClean="0"/>
+              <a:rPr lang="en-US" sz="3200" dirty="0"/>
               <a:t>10 Minutes</a:t>
             </a:r>
             <a:endParaRPr lang="en-US" dirty="0"/>
@@ -4096,13 +7297,6 @@
   <p:clrMapOvr>
     <a:masterClrMapping/>
   </p:clrMapOvr>
-  <p:timing>
-    <p:tnLst>
-      <p:par>
-        <p:cTn id="1" dur="indefinite" restart="never" nodeType="tmRoot"/>
-      </p:par>
-    </p:tnLst>
-  </p:timing>
 </p:sld>
 </file>
 
@@ -4144,10 +7338,9 @@
           <a:lstStyle/>
           <a:p>
             <a:r>
-              <a:rPr lang="en-US" dirty="0" smtClean="0"/>
+              <a:rPr lang="en-US" dirty="0"/>
               <a:t>Agenda</a:t>
             </a:r>
-            <a:endParaRPr lang="en-US" dirty="0"/>
           </a:p>
         </p:txBody>
       </p:sp>
@@ -4174,7 +7367,7 @@
           <a:lstStyle/>
           <a:p>
             <a:r>
-              <a:rPr lang="en-US" dirty="0" smtClean="0"/>
+              <a:rPr lang="en-US" dirty="0"/>
               <a:t>Setup</a:t>
             </a:r>
           </a:p>
@@ -4184,7 +7377,6 @@
               <a:rPr lang="en-US" dirty="0"/>
               <a:t>Create Deployment Share </a:t>
             </a:r>
-            <a:endParaRPr lang="en-US" dirty="0" smtClean="0"/>
           </a:p>
           <a:p>
             <a:pPr lvl="1"/>
@@ -4192,19 +7384,13 @@
               <a:rPr lang="en-US" dirty="0"/>
               <a:t>Customize Deployment Share </a:t>
             </a:r>
-            <a:endParaRPr lang="en-US" dirty="0" smtClean="0"/>
           </a:p>
           <a:p>
             <a:pPr lvl="1"/>
             <a:r>
-              <a:rPr lang="en-US" dirty="0" smtClean="0"/>
-              <a:t>Import </a:t>
-            </a:r>
-            <a:r>
               <a:rPr lang="en-US" dirty="0"/>
-              <a:t>Custom WIM </a:t>
-            </a:r>
-            <a:endParaRPr lang="en-US" dirty="0" smtClean="0"/>
+              <a:t>Import Custom WIM </a:t>
+            </a:r>
           </a:p>
           <a:p>
             <a:pPr lvl="1"/>
@@ -4212,7 +7398,6 @@
               <a:rPr lang="en-US" dirty="0"/>
               <a:t>WDS and PXE setup </a:t>
             </a:r>
-            <a:endParaRPr lang="en-US" dirty="0" smtClean="0"/>
           </a:p>
           <a:p>
             <a:pPr lvl="1"/>
@@ -4224,14 +7409,14 @@
           <a:p>
             <a:pPr lvl="1"/>
             <a:r>
-              <a:rPr lang="en-US" dirty="0" smtClean="0"/>
+              <a:rPr lang="en-US" dirty="0"/>
               <a:t>Demo</a:t>
             </a:r>
           </a:p>
           <a:p>
             <a:pPr lvl="1"/>
             <a:r>
-              <a:rPr lang="en-US" dirty="0" smtClean="0"/>
+              <a:rPr lang="en-US" dirty="0"/>
               <a:t>Questions</a:t>
             </a:r>
           </a:p>
@@ -4247,13 +7432,6 @@
   <p:clrMapOvr>
     <a:masterClrMapping/>
   </p:clrMapOvr>
-  <p:timing>
-    <p:tnLst>
-      <p:par>
-        <p:cTn id="1" dur="indefinite" restart="never" nodeType="tmRoot"/>
-      </p:par>
-    </p:tnLst>
-  </p:timing>
 </p:sld>
 </file>
 
@@ -4293,7 +7471,6 @@
               <a:rPr lang="en-US" dirty="0"/>
               <a:t>Deployment Share </a:t>
             </a:r>
-            <a:endParaRPr lang="en-US" dirty="0"/>
           </a:p>
         </p:txBody>
       </p:sp>
@@ -4313,7 +7490,7 @@
           <a:lstStyle/>
           <a:p>
             <a:r>
-              <a:rPr lang="en-US" dirty="0" smtClean="0"/>
+              <a:rPr lang="en-US" dirty="0"/>
               <a:t>Create Deployment Share – HECC Deployment</a:t>
             </a:r>
           </a:p>
@@ -4326,41 +7503,29 @@
           <a:p>
             <a:r>
               <a:rPr lang="en-US" dirty="0"/>
-              <a:t>Right Click on Deployment Share and select New Deployment </a:t>
-            </a:r>
-            <a:r>
-              <a:rPr lang="en-US" dirty="0" smtClean="0"/>
-              <a:t>Share</a:t>
+              <a:t>Right Click on Deployment Share and select New Deployment Share</a:t>
             </a:r>
           </a:p>
           <a:p>
             <a:pPr lvl="1"/>
             <a:r>
-              <a:rPr lang="en-US" dirty="0" smtClean="0"/>
+              <a:rPr lang="en-US" dirty="0"/>
               <a:t>Deployment Share name </a:t>
             </a:r>
             <a:r>
-              <a:rPr lang="en-US" dirty="0" err="1" smtClean="0"/>
+              <a:rPr lang="en-US" dirty="0" err="1"/>
               <a:t>HECCDeploy</a:t>
             </a:r>
             <a:r>
-              <a:rPr lang="en-US" dirty="0" smtClean="0"/>
+              <a:rPr lang="en-US" dirty="0"/>
               <a:t>$</a:t>
             </a:r>
           </a:p>
           <a:p>
             <a:pPr lvl="1"/>
             <a:r>
-              <a:rPr lang="en-US" dirty="0" smtClean="0"/>
-              <a:t>Deployment Share Description HECC </a:t>
-            </a:r>
-            <a:r>
               <a:rPr lang="en-US" dirty="0"/>
-              <a:t>Deployment </a:t>
-            </a:r>
-            <a:r>
-              <a:rPr lang="en-US" dirty="0" smtClean="0"/>
-              <a:t>Share</a:t>
+              <a:t>Deployment Share Description HECC Deployment Share</a:t>
             </a:r>
           </a:p>
           <a:p>
@@ -4409,13 +7574,6 @@
   <p:clrMapOvr>
     <a:masterClrMapping/>
   </p:clrMapOvr>
-  <p:timing>
-    <p:tnLst>
-      <p:par>
-        <p:cTn id="1" dur="indefinite" restart="never" nodeType="tmRoot"/>
-      </p:par>
-    </p:tnLst>
-  </p:timing>
 </p:sld>
 </file>
 
@@ -4452,10 +7610,9 @@
           <a:lstStyle/>
           <a:p>
             <a:r>
-              <a:rPr lang="en-US" dirty="0" smtClean="0"/>
+              <a:rPr lang="en-US" dirty="0"/>
               <a:t>Deployment Share settings</a:t>
             </a:r>
-            <a:endParaRPr lang="en-US" dirty="0"/>
           </a:p>
         </p:txBody>
       </p:sp>
@@ -4475,43 +7632,42 @@
           <a:lstStyle/>
           <a:p>
             <a:r>
-              <a:rPr lang="en-US" dirty="0" smtClean="0"/>
+              <a:rPr lang="en-US" dirty="0"/>
               <a:t>Again focusing on Bootstrap.ini and CustomSettings.ini</a:t>
             </a:r>
           </a:p>
           <a:p>
             <a:r>
-              <a:rPr lang="en-US" dirty="0" smtClean="0"/>
+              <a:rPr lang="en-US" dirty="0"/>
               <a:t>Bootstrap.ini</a:t>
             </a:r>
           </a:p>
           <a:p>
             <a:pPr lvl="1"/>
             <a:r>
-              <a:rPr lang="en-US" dirty="0" smtClean="0"/>
+              <a:rPr lang="en-US" dirty="0"/>
               <a:t>For Demo I have share username and password in file.  You need to make the call in your environment.  Others will have access to this image</a:t>
             </a:r>
           </a:p>
           <a:p>
             <a:r>
-              <a:rPr lang="en-US" dirty="0" smtClean="0"/>
+              <a:rPr lang="en-US" dirty="0"/>
               <a:t>Different settings for Deployment.  Some the same.</a:t>
             </a:r>
           </a:p>
           <a:p>
             <a:pPr lvl="1"/>
             <a:r>
-              <a:rPr lang="en-US" dirty="0" smtClean="0"/>
+              <a:rPr lang="en-US" dirty="0"/>
               <a:t>We will highlight some special cases later.</a:t>
             </a:r>
           </a:p>
           <a:p>
             <a:pPr lvl="1"/>
             <a:r>
-              <a:rPr lang="en-US" dirty="0" smtClean="0"/>
+              <a:rPr lang="en-US" dirty="0"/>
               <a:t>I put a copy of both files in class files.</a:t>
             </a:r>
-            <a:endParaRPr lang="en-US" dirty="0"/>
           </a:p>
           <a:p>
             <a:endParaRPr lang="en-US" dirty="0"/>
@@ -4528,13 +7684,6 @@
   <p:clrMapOvr>
     <a:masterClrMapping/>
   </p:clrMapOvr>
-  <p:timing>
-    <p:tnLst>
-      <p:par>
-        <p:cTn id="1" dur="indefinite" restart="never" nodeType="tmRoot"/>
-      </p:par>
-    </p:tnLst>
-  </p:timing>
 </p:sld>
 </file>
 
@@ -4571,10 +7720,9 @@
           <a:lstStyle/>
           <a:p>
             <a:r>
-              <a:rPr lang="en-US" dirty="0" smtClean="0"/>
+              <a:rPr lang="en-US" dirty="0"/>
               <a:t>Importing WIM</a:t>
             </a:r>
-            <a:endParaRPr lang="en-US" dirty="0"/>
           </a:p>
         </p:txBody>
       </p:sp>
@@ -4599,19 +7747,19 @@
           <a:lstStyle/>
           <a:p>
             <a:r>
-              <a:rPr lang="en-US" dirty="0" smtClean="0"/>
+              <a:rPr lang="en-US" dirty="0"/>
               <a:t>You should have Golden Image WIM file created with process from last class</a:t>
             </a:r>
           </a:p>
           <a:p>
             <a:r>
-              <a:rPr lang="en-US" dirty="0" smtClean="0"/>
+              <a:rPr lang="en-US" dirty="0"/>
               <a:t>Also have Windows 10 1803 ISO mounted</a:t>
             </a:r>
           </a:p>
           <a:p>
             <a:r>
-              <a:rPr lang="en-US" dirty="0" smtClean="0"/>
+              <a:rPr lang="en-US" dirty="0"/>
               <a:t>Make folders for Each OS in Operating Systems fold in Workbench</a:t>
             </a:r>
           </a:p>
@@ -4636,7 +7784,7 @@
         </p:blipFill>
         <p:spPr>
           <a:xfrm>
-            <a:off x="5891525" y="1153194"/>
+            <a:off x="5891525" y="1532577"/>
             <a:ext cx="6137608" cy="5058002"/>
           </a:xfrm>
           <a:prstGeom prst="rect">
@@ -4660,7 +7808,7 @@
         </p:blipFill>
         <p:spPr>
           <a:xfrm>
-            <a:off x="5932559" y="1156265"/>
+            <a:off x="5932559" y="1535648"/>
             <a:ext cx="6055541" cy="5051860"/>
           </a:xfrm>
           <a:prstGeom prst="rect">
@@ -4684,7 +7832,7 @@
         </p:blipFill>
         <p:spPr>
           <a:xfrm>
-            <a:off x="5891525" y="1122033"/>
+            <a:off x="5891525" y="1501416"/>
             <a:ext cx="6137608" cy="5120325"/>
           </a:xfrm>
           <a:prstGeom prst="rect">
@@ -4708,7 +7856,7 @@
         </p:blipFill>
         <p:spPr>
           <a:xfrm>
-            <a:off x="5887844" y="1118961"/>
+            <a:off x="5887844" y="1498344"/>
             <a:ext cx="6144971" cy="5126468"/>
           </a:xfrm>
           <a:prstGeom prst="rect">
@@ -4732,7 +7880,7 @@
         </p:blipFill>
         <p:spPr>
           <a:xfrm>
-            <a:off x="5888832" y="1119786"/>
+            <a:off x="5888832" y="1499169"/>
             <a:ext cx="6142995" cy="5124819"/>
           </a:xfrm>
           <a:prstGeom prst="rect">
@@ -4756,7 +7904,7 @@
         </p:blipFill>
         <p:spPr>
           <a:xfrm>
-            <a:off x="5887844" y="1118961"/>
+            <a:off x="5887844" y="1498344"/>
             <a:ext cx="6144971" cy="5126468"/>
           </a:xfrm>
           <a:prstGeom prst="rect">
@@ -4780,7 +7928,7 @@
         </p:blipFill>
         <p:spPr>
           <a:xfrm>
-            <a:off x="5895764" y="1122033"/>
+            <a:off x="5895764" y="1501416"/>
             <a:ext cx="6129130" cy="5120325"/>
           </a:xfrm>
           <a:prstGeom prst="rect">
@@ -5158,8 +8306,8 @@
         </p:blipFill>
         <p:spPr>
           <a:xfrm>
-            <a:off x="722565" y="1859098"/>
-            <a:ext cx="10746869" cy="4764725"/>
+            <a:off x="2969815" y="2377669"/>
+            <a:ext cx="6242845" cy="2767824"/>
           </a:xfrm>
           <a:prstGeom prst="rect">
             <a:avLst/>
@@ -5176,13 +8324,6 @@
   <p:clrMapOvr>
     <a:masterClrMapping/>
   </p:clrMapOvr>
-  <p:timing>
-    <p:tnLst>
-      <p:par>
-        <p:cTn id="1" dur="indefinite" restart="never" nodeType="tmRoot"/>
-      </p:par>
-    </p:tnLst>
-  </p:timing>
 </p:sld>
 </file>
 
@@ -5219,10 +8360,9 @@
           <a:lstStyle/>
           <a:p>
             <a:r>
-              <a:rPr lang="en-US" dirty="0" smtClean="0"/>
+              <a:rPr lang="en-US" dirty="0"/>
               <a:t>WDS and PXE</a:t>
             </a:r>
-            <a:endParaRPr lang="en-US" dirty="0"/>
           </a:p>
         </p:txBody>
       </p:sp>
@@ -5242,34 +8382,33 @@
           <a:lstStyle/>
           <a:p>
             <a:r>
-              <a:rPr lang="en-US" dirty="0" smtClean="0"/>
+              <a:rPr lang="en-US" dirty="0"/>
               <a:t>WDS and PXE are used to Deploy the image</a:t>
             </a:r>
           </a:p>
           <a:p>
             <a:r>
-              <a:rPr lang="en-US" dirty="0" smtClean="0"/>
+              <a:rPr lang="en-US" dirty="0"/>
               <a:t>You need the Windows Deployment Services installed on your MDT Server</a:t>
             </a:r>
           </a:p>
           <a:p>
             <a:r>
-              <a:rPr lang="en-US" dirty="0" smtClean="0"/>
+              <a:rPr lang="en-US" dirty="0"/>
               <a:t>Only change I make to default install is on TFTP tab of WDS.</a:t>
             </a:r>
           </a:p>
           <a:p>
             <a:r>
-              <a:rPr lang="en-US" dirty="0" smtClean="0"/>
+              <a:rPr lang="en-US" dirty="0"/>
               <a:t>I increase Maximum Block Size to 16384</a:t>
             </a:r>
           </a:p>
           <a:p>
             <a:r>
-              <a:rPr lang="en-US" dirty="0" smtClean="0"/>
+              <a:rPr lang="en-US" dirty="0"/>
               <a:t>You will also import HECC_Deployment_x64.wim to be PXE image</a:t>
             </a:r>
-            <a:endParaRPr lang="en-US" dirty="0"/>
           </a:p>
         </p:txBody>
       </p:sp>
@@ -5283,13 +8422,6 @@
   <p:clrMapOvr>
     <a:masterClrMapping/>
   </p:clrMapOvr>
-  <p:timing>
-    <p:tnLst>
-      <p:par>
-        <p:cTn id="1" dur="indefinite" restart="never" nodeType="tmRoot"/>
-      </p:par>
-    </p:tnLst>
-  </p:timing>
 </p:sld>
 </file>
 
@@ -5331,10 +8463,9 @@
           <a:lstStyle/>
           <a:p>
             <a:r>
-              <a:rPr lang="en-US" dirty="0" smtClean="0"/>
+              <a:rPr lang="en-US" dirty="0"/>
               <a:t>Create Task Sequence</a:t>
             </a:r>
-            <a:endParaRPr lang="en-US" dirty="0"/>
           </a:p>
         </p:txBody>
       </p:sp>
@@ -5359,28 +8490,28 @@
           <a:lstStyle/>
           <a:p>
             <a:r>
-              <a:rPr lang="en-US" dirty="0" smtClean="0"/>
+              <a:rPr lang="en-US" dirty="0"/>
               <a:t>Create folder for major OS’s</a:t>
             </a:r>
           </a:p>
           <a:p>
             <a:pPr lvl="1"/>
             <a:r>
-              <a:rPr lang="en-US" dirty="0" smtClean="0"/>
+              <a:rPr lang="en-US" dirty="0"/>
               <a:t>Win 10</a:t>
             </a:r>
           </a:p>
           <a:p>
             <a:pPr lvl="1"/>
             <a:r>
-              <a:rPr lang="en-US" dirty="0" smtClean="0"/>
+              <a:rPr lang="en-US" dirty="0"/>
               <a:t>Win 7</a:t>
             </a:r>
           </a:p>
           <a:p>
             <a:pPr lvl="1"/>
             <a:r>
-              <a:rPr lang="en-US" dirty="0" smtClean="0"/>
+              <a:rPr lang="en-US" dirty="0"/>
               <a:t>Win 2016</a:t>
             </a:r>
           </a:p>
@@ -5935,10 +9066,9 @@
           <a:p>
             <a:pPr algn="ctr"/>
             <a:r>
-              <a:rPr lang="en-US" sz="16600" dirty="0" smtClean="0"/>
+              <a:rPr lang="en-US" sz="16600" dirty="0"/>
               <a:t>Demo</a:t>
             </a:r>
-            <a:endParaRPr lang="en-US" sz="16600" dirty="0"/>
           </a:p>
         </p:txBody>
       </p:sp>
@@ -5952,20 +9082,13 @@
   <p:clrMapOvr>
     <a:masterClrMapping/>
   </p:clrMapOvr>
-  <p:timing>
-    <p:tnLst>
-      <p:par>
-        <p:cTn id="1" dur="indefinite" restart="never" nodeType="tmRoot"/>
-      </p:par>
-    </p:tnLst>
-  </p:timing>
 </p:sld>
 </file>
 
 <file path=ppt/theme/theme1.xml><?xml version="1.0" encoding="utf-8"?>
-<a:theme xmlns:a="http://schemas.openxmlformats.org/drawingml/2006/main" name="Office Theme">
+<a:theme xmlns:a="http://schemas.openxmlformats.org/drawingml/2006/main" name="Slate">
   <a:themeElements>
-    <a:clrScheme name="Office">
+    <a:clrScheme name="Slate">
       <a:dk1>
         <a:sysClr val="windowText" lastClr="000000"/>
       </a:dk1>
@@ -5973,52 +9096,52 @@
         <a:sysClr val="window" lastClr="FFFFFF"/>
       </a:lt1>
       <a:dk2>
-        <a:srgbClr val="44546A"/>
+        <a:srgbClr val="212123"/>
       </a:dk2>
       <a:lt2>
-        <a:srgbClr val="E7E6E6"/>
+        <a:srgbClr val="DADADA"/>
       </a:lt2>
       <a:accent1>
-        <a:srgbClr val="5B9BD5"/>
+        <a:srgbClr val="BC451B"/>
       </a:accent1>
       <a:accent2>
-        <a:srgbClr val="ED7D31"/>
+        <a:srgbClr val="D3BA68"/>
       </a:accent2>
       <a:accent3>
-        <a:srgbClr val="A5A5A5"/>
+        <a:srgbClr val="BB8640"/>
       </a:accent3>
       <a:accent4>
-        <a:srgbClr val="FFC000"/>
+        <a:srgbClr val="AD9277"/>
       </a:accent4>
       <a:accent5>
-        <a:srgbClr val="4472C4"/>
+        <a:srgbClr val="A55A43"/>
       </a:accent5>
       <a:accent6>
-        <a:srgbClr val="70AD47"/>
+        <a:srgbClr val="AD9D7B"/>
       </a:accent6>
       <a:hlink>
-        <a:srgbClr val="0563C1"/>
+        <a:srgbClr val="E98052"/>
       </a:hlink>
       <a:folHlink>
-        <a:srgbClr val="954F72"/>
+        <a:srgbClr val="F4B69B"/>
       </a:folHlink>
     </a:clrScheme>
-    <a:fontScheme name="Office">
+    <a:fontScheme name="Slate">
       <a:majorFont>
-        <a:latin typeface="Calibri Light" panose="020F0302020204030204"/>
+        <a:latin typeface="Calisto MT" panose="02040603050505030304"/>
         <a:ea typeface=""/>
         <a:cs typeface=""/>
-        <a:font script="Jpan" typeface="游ゴシック Light"/>
-        <a:font script="Hang" typeface="맑은 고딕"/>
-        <a:font script="Hans" typeface="等线 Light"/>
-        <a:font script="Hant" typeface="新細明體"/>
-        <a:font script="Arab" typeface="Times New Roman"/>
-        <a:font script="Hebr" typeface="Times New Roman"/>
-        <a:font script="Thai" typeface="Angsana New"/>
+        <a:font script="Jpan" typeface="ＭＳ Ｐゴシック"/>
+        <a:font script="Hang" typeface="돋움"/>
+        <a:font script="Hans" typeface="方正舒体"/>
+        <a:font script="Hant" typeface="微軟正黑體"/>
+        <a:font script="Arab" typeface="Arial"/>
+        <a:font script="Hebr" typeface="Arial"/>
+        <a:font script="Thai" typeface="Cordia New"/>
         <a:font script="Ethi" typeface="Nyala"/>
         <a:font script="Beng" typeface="Vrinda"/>
         <a:font script="Gujr" typeface="Shruti"/>
-        <a:font script="Khmr" typeface="MoolBoran"/>
+        <a:font script="Khmr" typeface="DaunPenh"/>
         <a:font script="Knda" typeface="Tunga"/>
         <a:font script="Guru" typeface="Raavi"/>
         <a:font script="Cans" typeface="Euphemia"/>
@@ -6035,18 +9158,18 @@
         <a:font script="Laoo" typeface="DokChampa"/>
         <a:font script="Sinh" typeface="Iskoola Pota"/>
         <a:font script="Mong" typeface="Mongolian Baiti"/>
-        <a:font script="Viet" typeface="Times New Roman"/>
+        <a:font script="Viet" typeface="Arial"/>
         <a:font script="Uigh" typeface="Microsoft Uighur"/>
         <a:font script="Geor" typeface="Sylfaen"/>
       </a:majorFont>
       <a:minorFont>
-        <a:latin typeface="Calibri" panose="020F0502020204030204"/>
+        <a:latin typeface="Calisto MT" panose="02040603050505030304"/>
         <a:ea typeface=""/>
         <a:cs typeface=""/>
-        <a:font script="Jpan" typeface="游ゴシック"/>
-        <a:font script="Hang" typeface="맑은 고딕"/>
-        <a:font script="Hans" typeface="等线"/>
-        <a:font script="Hant" typeface="新細明體"/>
+        <a:font script="Jpan" typeface="ＭＳ Ｐゴシック"/>
+        <a:font script="Hang" typeface="돋움"/>
+        <a:font script="Hans" typeface="方正舒体"/>
+        <a:font script="Hant" typeface="微軟正黑體"/>
         <a:font script="Arab" typeface="Arial"/>
         <a:font script="Hebr" typeface="Arial"/>
         <a:font script="Thai" typeface="Cordia New"/>
@@ -6075,7 +9198,7 @@
         <a:font script="Geor" typeface="Sylfaen"/>
       </a:minorFont>
     </a:fontScheme>
-    <a:fmtScheme name="Office">
+    <a:fmtScheme name="Slate">
       <a:fillStyleLst>
         <a:solidFill>
           <a:schemeClr val="phClr"/>
@@ -6084,23 +9207,13 @@
           <a:gsLst>
             <a:gs pos="0">
               <a:schemeClr val="phClr">
+                <a:tint val="60000"/>
                 <a:lumMod val="110000"/>
-                <a:satMod val="105000"/>
-                <a:tint val="67000"/>
-              </a:schemeClr>
-            </a:gs>
-            <a:gs pos="50000">
-              <a:schemeClr val="phClr">
-                <a:lumMod val="105000"/>
-                <a:satMod val="103000"/>
-                <a:tint val="73000"/>
               </a:schemeClr>
             </a:gs>
             <a:gs pos="100000">
               <a:schemeClr val="phClr">
-                <a:lumMod val="105000"/>
-                <a:satMod val="109000"/>
-                <a:tint val="81000"/>
+                <a:tint val="88000"/>
               </a:schemeClr>
             </a:gs>
           </a:gsLst>
@@ -6110,23 +9223,14 @@
           <a:gsLst>
             <a:gs pos="0">
               <a:schemeClr val="phClr">
-                <a:satMod val="103000"/>
-                <a:lumMod val="102000"/>
-                <a:tint val="94000"/>
-              </a:schemeClr>
-            </a:gs>
-            <a:gs pos="50000">
-              <a:schemeClr val="phClr">
-                <a:satMod val="110000"/>
-                <a:lumMod val="100000"/>
-                <a:shade val="100000"/>
+                <a:tint val="96000"/>
+                <a:lumMod val="104000"/>
               </a:schemeClr>
             </a:gs>
             <a:gs pos="100000">
               <a:schemeClr val="phClr">
-                <a:lumMod val="99000"/>
-                <a:satMod val="120000"/>
-                <a:shade val="78000"/>
+                <a:shade val="90000"/>
+                <a:lumMod val="90000"/>
               </a:schemeClr>
             </a:gs>
           </a:gsLst>
@@ -6134,26 +9238,25 @@
         </a:gradFill>
       </a:fillStyleLst>
       <a:lnStyleLst>
-        <a:ln w="6350" cap="flat" cmpd="sng" algn="ctr">
+        <a:ln w="9525" cap="rnd" cmpd="sng" algn="ctr">
+          <a:solidFill>
+            <a:schemeClr val="phClr">
+              <a:shade val="90000"/>
+            </a:schemeClr>
+          </a:solidFill>
+          <a:prstDash val="solid"/>
+        </a:ln>
+        <a:ln w="15875" cap="rnd" cmpd="sng" algn="ctr">
           <a:solidFill>
             <a:schemeClr val="phClr"/>
           </a:solidFill>
           <a:prstDash val="solid"/>
-          <a:miter lim="800000"/>
         </a:ln>
-        <a:ln w="12700" cap="flat" cmpd="sng" algn="ctr">
+        <a:ln w="25400" cap="rnd" cmpd="sng" algn="ctr">
           <a:solidFill>
             <a:schemeClr val="phClr"/>
           </a:solidFill>
           <a:prstDash val="solid"/>
-          <a:miter lim="800000"/>
-        </a:ln>
-        <a:ln w="19050" cap="flat" cmpd="sng" algn="ctr">
-          <a:solidFill>
-            <a:schemeClr val="phClr"/>
-          </a:solidFill>
-          <a:prstDash val="solid"/>
-          <a:miter lim="800000"/>
         </a:ln>
       </a:lnStyleLst>
       <a:effectStyleLst>
@@ -6161,16 +9264,33 @@
           <a:effectLst/>
         </a:effectStyle>
         <a:effectStyle>
-          <a:effectLst/>
+          <a:effectLst>
+            <a:outerShdw blurRad="63500" dist="25400" dir="5400000" rotWithShape="0">
+              <a:srgbClr val="000000">
+                <a:alpha val="60000"/>
+              </a:srgbClr>
+            </a:outerShdw>
+          </a:effectLst>
         </a:effectStyle>
         <a:effectStyle>
           <a:effectLst>
-            <a:outerShdw blurRad="57150" dist="19050" dir="5400000" algn="ctr" rotWithShape="0">
+            <a:outerShdw blurRad="76200" dist="38100" dir="5400000" rotWithShape="0">
               <a:srgbClr val="000000">
-                <a:alpha val="63000"/>
+                <a:alpha val="75000"/>
               </a:srgbClr>
             </a:outerShdw>
           </a:effectLst>
+          <a:scene3d>
+            <a:camera prst="orthographicFront">
+              <a:rot lat="0" lon="0" rev="0"/>
+            </a:camera>
+            <a:lightRig rig="threePt" dir="t">
+              <a:rot lat="0" lon="0" rev="1200000"/>
+            </a:lightRig>
+          </a:scene3d>
+          <a:sp3d>
+            <a:bevelT w="63500" h="25400" prst="hardEdge"/>
+          </a:sp3d>
         </a:effectStyle>
       </a:effectStyleLst>
       <a:bgFillStyleLst>
@@ -6178,38 +9298,22 @@
           <a:schemeClr val="phClr"/>
         </a:solidFill>
         <a:solidFill>
-          <a:schemeClr val="phClr">
-            <a:tint val="95000"/>
-            <a:satMod val="170000"/>
-          </a:schemeClr>
+          <a:schemeClr val="phClr"/>
         </a:solidFill>
-        <a:gradFill rotWithShape="1">
-          <a:gsLst>
-            <a:gs pos="0">
+        <a:blipFill rotWithShape="1">
+          <a:blip xmlns:r="http://schemas.openxmlformats.org/officeDocument/2006/relationships" r:embed="rId1">
+            <a:duotone>
               <a:schemeClr val="phClr">
-                <a:tint val="93000"/>
-                <a:satMod val="150000"/>
-                <a:shade val="98000"/>
-                <a:lumMod val="102000"/>
+                <a:shade val="80000"/>
+                <a:lumMod val="80000"/>
               </a:schemeClr>
-            </a:gs>
-            <a:gs pos="50000">
               <a:schemeClr val="phClr">
                 <a:tint val="98000"/>
-                <a:satMod val="130000"/>
-                <a:shade val="90000"/>
-                <a:lumMod val="103000"/>
               </a:schemeClr>
-            </a:gs>
-            <a:gs pos="100000">
-              <a:schemeClr val="phClr">
-                <a:shade val="63000"/>
-                <a:satMod val="120000"/>
-              </a:schemeClr>
-            </a:gs>
-          </a:gsLst>
-          <a:lin ang="5400000" scaled="0"/>
-        </a:gradFill>
+            </a:duotone>
+          </a:blip>
+          <a:stretch/>
+        </a:blipFill>
       </a:bgFillStyleLst>
     </a:fmtScheme>
   </a:themeElements>
@@ -6217,7 +9321,7 @@
   <a:extraClrSchemeLst/>
   <a:extLst>
     <a:ext uri="{05A4C25C-085E-4340-85A3-A5531E510DB2}">
-      <thm15:themeFamily xmlns:thm15="http://schemas.microsoft.com/office/thememl/2012/main" name="Office Theme" id="{62F939B6-93AF-4DB8-9C6B-D6C7DFDC589F}" vid="{4A3C46E8-61CC-4603-A589-7422A47A8E4A}"/>
+      <thm15:themeFamily xmlns:thm15="http://schemas.microsoft.com/office/thememl/2012/main" name="Slate" id="{C3F70B94-7CE9-428E-ADC1-3269CC2C3385}" vid="{3F2DE9A5-64E6-437C-A389-CC4477E817E8}"/>
     </a:ext>
   </a:extLst>
 </a:theme>
